--- a/notes/csc402-ln013.pptx
+++ b/notes/csc402-ln013.pptx
@@ -229,17 +229,17 @@
           </a:ln>
           <a:extLst>
             <a:ext uri="{FAA26D3D-D897-4be2-8F04-BA451C77F1D7}">
-              <ma14:placeholderFlag xmlns:ma14="http://schemas.microsoft.com/office/mac/drawingml/2011/main" val="1"/>
+              <ma14:placeholderFlag xmlns:ma14="http://schemas.microsoft.com/office/mac/drawingml/2011/main" xmlns="" val="1"/>
             </a:ext>
             <a:ext uri="{909E8E84-426E-40dd-AFC4-6F175D3DCCD1}">
-              <a14:hiddenFill xmlns:a14="http://schemas.microsoft.com/office/drawing/2010/main" xmlns="">
+              <a14:hiddenFill xmlns="" xmlns:a14="http://schemas.microsoft.com/office/drawing/2010/main">
                 <a:solidFill>
                   <a:schemeClr val="accent1"/>
                 </a:solidFill>
               </a14:hiddenFill>
             </a:ext>
             <a:ext uri="{91240B29-F687-4f45-9708-019B960494DF}">
-              <a14:hiddenLine xmlns:a14="http://schemas.microsoft.com/office/drawing/2010/main" xmlns="" w="9525">
+              <a14:hiddenLine xmlns="" xmlns:a14="http://schemas.microsoft.com/office/drawing/2010/main" w="9525">
                 <a:solidFill>
                   <a:schemeClr val="tx1"/>
                 </a:solidFill>
@@ -290,17 +290,17 @@
           </a:ln>
           <a:extLst>
             <a:ext uri="{FAA26D3D-D897-4be2-8F04-BA451C77F1D7}">
-              <ma14:placeholderFlag xmlns:ma14="http://schemas.microsoft.com/office/mac/drawingml/2011/main" val="1"/>
+              <ma14:placeholderFlag xmlns:ma14="http://schemas.microsoft.com/office/mac/drawingml/2011/main" xmlns="" val="1"/>
             </a:ext>
             <a:ext uri="{909E8E84-426E-40dd-AFC4-6F175D3DCCD1}">
-              <a14:hiddenFill xmlns:a14="http://schemas.microsoft.com/office/drawing/2010/main" xmlns="">
+              <a14:hiddenFill xmlns="" xmlns:a14="http://schemas.microsoft.com/office/drawing/2010/main">
                 <a:solidFill>
                   <a:schemeClr val="accent1"/>
                 </a:solidFill>
               </a14:hiddenFill>
             </a:ext>
             <a:ext uri="{91240B29-F687-4f45-9708-019B960494DF}">
-              <a14:hiddenLine xmlns:a14="http://schemas.microsoft.com/office/drawing/2010/main" xmlns="" w="9525">
+              <a14:hiddenLine xmlns="" xmlns:a14="http://schemas.microsoft.com/office/drawing/2010/main" w="9525">
                 <a:solidFill>
                   <a:schemeClr val="tx1"/>
                 </a:solidFill>
@@ -357,7 +357,7 @@
           <a:effectLst/>
           <a:extLst>
             <a:ext uri="{AF507438-7753-43e0-B8FC-AC1667EBCBE1}">
-              <a14:hiddenEffects xmlns:a14="http://schemas.microsoft.com/office/drawing/2010/main" xmlns="">
+              <a14:hiddenEffects xmlns="" xmlns:a14="http://schemas.microsoft.com/office/drawing/2010/main">
                 <a:effectLst>
                   <a:outerShdw blurRad="63500" dist="38099" dir="2700000" algn="ctr" rotWithShape="0">
                     <a:srgbClr val="000000">
@@ -368,7 +368,7 @@
               </a14:hiddenEffects>
             </a:ext>
             <a:ext uri="{53640926-AAD7-44d8-BBD7-CCE9431645EC}">
-              <a14:shadowObscured xmlns:a14="http://schemas.microsoft.com/office/drawing/2010/main" xmlns="" val="1"/>
+              <a14:shadowObscured xmlns="" xmlns:a14="http://schemas.microsoft.com/office/drawing/2010/main" val="1"/>
             </a:ext>
           </a:extLst>
         </p:spPr>
@@ -397,17 +397,17 @@
           </a:ln>
           <a:extLst>
             <a:ext uri="{FAA26D3D-D897-4be2-8F04-BA451C77F1D7}">
-              <ma14:placeholderFlag xmlns:ma14="http://schemas.microsoft.com/office/mac/drawingml/2011/main" val="1"/>
+              <ma14:placeholderFlag xmlns:ma14="http://schemas.microsoft.com/office/mac/drawingml/2011/main" xmlns="" val="1"/>
             </a:ext>
             <a:ext uri="{909E8E84-426E-40dd-AFC4-6F175D3DCCD1}">
-              <a14:hiddenFill xmlns:a14="http://schemas.microsoft.com/office/drawing/2010/main" xmlns="">
+              <a14:hiddenFill xmlns="" xmlns:a14="http://schemas.microsoft.com/office/drawing/2010/main">
                 <a:solidFill>
                   <a:schemeClr val="accent1"/>
                 </a:solidFill>
               </a14:hiddenFill>
             </a:ext>
             <a:ext uri="{91240B29-F687-4f45-9708-019B960494DF}">
-              <a14:hiddenLine xmlns:a14="http://schemas.microsoft.com/office/drawing/2010/main" xmlns="" w="9525">
+              <a14:hiddenLine xmlns="" xmlns:a14="http://schemas.microsoft.com/office/drawing/2010/main" w="9525">
                 <a:solidFill>
                   <a:schemeClr val="tx1"/>
                 </a:solidFill>
@@ -486,17 +486,17 @@
           </a:ln>
           <a:extLst>
             <a:ext uri="{FAA26D3D-D897-4be2-8F04-BA451C77F1D7}">
-              <ma14:placeholderFlag xmlns:ma14="http://schemas.microsoft.com/office/mac/drawingml/2011/main" val="1"/>
+              <ma14:placeholderFlag xmlns:ma14="http://schemas.microsoft.com/office/mac/drawingml/2011/main" xmlns="" val="1"/>
             </a:ext>
             <a:ext uri="{909E8E84-426E-40dd-AFC4-6F175D3DCCD1}">
-              <a14:hiddenFill xmlns:a14="http://schemas.microsoft.com/office/drawing/2010/main" xmlns="">
+              <a14:hiddenFill xmlns="" xmlns:a14="http://schemas.microsoft.com/office/drawing/2010/main">
                 <a:solidFill>
                   <a:schemeClr val="accent1"/>
                 </a:solidFill>
               </a14:hiddenFill>
             </a:ext>
             <a:ext uri="{91240B29-F687-4f45-9708-019B960494DF}">
-              <a14:hiddenLine xmlns:a14="http://schemas.microsoft.com/office/drawing/2010/main" xmlns="" w="9525">
+              <a14:hiddenLine xmlns="" xmlns:a14="http://schemas.microsoft.com/office/drawing/2010/main" w="9525">
                 <a:solidFill>
                   <a:schemeClr val="tx1"/>
                 </a:solidFill>
@@ -547,17 +547,17 @@
           </a:ln>
           <a:extLst>
             <a:ext uri="{FAA26D3D-D897-4be2-8F04-BA451C77F1D7}">
-              <ma14:placeholderFlag xmlns:ma14="http://schemas.microsoft.com/office/mac/drawingml/2011/main" val="1"/>
+              <ma14:placeholderFlag xmlns:ma14="http://schemas.microsoft.com/office/mac/drawingml/2011/main" xmlns="" val="1"/>
             </a:ext>
             <a:ext uri="{909E8E84-426E-40dd-AFC4-6F175D3DCCD1}">
-              <a14:hiddenFill xmlns:a14="http://schemas.microsoft.com/office/drawing/2010/main" xmlns="">
+              <a14:hiddenFill xmlns="" xmlns:a14="http://schemas.microsoft.com/office/drawing/2010/main">
                 <a:solidFill>
                   <a:schemeClr val="accent1"/>
                 </a:solidFill>
               </a14:hiddenFill>
             </a:ext>
             <a:ext uri="{91240B29-F687-4f45-9708-019B960494DF}">
-              <a14:hiddenLine xmlns:a14="http://schemas.microsoft.com/office/drawing/2010/main" xmlns="" w="9525">
+              <a14:hiddenLine xmlns="" xmlns:a14="http://schemas.microsoft.com/office/drawing/2010/main" w="9525">
                 <a:solidFill>
                   <a:schemeClr val="tx1"/>
                 </a:solidFill>
@@ -779,7 +779,7 @@
           <a:ln/>
           <a:extLst>
             <a:ext uri="{FAA26D3D-D897-4be2-8F04-BA451C77F1D7}">
-              <ma14:placeholderFlag xmlns:ma14="http://schemas.microsoft.com/office/mac/drawingml/2011/main" val="1"/>
+              <ma14:placeholderFlag xmlns:ma14="http://schemas.microsoft.com/office/mac/drawingml/2011/main" xmlns="" val="1"/>
             </a:ext>
           </a:extLst>
         </p:spPr>
@@ -885,7 +885,7 @@
           </a:ln>
           <a:extLst>
             <a:ext uri="{FAA26D3D-D897-4be2-8F04-BA451C77F1D7}">
-              <ma14:placeholderFlag xmlns:ma14="http://schemas.microsoft.com/office/mac/drawingml/2011/main" val="1"/>
+              <ma14:placeholderFlag xmlns:ma14="http://schemas.microsoft.com/office/mac/drawingml/2011/main" xmlns="" val="1"/>
             </a:ext>
           </a:extLst>
         </p:spPr>
@@ -921,7 +921,7 @@
           </a:ln>
           <a:extLst>
             <a:ext uri="{FAA26D3D-D897-4be2-8F04-BA451C77F1D7}">
-              <ma14:placeholderFlag xmlns:ma14="http://schemas.microsoft.com/office/mac/drawingml/2011/main" val="1"/>
+              <ma14:placeholderFlag xmlns:ma14="http://schemas.microsoft.com/office/mac/drawingml/2011/main" xmlns="" val="1"/>
             </a:ext>
           </a:extLst>
         </p:spPr>
@@ -998,7 +998,7 @@
           <a:ln/>
           <a:extLst>
             <a:ext uri="{FAA26D3D-D897-4be2-8F04-BA451C77F1D7}">
-              <ma14:placeholderFlag xmlns:ma14="http://schemas.microsoft.com/office/mac/drawingml/2011/main" val="1"/>
+              <ma14:placeholderFlag xmlns:ma14="http://schemas.microsoft.com/office/mac/drawingml/2011/main" xmlns="" val="1"/>
             </a:ext>
           </a:extLst>
         </p:spPr>
@@ -1087,7 +1087,7 @@
           <a:ln/>
           <a:extLst>
             <a:ext uri="{FAA26D3D-D897-4be2-8F04-BA451C77F1D7}">
-              <ma14:placeholderFlag xmlns:ma14="http://schemas.microsoft.com/office/mac/drawingml/2011/main" val="1"/>
+              <ma14:placeholderFlag xmlns:ma14="http://schemas.microsoft.com/office/mac/drawingml/2011/main" xmlns="" val="1"/>
             </a:ext>
           </a:extLst>
         </p:spPr>
@@ -1176,7 +1176,7 @@
           <a:ln/>
           <a:extLst>
             <a:ext uri="{FAA26D3D-D897-4be2-8F04-BA451C77F1D7}">
-              <ma14:placeholderFlag xmlns:ma14="http://schemas.microsoft.com/office/mac/drawingml/2011/main" val="1"/>
+              <ma14:placeholderFlag xmlns:ma14="http://schemas.microsoft.com/office/mac/drawingml/2011/main" xmlns="" val="1"/>
             </a:ext>
           </a:extLst>
         </p:spPr>
@@ -1287,7 +1287,7 @@
           </a:ln>
           <a:extLst>
             <a:ext uri="{FAA26D3D-D897-4be2-8F04-BA451C77F1D7}">
-              <ma14:placeholderFlag xmlns:ma14="http://schemas.microsoft.com/office/mac/drawingml/2011/main" val="1"/>
+              <ma14:placeholderFlag xmlns:ma14="http://schemas.microsoft.com/office/mac/drawingml/2011/main" xmlns="" val="1"/>
             </a:ext>
           </a:extLst>
         </p:spPr>
@@ -1323,7 +1323,7 @@
           </a:ln>
           <a:extLst>
             <a:ext uri="{FAA26D3D-D897-4be2-8F04-BA451C77F1D7}">
-              <ma14:placeholderFlag xmlns:ma14="http://schemas.microsoft.com/office/mac/drawingml/2011/main" val="1"/>
+              <ma14:placeholderFlag xmlns:ma14="http://schemas.microsoft.com/office/mac/drawingml/2011/main" xmlns="" val="1"/>
             </a:ext>
           </a:extLst>
         </p:spPr>
@@ -1417,7 +1417,7 @@
           </a:ln>
           <a:extLst>
             <a:ext uri="{FAA26D3D-D897-4be2-8F04-BA451C77F1D7}">
-              <ma14:placeholderFlag xmlns:ma14="http://schemas.microsoft.com/office/mac/drawingml/2011/main" val="1"/>
+              <ma14:placeholderFlag xmlns:ma14="http://schemas.microsoft.com/office/mac/drawingml/2011/main" xmlns="" val="1"/>
             </a:ext>
           </a:extLst>
         </p:spPr>
@@ -1453,7 +1453,7 @@
           </a:ln>
           <a:extLst>
             <a:ext uri="{FAA26D3D-D897-4be2-8F04-BA451C77F1D7}">
-              <ma14:placeholderFlag xmlns:ma14="http://schemas.microsoft.com/office/mac/drawingml/2011/main" val="1"/>
+              <ma14:placeholderFlag xmlns:ma14="http://schemas.microsoft.com/office/mac/drawingml/2011/main" xmlns="" val="1"/>
             </a:ext>
           </a:extLst>
         </p:spPr>
@@ -1547,7 +1547,7 @@
           </a:ln>
           <a:extLst>
             <a:ext uri="{FAA26D3D-D897-4be2-8F04-BA451C77F1D7}">
-              <ma14:placeholderFlag xmlns:ma14="http://schemas.microsoft.com/office/mac/drawingml/2011/main" val="1"/>
+              <ma14:placeholderFlag xmlns:ma14="http://schemas.microsoft.com/office/mac/drawingml/2011/main" xmlns="" val="1"/>
             </a:ext>
           </a:extLst>
         </p:spPr>
@@ -1583,7 +1583,7 @@
           </a:ln>
           <a:extLst>
             <a:ext uri="{FAA26D3D-D897-4be2-8F04-BA451C77F1D7}">
-              <ma14:placeholderFlag xmlns:ma14="http://schemas.microsoft.com/office/mac/drawingml/2011/main" val="1"/>
+              <ma14:placeholderFlag xmlns:ma14="http://schemas.microsoft.com/office/mac/drawingml/2011/main" xmlns="" val="1"/>
             </a:ext>
           </a:extLst>
         </p:spPr>
@@ -1677,7 +1677,7 @@
           </a:ln>
           <a:extLst>
             <a:ext uri="{FAA26D3D-D897-4be2-8F04-BA451C77F1D7}">
-              <ma14:placeholderFlag xmlns:ma14="http://schemas.microsoft.com/office/mac/drawingml/2011/main" val="1"/>
+              <ma14:placeholderFlag xmlns:ma14="http://schemas.microsoft.com/office/mac/drawingml/2011/main" xmlns="" val="1"/>
             </a:ext>
           </a:extLst>
         </p:spPr>
@@ -1713,7 +1713,7 @@
           </a:ln>
           <a:extLst>
             <a:ext uri="{FAA26D3D-D897-4be2-8F04-BA451C77F1D7}">
-              <ma14:placeholderFlag xmlns:ma14="http://schemas.microsoft.com/office/mac/drawingml/2011/main" val="1"/>
+              <ma14:placeholderFlag xmlns:ma14="http://schemas.microsoft.com/office/mac/drawingml/2011/main" xmlns="" val="1"/>
             </a:ext>
           </a:extLst>
         </p:spPr>
@@ -1807,7 +1807,7 @@
           </a:ln>
           <a:extLst>
             <a:ext uri="{FAA26D3D-D897-4be2-8F04-BA451C77F1D7}">
-              <ma14:placeholderFlag xmlns:ma14="http://schemas.microsoft.com/office/mac/drawingml/2011/main" val="1"/>
+              <ma14:placeholderFlag xmlns:ma14="http://schemas.microsoft.com/office/mac/drawingml/2011/main" xmlns="" val="1"/>
             </a:ext>
           </a:extLst>
         </p:spPr>
@@ -1843,7 +1843,7 @@
           </a:ln>
           <a:extLst>
             <a:ext uri="{FAA26D3D-D897-4be2-8F04-BA451C77F1D7}">
-              <ma14:placeholderFlag xmlns:ma14="http://schemas.microsoft.com/office/mac/drawingml/2011/main" val="1"/>
+              <ma14:placeholderFlag xmlns:ma14="http://schemas.microsoft.com/office/mac/drawingml/2011/main" xmlns="" val="1"/>
             </a:ext>
           </a:extLst>
         </p:spPr>
@@ -1937,7 +1937,7 @@
           </a:ln>
           <a:extLst>
             <a:ext uri="{FAA26D3D-D897-4be2-8F04-BA451C77F1D7}">
-              <ma14:placeholderFlag xmlns:ma14="http://schemas.microsoft.com/office/mac/drawingml/2011/main" val="1"/>
+              <ma14:placeholderFlag xmlns:ma14="http://schemas.microsoft.com/office/mac/drawingml/2011/main" xmlns="" val="1"/>
             </a:ext>
           </a:extLst>
         </p:spPr>
@@ -1973,7 +1973,7 @@
           </a:ln>
           <a:extLst>
             <a:ext uri="{FAA26D3D-D897-4be2-8F04-BA451C77F1D7}">
-              <ma14:placeholderFlag xmlns:ma14="http://schemas.microsoft.com/office/mac/drawingml/2011/main" val="1"/>
+              <ma14:placeholderFlag xmlns:ma14="http://schemas.microsoft.com/office/mac/drawingml/2011/main" xmlns="" val="1"/>
             </a:ext>
           </a:extLst>
         </p:spPr>
@@ -2067,7 +2067,7 @@
           </a:ln>
           <a:extLst>
             <a:ext uri="{FAA26D3D-D897-4be2-8F04-BA451C77F1D7}">
-              <ma14:placeholderFlag xmlns:ma14="http://schemas.microsoft.com/office/mac/drawingml/2011/main" val="1"/>
+              <ma14:placeholderFlag xmlns:ma14="http://schemas.microsoft.com/office/mac/drawingml/2011/main" xmlns="" val="1"/>
             </a:ext>
           </a:extLst>
         </p:spPr>
@@ -2103,7 +2103,7 @@
           </a:ln>
           <a:extLst>
             <a:ext uri="{FAA26D3D-D897-4be2-8F04-BA451C77F1D7}">
-              <ma14:placeholderFlag xmlns:ma14="http://schemas.microsoft.com/office/mac/drawingml/2011/main" val="1"/>
+              <ma14:placeholderFlag xmlns:ma14="http://schemas.microsoft.com/office/mac/drawingml/2011/main" xmlns="" val="1"/>
             </a:ext>
           </a:extLst>
         </p:spPr>
@@ -2197,7 +2197,7 @@
           </a:ln>
           <a:extLst>
             <a:ext uri="{FAA26D3D-D897-4be2-8F04-BA451C77F1D7}">
-              <ma14:placeholderFlag xmlns:ma14="http://schemas.microsoft.com/office/mac/drawingml/2011/main" val="1"/>
+              <ma14:placeholderFlag xmlns:ma14="http://schemas.microsoft.com/office/mac/drawingml/2011/main" xmlns="" val="1"/>
             </a:ext>
           </a:extLst>
         </p:spPr>
@@ -2233,7 +2233,7 @@
           </a:ln>
           <a:extLst>
             <a:ext uri="{FAA26D3D-D897-4be2-8F04-BA451C77F1D7}">
-              <ma14:placeholderFlag xmlns:ma14="http://schemas.microsoft.com/office/mac/drawingml/2011/main" val="1"/>
+              <ma14:placeholderFlag xmlns:ma14="http://schemas.microsoft.com/office/mac/drawingml/2011/main" xmlns="" val="1"/>
             </a:ext>
           </a:extLst>
         </p:spPr>
@@ -2298,12 +2298,12 @@
           <a:effectLst/>
           <a:extLst>
             <a:ext uri="{909E8E84-426E-40dd-AFC4-6F175D3DCCD1}">
-              <a14:hiddenFill xmlns:a14="http://schemas.microsoft.com/office/drawing/2010/main" xmlns="">
+              <a14:hiddenFill xmlns="" xmlns:a14="http://schemas.microsoft.com/office/drawing/2010/main">
                 <a:noFill/>
               </a14:hiddenFill>
             </a:ext>
             <a:ext uri="{AF507438-7753-43e0-B8FC-AC1667EBCBE1}">
-              <a14:hiddenEffects xmlns:a14="http://schemas.microsoft.com/office/drawing/2010/main" xmlns="">
+              <a14:hiddenEffects xmlns="" xmlns:a14="http://schemas.microsoft.com/office/drawing/2010/main">
                 <a:effectLst>
                   <a:outerShdw blurRad="63500" dist="38099" dir="2700000" algn="ctr" rotWithShape="0">
                     <a:schemeClr val="bg2">
@@ -2349,7 +2349,7 @@
           <a:p>
             <a:pPr lvl="0"/>
             <a:r>
-              <a:rPr lang="en-US" noProof="0" smtClean="0"/>
+              <a:rPr lang="en-US" noProof="0"/>
               <a:t>Click to edit Master title style</a:t>
             </a:r>
           </a:p>
@@ -2383,7 +2383,7 @@
           <a:p>
             <a:pPr lvl="0"/>
             <a:r>
-              <a:rPr lang="en-US" noProof="0" smtClean="0"/>
+              <a:rPr lang="en-US" noProof="0"/>
               <a:t>Click to edit Master subtitle style</a:t>
             </a:r>
           </a:p>
@@ -2504,7 +2504,7 @@
             <a:effectLst/>
             <a:extLst>
               <a:ext uri="{91240B29-F687-4f45-9708-019B960494DF}">
-                <a14:hiddenLine xmlns:a14="http://schemas.microsoft.com/office/drawing/2010/main" xmlns="" w="9525">
+                <a14:hiddenLine xmlns="" xmlns:a14="http://schemas.microsoft.com/office/drawing/2010/main" w="9525">
                   <a:solidFill>
                     <a:schemeClr val="tx1"/>
                   </a:solidFill>
@@ -2514,7 +2514,7 @@
                 </a14:hiddenLine>
               </a:ext>
               <a:ext uri="{AF507438-7753-43e0-B8FC-AC1667EBCBE1}">
-                <a14:hiddenEffects xmlns:a14="http://schemas.microsoft.com/office/drawing/2010/main" xmlns="">
+                <a14:hiddenEffects xmlns="" xmlns:a14="http://schemas.microsoft.com/office/drawing/2010/main">
                   <a:effectLst>
                     <a:outerShdw blurRad="63500" dist="38099" dir="2700000" algn="ctr" rotWithShape="0">
                       <a:schemeClr val="bg2">
@@ -2559,7 +2559,7 @@
             <a:effectLst/>
             <a:extLst>
               <a:ext uri="{91240B29-F687-4f45-9708-019B960494DF}">
-                <a14:hiddenLine xmlns:a14="http://schemas.microsoft.com/office/drawing/2010/main" xmlns="" w="9525">
+                <a14:hiddenLine xmlns="" xmlns:a14="http://schemas.microsoft.com/office/drawing/2010/main" w="9525">
                   <a:solidFill>
                     <a:schemeClr val="tx1"/>
                   </a:solidFill>
@@ -2569,7 +2569,7 @@
                 </a14:hiddenLine>
               </a:ext>
               <a:ext uri="{AF507438-7753-43e0-B8FC-AC1667EBCBE1}">
-                <a14:hiddenEffects xmlns:a14="http://schemas.microsoft.com/office/drawing/2010/main" xmlns="">
+                <a14:hiddenEffects xmlns="" xmlns:a14="http://schemas.microsoft.com/office/drawing/2010/main">
                   <a:effectLst>
                     <a:outerShdw blurRad="63500" dist="38099" dir="2700000" algn="ctr" rotWithShape="0">
                       <a:schemeClr val="bg2">
@@ -2614,7 +2614,7 @@
             <a:effectLst/>
             <a:extLst>
               <a:ext uri="{91240B29-F687-4f45-9708-019B960494DF}">
-                <a14:hiddenLine xmlns:a14="http://schemas.microsoft.com/office/drawing/2010/main" xmlns="" w="9525">
+                <a14:hiddenLine xmlns="" xmlns:a14="http://schemas.microsoft.com/office/drawing/2010/main" w="9525">
                   <a:solidFill>
                     <a:schemeClr val="tx1"/>
                   </a:solidFill>
@@ -2624,7 +2624,7 @@
                 </a14:hiddenLine>
               </a:ext>
               <a:ext uri="{AF507438-7753-43e0-B8FC-AC1667EBCBE1}">
-                <a14:hiddenEffects xmlns:a14="http://schemas.microsoft.com/office/drawing/2010/main" xmlns="">
+                <a14:hiddenEffects xmlns="" xmlns:a14="http://schemas.microsoft.com/office/drawing/2010/main">
                   <a:effectLst>
                     <a:outerShdw blurRad="63500" dist="38099" dir="2700000" algn="ctr" rotWithShape="0">
                       <a:schemeClr val="bg2">
@@ -2669,7 +2669,7 @@
             <a:effectLst/>
             <a:extLst>
               <a:ext uri="{91240B29-F687-4f45-9708-019B960494DF}">
-                <a14:hiddenLine xmlns:a14="http://schemas.microsoft.com/office/drawing/2010/main" xmlns="" w="9525">
+                <a14:hiddenLine xmlns="" xmlns:a14="http://schemas.microsoft.com/office/drawing/2010/main" w="9525">
                   <a:solidFill>
                     <a:schemeClr val="tx1"/>
                   </a:solidFill>
@@ -2679,7 +2679,7 @@
                 </a14:hiddenLine>
               </a:ext>
               <a:ext uri="{AF507438-7753-43e0-B8FC-AC1667EBCBE1}">
-                <a14:hiddenEffects xmlns:a14="http://schemas.microsoft.com/office/drawing/2010/main" xmlns="">
+                <a14:hiddenEffects xmlns="" xmlns:a14="http://schemas.microsoft.com/office/drawing/2010/main">
                   <a:effectLst>
                     <a:outerShdw blurRad="63500" dist="38099" dir="2700000" algn="ctr" rotWithShape="0">
                       <a:schemeClr val="bg2">
@@ -2724,7 +2724,7 @@
             <a:effectLst/>
             <a:extLst>
               <a:ext uri="{91240B29-F687-4f45-9708-019B960494DF}">
-                <a14:hiddenLine xmlns:a14="http://schemas.microsoft.com/office/drawing/2010/main" xmlns="" w="9525">
+                <a14:hiddenLine xmlns="" xmlns:a14="http://schemas.microsoft.com/office/drawing/2010/main" w="9525">
                   <a:solidFill>
                     <a:schemeClr val="tx1"/>
                   </a:solidFill>
@@ -2734,7 +2734,7 @@
                 </a14:hiddenLine>
               </a:ext>
               <a:ext uri="{AF507438-7753-43e0-B8FC-AC1667EBCBE1}">
-                <a14:hiddenEffects xmlns:a14="http://schemas.microsoft.com/office/drawing/2010/main" xmlns="">
+                <a14:hiddenEffects xmlns="" xmlns:a14="http://schemas.microsoft.com/office/drawing/2010/main">
                   <a:effectLst>
                     <a:outerShdw blurRad="63500" dist="38099" dir="2700000" algn="ctr" rotWithShape="0">
                       <a:schemeClr val="bg2">
@@ -2779,7 +2779,7 @@
             <a:effectLst/>
             <a:extLst>
               <a:ext uri="{91240B29-F687-4f45-9708-019B960494DF}">
-                <a14:hiddenLine xmlns:a14="http://schemas.microsoft.com/office/drawing/2010/main" xmlns="" w="9525">
+                <a14:hiddenLine xmlns="" xmlns:a14="http://schemas.microsoft.com/office/drawing/2010/main" w="9525">
                   <a:solidFill>
                     <a:schemeClr val="tx1"/>
                   </a:solidFill>
@@ -2789,7 +2789,7 @@
                 </a14:hiddenLine>
               </a:ext>
               <a:ext uri="{AF507438-7753-43e0-B8FC-AC1667EBCBE1}">
-                <a14:hiddenEffects xmlns:a14="http://schemas.microsoft.com/office/drawing/2010/main" xmlns="">
+                <a14:hiddenEffects xmlns="" xmlns:a14="http://schemas.microsoft.com/office/drawing/2010/main">
                   <a:effectLst>
                     <a:outerShdw blurRad="63500" dist="38099" dir="2700000" algn="ctr" rotWithShape="0">
                       <a:schemeClr val="bg2">
@@ -2834,7 +2834,7 @@
             <a:effectLst/>
             <a:extLst>
               <a:ext uri="{91240B29-F687-4f45-9708-019B960494DF}">
-                <a14:hiddenLine xmlns:a14="http://schemas.microsoft.com/office/drawing/2010/main" xmlns="" w="9525">
+                <a14:hiddenLine xmlns="" xmlns:a14="http://schemas.microsoft.com/office/drawing/2010/main" w="9525">
                   <a:solidFill>
                     <a:schemeClr val="tx1"/>
                   </a:solidFill>
@@ -2844,7 +2844,7 @@
                 </a14:hiddenLine>
               </a:ext>
               <a:ext uri="{AF507438-7753-43e0-B8FC-AC1667EBCBE1}">
-                <a14:hiddenEffects xmlns:a14="http://schemas.microsoft.com/office/drawing/2010/main" xmlns="">
+                <a14:hiddenEffects xmlns="" xmlns:a14="http://schemas.microsoft.com/office/drawing/2010/main">
                   <a:effectLst>
                     <a:outerShdw blurRad="63500" dist="38099" dir="2700000" algn="ctr" rotWithShape="0">
                       <a:schemeClr val="bg2">
@@ -2889,7 +2889,7 @@
             <a:effectLst/>
             <a:extLst>
               <a:ext uri="{91240B29-F687-4f45-9708-019B960494DF}">
-                <a14:hiddenLine xmlns:a14="http://schemas.microsoft.com/office/drawing/2010/main" xmlns="" w="9525">
+                <a14:hiddenLine xmlns="" xmlns:a14="http://schemas.microsoft.com/office/drawing/2010/main" w="9525">
                   <a:solidFill>
                     <a:schemeClr val="tx1"/>
                   </a:solidFill>
@@ -2899,7 +2899,7 @@
                 </a14:hiddenLine>
               </a:ext>
               <a:ext uri="{AF507438-7753-43e0-B8FC-AC1667EBCBE1}">
-                <a14:hiddenEffects xmlns:a14="http://schemas.microsoft.com/office/drawing/2010/main" xmlns="">
+                <a14:hiddenEffects xmlns="" xmlns:a14="http://schemas.microsoft.com/office/drawing/2010/main">
                   <a:effectLst>
                     <a:outerShdw blurRad="63500" dist="38099" dir="2700000" algn="ctr" rotWithShape="0">
                       <a:schemeClr val="bg2">
@@ -2944,7 +2944,7 @@
             <a:effectLst/>
             <a:extLst>
               <a:ext uri="{91240B29-F687-4f45-9708-019B960494DF}">
-                <a14:hiddenLine xmlns:a14="http://schemas.microsoft.com/office/drawing/2010/main" xmlns="" w="9525">
+                <a14:hiddenLine xmlns="" xmlns:a14="http://schemas.microsoft.com/office/drawing/2010/main" w="9525">
                   <a:solidFill>
                     <a:schemeClr val="tx1"/>
                   </a:solidFill>
@@ -2954,7 +2954,7 @@
                 </a14:hiddenLine>
               </a:ext>
               <a:ext uri="{AF507438-7753-43e0-B8FC-AC1667EBCBE1}">
-                <a14:hiddenEffects xmlns:a14="http://schemas.microsoft.com/office/drawing/2010/main" xmlns="">
+                <a14:hiddenEffects xmlns="" xmlns:a14="http://schemas.microsoft.com/office/drawing/2010/main">
                   <a:effectLst>
                     <a:outerShdw blurRad="63500" dist="38099" dir="2700000" algn="ctr" rotWithShape="0">
                       <a:schemeClr val="bg2">
@@ -2999,7 +2999,7 @@
             <a:effectLst/>
             <a:extLst>
               <a:ext uri="{91240B29-F687-4f45-9708-019B960494DF}">
-                <a14:hiddenLine xmlns:a14="http://schemas.microsoft.com/office/drawing/2010/main" xmlns="" w="9525">
+                <a14:hiddenLine xmlns="" xmlns:a14="http://schemas.microsoft.com/office/drawing/2010/main" w="9525">
                   <a:solidFill>
                     <a:schemeClr val="tx1"/>
                   </a:solidFill>
@@ -3009,7 +3009,7 @@
                 </a14:hiddenLine>
               </a:ext>
               <a:ext uri="{AF507438-7753-43e0-B8FC-AC1667EBCBE1}">
-                <a14:hiddenEffects xmlns:a14="http://schemas.microsoft.com/office/drawing/2010/main" xmlns="">
+                <a14:hiddenEffects xmlns="" xmlns:a14="http://schemas.microsoft.com/office/drawing/2010/main">
                   <a:effectLst>
                     <a:outerShdw blurRad="63500" dist="38099" dir="2700000" algn="ctr" rotWithShape="0">
                       <a:schemeClr val="bg2">
@@ -3054,7 +3054,7 @@
             <a:effectLst/>
             <a:extLst>
               <a:ext uri="{91240B29-F687-4f45-9708-019B960494DF}">
-                <a14:hiddenLine xmlns:a14="http://schemas.microsoft.com/office/drawing/2010/main" xmlns="" w="9525">
+                <a14:hiddenLine xmlns="" xmlns:a14="http://schemas.microsoft.com/office/drawing/2010/main" w="9525">
                   <a:solidFill>
                     <a:schemeClr val="tx1"/>
                   </a:solidFill>
@@ -3064,7 +3064,7 @@
                 </a14:hiddenLine>
               </a:ext>
               <a:ext uri="{AF507438-7753-43e0-B8FC-AC1667EBCBE1}">
-                <a14:hiddenEffects xmlns:a14="http://schemas.microsoft.com/office/drawing/2010/main" xmlns="">
+                <a14:hiddenEffects xmlns="" xmlns:a14="http://schemas.microsoft.com/office/drawing/2010/main">
                   <a:effectLst>
                     <a:outerShdw blurRad="63500" dist="38099" dir="2700000" algn="ctr" rotWithShape="0">
                       <a:schemeClr val="bg2">
@@ -3109,7 +3109,7 @@
             <a:effectLst/>
             <a:extLst>
               <a:ext uri="{91240B29-F687-4f45-9708-019B960494DF}">
-                <a14:hiddenLine xmlns:a14="http://schemas.microsoft.com/office/drawing/2010/main" xmlns="" w="9525">
+                <a14:hiddenLine xmlns="" xmlns:a14="http://schemas.microsoft.com/office/drawing/2010/main" w="9525">
                   <a:solidFill>
                     <a:schemeClr val="tx1"/>
                   </a:solidFill>
@@ -3119,7 +3119,7 @@
                 </a14:hiddenLine>
               </a:ext>
               <a:ext uri="{AF507438-7753-43e0-B8FC-AC1667EBCBE1}">
-                <a14:hiddenEffects xmlns:a14="http://schemas.microsoft.com/office/drawing/2010/main" xmlns="">
+                <a14:hiddenEffects xmlns="" xmlns:a14="http://schemas.microsoft.com/office/drawing/2010/main">
                   <a:effectLst>
                     <a:outerShdw blurRad="63500" dist="38099" dir="2700000" algn="ctr" rotWithShape="0">
                       <a:schemeClr val="bg2">
@@ -3164,7 +3164,7 @@
             <a:effectLst/>
             <a:extLst>
               <a:ext uri="{91240B29-F687-4f45-9708-019B960494DF}">
-                <a14:hiddenLine xmlns:a14="http://schemas.microsoft.com/office/drawing/2010/main" xmlns="" w="9525">
+                <a14:hiddenLine xmlns="" xmlns:a14="http://schemas.microsoft.com/office/drawing/2010/main" w="9525">
                   <a:solidFill>
                     <a:schemeClr val="tx1"/>
                   </a:solidFill>
@@ -3174,7 +3174,7 @@
                 </a14:hiddenLine>
               </a:ext>
               <a:ext uri="{AF507438-7753-43e0-B8FC-AC1667EBCBE1}">
-                <a14:hiddenEffects xmlns:a14="http://schemas.microsoft.com/office/drawing/2010/main" xmlns="">
+                <a14:hiddenEffects xmlns="" xmlns:a14="http://schemas.microsoft.com/office/drawing/2010/main">
                   <a:effectLst>
                     <a:outerShdw blurRad="63500" dist="38099" dir="2700000" algn="ctr" rotWithShape="0">
                       <a:schemeClr val="bg2">
@@ -3219,7 +3219,7 @@
             <a:effectLst/>
             <a:extLst>
               <a:ext uri="{91240B29-F687-4f45-9708-019B960494DF}">
-                <a14:hiddenLine xmlns:a14="http://schemas.microsoft.com/office/drawing/2010/main" xmlns="" w="9525">
+                <a14:hiddenLine xmlns="" xmlns:a14="http://schemas.microsoft.com/office/drawing/2010/main" w="9525">
                   <a:solidFill>
                     <a:schemeClr val="tx1"/>
                   </a:solidFill>
@@ -3229,7 +3229,7 @@
                 </a14:hiddenLine>
               </a:ext>
               <a:ext uri="{AF507438-7753-43e0-B8FC-AC1667EBCBE1}">
-                <a14:hiddenEffects xmlns:a14="http://schemas.microsoft.com/office/drawing/2010/main" xmlns="">
+                <a14:hiddenEffects xmlns="" xmlns:a14="http://schemas.microsoft.com/office/drawing/2010/main">
                   <a:effectLst>
                     <a:outerShdw blurRad="63500" dist="38099" dir="2700000" algn="ctr" rotWithShape="0">
                       <a:schemeClr val="bg2">
@@ -3274,7 +3274,7 @@
             <a:effectLst/>
             <a:extLst>
               <a:ext uri="{91240B29-F687-4f45-9708-019B960494DF}">
-                <a14:hiddenLine xmlns:a14="http://schemas.microsoft.com/office/drawing/2010/main" xmlns="" w="9525">
+                <a14:hiddenLine xmlns="" xmlns:a14="http://schemas.microsoft.com/office/drawing/2010/main" w="9525">
                   <a:solidFill>
                     <a:schemeClr val="tx1"/>
                   </a:solidFill>
@@ -3284,7 +3284,7 @@
                 </a14:hiddenLine>
               </a:ext>
               <a:ext uri="{AF507438-7753-43e0-B8FC-AC1667EBCBE1}">
-                <a14:hiddenEffects xmlns:a14="http://schemas.microsoft.com/office/drawing/2010/main" xmlns="">
+                <a14:hiddenEffects xmlns="" xmlns:a14="http://schemas.microsoft.com/office/drawing/2010/main">
                   <a:effectLst>
                     <a:outerShdw blurRad="63500" dist="38099" dir="2700000" algn="ctr" rotWithShape="0">
                       <a:schemeClr val="bg2">
@@ -3329,7 +3329,7 @@
             <a:effectLst/>
             <a:extLst>
               <a:ext uri="{91240B29-F687-4f45-9708-019B960494DF}">
-                <a14:hiddenLine xmlns:a14="http://schemas.microsoft.com/office/drawing/2010/main" xmlns="" w="9525">
+                <a14:hiddenLine xmlns="" xmlns:a14="http://schemas.microsoft.com/office/drawing/2010/main" w="9525">
                   <a:solidFill>
                     <a:schemeClr val="tx1"/>
                   </a:solidFill>
@@ -3339,7 +3339,7 @@
                 </a14:hiddenLine>
               </a:ext>
               <a:ext uri="{AF507438-7753-43e0-B8FC-AC1667EBCBE1}">
-                <a14:hiddenEffects xmlns:a14="http://schemas.microsoft.com/office/drawing/2010/main" xmlns="">
+                <a14:hiddenEffects xmlns="" xmlns:a14="http://schemas.microsoft.com/office/drawing/2010/main">
                   <a:effectLst>
                     <a:outerShdw blurRad="63500" dist="38099" dir="2700000" algn="ctr" rotWithShape="0">
                       <a:schemeClr val="bg2">
@@ -3384,7 +3384,7 @@
             <a:effectLst/>
             <a:extLst>
               <a:ext uri="{91240B29-F687-4f45-9708-019B960494DF}">
-                <a14:hiddenLine xmlns:a14="http://schemas.microsoft.com/office/drawing/2010/main" xmlns="" w="9525">
+                <a14:hiddenLine xmlns="" xmlns:a14="http://schemas.microsoft.com/office/drawing/2010/main" w="9525">
                   <a:solidFill>
                     <a:schemeClr val="tx1"/>
                   </a:solidFill>
@@ -3394,7 +3394,7 @@
                 </a14:hiddenLine>
               </a:ext>
               <a:ext uri="{AF507438-7753-43e0-B8FC-AC1667EBCBE1}">
-                <a14:hiddenEffects xmlns:a14="http://schemas.microsoft.com/office/drawing/2010/main" xmlns="">
+                <a14:hiddenEffects xmlns="" xmlns:a14="http://schemas.microsoft.com/office/drawing/2010/main">
                   <a:effectLst>
                     <a:outerShdw blurRad="63500" dist="38099" dir="2700000" algn="ctr" rotWithShape="0">
                       <a:schemeClr val="bg2">
@@ -3439,7 +3439,7 @@
             <a:effectLst/>
             <a:extLst>
               <a:ext uri="{91240B29-F687-4f45-9708-019B960494DF}">
-                <a14:hiddenLine xmlns:a14="http://schemas.microsoft.com/office/drawing/2010/main" xmlns="" w="9525">
+                <a14:hiddenLine xmlns="" xmlns:a14="http://schemas.microsoft.com/office/drawing/2010/main" w="9525">
                   <a:solidFill>
                     <a:schemeClr val="tx1"/>
                   </a:solidFill>
@@ -3449,7 +3449,7 @@
                 </a14:hiddenLine>
               </a:ext>
               <a:ext uri="{AF507438-7753-43e0-B8FC-AC1667EBCBE1}">
-                <a14:hiddenEffects xmlns:a14="http://schemas.microsoft.com/office/drawing/2010/main" xmlns="">
+                <a14:hiddenEffects xmlns="" xmlns:a14="http://schemas.microsoft.com/office/drawing/2010/main">
                   <a:effectLst>
                     <a:outerShdw blurRad="63500" dist="38099" dir="2700000" algn="ctr" rotWithShape="0">
                       <a:schemeClr val="bg2">
@@ -3494,7 +3494,7 @@
             <a:effectLst/>
             <a:extLst>
               <a:ext uri="{91240B29-F687-4f45-9708-019B960494DF}">
-                <a14:hiddenLine xmlns:a14="http://schemas.microsoft.com/office/drawing/2010/main" xmlns="" w="9525">
+                <a14:hiddenLine xmlns="" xmlns:a14="http://schemas.microsoft.com/office/drawing/2010/main" w="9525">
                   <a:solidFill>
                     <a:schemeClr val="tx1"/>
                   </a:solidFill>
@@ -3504,7 +3504,7 @@
                 </a14:hiddenLine>
               </a:ext>
               <a:ext uri="{AF507438-7753-43e0-B8FC-AC1667EBCBE1}">
-                <a14:hiddenEffects xmlns:a14="http://schemas.microsoft.com/office/drawing/2010/main" xmlns="">
+                <a14:hiddenEffects xmlns="" xmlns:a14="http://schemas.microsoft.com/office/drawing/2010/main">
                   <a:effectLst>
                     <a:outerShdw blurRad="63500" dist="38099" dir="2700000" algn="ctr" rotWithShape="0">
                       <a:schemeClr val="bg2">
@@ -3549,7 +3549,7 @@
             <a:effectLst/>
             <a:extLst>
               <a:ext uri="{91240B29-F687-4f45-9708-019B960494DF}">
-                <a14:hiddenLine xmlns:a14="http://schemas.microsoft.com/office/drawing/2010/main" xmlns="" w="9525">
+                <a14:hiddenLine xmlns="" xmlns:a14="http://schemas.microsoft.com/office/drawing/2010/main" w="9525">
                   <a:solidFill>
                     <a:schemeClr val="tx1"/>
                   </a:solidFill>
@@ -3559,7 +3559,7 @@
                 </a14:hiddenLine>
               </a:ext>
               <a:ext uri="{AF507438-7753-43e0-B8FC-AC1667EBCBE1}">
-                <a14:hiddenEffects xmlns:a14="http://schemas.microsoft.com/office/drawing/2010/main" xmlns="">
+                <a14:hiddenEffects xmlns="" xmlns:a14="http://schemas.microsoft.com/office/drawing/2010/main">
                   <a:effectLst>
                     <a:outerShdw blurRad="63500" dist="38099" dir="2700000" algn="ctr" rotWithShape="0">
                       <a:schemeClr val="bg2">
@@ -3604,7 +3604,7 @@
             <a:effectLst/>
             <a:extLst>
               <a:ext uri="{91240B29-F687-4f45-9708-019B960494DF}">
-                <a14:hiddenLine xmlns:a14="http://schemas.microsoft.com/office/drawing/2010/main" xmlns="" w="9525">
+                <a14:hiddenLine xmlns="" xmlns:a14="http://schemas.microsoft.com/office/drawing/2010/main" w="9525">
                   <a:solidFill>
                     <a:schemeClr val="tx1"/>
                   </a:solidFill>
@@ -3614,7 +3614,7 @@
                 </a14:hiddenLine>
               </a:ext>
               <a:ext uri="{AF507438-7753-43e0-B8FC-AC1667EBCBE1}">
-                <a14:hiddenEffects xmlns:a14="http://schemas.microsoft.com/office/drawing/2010/main" xmlns="">
+                <a14:hiddenEffects xmlns="" xmlns:a14="http://schemas.microsoft.com/office/drawing/2010/main">
                   <a:effectLst>
                     <a:outerShdw blurRad="63500" dist="38099" dir="2700000" algn="ctr" rotWithShape="0">
                       <a:schemeClr val="bg2">
@@ -3659,7 +3659,7 @@
             <a:effectLst/>
             <a:extLst>
               <a:ext uri="{91240B29-F687-4f45-9708-019B960494DF}">
-                <a14:hiddenLine xmlns:a14="http://schemas.microsoft.com/office/drawing/2010/main" xmlns="" w="9525">
+                <a14:hiddenLine xmlns="" xmlns:a14="http://schemas.microsoft.com/office/drawing/2010/main" w="9525">
                   <a:solidFill>
                     <a:schemeClr val="tx1"/>
                   </a:solidFill>
@@ -3669,7 +3669,7 @@
                 </a14:hiddenLine>
               </a:ext>
               <a:ext uri="{AF507438-7753-43e0-B8FC-AC1667EBCBE1}">
-                <a14:hiddenEffects xmlns:a14="http://schemas.microsoft.com/office/drawing/2010/main" xmlns="">
+                <a14:hiddenEffects xmlns="" xmlns:a14="http://schemas.microsoft.com/office/drawing/2010/main">
                   <a:effectLst>
                     <a:outerShdw blurRad="63500" dist="38099" dir="2700000" algn="ctr" rotWithShape="0">
                       <a:schemeClr val="bg2">
@@ -3714,7 +3714,7 @@
             <a:effectLst/>
             <a:extLst>
               <a:ext uri="{91240B29-F687-4f45-9708-019B960494DF}">
-                <a14:hiddenLine xmlns:a14="http://schemas.microsoft.com/office/drawing/2010/main" xmlns="" w="9525">
+                <a14:hiddenLine xmlns="" xmlns:a14="http://schemas.microsoft.com/office/drawing/2010/main" w="9525">
                   <a:solidFill>
                     <a:schemeClr val="tx1"/>
                   </a:solidFill>
@@ -3724,7 +3724,7 @@
                 </a14:hiddenLine>
               </a:ext>
               <a:ext uri="{AF507438-7753-43e0-B8FC-AC1667EBCBE1}">
-                <a14:hiddenEffects xmlns:a14="http://schemas.microsoft.com/office/drawing/2010/main" xmlns="">
+                <a14:hiddenEffects xmlns="" xmlns:a14="http://schemas.microsoft.com/office/drawing/2010/main">
                   <a:effectLst>
                     <a:outerShdw blurRad="63500" dist="38099" dir="2700000" algn="ctr" rotWithShape="0">
                       <a:schemeClr val="bg2">
@@ -3769,7 +3769,7 @@
             <a:effectLst/>
             <a:extLst>
               <a:ext uri="{91240B29-F687-4f45-9708-019B960494DF}">
-                <a14:hiddenLine xmlns:a14="http://schemas.microsoft.com/office/drawing/2010/main" xmlns="" w="9525">
+                <a14:hiddenLine xmlns="" xmlns:a14="http://schemas.microsoft.com/office/drawing/2010/main" w="9525">
                   <a:solidFill>
                     <a:schemeClr val="tx1"/>
                   </a:solidFill>
@@ -3779,7 +3779,7 @@
                 </a14:hiddenLine>
               </a:ext>
               <a:ext uri="{AF507438-7753-43e0-B8FC-AC1667EBCBE1}">
-                <a14:hiddenEffects xmlns:a14="http://schemas.microsoft.com/office/drawing/2010/main" xmlns="">
+                <a14:hiddenEffects xmlns="" xmlns:a14="http://schemas.microsoft.com/office/drawing/2010/main">
                   <a:effectLst>
                     <a:outerShdw blurRad="63500" dist="38099" dir="2700000" algn="ctr" rotWithShape="0">
                       <a:schemeClr val="bg2">
@@ -3824,7 +3824,7 @@
             <a:effectLst/>
             <a:extLst>
               <a:ext uri="{91240B29-F687-4f45-9708-019B960494DF}">
-                <a14:hiddenLine xmlns:a14="http://schemas.microsoft.com/office/drawing/2010/main" xmlns="" w="9525">
+                <a14:hiddenLine xmlns="" xmlns:a14="http://schemas.microsoft.com/office/drawing/2010/main" w="9525">
                   <a:solidFill>
                     <a:schemeClr val="tx1"/>
                   </a:solidFill>
@@ -3834,7 +3834,7 @@
                 </a14:hiddenLine>
               </a:ext>
               <a:ext uri="{AF507438-7753-43e0-B8FC-AC1667EBCBE1}">
-                <a14:hiddenEffects xmlns:a14="http://schemas.microsoft.com/office/drawing/2010/main" xmlns="">
+                <a14:hiddenEffects xmlns="" xmlns:a14="http://schemas.microsoft.com/office/drawing/2010/main">
                   <a:effectLst>
                     <a:outerShdw blurRad="63500" dist="38099" dir="2700000" algn="ctr" rotWithShape="0">
                       <a:schemeClr val="bg2">
@@ -3879,7 +3879,7 @@
             <a:effectLst/>
             <a:extLst>
               <a:ext uri="{91240B29-F687-4f45-9708-019B960494DF}">
-                <a14:hiddenLine xmlns:a14="http://schemas.microsoft.com/office/drawing/2010/main" xmlns="" w="9525">
+                <a14:hiddenLine xmlns="" xmlns:a14="http://schemas.microsoft.com/office/drawing/2010/main" w="9525">
                   <a:solidFill>
                     <a:schemeClr val="tx1"/>
                   </a:solidFill>
@@ -3889,7 +3889,7 @@
                 </a14:hiddenLine>
               </a:ext>
               <a:ext uri="{AF507438-7753-43e0-B8FC-AC1667EBCBE1}">
-                <a14:hiddenEffects xmlns:a14="http://schemas.microsoft.com/office/drawing/2010/main" xmlns="">
+                <a14:hiddenEffects xmlns="" xmlns:a14="http://schemas.microsoft.com/office/drawing/2010/main">
                   <a:effectLst>
                     <a:outerShdw blurRad="63500" dist="38099" dir="2700000" algn="ctr" rotWithShape="0">
                       <a:schemeClr val="bg2">
@@ -3934,7 +3934,7 @@
             <a:effectLst/>
             <a:extLst>
               <a:ext uri="{91240B29-F687-4f45-9708-019B960494DF}">
-                <a14:hiddenLine xmlns:a14="http://schemas.microsoft.com/office/drawing/2010/main" xmlns="" w="9525">
+                <a14:hiddenLine xmlns="" xmlns:a14="http://schemas.microsoft.com/office/drawing/2010/main" w="9525">
                   <a:solidFill>
                     <a:schemeClr val="tx1"/>
                   </a:solidFill>
@@ -3944,7 +3944,7 @@
                 </a14:hiddenLine>
               </a:ext>
               <a:ext uri="{AF507438-7753-43e0-B8FC-AC1667EBCBE1}">
-                <a14:hiddenEffects xmlns:a14="http://schemas.microsoft.com/office/drawing/2010/main" xmlns="">
+                <a14:hiddenEffects xmlns="" xmlns:a14="http://schemas.microsoft.com/office/drawing/2010/main">
                   <a:effectLst>
                     <a:outerShdw blurRad="63500" dist="38099" dir="2700000" algn="ctr" rotWithShape="0">
                       <a:schemeClr val="bg2">
@@ -3989,7 +3989,7 @@
             <a:effectLst/>
             <a:extLst>
               <a:ext uri="{91240B29-F687-4f45-9708-019B960494DF}">
-                <a14:hiddenLine xmlns:a14="http://schemas.microsoft.com/office/drawing/2010/main" xmlns="" w="9525">
+                <a14:hiddenLine xmlns="" xmlns:a14="http://schemas.microsoft.com/office/drawing/2010/main" w="9525">
                   <a:solidFill>
                     <a:schemeClr val="tx1"/>
                   </a:solidFill>
@@ -3999,7 +3999,7 @@
                 </a14:hiddenLine>
               </a:ext>
               <a:ext uri="{AF507438-7753-43e0-B8FC-AC1667EBCBE1}">
-                <a14:hiddenEffects xmlns:a14="http://schemas.microsoft.com/office/drawing/2010/main" xmlns="">
+                <a14:hiddenEffects xmlns="" xmlns:a14="http://schemas.microsoft.com/office/drawing/2010/main">
                   <a:effectLst>
                     <a:outerShdw blurRad="63500" dist="38099" dir="2700000" algn="ctr" rotWithShape="0">
                       <a:schemeClr val="bg2">
@@ -4044,7 +4044,7 @@
             <a:effectLst/>
             <a:extLst>
               <a:ext uri="{91240B29-F687-4f45-9708-019B960494DF}">
-                <a14:hiddenLine xmlns:a14="http://schemas.microsoft.com/office/drawing/2010/main" xmlns="" w="9525">
+                <a14:hiddenLine xmlns="" xmlns:a14="http://schemas.microsoft.com/office/drawing/2010/main" w="9525">
                   <a:solidFill>
                     <a:schemeClr val="tx1"/>
                   </a:solidFill>
@@ -4054,7 +4054,7 @@
                 </a14:hiddenLine>
               </a:ext>
               <a:ext uri="{AF507438-7753-43e0-B8FC-AC1667EBCBE1}">
-                <a14:hiddenEffects xmlns:a14="http://schemas.microsoft.com/office/drawing/2010/main" xmlns="">
+                <a14:hiddenEffects xmlns="" xmlns:a14="http://schemas.microsoft.com/office/drawing/2010/main">
                   <a:effectLst>
                     <a:outerShdw blurRad="63500" dist="38099" dir="2700000" algn="ctr" rotWithShape="0">
                       <a:schemeClr val="bg2">
@@ -4099,7 +4099,7 @@
             <a:effectLst/>
             <a:extLst>
               <a:ext uri="{91240B29-F687-4f45-9708-019B960494DF}">
-                <a14:hiddenLine xmlns:a14="http://schemas.microsoft.com/office/drawing/2010/main" xmlns="" w="9525">
+                <a14:hiddenLine xmlns="" xmlns:a14="http://schemas.microsoft.com/office/drawing/2010/main" w="9525">
                   <a:solidFill>
                     <a:schemeClr val="tx1"/>
                   </a:solidFill>
@@ -4109,7 +4109,7 @@
                 </a14:hiddenLine>
               </a:ext>
               <a:ext uri="{AF507438-7753-43e0-B8FC-AC1667EBCBE1}">
-                <a14:hiddenEffects xmlns:a14="http://schemas.microsoft.com/office/drawing/2010/main" xmlns="">
+                <a14:hiddenEffects xmlns="" xmlns:a14="http://schemas.microsoft.com/office/drawing/2010/main">
                   <a:effectLst>
                     <a:outerShdw blurRad="63500" dist="38099" dir="2700000" algn="ctr" rotWithShape="0">
                       <a:schemeClr val="bg2">
@@ -4154,7 +4154,7 @@
             <a:effectLst/>
             <a:extLst>
               <a:ext uri="{91240B29-F687-4f45-9708-019B960494DF}">
-                <a14:hiddenLine xmlns:a14="http://schemas.microsoft.com/office/drawing/2010/main" xmlns="" w="9525">
+                <a14:hiddenLine xmlns="" xmlns:a14="http://schemas.microsoft.com/office/drawing/2010/main" w="9525">
                   <a:solidFill>
                     <a:schemeClr val="tx1"/>
                   </a:solidFill>
@@ -4164,7 +4164,7 @@
                 </a14:hiddenLine>
               </a:ext>
               <a:ext uri="{AF507438-7753-43e0-B8FC-AC1667EBCBE1}">
-                <a14:hiddenEffects xmlns:a14="http://schemas.microsoft.com/office/drawing/2010/main" xmlns="">
+                <a14:hiddenEffects xmlns="" xmlns:a14="http://schemas.microsoft.com/office/drawing/2010/main">
                   <a:effectLst>
                     <a:outerShdw blurRad="63500" dist="38099" dir="2700000" algn="ctr" rotWithShape="0">
                       <a:schemeClr val="bg2">
@@ -4213,12 +4213,12 @@
           <a:effectLst/>
           <a:extLst>
             <a:ext uri="{909E8E84-426E-40dd-AFC4-6F175D3DCCD1}">
-              <a14:hiddenFill xmlns:a14="http://schemas.microsoft.com/office/drawing/2010/main" xmlns="">
+              <a14:hiddenFill xmlns="" xmlns:a14="http://schemas.microsoft.com/office/drawing/2010/main">
                 <a:noFill/>
               </a14:hiddenFill>
             </a:ext>
             <a:ext uri="{AF507438-7753-43e0-B8FC-AC1667EBCBE1}">
-              <a14:hiddenEffects xmlns:a14="http://schemas.microsoft.com/office/drawing/2010/main" xmlns="">
+              <a14:hiddenEffects xmlns="" xmlns:a14="http://schemas.microsoft.com/office/drawing/2010/main">
                 <a:effectLst>
                   <a:outerShdw blurRad="63500" dist="38099" dir="2700000" algn="ctr" rotWithShape="0">
                     <a:schemeClr val="bg2">
@@ -4243,13 +4243,6 @@
   <p:clrMapOvr>
     <a:masterClrMapping/>
   </p:clrMapOvr>
-  <p:timing>
-    <p:tnLst>
-      <p:par>
-        <p:cTn id="1" dur="indefinite" restart="never" nodeType="tmRoot"/>
-      </p:par>
-    </p:tnLst>
-  </p:timing>
 </p:sldLayout>
 </file>
 
@@ -4286,10 +4279,9 @@
           <a:lstStyle/>
           <a:p>
             <a:r>
-              <a:rPr lang="en-US" smtClean="0"/>
+              <a:rPr lang="en-US"/>
               <a:t>Click to edit Master title style</a:t>
             </a:r>
-            <a:endParaRPr lang="en-US"/>
           </a:p>
         </p:txBody>
       </p:sp>
@@ -4310,38 +4302,37 @@
           <a:p>
             <a:pPr lvl="0"/>
             <a:r>
-              <a:rPr lang="en-US" smtClean="0"/>
+              <a:rPr lang="en-US"/>
               <a:t>Click to edit Master text styles</a:t>
             </a:r>
           </a:p>
           <a:p>
             <a:pPr lvl="1"/>
             <a:r>
-              <a:rPr lang="en-US" smtClean="0"/>
+              <a:rPr lang="en-US"/>
               <a:t>Second level</a:t>
             </a:r>
           </a:p>
           <a:p>
             <a:pPr lvl="2"/>
             <a:r>
-              <a:rPr lang="en-US" smtClean="0"/>
+              <a:rPr lang="en-US"/>
               <a:t>Third level</a:t>
             </a:r>
           </a:p>
           <a:p>
             <a:pPr lvl="3"/>
             <a:r>
-              <a:rPr lang="en-US" smtClean="0"/>
+              <a:rPr lang="en-US"/>
               <a:t>Fourth level</a:t>
             </a:r>
           </a:p>
           <a:p>
             <a:pPr lvl="4"/>
             <a:r>
-              <a:rPr lang="en-US" smtClean="0"/>
+              <a:rPr lang="en-US"/>
               <a:t>Fifth level</a:t>
             </a:r>
-            <a:endParaRPr lang="en-US"/>
           </a:p>
         </p:txBody>
       </p:sp>
@@ -4470,10 +4461,9 @@
           <a:lstStyle/>
           <a:p>
             <a:r>
-              <a:rPr lang="en-US" smtClean="0"/>
+              <a:rPr lang="en-US"/>
               <a:t>Click to edit Master title style</a:t>
             </a:r>
-            <a:endParaRPr lang="en-US"/>
           </a:p>
         </p:txBody>
       </p:sp>
@@ -4499,38 +4489,37 @@
           <a:p>
             <a:pPr lvl="0"/>
             <a:r>
-              <a:rPr lang="en-US" smtClean="0"/>
+              <a:rPr lang="en-US"/>
               <a:t>Click to edit Master text styles</a:t>
             </a:r>
           </a:p>
           <a:p>
             <a:pPr lvl="1"/>
             <a:r>
-              <a:rPr lang="en-US" smtClean="0"/>
+              <a:rPr lang="en-US"/>
               <a:t>Second level</a:t>
             </a:r>
           </a:p>
           <a:p>
             <a:pPr lvl="2"/>
             <a:r>
-              <a:rPr lang="en-US" smtClean="0"/>
+              <a:rPr lang="en-US"/>
               <a:t>Third level</a:t>
             </a:r>
           </a:p>
           <a:p>
             <a:pPr lvl="3"/>
             <a:r>
-              <a:rPr lang="en-US" smtClean="0"/>
+              <a:rPr lang="en-US"/>
               <a:t>Fourth level</a:t>
             </a:r>
           </a:p>
           <a:p>
             <a:pPr lvl="4"/>
             <a:r>
-              <a:rPr lang="en-US" smtClean="0"/>
+              <a:rPr lang="en-US"/>
               <a:t>Fifth level</a:t>
             </a:r>
-            <a:endParaRPr lang="en-US"/>
           </a:p>
         </p:txBody>
       </p:sp>
@@ -4654,10 +4643,9 @@
           <a:lstStyle/>
           <a:p>
             <a:r>
-              <a:rPr lang="en-US" smtClean="0"/>
+              <a:rPr lang="en-US"/>
               <a:t>Click to edit Master title style</a:t>
             </a:r>
-            <a:endParaRPr lang="en-US"/>
           </a:p>
         </p:txBody>
       </p:sp>
@@ -4678,38 +4666,37 @@
           <a:p>
             <a:pPr lvl="0"/>
             <a:r>
-              <a:rPr lang="en-US" smtClean="0"/>
+              <a:rPr lang="en-US"/>
               <a:t>Click to edit Master text styles</a:t>
             </a:r>
           </a:p>
           <a:p>
             <a:pPr lvl="1"/>
             <a:r>
-              <a:rPr lang="en-US" smtClean="0"/>
+              <a:rPr lang="en-US"/>
               <a:t>Second level</a:t>
             </a:r>
           </a:p>
           <a:p>
             <a:pPr lvl="2"/>
             <a:r>
-              <a:rPr lang="en-US" smtClean="0"/>
+              <a:rPr lang="en-US"/>
               <a:t>Third level</a:t>
             </a:r>
           </a:p>
           <a:p>
             <a:pPr lvl="3"/>
             <a:r>
-              <a:rPr lang="en-US" smtClean="0"/>
+              <a:rPr lang="en-US"/>
               <a:t>Fourth level</a:t>
             </a:r>
           </a:p>
           <a:p>
             <a:pPr lvl="4"/>
             <a:r>
-              <a:rPr lang="en-US" smtClean="0"/>
+              <a:rPr lang="en-US"/>
               <a:t>Fifth level</a:t>
             </a:r>
-            <a:endParaRPr lang="en-US"/>
           </a:p>
         </p:txBody>
       </p:sp>
@@ -4842,10 +4829,9 @@
           </a:lstStyle>
           <a:p>
             <a:r>
-              <a:rPr lang="en-US" smtClean="0"/>
+              <a:rPr lang="en-US"/>
               <a:t>Click to edit Master title style</a:t>
             </a:r>
-            <a:endParaRPr lang="en-US"/>
           </a:p>
         </p:txBody>
       </p:sp>
@@ -4908,7 +4894,7 @@
           <a:p>
             <a:pPr lvl="0"/>
             <a:r>
-              <a:rPr lang="en-US" smtClean="0"/>
+              <a:rPr lang="en-US"/>
               <a:t>Click to edit Master text styles</a:t>
             </a:r>
           </a:p>
@@ -5034,10 +5020,9 @@
           <a:lstStyle/>
           <a:p>
             <a:r>
-              <a:rPr lang="en-US" smtClean="0"/>
+              <a:rPr lang="en-US"/>
               <a:t>Click to edit Master title style</a:t>
             </a:r>
-            <a:endParaRPr lang="en-US"/>
           </a:p>
         </p:txBody>
       </p:sp>
@@ -5091,38 +5076,37 @@
           <a:p>
             <a:pPr lvl="0"/>
             <a:r>
-              <a:rPr lang="en-US" smtClean="0"/>
+              <a:rPr lang="en-US"/>
               <a:t>Click to edit Master text styles</a:t>
             </a:r>
           </a:p>
           <a:p>
             <a:pPr lvl="1"/>
             <a:r>
-              <a:rPr lang="en-US" smtClean="0"/>
+              <a:rPr lang="en-US"/>
               <a:t>Second level</a:t>
             </a:r>
           </a:p>
           <a:p>
             <a:pPr lvl="2"/>
             <a:r>
-              <a:rPr lang="en-US" smtClean="0"/>
+              <a:rPr lang="en-US"/>
               <a:t>Third level</a:t>
             </a:r>
           </a:p>
           <a:p>
             <a:pPr lvl="3"/>
             <a:r>
-              <a:rPr lang="en-US" smtClean="0"/>
+              <a:rPr lang="en-US"/>
               <a:t>Fourth level</a:t>
             </a:r>
           </a:p>
           <a:p>
             <a:pPr lvl="4"/>
             <a:r>
-              <a:rPr lang="en-US" smtClean="0"/>
+              <a:rPr lang="en-US"/>
               <a:t>Fifth level</a:t>
             </a:r>
-            <a:endParaRPr lang="en-US"/>
           </a:p>
         </p:txBody>
       </p:sp>
@@ -5176,38 +5160,37 @@
           <a:p>
             <a:pPr lvl="0"/>
             <a:r>
-              <a:rPr lang="en-US" smtClean="0"/>
+              <a:rPr lang="en-US"/>
               <a:t>Click to edit Master text styles</a:t>
             </a:r>
           </a:p>
           <a:p>
             <a:pPr lvl="1"/>
             <a:r>
-              <a:rPr lang="en-US" smtClean="0"/>
+              <a:rPr lang="en-US"/>
               <a:t>Second level</a:t>
             </a:r>
           </a:p>
           <a:p>
             <a:pPr lvl="2"/>
             <a:r>
-              <a:rPr lang="en-US" smtClean="0"/>
+              <a:rPr lang="en-US"/>
               <a:t>Third level</a:t>
             </a:r>
           </a:p>
           <a:p>
             <a:pPr lvl="3"/>
             <a:r>
-              <a:rPr lang="en-US" smtClean="0"/>
+              <a:rPr lang="en-US"/>
               <a:t>Fourth level</a:t>
             </a:r>
           </a:p>
           <a:p>
             <a:pPr lvl="4"/>
             <a:r>
-              <a:rPr lang="en-US" smtClean="0"/>
+              <a:rPr lang="en-US"/>
               <a:t>Fifth level</a:t>
             </a:r>
-            <a:endParaRPr lang="en-US"/>
           </a:p>
         </p:txBody>
       </p:sp>
@@ -5340,10 +5323,9 @@
           </a:lstStyle>
           <a:p>
             <a:r>
-              <a:rPr lang="en-US" smtClean="0"/>
+              <a:rPr lang="en-US"/>
               <a:t>Click to edit Master title style</a:t>
             </a:r>
-            <a:endParaRPr lang="en-US"/>
           </a:p>
         </p:txBody>
       </p:sp>
@@ -5406,7 +5388,7 @@
           <a:p>
             <a:pPr lvl="0"/>
             <a:r>
-              <a:rPr lang="en-US" smtClean="0"/>
+              <a:rPr lang="en-US"/>
               <a:t>Click to edit Master text styles</a:t>
             </a:r>
           </a:p>
@@ -5462,38 +5444,37 @@
           <a:p>
             <a:pPr lvl="0"/>
             <a:r>
-              <a:rPr lang="en-US" smtClean="0"/>
+              <a:rPr lang="en-US"/>
               <a:t>Click to edit Master text styles</a:t>
             </a:r>
           </a:p>
           <a:p>
             <a:pPr lvl="1"/>
             <a:r>
-              <a:rPr lang="en-US" smtClean="0"/>
+              <a:rPr lang="en-US"/>
               <a:t>Second level</a:t>
             </a:r>
           </a:p>
           <a:p>
             <a:pPr lvl="2"/>
             <a:r>
-              <a:rPr lang="en-US" smtClean="0"/>
+              <a:rPr lang="en-US"/>
               <a:t>Third level</a:t>
             </a:r>
           </a:p>
           <a:p>
             <a:pPr lvl="3"/>
             <a:r>
-              <a:rPr lang="en-US" smtClean="0"/>
+              <a:rPr lang="en-US"/>
               <a:t>Fourth level</a:t>
             </a:r>
           </a:p>
           <a:p>
             <a:pPr lvl="4"/>
             <a:r>
-              <a:rPr lang="en-US" smtClean="0"/>
+              <a:rPr lang="en-US"/>
               <a:t>Fifth level</a:t>
             </a:r>
-            <a:endParaRPr lang="en-US"/>
           </a:p>
         </p:txBody>
       </p:sp>
@@ -5556,7 +5537,7 @@
           <a:p>
             <a:pPr lvl="0"/>
             <a:r>
-              <a:rPr lang="en-US" smtClean="0"/>
+              <a:rPr lang="en-US"/>
               <a:t>Click to edit Master text styles</a:t>
             </a:r>
           </a:p>
@@ -5612,38 +5593,37 @@
           <a:p>
             <a:pPr lvl="0"/>
             <a:r>
-              <a:rPr lang="en-US" smtClean="0"/>
+              <a:rPr lang="en-US"/>
               <a:t>Click to edit Master text styles</a:t>
             </a:r>
           </a:p>
           <a:p>
             <a:pPr lvl="1"/>
             <a:r>
-              <a:rPr lang="en-US" smtClean="0"/>
+              <a:rPr lang="en-US"/>
               <a:t>Second level</a:t>
             </a:r>
           </a:p>
           <a:p>
             <a:pPr lvl="2"/>
             <a:r>
-              <a:rPr lang="en-US" smtClean="0"/>
+              <a:rPr lang="en-US"/>
               <a:t>Third level</a:t>
             </a:r>
           </a:p>
           <a:p>
             <a:pPr lvl="3"/>
             <a:r>
-              <a:rPr lang="en-US" smtClean="0"/>
+              <a:rPr lang="en-US"/>
               <a:t>Fourth level</a:t>
             </a:r>
           </a:p>
           <a:p>
             <a:pPr lvl="4"/>
             <a:r>
-              <a:rPr lang="en-US" smtClean="0"/>
+              <a:rPr lang="en-US"/>
               <a:t>Fifth level</a:t>
             </a:r>
-            <a:endParaRPr lang="en-US"/>
           </a:p>
         </p:txBody>
       </p:sp>
@@ -5767,10 +5747,9 @@
           <a:lstStyle/>
           <a:p>
             <a:r>
-              <a:rPr lang="en-US" smtClean="0"/>
+              <a:rPr lang="en-US"/>
               <a:t>Click to edit Master title style</a:t>
             </a:r>
-            <a:endParaRPr lang="en-US"/>
           </a:p>
         </p:txBody>
       </p:sp>
@@ -6007,10 +5986,9 @@
           </a:lstStyle>
           <a:p>
             <a:r>
-              <a:rPr lang="en-US" smtClean="0"/>
+              <a:rPr lang="en-US"/>
               <a:t>Click to edit Master title style</a:t>
             </a:r>
-            <a:endParaRPr lang="en-US"/>
           </a:p>
         </p:txBody>
       </p:sp>
@@ -6064,38 +6042,37 @@
           <a:p>
             <a:pPr lvl="0"/>
             <a:r>
-              <a:rPr lang="en-US" smtClean="0"/>
+              <a:rPr lang="en-US"/>
               <a:t>Click to edit Master text styles</a:t>
             </a:r>
           </a:p>
           <a:p>
             <a:pPr lvl="1"/>
             <a:r>
-              <a:rPr lang="en-US" smtClean="0"/>
+              <a:rPr lang="en-US"/>
               <a:t>Second level</a:t>
             </a:r>
           </a:p>
           <a:p>
             <a:pPr lvl="2"/>
             <a:r>
-              <a:rPr lang="en-US" smtClean="0"/>
+              <a:rPr lang="en-US"/>
               <a:t>Third level</a:t>
             </a:r>
           </a:p>
           <a:p>
             <a:pPr lvl="3"/>
             <a:r>
-              <a:rPr lang="en-US" smtClean="0"/>
+              <a:rPr lang="en-US"/>
               <a:t>Fourth level</a:t>
             </a:r>
           </a:p>
           <a:p>
             <a:pPr lvl="4"/>
             <a:r>
-              <a:rPr lang="en-US" smtClean="0"/>
+              <a:rPr lang="en-US"/>
               <a:t>Fifth level</a:t>
             </a:r>
-            <a:endParaRPr lang="en-US"/>
           </a:p>
         </p:txBody>
       </p:sp>
@@ -6158,7 +6135,7 @@
           <a:p>
             <a:pPr lvl="0"/>
             <a:r>
-              <a:rPr lang="en-US" smtClean="0"/>
+              <a:rPr lang="en-US"/>
               <a:t>Click to edit Master text styles</a:t>
             </a:r>
           </a:p>
@@ -6293,10 +6270,9 @@
           </a:lstStyle>
           <a:p>
             <a:r>
-              <a:rPr lang="en-US" smtClean="0"/>
+              <a:rPr lang="en-US"/>
               <a:t>Click to edit Master title style</a:t>
             </a:r>
-            <a:endParaRPr lang="en-US"/>
           </a:p>
         </p:txBody>
       </p:sp>
@@ -6420,7 +6396,7 @@
           <a:p>
             <a:pPr lvl="0"/>
             <a:r>
-              <a:rPr lang="en-US" smtClean="0"/>
+              <a:rPr lang="en-US"/>
               <a:t>Click to edit Master text styles</a:t>
             </a:r>
           </a:p>
@@ -6566,12 +6542,12 @@
           <a:effectLst/>
           <a:extLst>
             <a:ext uri="{909E8E84-426E-40dd-AFC4-6F175D3DCCD1}">
-              <a14:hiddenFill xmlns:a14="http://schemas.microsoft.com/office/drawing/2010/main" xmlns="">
+              <a14:hiddenFill xmlns="" xmlns:a14="http://schemas.microsoft.com/office/drawing/2010/main">
                 <a:noFill/>
               </a14:hiddenFill>
             </a:ext>
             <a:ext uri="{AF507438-7753-43e0-B8FC-AC1667EBCBE1}">
-              <a14:hiddenEffects xmlns:a14="http://schemas.microsoft.com/office/drawing/2010/main" xmlns="">
+              <a14:hiddenEffects xmlns="" xmlns:a14="http://schemas.microsoft.com/office/drawing/2010/main">
                 <a:effectLst>
                   <a:outerShdw blurRad="63500" dist="38099" dir="2700000" algn="ctr" rotWithShape="0">
                     <a:schemeClr val="bg2">
@@ -6616,17 +6592,17 @@
           <a:effectLst/>
           <a:extLst>
             <a:ext uri="{FAA26D3D-D897-4be2-8F04-BA451C77F1D7}">
-              <ma14:placeholderFlag xmlns:ma14="http://schemas.microsoft.com/office/mac/drawingml/2011/main" val="1"/>
+              <ma14:placeholderFlag xmlns:ma14="http://schemas.microsoft.com/office/mac/drawingml/2011/main" xmlns="" val="1"/>
             </a:ext>
             <a:ext uri="{909E8E84-426E-40dd-AFC4-6F175D3DCCD1}">
-              <a14:hiddenFill xmlns:a14="http://schemas.microsoft.com/office/drawing/2010/main" xmlns="">
+              <a14:hiddenFill xmlns="" xmlns:a14="http://schemas.microsoft.com/office/drawing/2010/main">
                 <a:solidFill>
                   <a:schemeClr val="accent1"/>
                 </a:solidFill>
               </a14:hiddenFill>
             </a:ext>
             <a:ext uri="{91240B29-F687-4f45-9708-019B960494DF}">
-              <a14:hiddenLine xmlns:a14="http://schemas.microsoft.com/office/drawing/2010/main" xmlns="" w="9525">
+              <a14:hiddenLine xmlns="" xmlns:a14="http://schemas.microsoft.com/office/drawing/2010/main" w="9525">
                 <a:solidFill>
                   <a:schemeClr val="tx1"/>
                 </a:solidFill>
@@ -6636,7 +6612,7 @@
               </a14:hiddenLine>
             </a:ext>
             <a:ext uri="{AF507438-7753-43e0-B8FC-AC1667EBCBE1}">
-              <a14:hiddenEffects xmlns:a14="http://schemas.microsoft.com/office/drawing/2010/main" xmlns="">
+              <a14:hiddenEffects xmlns="" xmlns:a14="http://schemas.microsoft.com/office/drawing/2010/main">
                 <a:effectLst>
                   <a:outerShdw blurRad="63500" dist="38099" dir="2700000" algn="ctr" rotWithShape="0">
                     <a:schemeClr val="bg2">
@@ -6689,17 +6665,17 @@
           <a:effectLst/>
           <a:extLst>
             <a:ext uri="{FAA26D3D-D897-4be2-8F04-BA451C77F1D7}">
-              <ma14:placeholderFlag xmlns:ma14="http://schemas.microsoft.com/office/mac/drawingml/2011/main" val="1"/>
+              <ma14:placeholderFlag xmlns:ma14="http://schemas.microsoft.com/office/mac/drawingml/2011/main" xmlns="" val="1"/>
             </a:ext>
             <a:ext uri="{909E8E84-426E-40dd-AFC4-6F175D3DCCD1}">
-              <a14:hiddenFill xmlns:a14="http://schemas.microsoft.com/office/drawing/2010/main" xmlns="">
+              <a14:hiddenFill xmlns="" xmlns:a14="http://schemas.microsoft.com/office/drawing/2010/main">
                 <a:solidFill>
                   <a:schemeClr val="accent1"/>
                 </a:solidFill>
               </a14:hiddenFill>
             </a:ext>
             <a:ext uri="{91240B29-F687-4f45-9708-019B960494DF}">
-              <a14:hiddenLine xmlns:a14="http://schemas.microsoft.com/office/drawing/2010/main" xmlns="" w="9525">
+              <a14:hiddenLine xmlns="" xmlns:a14="http://schemas.microsoft.com/office/drawing/2010/main" w="9525">
                 <a:solidFill>
                   <a:schemeClr val="tx1"/>
                 </a:solidFill>
@@ -6709,7 +6685,7 @@
               </a14:hiddenLine>
             </a:ext>
             <a:ext uri="{AF507438-7753-43e0-B8FC-AC1667EBCBE1}">
-              <a14:hiddenEffects xmlns:a14="http://schemas.microsoft.com/office/drawing/2010/main" xmlns="">
+              <a14:hiddenEffects xmlns="" xmlns:a14="http://schemas.microsoft.com/office/drawing/2010/main">
                 <a:effectLst>
                   <a:outerShdw blurRad="63500" dist="38099" dir="2700000" algn="ctr" rotWithShape="0">
                     <a:schemeClr val="bg2">
@@ -6790,17 +6766,17 @@
           <a:effectLst/>
           <a:extLst>
             <a:ext uri="{FAA26D3D-D897-4be2-8F04-BA451C77F1D7}">
-              <ma14:placeholderFlag xmlns:ma14="http://schemas.microsoft.com/office/mac/drawingml/2011/main" val="1"/>
+              <ma14:placeholderFlag xmlns:ma14="http://schemas.microsoft.com/office/mac/drawingml/2011/main" xmlns="" val="1"/>
             </a:ext>
             <a:ext uri="{909E8E84-426E-40dd-AFC4-6F175D3DCCD1}">
-              <a14:hiddenFill xmlns:a14="http://schemas.microsoft.com/office/drawing/2010/main" xmlns="">
+              <a14:hiddenFill xmlns="" xmlns:a14="http://schemas.microsoft.com/office/drawing/2010/main">
                 <a:solidFill>
                   <a:schemeClr val="accent1"/>
                 </a:solidFill>
               </a14:hiddenFill>
             </a:ext>
             <a:ext uri="{91240B29-F687-4f45-9708-019B960494DF}">
-              <a14:hiddenLine xmlns:a14="http://schemas.microsoft.com/office/drawing/2010/main" xmlns="" w="9525">
+              <a14:hiddenLine xmlns="" xmlns:a14="http://schemas.microsoft.com/office/drawing/2010/main" w="9525">
                 <a:solidFill>
                   <a:schemeClr val="tx1"/>
                 </a:solidFill>
@@ -6810,7 +6786,7 @@
               </a14:hiddenLine>
             </a:ext>
             <a:ext uri="{AF507438-7753-43e0-B8FC-AC1667EBCBE1}">
-              <a14:hiddenEffects xmlns:a14="http://schemas.microsoft.com/office/drawing/2010/main" xmlns="">
+              <a14:hiddenEffects xmlns="" xmlns:a14="http://schemas.microsoft.com/office/drawing/2010/main">
                 <a:effectLst>
                   <a:outerShdw blurRad="63500" dist="38099" dir="2700000" algn="ctr" rotWithShape="0">
                     <a:schemeClr val="bg2">
@@ -6863,17 +6839,17 @@
           <a:effectLst/>
           <a:extLst>
             <a:ext uri="{FAA26D3D-D897-4be2-8F04-BA451C77F1D7}">
-              <ma14:placeholderFlag xmlns:ma14="http://schemas.microsoft.com/office/mac/drawingml/2011/main" val="1"/>
+              <ma14:placeholderFlag xmlns:ma14="http://schemas.microsoft.com/office/mac/drawingml/2011/main" xmlns="" val="1"/>
             </a:ext>
             <a:ext uri="{909E8E84-426E-40dd-AFC4-6F175D3DCCD1}">
-              <a14:hiddenFill xmlns:a14="http://schemas.microsoft.com/office/drawing/2010/main" xmlns="">
+              <a14:hiddenFill xmlns="" xmlns:a14="http://schemas.microsoft.com/office/drawing/2010/main">
                 <a:solidFill>
                   <a:schemeClr val="accent1"/>
                 </a:solidFill>
               </a14:hiddenFill>
             </a:ext>
             <a:ext uri="{91240B29-F687-4f45-9708-019B960494DF}">
-              <a14:hiddenLine xmlns:a14="http://schemas.microsoft.com/office/drawing/2010/main" xmlns="" w="9525">
+              <a14:hiddenLine xmlns="" xmlns:a14="http://schemas.microsoft.com/office/drawing/2010/main" w="9525">
                 <a:solidFill>
                   <a:schemeClr val="tx1"/>
                 </a:solidFill>
@@ -6883,7 +6859,7 @@
               </a14:hiddenLine>
             </a:ext>
             <a:ext uri="{AF507438-7753-43e0-B8FC-AC1667EBCBE1}">
-              <a14:hiddenEffects xmlns:a14="http://schemas.microsoft.com/office/drawing/2010/main" xmlns="">
+              <a14:hiddenEffects xmlns="" xmlns:a14="http://schemas.microsoft.com/office/drawing/2010/main">
                 <a:effectLst>
                   <a:outerShdw blurRad="63500" dist="38099" dir="2700000" algn="ctr" rotWithShape="0">
                     <a:schemeClr val="bg2">
@@ -6936,17 +6912,17 @@
           <a:effectLst/>
           <a:extLst>
             <a:ext uri="{FAA26D3D-D897-4be2-8F04-BA451C77F1D7}">
-              <ma14:placeholderFlag xmlns:ma14="http://schemas.microsoft.com/office/mac/drawingml/2011/main" val="1"/>
+              <ma14:placeholderFlag xmlns:ma14="http://schemas.microsoft.com/office/mac/drawingml/2011/main" xmlns="" val="1"/>
             </a:ext>
             <a:ext uri="{909E8E84-426E-40dd-AFC4-6F175D3DCCD1}">
-              <a14:hiddenFill xmlns:a14="http://schemas.microsoft.com/office/drawing/2010/main" xmlns="">
+              <a14:hiddenFill xmlns="" xmlns:a14="http://schemas.microsoft.com/office/drawing/2010/main">
                 <a:solidFill>
                   <a:schemeClr val="accent1"/>
                 </a:solidFill>
               </a14:hiddenFill>
             </a:ext>
             <a:ext uri="{91240B29-F687-4f45-9708-019B960494DF}">
-              <a14:hiddenLine xmlns:a14="http://schemas.microsoft.com/office/drawing/2010/main" xmlns="" w="9525">
+              <a14:hiddenLine xmlns="" xmlns:a14="http://schemas.microsoft.com/office/drawing/2010/main" w="9525">
                 <a:solidFill>
                   <a:schemeClr val="tx1"/>
                 </a:solidFill>
@@ -6956,7 +6932,7 @@
               </a14:hiddenLine>
             </a:ext>
             <a:ext uri="{AF507438-7753-43e0-B8FC-AC1667EBCBE1}">
-              <a14:hiddenEffects xmlns:a14="http://schemas.microsoft.com/office/drawing/2010/main" xmlns="">
+              <a14:hiddenEffects xmlns="" xmlns:a14="http://schemas.microsoft.com/office/drawing/2010/main">
                 <a:effectLst>
                   <a:outerShdw blurRad="63500" dist="38099" dir="2700000" algn="ctr" rotWithShape="0">
                     <a:schemeClr val="bg2">
@@ -7030,7 +7006,7 @@
             <a:effectLst/>
             <a:extLst>
               <a:ext uri="{91240B29-F687-4f45-9708-019B960494DF}">
-                <a14:hiddenLine xmlns:a14="http://schemas.microsoft.com/office/drawing/2010/main" xmlns="" w="9525">
+                <a14:hiddenLine xmlns="" xmlns:a14="http://schemas.microsoft.com/office/drawing/2010/main" w="9525">
                   <a:solidFill>
                     <a:schemeClr val="tx1"/>
                   </a:solidFill>
@@ -7040,7 +7016,7 @@
                 </a14:hiddenLine>
               </a:ext>
               <a:ext uri="{AF507438-7753-43e0-B8FC-AC1667EBCBE1}">
-                <a14:hiddenEffects xmlns:a14="http://schemas.microsoft.com/office/drawing/2010/main" xmlns="">
+                <a14:hiddenEffects xmlns="" xmlns:a14="http://schemas.microsoft.com/office/drawing/2010/main">
                   <a:effectLst>
                     <a:outerShdw blurRad="63500" dist="38099" dir="2700000" algn="ctr" rotWithShape="0">
                       <a:schemeClr val="bg2">
@@ -7085,7 +7061,7 @@
             <a:effectLst/>
             <a:extLst>
               <a:ext uri="{91240B29-F687-4f45-9708-019B960494DF}">
-                <a14:hiddenLine xmlns:a14="http://schemas.microsoft.com/office/drawing/2010/main" xmlns="" w="9525">
+                <a14:hiddenLine xmlns="" xmlns:a14="http://schemas.microsoft.com/office/drawing/2010/main" w="9525">
                   <a:solidFill>
                     <a:schemeClr val="tx1"/>
                   </a:solidFill>
@@ -7095,7 +7071,7 @@
                 </a14:hiddenLine>
               </a:ext>
               <a:ext uri="{AF507438-7753-43e0-B8FC-AC1667EBCBE1}">
-                <a14:hiddenEffects xmlns:a14="http://schemas.microsoft.com/office/drawing/2010/main" xmlns="">
+                <a14:hiddenEffects xmlns="" xmlns:a14="http://schemas.microsoft.com/office/drawing/2010/main">
                   <a:effectLst>
                     <a:outerShdw blurRad="63500" dist="38099" dir="2700000" algn="ctr" rotWithShape="0">
                       <a:schemeClr val="bg2">
@@ -7140,7 +7116,7 @@
             <a:effectLst/>
             <a:extLst>
               <a:ext uri="{91240B29-F687-4f45-9708-019B960494DF}">
-                <a14:hiddenLine xmlns:a14="http://schemas.microsoft.com/office/drawing/2010/main" xmlns="" w="9525">
+                <a14:hiddenLine xmlns="" xmlns:a14="http://schemas.microsoft.com/office/drawing/2010/main" w="9525">
                   <a:solidFill>
                     <a:schemeClr val="tx1"/>
                   </a:solidFill>
@@ -7150,7 +7126,7 @@
                 </a14:hiddenLine>
               </a:ext>
               <a:ext uri="{AF507438-7753-43e0-B8FC-AC1667EBCBE1}">
-                <a14:hiddenEffects xmlns:a14="http://schemas.microsoft.com/office/drawing/2010/main" xmlns="">
+                <a14:hiddenEffects xmlns="" xmlns:a14="http://schemas.microsoft.com/office/drawing/2010/main">
                   <a:effectLst>
                     <a:outerShdw blurRad="63500" dist="38099" dir="2700000" algn="ctr" rotWithShape="0">
                       <a:schemeClr val="bg2">
@@ -7195,7 +7171,7 @@
             <a:effectLst/>
             <a:extLst>
               <a:ext uri="{91240B29-F687-4f45-9708-019B960494DF}">
-                <a14:hiddenLine xmlns:a14="http://schemas.microsoft.com/office/drawing/2010/main" xmlns="" w="9525">
+                <a14:hiddenLine xmlns="" xmlns:a14="http://schemas.microsoft.com/office/drawing/2010/main" w="9525">
                   <a:solidFill>
                     <a:schemeClr val="tx1"/>
                   </a:solidFill>
@@ -7205,7 +7181,7 @@
                 </a14:hiddenLine>
               </a:ext>
               <a:ext uri="{AF507438-7753-43e0-B8FC-AC1667EBCBE1}">
-                <a14:hiddenEffects xmlns:a14="http://schemas.microsoft.com/office/drawing/2010/main" xmlns="">
+                <a14:hiddenEffects xmlns="" xmlns:a14="http://schemas.microsoft.com/office/drawing/2010/main">
                   <a:effectLst>
                     <a:outerShdw blurRad="63500" dist="38099" dir="2700000" algn="ctr" rotWithShape="0">
                       <a:schemeClr val="bg2">
@@ -7250,7 +7226,7 @@
             <a:effectLst/>
             <a:extLst>
               <a:ext uri="{91240B29-F687-4f45-9708-019B960494DF}">
-                <a14:hiddenLine xmlns:a14="http://schemas.microsoft.com/office/drawing/2010/main" xmlns="" w="9525">
+                <a14:hiddenLine xmlns="" xmlns:a14="http://schemas.microsoft.com/office/drawing/2010/main" w="9525">
                   <a:solidFill>
                     <a:schemeClr val="tx1"/>
                   </a:solidFill>
@@ -7260,7 +7236,7 @@
                 </a14:hiddenLine>
               </a:ext>
               <a:ext uri="{AF507438-7753-43e0-B8FC-AC1667EBCBE1}">
-                <a14:hiddenEffects xmlns:a14="http://schemas.microsoft.com/office/drawing/2010/main" xmlns="">
+                <a14:hiddenEffects xmlns="" xmlns:a14="http://schemas.microsoft.com/office/drawing/2010/main">
                   <a:effectLst>
                     <a:outerShdw blurRad="63500" dist="38099" dir="2700000" algn="ctr" rotWithShape="0">
                       <a:schemeClr val="bg2">
@@ -7305,7 +7281,7 @@
             <a:effectLst/>
             <a:extLst>
               <a:ext uri="{91240B29-F687-4f45-9708-019B960494DF}">
-                <a14:hiddenLine xmlns:a14="http://schemas.microsoft.com/office/drawing/2010/main" xmlns="" w="9525">
+                <a14:hiddenLine xmlns="" xmlns:a14="http://schemas.microsoft.com/office/drawing/2010/main" w="9525">
                   <a:solidFill>
                     <a:schemeClr val="tx1"/>
                   </a:solidFill>
@@ -7315,7 +7291,7 @@
                 </a14:hiddenLine>
               </a:ext>
               <a:ext uri="{AF507438-7753-43e0-B8FC-AC1667EBCBE1}">
-                <a14:hiddenEffects xmlns:a14="http://schemas.microsoft.com/office/drawing/2010/main" xmlns="">
+                <a14:hiddenEffects xmlns="" xmlns:a14="http://schemas.microsoft.com/office/drawing/2010/main">
                   <a:effectLst>
                     <a:outerShdw blurRad="63500" dist="38099" dir="2700000" algn="ctr" rotWithShape="0">
                       <a:schemeClr val="bg2">
@@ -7360,7 +7336,7 @@
             <a:effectLst/>
             <a:extLst>
               <a:ext uri="{91240B29-F687-4f45-9708-019B960494DF}">
-                <a14:hiddenLine xmlns:a14="http://schemas.microsoft.com/office/drawing/2010/main" xmlns="" w="9525">
+                <a14:hiddenLine xmlns="" xmlns:a14="http://schemas.microsoft.com/office/drawing/2010/main" w="9525">
                   <a:solidFill>
                     <a:schemeClr val="tx1"/>
                   </a:solidFill>
@@ -7370,7 +7346,7 @@
                 </a14:hiddenLine>
               </a:ext>
               <a:ext uri="{AF507438-7753-43e0-B8FC-AC1667EBCBE1}">
-                <a14:hiddenEffects xmlns:a14="http://schemas.microsoft.com/office/drawing/2010/main" xmlns="">
+                <a14:hiddenEffects xmlns="" xmlns:a14="http://schemas.microsoft.com/office/drawing/2010/main">
                   <a:effectLst>
                     <a:outerShdw blurRad="63500" dist="38099" dir="2700000" algn="ctr" rotWithShape="0">
                       <a:schemeClr val="bg2">
@@ -7415,7 +7391,7 @@
             <a:effectLst/>
             <a:extLst>
               <a:ext uri="{91240B29-F687-4f45-9708-019B960494DF}">
-                <a14:hiddenLine xmlns:a14="http://schemas.microsoft.com/office/drawing/2010/main" xmlns="" w="9525">
+                <a14:hiddenLine xmlns="" xmlns:a14="http://schemas.microsoft.com/office/drawing/2010/main" w="9525">
                   <a:solidFill>
                     <a:schemeClr val="tx1"/>
                   </a:solidFill>
@@ -7425,7 +7401,7 @@
                 </a14:hiddenLine>
               </a:ext>
               <a:ext uri="{AF507438-7753-43e0-B8FC-AC1667EBCBE1}">
-                <a14:hiddenEffects xmlns:a14="http://schemas.microsoft.com/office/drawing/2010/main" xmlns="">
+                <a14:hiddenEffects xmlns="" xmlns:a14="http://schemas.microsoft.com/office/drawing/2010/main">
                   <a:effectLst>
                     <a:outerShdw blurRad="63500" dist="38099" dir="2700000" algn="ctr" rotWithShape="0">
                       <a:schemeClr val="bg2">
@@ -7470,7 +7446,7 @@
             <a:effectLst/>
             <a:extLst>
               <a:ext uri="{91240B29-F687-4f45-9708-019B960494DF}">
-                <a14:hiddenLine xmlns:a14="http://schemas.microsoft.com/office/drawing/2010/main" xmlns="" w="9525">
+                <a14:hiddenLine xmlns="" xmlns:a14="http://schemas.microsoft.com/office/drawing/2010/main" w="9525">
                   <a:solidFill>
                     <a:schemeClr val="tx1"/>
                   </a:solidFill>
@@ -7480,7 +7456,7 @@
                 </a14:hiddenLine>
               </a:ext>
               <a:ext uri="{AF507438-7753-43e0-B8FC-AC1667EBCBE1}">
-                <a14:hiddenEffects xmlns:a14="http://schemas.microsoft.com/office/drawing/2010/main" xmlns="">
+                <a14:hiddenEffects xmlns="" xmlns:a14="http://schemas.microsoft.com/office/drawing/2010/main">
                   <a:effectLst>
                     <a:outerShdw blurRad="63500" dist="38099" dir="2700000" algn="ctr" rotWithShape="0">
                       <a:schemeClr val="bg2">
@@ -7525,7 +7501,7 @@
             <a:effectLst/>
             <a:extLst>
               <a:ext uri="{91240B29-F687-4f45-9708-019B960494DF}">
-                <a14:hiddenLine xmlns:a14="http://schemas.microsoft.com/office/drawing/2010/main" xmlns="" w="9525">
+                <a14:hiddenLine xmlns="" xmlns:a14="http://schemas.microsoft.com/office/drawing/2010/main" w="9525">
                   <a:solidFill>
                     <a:schemeClr val="tx1"/>
                   </a:solidFill>
@@ -7535,7 +7511,7 @@
                 </a14:hiddenLine>
               </a:ext>
               <a:ext uri="{AF507438-7753-43e0-B8FC-AC1667EBCBE1}">
-                <a14:hiddenEffects xmlns:a14="http://schemas.microsoft.com/office/drawing/2010/main" xmlns="">
+                <a14:hiddenEffects xmlns="" xmlns:a14="http://schemas.microsoft.com/office/drawing/2010/main">
                   <a:effectLst>
                     <a:outerShdw blurRad="63500" dist="38099" dir="2700000" algn="ctr" rotWithShape="0">
                       <a:schemeClr val="bg2">
@@ -7580,7 +7556,7 @@
             <a:effectLst/>
             <a:extLst>
               <a:ext uri="{91240B29-F687-4f45-9708-019B960494DF}">
-                <a14:hiddenLine xmlns:a14="http://schemas.microsoft.com/office/drawing/2010/main" xmlns="" w="9525">
+                <a14:hiddenLine xmlns="" xmlns:a14="http://schemas.microsoft.com/office/drawing/2010/main" w="9525">
                   <a:solidFill>
                     <a:schemeClr val="tx1"/>
                   </a:solidFill>
@@ -7590,7 +7566,7 @@
                 </a14:hiddenLine>
               </a:ext>
               <a:ext uri="{AF507438-7753-43e0-B8FC-AC1667EBCBE1}">
-                <a14:hiddenEffects xmlns:a14="http://schemas.microsoft.com/office/drawing/2010/main" xmlns="">
+                <a14:hiddenEffects xmlns="" xmlns:a14="http://schemas.microsoft.com/office/drawing/2010/main">
                   <a:effectLst>
                     <a:outerShdw blurRad="63500" dist="38099" dir="2700000" algn="ctr" rotWithShape="0">
                       <a:schemeClr val="bg2">
@@ -7635,7 +7611,7 @@
             <a:effectLst/>
             <a:extLst>
               <a:ext uri="{91240B29-F687-4f45-9708-019B960494DF}">
-                <a14:hiddenLine xmlns:a14="http://schemas.microsoft.com/office/drawing/2010/main" xmlns="" w="9525">
+                <a14:hiddenLine xmlns="" xmlns:a14="http://schemas.microsoft.com/office/drawing/2010/main" w="9525">
                   <a:solidFill>
                     <a:schemeClr val="tx1"/>
                   </a:solidFill>
@@ -7645,7 +7621,7 @@
                 </a14:hiddenLine>
               </a:ext>
               <a:ext uri="{AF507438-7753-43e0-B8FC-AC1667EBCBE1}">
-                <a14:hiddenEffects xmlns:a14="http://schemas.microsoft.com/office/drawing/2010/main" xmlns="">
+                <a14:hiddenEffects xmlns="" xmlns:a14="http://schemas.microsoft.com/office/drawing/2010/main">
                   <a:effectLst>
                     <a:outerShdw blurRad="63500" dist="38099" dir="2700000" algn="ctr" rotWithShape="0">
                       <a:schemeClr val="bg2">
@@ -7690,7 +7666,7 @@
             <a:effectLst/>
             <a:extLst>
               <a:ext uri="{91240B29-F687-4f45-9708-019B960494DF}">
-                <a14:hiddenLine xmlns:a14="http://schemas.microsoft.com/office/drawing/2010/main" xmlns="" w="9525">
+                <a14:hiddenLine xmlns="" xmlns:a14="http://schemas.microsoft.com/office/drawing/2010/main" w="9525">
                   <a:solidFill>
                     <a:schemeClr val="tx1"/>
                   </a:solidFill>
@@ -7700,7 +7676,7 @@
                 </a14:hiddenLine>
               </a:ext>
               <a:ext uri="{AF507438-7753-43e0-B8FC-AC1667EBCBE1}">
-                <a14:hiddenEffects xmlns:a14="http://schemas.microsoft.com/office/drawing/2010/main" xmlns="">
+                <a14:hiddenEffects xmlns="" xmlns:a14="http://schemas.microsoft.com/office/drawing/2010/main">
                   <a:effectLst>
                     <a:outerShdw blurRad="63500" dist="38099" dir="2700000" algn="ctr" rotWithShape="0">
                       <a:schemeClr val="bg2">
@@ -7745,7 +7721,7 @@
             <a:effectLst/>
             <a:extLst>
               <a:ext uri="{91240B29-F687-4f45-9708-019B960494DF}">
-                <a14:hiddenLine xmlns:a14="http://schemas.microsoft.com/office/drawing/2010/main" xmlns="" w="9525">
+                <a14:hiddenLine xmlns="" xmlns:a14="http://schemas.microsoft.com/office/drawing/2010/main" w="9525">
                   <a:solidFill>
                     <a:schemeClr val="tx1"/>
                   </a:solidFill>
@@ -7755,7 +7731,7 @@
                 </a14:hiddenLine>
               </a:ext>
               <a:ext uri="{AF507438-7753-43e0-B8FC-AC1667EBCBE1}">
-                <a14:hiddenEffects xmlns:a14="http://schemas.microsoft.com/office/drawing/2010/main" xmlns="">
+                <a14:hiddenEffects xmlns="" xmlns:a14="http://schemas.microsoft.com/office/drawing/2010/main">
                   <a:effectLst>
                     <a:outerShdw blurRad="63500" dist="38099" dir="2700000" algn="ctr" rotWithShape="0">
                       <a:schemeClr val="bg2">
@@ -7800,7 +7776,7 @@
             <a:effectLst/>
             <a:extLst>
               <a:ext uri="{91240B29-F687-4f45-9708-019B960494DF}">
-                <a14:hiddenLine xmlns:a14="http://schemas.microsoft.com/office/drawing/2010/main" xmlns="" w="9525">
+                <a14:hiddenLine xmlns="" xmlns:a14="http://schemas.microsoft.com/office/drawing/2010/main" w="9525">
                   <a:solidFill>
                     <a:schemeClr val="tx1"/>
                   </a:solidFill>
@@ -7810,7 +7786,7 @@
                 </a14:hiddenLine>
               </a:ext>
               <a:ext uri="{AF507438-7753-43e0-B8FC-AC1667EBCBE1}">
-                <a14:hiddenEffects xmlns:a14="http://schemas.microsoft.com/office/drawing/2010/main" xmlns="">
+                <a14:hiddenEffects xmlns="" xmlns:a14="http://schemas.microsoft.com/office/drawing/2010/main">
                   <a:effectLst>
                     <a:outerShdw blurRad="63500" dist="38099" dir="2700000" algn="ctr" rotWithShape="0">
                       <a:schemeClr val="bg2">
@@ -7855,7 +7831,7 @@
             <a:effectLst/>
             <a:extLst>
               <a:ext uri="{91240B29-F687-4f45-9708-019B960494DF}">
-                <a14:hiddenLine xmlns:a14="http://schemas.microsoft.com/office/drawing/2010/main" xmlns="" w="9525">
+                <a14:hiddenLine xmlns="" xmlns:a14="http://schemas.microsoft.com/office/drawing/2010/main" w="9525">
                   <a:solidFill>
                     <a:schemeClr val="tx1"/>
                   </a:solidFill>
@@ -7865,7 +7841,7 @@
                 </a14:hiddenLine>
               </a:ext>
               <a:ext uri="{AF507438-7753-43e0-B8FC-AC1667EBCBE1}">
-                <a14:hiddenEffects xmlns:a14="http://schemas.microsoft.com/office/drawing/2010/main" xmlns="">
+                <a14:hiddenEffects xmlns="" xmlns:a14="http://schemas.microsoft.com/office/drawing/2010/main">
                   <a:effectLst>
                     <a:outerShdw blurRad="63500" dist="38099" dir="2700000" algn="ctr" rotWithShape="0">
                       <a:schemeClr val="bg2">
@@ -7910,7 +7886,7 @@
             <a:effectLst/>
             <a:extLst>
               <a:ext uri="{91240B29-F687-4f45-9708-019B960494DF}">
-                <a14:hiddenLine xmlns:a14="http://schemas.microsoft.com/office/drawing/2010/main" xmlns="" w="9525">
+                <a14:hiddenLine xmlns="" xmlns:a14="http://schemas.microsoft.com/office/drawing/2010/main" w="9525">
                   <a:solidFill>
                     <a:schemeClr val="tx1"/>
                   </a:solidFill>
@@ -7920,7 +7896,7 @@
                 </a14:hiddenLine>
               </a:ext>
               <a:ext uri="{AF507438-7753-43e0-B8FC-AC1667EBCBE1}">
-                <a14:hiddenEffects xmlns:a14="http://schemas.microsoft.com/office/drawing/2010/main" xmlns="">
+                <a14:hiddenEffects xmlns="" xmlns:a14="http://schemas.microsoft.com/office/drawing/2010/main">
                   <a:effectLst>
                     <a:outerShdw blurRad="63500" dist="38099" dir="2700000" algn="ctr" rotWithShape="0">
                       <a:schemeClr val="bg2">
@@ -7965,7 +7941,7 @@
             <a:effectLst/>
             <a:extLst>
               <a:ext uri="{91240B29-F687-4f45-9708-019B960494DF}">
-                <a14:hiddenLine xmlns:a14="http://schemas.microsoft.com/office/drawing/2010/main" xmlns="" w="9525">
+                <a14:hiddenLine xmlns="" xmlns:a14="http://schemas.microsoft.com/office/drawing/2010/main" w="9525">
                   <a:solidFill>
                     <a:schemeClr val="tx1"/>
                   </a:solidFill>
@@ -7975,7 +7951,7 @@
                 </a14:hiddenLine>
               </a:ext>
               <a:ext uri="{AF507438-7753-43e0-B8FC-AC1667EBCBE1}">
-                <a14:hiddenEffects xmlns:a14="http://schemas.microsoft.com/office/drawing/2010/main" xmlns="">
+                <a14:hiddenEffects xmlns="" xmlns:a14="http://schemas.microsoft.com/office/drawing/2010/main">
                   <a:effectLst>
                     <a:outerShdw blurRad="63500" dist="38099" dir="2700000" algn="ctr" rotWithShape="0">
                       <a:schemeClr val="bg2">
@@ -8020,7 +7996,7 @@
             <a:effectLst/>
             <a:extLst>
               <a:ext uri="{91240B29-F687-4f45-9708-019B960494DF}">
-                <a14:hiddenLine xmlns:a14="http://schemas.microsoft.com/office/drawing/2010/main" xmlns="" w="9525">
+                <a14:hiddenLine xmlns="" xmlns:a14="http://schemas.microsoft.com/office/drawing/2010/main" w="9525">
                   <a:solidFill>
                     <a:schemeClr val="tx1"/>
                   </a:solidFill>
@@ -8030,7 +8006,7 @@
                 </a14:hiddenLine>
               </a:ext>
               <a:ext uri="{AF507438-7753-43e0-B8FC-AC1667EBCBE1}">
-                <a14:hiddenEffects xmlns:a14="http://schemas.microsoft.com/office/drawing/2010/main" xmlns="">
+                <a14:hiddenEffects xmlns="" xmlns:a14="http://schemas.microsoft.com/office/drawing/2010/main">
                   <a:effectLst>
                     <a:outerShdw blurRad="63500" dist="38099" dir="2700000" algn="ctr" rotWithShape="0">
                       <a:schemeClr val="bg2">
@@ -8075,7 +8051,7 @@
             <a:effectLst/>
             <a:extLst>
               <a:ext uri="{91240B29-F687-4f45-9708-019B960494DF}">
-                <a14:hiddenLine xmlns:a14="http://schemas.microsoft.com/office/drawing/2010/main" xmlns="" w="9525">
+                <a14:hiddenLine xmlns="" xmlns:a14="http://schemas.microsoft.com/office/drawing/2010/main" w="9525">
                   <a:solidFill>
                     <a:schemeClr val="tx1"/>
                   </a:solidFill>
@@ -8085,7 +8061,7 @@
                 </a14:hiddenLine>
               </a:ext>
               <a:ext uri="{AF507438-7753-43e0-B8FC-AC1667EBCBE1}">
-                <a14:hiddenEffects xmlns:a14="http://schemas.microsoft.com/office/drawing/2010/main" xmlns="">
+                <a14:hiddenEffects xmlns="" xmlns:a14="http://schemas.microsoft.com/office/drawing/2010/main">
                   <a:effectLst>
                     <a:outerShdw blurRad="63500" dist="38099" dir="2700000" algn="ctr" rotWithShape="0">
                       <a:schemeClr val="bg2">
@@ -8130,7 +8106,7 @@
             <a:effectLst/>
             <a:extLst>
               <a:ext uri="{91240B29-F687-4f45-9708-019B960494DF}">
-                <a14:hiddenLine xmlns:a14="http://schemas.microsoft.com/office/drawing/2010/main" xmlns="" w="9525">
+                <a14:hiddenLine xmlns="" xmlns:a14="http://schemas.microsoft.com/office/drawing/2010/main" w="9525">
                   <a:solidFill>
                     <a:schemeClr val="tx1"/>
                   </a:solidFill>
@@ -8140,7 +8116,7 @@
                 </a14:hiddenLine>
               </a:ext>
               <a:ext uri="{AF507438-7753-43e0-B8FC-AC1667EBCBE1}">
-                <a14:hiddenEffects xmlns:a14="http://schemas.microsoft.com/office/drawing/2010/main" xmlns="">
+                <a14:hiddenEffects xmlns="" xmlns:a14="http://schemas.microsoft.com/office/drawing/2010/main">
                   <a:effectLst>
                     <a:outerShdw blurRad="63500" dist="38099" dir="2700000" algn="ctr" rotWithShape="0">
                       <a:schemeClr val="bg2">
@@ -8185,7 +8161,7 @@
             <a:effectLst/>
             <a:extLst>
               <a:ext uri="{91240B29-F687-4f45-9708-019B960494DF}">
-                <a14:hiddenLine xmlns:a14="http://schemas.microsoft.com/office/drawing/2010/main" xmlns="" w="9525">
+                <a14:hiddenLine xmlns="" xmlns:a14="http://schemas.microsoft.com/office/drawing/2010/main" w="9525">
                   <a:solidFill>
                     <a:schemeClr val="tx1"/>
                   </a:solidFill>
@@ -8195,7 +8171,7 @@
                 </a14:hiddenLine>
               </a:ext>
               <a:ext uri="{AF507438-7753-43e0-B8FC-AC1667EBCBE1}">
-                <a14:hiddenEffects xmlns:a14="http://schemas.microsoft.com/office/drawing/2010/main" xmlns="">
+                <a14:hiddenEffects xmlns="" xmlns:a14="http://schemas.microsoft.com/office/drawing/2010/main">
                   <a:effectLst>
                     <a:outerShdw blurRad="63500" dist="38099" dir="2700000" algn="ctr" rotWithShape="0">
                       <a:schemeClr val="bg2">
@@ -8240,7 +8216,7 @@
             <a:effectLst/>
             <a:extLst>
               <a:ext uri="{91240B29-F687-4f45-9708-019B960494DF}">
-                <a14:hiddenLine xmlns:a14="http://schemas.microsoft.com/office/drawing/2010/main" xmlns="" w="9525">
+                <a14:hiddenLine xmlns="" xmlns:a14="http://schemas.microsoft.com/office/drawing/2010/main" w="9525">
                   <a:solidFill>
                     <a:schemeClr val="tx1"/>
                   </a:solidFill>
@@ -8250,7 +8226,7 @@
                 </a14:hiddenLine>
               </a:ext>
               <a:ext uri="{AF507438-7753-43e0-B8FC-AC1667EBCBE1}">
-                <a14:hiddenEffects xmlns:a14="http://schemas.microsoft.com/office/drawing/2010/main" xmlns="">
+                <a14:hiddenEffects xmlns="" xmlns:a14="http://schemas.microsoft.com/office/drawing/2010/main">
                   <a:effectLst>
                     <a:outerShdw blurRad="63500" dist="38099" dir="2700000" algn="ctr" rotWithShape="0">
                       <a:schemeClr val="bg2">
@@ -8295,7 +8271,7 @@
             <a:effectLst/>
             <a:extLst>
               <a:ext uri="{91240B29-F687-4f45-9708-019B960494DF}">
-                <a14:hiddenLine xmlns:a14="http://schemas.microsoft.com/office/drawing/2010/main" xmlns="" w="9525">
+                <a14:hiddenLine xmlns="" xmlns:a14="http://schemas.microsoft.com/office/drawing/2010/main" w="9525">
                   <a:solidFill>
                     <a:schemeClr val="tx1"/>
                   </a:solidFill>
@@ -8305,7 +8281,7 @@
                 </a14:hiddenLine>
               </a:ext>
               <a:ext uri="{AF507438-7753-43e0-B8FC-AC1667EBCBE1}">
-                <a14:hiddenEffects xmlns:a14="http://schemas.microsoft.com/office/drawing/2010/main" xmlns="">
+                <a14:hiddenEffects xmlns="" xmlns:a14="http://schemas.microsoft.com/office/drawing/2010/main">
                   <a:effectLst>
                     <a:outerShdw blurRad="63500" dist="38099" dir="2700000" algn="ctr" rotWithShape="0">
                       <a:schemeClr val="bg2">
@@ -8350,7 +8326,7 @@
             <a:effectLst/>
             <a:extLst>
               <a:ext uri="{91240B29-F687-4f45-9708-019B960494DF}">
-                <a14:hiddenLine xmlns:a14="http://schemas.microsoft.com/office/drawing/2010/main" xmlns="" w="9525">
+                <a14:hiddenLine xmlns="" xmlns:a14="http://schemas.microsoft.com/office/drawing/2010/main" w="9525">
                   <a:solidFill>
                     <a:schemeClr val="tx1"/>
                   </a:solidFill>
@@ -8360,7 +8336,7 @@
                 </a14:hiddenLine>
               </a:ext>
               <a:ext uri="{AF507438-7753-43e0-B8FC-AC1667EBCBE1}">
-                <a14:hiddenEffects xmlns:a14="http://schemas.microsoft.com/office/drawing/2010/main" xmlns="">
+                <a14:hiddenEffects xmlns="" xmlns:a14="http://schemas.microsoft.com/office/drawing/2010/main">
                   <a:effectLst>
                     <a:outerShdw blurRad="63500" dist="38099" dir="2700000" algn="ctr" rotWithShape="0">
                       <a:schemeClr val="bg2">
@@ -8405,7 +8381,7 @@
             <a:effectLst/>
             <a:extLst>
               <a:ext uri="{91240B29-F687-4f45-9708-019B960494DF}">
-                <a14:hiddenLine xmlns:a14="http://schemas.microsoft.com/office/drawing/2010/main" xmlns="" w="9525">
+                <a14:hiddenLine xmlns="" xmlns:a14="http://schemas.microsoft.com/office/drawing/2010/main" w="9525">
                   <a:solidFill>
                     <a:schemeClr val="tx1"/>
                   </a:solidFill>
@@ -8415,7 +8391,7 @@
                 </a14:hiddenLine>
               </a:ext>
               <a:ext uri="{AF507438-7753-43e0-B8FC-AC1667EBCBE1}">
-                <a14:hiddenEffects xmlns:a14="http://schemas.microsoft.com/office/drawing/2010/main" xmlns="">
+                <a14:hiddenEffects xmlns="" xmlns:a14="http://schemas.microsoft.com/office/drawing/2010/main">
                   <a:effectLst>
                     <a:outerShdw blurRad="63500" dist="38099" dir="2700000" algn="ctr" rotWithShape="0">
                       <a:schemeClr val="bg2">
@@ -8460,7 +8436,7 @@
             <a:effectLst/>
             <a:extLst>
               <a:ext uri="{91240B29-F687-4f45-9708-019B960494DF}">
-                <a14:hiddenLine xmlns:a14="http://schemas.microsoft.com/office/drawing/2010/main" xmlns="" w="9525">
+                <a14:hiddenLine xmlns="" xmlns:a14="http://schemas.microsoft.com/office/drawing/2010/main" w="9525">
                   <a:solidFill>
                     <a:schemeClr val="tx1"/>
                   </a:solidFill>
@@ -8470,7 +8446,7 @@
                 </a14:hiddenLine>
               </a:ext>
               <a:ext uri="{AF507438-7753-43e0-B8FC-AC1667EBCBE1}">
-                <a14:hiddenEffects xmlns:a14="http://schemas.microsoft.com/office/drawing/2010/main" xmlns="">
+                <a14:hiddenEffects xmlns="" xmlns:a14="http://schemas.microsoft.com/office/drawing/2010/main">
                   <a:effectLst>
                     <a:outerShdw blurRad="63500" dist="38099" dir="2700000" algn="ctr" rotWithShape="0">
                       <a:schemeClr val="bg2">
@@ -8515,7 +8491,7 @@
             <a:effectLst/>
             <a:extLst>
               <a:ext uri="{91240B29-F687-4f45-9708-019B960494DF}">
-                <a14:hiddenLine xmlns:a14="http://schemas.microsoft.com/office/drawing/2010/main" xmlns="" w="9525">
+                <a14:hiddenLine xmlns="" xmlns:a14="http://schemas.microsoft.com/office/drawing/2010/main" w="9525">
                   <a:solidFill>
                     <a:schemeClr val="tx1"/>
                   </a:solidFill>
@@ -8525,7 +8501,7 @@
                 </a14:hiddenLine>
               </a:ext>
               <a:ext uri="{AF507438-7753-43e0-B8FC-AC1667EBCBE1}">
-                <a14:hiddenEffects xmlns:a14="http://schemas.microsoft.com/office/drawing/2010/main" xmlns="">
+                <a14:hiddenEffects xmlns="" xmlns:a14="http://schemas.microsoft.com/office/drawing/2010/main">
                   <a:effectLst>
                     <a:outerShdw blurRad="63500" dist="38099" dir="2700000" algn="ctr" rotWithShape="0">
                       <a:schemeClr val="bg2">
@@ -8570,7 +8546,7 @@
             <a:effectLst/>
             <a:extLst>
               <a:ext uri="{91240B29-F687-4f45-9708-019B960494DF}">
-                <a14:hiddenLine xmlns:a14="http://schemas.microsoft.com/office/drawing/2010/main" xmlns="" w="9525">
+                <a14:hiddenLine xmlns="" xmlns:a14="http://schemas.microsoft.com/office/drawing/2010/main" w="9525">
                   <a:solidFill>
                     <a:schemeClr val="tx1"/>
                   </a:solidFill>
@@ -8580,7 +8556,7 @@
                 </a14:hiddenLine>
               </a:ext>
               <a:ext uri="{AF507438-7753-43e0-B8FC-AC1667EBCBE1}">
-                <a14:hiddenEffects xmlns:a14="http://schemas.microsoft.com/office/drawing/2010/main" xmlns="">
+                <a14:hiddenEffects xmlns="" xmlns:a14="http://schemas.microsoft.com/office/drawing/2010/main">
                   <a:effectLst>
                     <a:outerShdw blurRad="63500" dist="38099" dir="2700000" algn="ctr" rotWithShape="0">
                       <a:schemeClr val="bg2">
@@ -8625,7 +8601,7 @@
             <a:effectLst/>
             <a:extLst>
               <a:ext uri="{91240B29-F687-4f45-9708-019B960494DF}">
-                <a14:hiddenLine xmlns:a14="http://schemas.microsoft.com/office/drawing/2010/main" xmlns="" w="9525">
+                <a14:hiddenLine xmlns="" xmlns:a14="http://schemas.microsoft.com/office/drawing/2010/main" w="9525">
                   <a:solidFill>
                     <a:schemeClr val="tx1"/>
                   </a:solidFill>
@@ -8635,7 +8611,7 @@
                 </a14:hiddenLine>
               </a:ext>
               <a:ext uri="{AF507438-7753-43e0-B8FC-AC1667EBCBE1}">
-                <a14:hiddenEffects xmlns:a14="http://schemas.microsoft.com/office/drawing/2010/main" xmlns="">
+                <a14:hiddenEffects xmlns="" xmlns:a14="http://schemas.microsoft.com/office/drawing/2010/main">
                   <a:effectLst>
                     <a:outerShdw blurRad="63500" dist="38099" dir="2700000" algn="ctr" rotWithShape="0">
                       <a:schemeClr val="bg2">
@@ -8680,7 +8656,7 @@
             <a:effectLst/>
             <a:extLst>
               <a:ext uri="{91240B29-F687-4f45-9708-019B960494DF}">
-                <a14:hiddenLine xmlns:a14="http://schemas.microsoft.com/office/drawing/2010/main" xmlns="" w="9525">
+                <a14:hiddenLine xmlns="" xmlns:a14="http://schemas.microsoft.com/office/drawing/2010/main" w="9525">
                   <a:solidFill>
                     <a:schemeClr val="tx1"/>
                   </a:solidFill>
@@ -8690,7 +8666,7 @@
                 </a14:hiddenLine>
               </a:ext>
               <a:ext uri="{AF507438-7753-43e0-B8FC-AC1667EBCBE1}">
-                <a14:hiddenEffects xmlns:a14="http://schemas.microsoft.com/office/drawing/2010/main" xmlns="">
+                <a14:hiddenEffects xmlns="" xmlns:a14="http://schemas.microsoft.com/office/drawing/2010/main">
                   <a:effectLst>
                     <a:outerShdw blurRad="63500" dist="38099" dir="2700000" algn="ctr" rotWithShape="0">
                       <a:schemeClr val="bg2">
@@ -8727,13 +8703,6 @@
     <p:sldLayoutId id="2147483659" r:id="rId10"/>
     <p:sldLayoutId id="2147483660" r:id="rId11"/>
   </p:sldLayoutIdLst>
-  <p:timing>
-    <p:tnLst>
-      <p:par>
-        <p:cTn id="1" dur="indefinite" restart="never" nodeType="tmRoot"/>
-      </p:par>
-    </p:tnLst>
-  </p:timing>
   <p:txStyles>
     <p:titleStyle>
       <a:lvl1pPr algn="l" rtl="0" fontAlgn="base">
@@ -9297,10 +9266,9 @@
               </a:lnSpc>
             </a:pPr>
             <a:r>
-              <a:rPr lang="en-US" sz="2400" dirty="0" smtClean="0"/>
+              <a:rPr lang="en-US" sz="2400" dirty="0"/>
               <a:t>The symbol table is extended to distinguish between scalar values and function values</a:t>
             </a:r>
-            <a:endParaRPr lang="en-US" sz="2400" dirty="0"/>
           </a:p>
           <a:p>
             <a:pPr lvl="1">
@@ -9325,13 +9293,6 @@
   <p:clrMapOvr>
     <a:masterClrMapping/>
   </p:clrMapOvr>
-  <p:timing>
-    <p:tnLst>
-      <p:par>
-        <p:cTn id="1" dur="indefinite" restart="never" nodeType="tmRoot"/>
-      </p:par>
-    </p:tnLst>
-  </p:timing>
 </p:sld>
 </file>
 
@@ -9379,7 +9340,7 @@
           </a:ln>
           <a:extLst>
             <a:ext uri="{909E8E84-426E-40dd-AFC4-6F175D3DCCD1}">
-              <a14:hiddenFill xmlns:a14="http://schemas.microsoft.com/office/drawing/2010/main" xmlns="">
+              <a14:hiddenFill xmlns="" xmlns:a14="http://schemas.microsoft.com/office/drawing/2010/main">
                 <a:solidFill>
                   <a:schemeClr val="accent1"/>
                 </a:solidFill>
@@ -9444,7 +9405,7 @@
           </a:ln>
           <a:extLst>
             <a:ext uri="{909E8E84-426E-40dd-AFC4-6F175D3DCCD1}">
-              <a14:hiddenFill xmlns:a14="http://schemas.microsoft.com/office/drawing/2010/main" xmlns="">
+              <a14:hiddenFill xmlns="" xmlns:a14="http://schemas.microsoft.com/office/drawing/2010/main">
                 <a:solidFill>
                   <a:schemeClr val="accent1"/>
                 </a:solidFill>
@@ -9531,7 +9492,7 @@
           </a:ln>
           <a:extLst>
             <a:ext uri="{909E8E84-426E-40dd-AFC4-6F175D3DCCD1}">
-              <a14:hiddenFill xmlns:a14="http://schemas.microsoft.com/office/drawing/2010/main" xmlns="">
+              <a14:hiddenFill xmlns="" xmlns:a14="http://schemas.microsoft.com/office/drawing/2010/main">
                 <a:solidFill>
                   <a:schemeClr val="accent1"/>
                 </a:solidFill>
@@ -9574,7 +9535,7 @@
           </a:ln>
           <a:extLst>
             <a:ext uri="{909E8E84-426E-40dd-AFC4-6F175D3DCCD1}">
-              <a14:hiddenFill xmlns:a14="http://schemas.microsoft.com/office/drawing/2010/main" xmlns="">
+              <a14:hiddenFill xmlns="" xmlns:a14="http://schemas.microsoft.com/office/drawing/2010/main">
                 <a:solidFill>
                   <a:schemeClr val="accent1"/>
                 </a:solidFill>
@@ -9619,7 +9580,7 @@
           </a:ln>
           <a:extLst>
             <a:ext uri="{909E8E84-426E-40dd-AFC4-6F175D3DCCD1}">
-              <a14:hiddenFill xmlns:a14="http://schemas.microsoft.com/office/drawing/2010/main" xmlns="">
+              <a14:hiddenFill xmlns="" xmlns:a14="http://schemas.microsoft.com/office/drawing/2010/main">
                 <a:noFill/>
               </a14:hiddenFill>
             </a:ext>
@@ -9648,14 +9609,14 @@
           </a:ln>
           <a:extLst>
             <a:ext uri="{909E8E84-426E-40dd-AFC4-6F175D3DCCD1}">
-              <a14:hiddenFill xmlns:a14="http://schemas.microsoft.com/office/drawing/2010/main" xmlns="">
+              <a14:hiddenFill xmlns="" xmlns:a14="http://schemas.microsoft.com/office/drawing/2010/main">
                 <a:solidFill>
                   <a:schemeClr val="accent1"/>
                 </a:solidFill>
               </a14:hiddenFill>
             </a:ext>
             <a:ext uri="{91240B29-F687-4f45-9708-019B960494DF}">
-              <a14:hiddenLine xmlns:a14="http://schemas.microsoft.com/office/drawing/2010/main" xmlns="" w="9525">
+              <a14:hiddenLine xmlns="" xmlns:a14="http://schemas.microsoft.com/office/drawing/2010/main" w="9525">
                 <a:solidFill>
                   <a:schemeClr val="tx1"/>
                 </a:solidFill>
@@ -9701,14 +9662,14 @@
           </a:ln>
           <a:extLst>
             <a:ext uri="{909E8E84-426E-40dd-AFC4-6F175D3DCCD1}">
-              <a14:hiddenFill xmlns:a14="http://schemas.microsoft.com/office/drawing/2010/main" xmlns="">
+              <a14:hiddenFill xmlns="" xmlns:a14="http://schemas.microsoft.com/office/drawing/2010/main">
                 <a:solidFill>
                   <a:schemeClr val="accent1"/>
                 </a:solidFill>
               </a14:hiddenFill>
             </a:ext>
             <a:ext uri="{91240B29-F687-4f45-9708-019B960494DF}">
-              <a14:hiddenLine xmlns:a14="http://schemas.microsoft.com/office/drawing/2010/main" xmlns="" w="9525">
+              <a14:hiddenLine xmlns="" xmlns:a14="http://schemas.microsoft.com/office/drawing/2010/main" w="9525">
                 <a:solidFill>
                   <a:schemeClr val="tx1"/>
                 </a:solidFill>
@@ -9763,7 +9724,7 @@
           </a:ln>
           <a:extLst>
             <a:ext uri="{909E8E84-426E-40dd-AFC4-6F175D3DCCD1}">
-              <a14:hiddenFill xmlns:a14="http://schemas.microsoft.com/office/drawing/2010/main" xmlns="">
+              <a14:hiddenFill xmlns="" xmlns:a14="http://schemas.microsoft.com/office/drawing/2010/main">
                 <a:solidFill>
                   <a:schemeClr val="accent1"/>
                 </a:solidFill>
@@ -9806,14 +9767,14 @@
           </a:ln>
           <a:extLst>
             <a:ext uri="{909E8E84-426E-40dd-AFC4-6F175D3DCCD1}">
-              <a14:hiddenFill xmlns:a14="http://schemas.microsoft.com/office/drawing/2010/main" xmlns="">
+              <a14:hiddenFill xmlns="" xmlns:a14="http://schemas.microsoft.com/office/drawing/2010/main">
                 <a:solidFill>
                   <a:schemeClr val="accent1"/>
                 </a:solidFill>
               </a14:hiddenFill>
             </a:ext>
             <a:ext uri="{91240B29-F687-4f45-9708-019B960494DF}">
-              <a14:hiddenLine xmlns:a14="http://schemas.microsoft.com/office/drawing/2010/main" xmlns="" w="9525">
+              <a14:hiddenLine xmlns="" xmlns:a14="http://schemas.microsoft.com/office/drawing/2010/main" w="9525">
                 <a:solidFill>
                   <a:schemeClr val="tx1"/>
                 </a:solidFill>
@@ -9868,7 +9829,7 @@
           </a:ln>
           <a:extLst>
             <a:ext uri="{909E8E84-426E-40dd-AFC4-6F175D3DCCD1}">
-              <a14:hiddenFill xmlns:a14="http://schemas.microsoft.com/office/drawing/2010/main" xmlns="">
+              <a14:hiddenFill xmlns="" xmlns:a14="http://schemas.microsoft.com/office/drawing/2010/main">
                 <a:noFill/>
               </a14:hiddenFill>
             </a:ext>
@@ -9897,14 +9858,14 @@
           </a:ln>
           <a:extLst>
             <a:ext uri="{909E8E84-426E-40dd-AFC4-6F175D3DCCD1}">
-              <a14:hiddenFill xmlns:a14="http://schemas.microsoft.com/office/drawing/2010/main" xmlns="">
+              <a14:hiddenFill xmlns="" xmlns:a14="http://schemas.microsoft.com/office/drawing/2010/main">
                 <a:solidFill>
                   <a:schemeClr val="accent1"/>
                 </a:solidFill>
               </a14:hiddenFill>
             </a:ext>
             <a:ext uri="{91240B29-F687-4f45-9708-019B960494DF}">
-              <a14:hiddenLine xmlns:a14="http://schemas.microsoft.com/office/drawing/2010/main" xmlns="" w="9525">
+              <a14:hiddenLine xmlns="" xmlns:a14="http://schemas.microsoft.com/office/drawing/2010/main" w="9525">
                 <a:solidFill>
                   <a:schemeClr val="tx1"/>
                 </a:solidFill>
@@ -9973,14 +9934,14 @@
           </a:ln>
           <a:extLst>
             <a:ext uri="{909E8E84-426E-40dd-AFC4-6F175D3DCCD1}">
-              <a14:hiddenFill xmlns:a14="http://schemas.microsoft.com/office/drawing/2010/main" xmlns="">
+              <a14:hiddenFill xmlns="" xmlns:a14="http://schemas.microsoft.com/office/drawing/2010/main">
                 <a:solidFill>
                   <a:schemeClr val="accent1"/>
                 </a:solidFill>
               </a14:hiddenFill>
             </a:ext>
             <a:ext uri="{91240B29-F687-4f45-9708-019B960494DF}">
-              <a14:hiddenLine xmlns:a14="http://schemas.microsoft.com/office/drawing/2010/main" xmlns="" w="9525">
+              <a14:hiddenLine xmlns="" xmlns:a14="http://schemas.microsoft.com/office/drawing/2010/main" w="9525">
                 <a:solidFill>
                   <a:schemeClr val="tx1"/>
                 </a:solidFill>
@@ -10033,14 +9994,14 @@
           </a:ln>
           <a:extLst>
             <a:ext uri="{909E8E84-426E-40dd-AFC4-6F175D3DCCD1}">
-              <a14:hiddenFill xmlns:a14="http://schemas.microsoft.com/office/drawing/2010/main" xmlns="">
+              <a14:hiddenFill xmlns="" xmlns:a14="http://schemas.microsoft.com/office/drawing/2010/main">
                 <a:solidFill>
                   <a:schemeClr val="accent1"/>
                 </a:solidFill>
               </a14:hiddenFill>
             </a:ext>
             <a:ext uri="{91240B29-F687-4f45-9708-019B960494DF}">
-              <a14:hiddenLine xmlns:a14="http://schemas.microsoft.com/office/drawing/2010/main" xmlns="" w="9525">
+              <a14:hiddenLine xmlns="" xmlns:a14="http://schemas.microsoft.com/office/drawing/2010/main" w="9525">
                 <a:solidFill>
                   <a:schemeClr val="tx1"/>
                 </a:solidFill>
@@ -10102,14 +10063,14 @@
           </a:ln>
           <a:extLst>
             <a:ext uri="{909E8E84-426E-40dd-AFC4-6F175D3DCCD1}">
-              <a14:hiddenFill xmlns:a14="http://schemas.microsoft.com/office/drawing/2010/main" xmlns="">
+              <a14:hiddenFill xmlns="" xmlns:a14="http://schemas.microsoft.com/office/drawing/2010/main">
                 <a:solidFill>
                   <a:schemeClr val="accent1"/>
                 </a:solidFill>
               </a14:hiddenFill>
             </a:ext>
             <a:ext uri="{91240B29-F687-4f45-9708-019B960494DF}">
-              <a14:hiddenLine xmlns:a14="http://schemas.microsoft.com/office/drawing/2010/main" xmlns="" w="9525">
+              <a14:hiddenLine xmlns="" xmlns:a14="http://schemas.microsoft.com/office/drawing/2010/main" w="9525">
                 <a:solidFill>
                   <a:schemeClr val="tx1"/>
                 </a:solidFill>
@@ -10156,13 +10117,6 @@
   <p:clrMapOvr>
     <a:masterClrMapping/>
   </p:clrMapOvr>
-  <p:timing>
-    <p:tnLst>
-      <p:par>
-        <p:cTn id="1" dur="indefinite" restart="never" nodeType="tmRoot"/>
-      </p:par>
-    </p:tnLst>
-  </p:timing>
 </p:sld>
 </file>
 
@@ -10232,13 +10186,6 @@
   <p:clrMapOvr>
     <a:masterClrMapping/>
   </p:clrMapOvr>
-  <p:timing>
-    <p:tnLst>
-      <p:par>
-        <p:cTn id="1" dur="indefinite" restart="never" nodeType="tmRoot"/>
-      </p:par>
-    </p:tnLst>
-  </p:timing>
 </p:sld>
 </file>
 
@@ -10275,10 +10222,9 @@
           <a:lstStyle/>
           <a:p>
             <a:r>
-              <a:rPr lang="en-US" dirty="0" smtClean="0"/>
+              <a:rPr lang="en-US" dirty="0"/>
               <a:t>Cuppa3 Frontend</a:t>
             </a:r>
-            <a:endParaRPr lang="en-US" dirty="0"/>
           </a:p>
         </p:txBody>
       </p:sp>
@@ -10408,13 +10354,6 @@
   <p:clrMapOvr>
     <a:masterClrMapping/>
   </p:clrMapOvr>
-  <p:timing>
-    <p:tnLst>
-      <p:par>
-        <p:cTn id="1" dur="indefinite" restart="never" nodeType="tmRoot"/>
-      </p:par>
-    </p:tnLst>
-  </p:timing>
 </p:sld>
 </file>
 
@@ -10451,10 +10390,9 @@
           <a:lstStyle/>
           <a:p>
             <a:r>
-              <a:rPr lang="en-US" dirty="0" smtClean="0"/>
+              <a:rPr lang="en-US" dirty="0"/>
               <a:t>Symbol Table</a:t>
             </a:r>
-            <a:endParaRPr lang="en-US" dirty="0"/>
           </a:p>
         </p:txBody>
       </p:sp>
@@ -10474,31 +10412,31 @@
           <a:lstStyle/>
           <a:p>
             <a:r>
-              <a:rPr lang="en-US" dirty="0" smtClean="0"/>
+              <a:rPr lang="en-US" dirty="0"/>
               <a:t>The symbol table is extended to store two different kinds of objects:</a:t>
             </a:r>
           </a:p>
           <a:p>
             <a:pPr lvl="1"/>
             <a:r>
-              <a:rPr lang="en-US" dirty="0" smtClean="0"/>
+              <a:rPr lang="en-US" dirty="0"/>
               <a:t>Scalars </a:t>
             </a:r>
           </a:p>
           <a:p>
             <a:pPr lvl="1"/>
             <a:r>
-              <a:rPr lang="en-US" dirty="0" smtClean="0"/>
+              <a:rPr lang="en-US" dirty="0"/>
               <a:t>Functions</a:t>
             </a:r>
           </a:p>
           <a:p>
             <a:r>
-              <a:rPr lang="en-US" dirty="0" smtClean="0"/>
+              <a:rPr lang="en-US" dirty="0"/>
               <a:t>It is also extended so that we can manipulate scopes in order to implement </a:t>
             </a:r>
             <a:r>
-              <a:rPr lang="en-US" i="1" dirty="0" smtClean="0"/>
+              <a:rPr lang="en-US" i="1" dirty="0"/>
               <a:t>static scoping</a:t>
             </a:r>
             <a:endParaRPr lang="en-US" dirty="0"/>
@@ -10510,13 +10448,6 @@
   <p:clrMapOvr>
     <a:masterClrMapping/>
   </p:clrMapOvr>
-  <p:timing>
-    <p:tnLst>
-      <p:par>
-        <p:cTn id="1" dur="indefinite" restart="never" nodeType="tmRoot"/>
-      </p:par>
-    </p:tnLst>
-  </p:timing>
 </p:sld>
 </file>
 
@@ -10553,17 +10484,16 @@
           <a:lstStyle/>
           <a:p>
             <a:r>
-              <a:rPr lang="en-US" dirty="0" smtClean="0"/>
+              <a:rPr lang="en-US" dirty="0"/>
               <a:t>Symbol </a:t>
             </a:r>
             <a:br>
-              <a:rPr lang="en-US" dirty="0" smtClean="0"/>
+              <a:rPr lang="en-US" dirty="0"/>
             </a:br>
             <a:r>
-              <a:rPr lang="en-US" dirty="0" smtClean="0"/>
+              <a:rPr lang="en-US" dirty="0"/>
               <a:t>Table</a:t>
             </a:r>
-            <a:endParaRPr lang="en-US" dirty="0"/>
           </a:p>
         </p:txBody>
       </p:sp>
@@ -10634,12 +10564,6 @@
             </a:r>
           </a:p>
           <a:p>
-            <a:r>
-              <a:rPr lang="en-US" sz="900" dirty="0">
-                <a:latin typeface="Helvetica" charset="0"/>
-              </a:rPr>
-              <a:t/>
-            </a:r>
             <a:br>
               <a:rPr lang="en-US" sz="900" dirty="0">
                 <a:latin typeface="Helvetica" charset="0"/>
@@ -10651,13 +10575,22 @@
           </a:p>
           <a:p>
             <a:r>
-              <a:rPr lang="en-US" sz="900" dirty="0" smtClean="0">
+              <a:rPr lang="en-US" sz="900" dirty="0">
                 <a:solidFill>
                   <a:srgbClr val="000000"/>
                 </a:solidFill>
                 <a:latin typeface="Menlo" charset="0"/>
               </a:rPr>
-              <a:t>  </a:t>
+              <a:t>    </a:t>
+            </a:r>
+            <a:r>
+              <a:rPr lang="en-US" sz="900" dirty="0" err="1">
+                <a:solidFill>
+                  <a:srgbClr val="BA2DA2"/>
+                </a:solidFill>
+                <a:latin typeface="Menlo" charset="0"/>
+              </a:rPr>
+              <a:t>def</a:t>
             </a:r>
             <a:r>
               <a:rPr lang="en-US" sz="900" dirty="0">
@@ -10666,16 +10599,16 @@
                 </a:solidFill>
                 <a:latin typeface="Menlo" charset="0"/>
               </a:rPr>
-              <a:t>  </a:t>
+              <a:t> __</a:t>
             </a:r>
             <a:r>
               <a:rPr lang="en-US" sz="900" dirty="0" err="1">
                 <a:solidFill>
-                  <a:srgbClr val="BA2DA2"/>
+                  <a:srgbClr val="000000"/>
                 </a:solidFill>
                 <a:latin typeface="Menlo" charset="0"/>
               </a:rPr>
-              <a:t>def</a:t>
+              <a:t>init</a:t>
             </a:r>
             <a:r>
               <a:rPr lang="en-US" sz="900" dirty="0">
@@ -10684,7 +10617,18 @@
                 </a:solidFill>
                 <a:latin typeface="Menlo" charset="0"/>
               </a:rPr>
-              <a:t> __</a:t>
+              <a:t>__(self):</a:t>
+            </a:r>
+          </a:p>
+          <a:p>
+            <a:r>
+              <a:rPr lang="en-US" sz="900" dirty="0">
+                <a:solidFill>
+                  <a:srgbClr val="000000"/>
+                </a:solidFill>
+                <a:latin typeface="Menlo" charset="0"/>
+              </a:rPr>
+              <a:t>        </a:t>
             </a:r>
             <a:r>
               <a:rPr lang="en-US" sz="900" dirty="0" err="1">
@@ -10693,7 +10637,7 @@
                 </a:solidFill>
                 <a:latin typeface="Menlo" charset="0"/>
               </a:rPr>
-              <a:t>init</a:t>
+              <a:t>self.scoped_symtab</a:t>
             </a:r>
             <a:r>
               <a:rPr lang="en-US" sz="900" dirty="0">
@@ -10702,120 +10646,10 @@
                 </a:solidFill>
                 <a:latin typeface="Menlo" charset="0"/>
               </a:rPr>
-              <a:t>__(self):</a:t>
-            </a:r>
-          </a:p>
-          <a:p>
-            <a:r>
-              <a:rPr lang="en-US" sz="900" dirty="0" smtClean="0">
-                <a:solidFill>
-                  <a:srgbClr val="000000"/>
-                </a:solidFill>
-                <a:latin typeface="Menlo" charset="0"/>
-              </a:rPr>
-              <a:t>        </a:t>
-            </a:r>
-            <a:r>
-              <a:rPr lang="en-US" sz="900" dirty="0" err="1" smtClean="0">
-                <a:solidFill>
-                  <a:srgbClr val="000000"/>
-                </a:solidFill>
-                <a:latin typeface="Menlo" charset="0"/>
-              </a:rPr>
-              <a:t>self.scoped_symtab</a:t>
-            </a:r>
-            <a:r>
-              <a:rPr lang="en-US" sz="900" dirty="0" smtClean="0">
-                <a:solidFill>
-                  <a:srgbClr val="000000"/>
-                </a:solidFill>
-                <a:latin typeface="Menlo" charset="0"/>
-              </a:rPr>
               <a:t> = [{}]</a:t>
             </a:r>
           </a:p>
           <a:p>
-            <a:endParaRPr lang="en-US" sz="900" dirty="0" smtClean="0">
-              <a:solidFill>
-                <a:srgbClr val="000000"/>
-              </a:solidFill>
-              <a:latin typeface="Menlo" charset="0"/>
-            </a:endParaRPr>
-          </a:p>
-          <a:p>
-            <a:r>
-              <a:rPr lang="en-US" sz="900" dirty="0">
-                <a:solidFill>
-                  <a:srgbClr val="000000"/>
-                </a:solidFill>
-                <a:latin typeface="Menlo" charset="0"/>
-              </a:rPr>
-              <a:t>    </a:t>
-            </a:r>
-            <a:r>
-              <a:rPr lang="en-US" sz="900" dirty="0" err="1">
-                <a:solidFill>
-                  <a:srgbClr val="BA2DA2"/>
-                </a:solidFill>
-                <a:latin typeface="Menlo" charset="0"/>
-              </a:rPr>
-              <a:t>def</a:t>
-            </a:r>
-            <a:r>
-              <a:rPr lang="en-US" sz="900" dirty="0">
-                <a:solidFill>
-                  <a:srgbClr val="000000"/>
-                </a:solidFill>
-                <a:latin typeface="Menlo" charset="0"/>
-              </a:rPr>
-              <a:t> </a:t>
-            </a:r>
-            <a:r>
-              <a:rPr lang="en-US" sz="900" dirty="0" err="1">
-                <a:solidFill>
-                  <a:srgbClr val="000000"/>
-                </a:solidFill>
-                <a:latin typeface="Menlo" charset="0"/>
-              </a:rPr>
-              <a:t>get_config</a:t>
-            </a:r>
-            <a:r>
-              <a:rPr lang="en-US" sz="900" dirty="0">
-                <a:solidFill>
-                  <a:srgbClr val="000000"/>
-                </a:solidFill>
-                <a:latin typeface="Menlo" charset="0"/>
-              </a:rPr>
-              <a:t>(self</a:t>
-            </a:r>
-            <a:r>
-              <a:rPr lang="en-US" sz="900" dirty="0" smtClean="0">
-                <a:solidFill>
-                  <a:srgbClr val="000000"/>
-                </a:solidFill>
-                <a:latin typeface="Menlo" charset="0"/>
-              </a:rPr>
-              <a:t>):</a:t>
-            </a:r>
-          </a:p>
-          <a:p>
-            <a:r>
-              <a:rPr lang="en-US" sz="900" dirty="0" smtClean="0">
-                <a:solidFill>
-                  <a:srgbClr val="000000"/>
-                </a:solidFill>
-                <a:latin typeface="Menlo" charset="0"/>
-              </a:rPr>
-              <a:t>        </a:t>
-            </a:r>
-            <a:r>
-              <a:rPr lang="en-US" sz="900" dirty="0"/>
-              <a:t># we make a shallow copy of the symbol </a:t>
-            </a:r>
-            <a:r>
-              <a:rPr lang="en-US" sz="900" dirty="0" smtClean="0"/>
-              <a:t>table</a:t>
-            </a:r>
             <a:endParaRPr lang="en-US" sz="900" dirty="0">
               <a:solidFill>
                 <a:srgbClr val="000000"/>
@@ -10831,16 +10665,34 @@
                 </a:solidFill>
                 <a:latin typeface="Menlo" charset="0"/>
               </a:rPr>
-              <a:t>        </a:t>
+              <a:t>    </a:t>
+            </a:r>
+            <a:r>
+              <a:rPr lang="en-US" sz="900" dirty="0" err="1">
+                <a:solidFill>
+                  <a:srgbClr val="BA2DA2"/>
+                </a:solidFill>
+                <a:latin typeface="Menlo" charset="0"/>
+              </a:rPr>
+              <a:t>def</a:t>
             </a:r>
             <a:r>
               <a:rPr lang="en-US" sz="900" dirty="0">
                 <a:solidFill>
-                  <a:srgbClr val="BA2DA2"/>
+                  <a:srgbClr val="000000"/>
                 </a:solidFill>
                 <a:latin typeface="Menlo" charset="0"/>
               </a:rPr>
-              <a:t>return</a:t>
+              <a:t> </a:t>
+            </a:r>
+            <a:r>
+              <a:rPr lang="en-US" sz="900" dirty="0" err="1">
+                <a:solidFill>
+                  <a:srgbClr val="000000"/>
+                </a:solidFill>
+                <a:latin typeface="Menlo" charset="0"/>
+              </a:rPr>
+              <a:t>get_config</a:t>
             </a:r>
             <a:r>
               <a:rPr lang="en-US" sz="900" dirty="0">
@@ -10849,34 +10701,22 @@
                 </a:solidFill>
                 <a:latin typeface="Menlo" charset="0"/>
               </a:rPr>
-              <a:t> </a:t>
-            </a:r>
-            <a:r>
-              <a:rPr lang="en-US" sz="900" dirty="0" smtClean="0">
+              <a:t>(self):</a:t>
+            </a:r>
+          </a:p>
+          <a:p>
+            <a:r>
+              <a:rPr lang="en-US" sz="900" dirty="0">
                 <a:solidFill>
                   <a:srgbClr val="000000"/>
                 </a:solidFill>
                 <a:latin typeface="Menlo" charset="0"/>
               </a:rPr>
-              <a:t>list(</a:t>
-            </a:r>
-            <a:r>
-              <a:rPr lang="en-US" sz="900" dirty="0" err="1" smtClean="0">
-                <a:solidFill>
-                  <a:srgbClr val="000000"/>
-                </a:solidFill>
-                <a:latin typeface="Menlo" charset="0"/>
-              </a:rPr>
-              <a:t>self.scoped_symtab</a:t>
-            </a:r>
-            <a:r>
-              <a:rPr lang="en-US" sz="900" dirty="0" smtClean="0">
-                <a:solidFill>
-                  <a:srgbClr val="000000"/>
-                </a:solidFill>
-                <a:latin typeface="Menlo" charset="0"/>
-              </a:rPr>
-              <a:t>)</a:t>
+              <a:t>        </a:t>
+            </a:r>
+            <a:r>
+              <a:rPr lang="en-US" sz="900" dirty="0"/>
+              <a:t># we make a shallow copy of the symbol table</a:t>
             </a:r>
             <a:endParaRPr lang="en-US" sz="900" dirty="0">
               <a:solidFill>
@@ -10893,6 +10733,53 @@
                 </a:solidFill>
                 <a:latin typeface="Menlo" charset="0"/>
               </a:rPr>
+              <a:t>        </a:t>
+            </a:r>
+            <a:r>
+              <a:rPr lang="en-US" sz="900" dirty="0">
+                <a:solidFill>
+                  <a:srgbClr val="BA2DA2"/>
+                </a:solidFill>
+                <a:latin typeface="Menlo" charset="0"/>
+              </a:rPr>
+              <a:t>return</a:t>
+            </a:r>
+            <a:r>
+              <a:rPr lang="en-US" sz="900" dirty="0">
+                <a:solidFill>
+                  <a:srgbClr val="000000"/>
+                </a:solidFill>
+                <a:latin typeface="Menlo" charset="0"/>
+              </a:rPr>
+              <a:t> list(</a:t>
+            </a:r>
+            <a:r>
+              <a:rPr lang="en-US" sz="900" dirty="0" err="1">
+                <a:solidFill>
+                  <a:srgbClr val="000000"/>
+                </a:solidFill>
+                <a:latin typeface="Menlo" charset="0"/>
+              </a:rPr>
+              <a:t>self.scoped_symtab</a:t>
+            </a:r>
+            <a:r>
+              <a:rPr lang="en-US" sz="900" dirty="0">
+                <a:solidFill>
+                  <a:srgbClr val="000000"/>
+                </a:solidFill>
+                <a:latin typeface="Menlo" charset="0"/>
+              </a:rPr>
+              <a:t>)</a:t>
+            </a:r>
+          </a:p>
+          <a:p>
+            <a:r>
+              <a:rPr lang="en-US" sz="900" dirty="0">
+                <a:solidFill>
+                  <a:srgbClr val="000000"/>
+                </a:solidFill>
+                <a:latin typeface="Menlo" charset="0"/>
+              </a:rPr>
               <a:t>    </a:t>
             </a:r>
           </a:p>
@@ -11032,13 +10919,13 @@
           </a:p>
           <a:p>
             <a:r>
-              <a:rPr lang="en-US" sz="900" dirty="0" smtClean="0">
+              <a:rPr lang="en-US" sz="900" dirty="0">
                 <a:latin typeface="Helvetica" charset="0"/>
               </a:rPr>
               <a:t>	</a:t>
             </a:r>
             <a:r>
-              <a:rPr lang="mr-IN" sz="900" dirty="0" smtClean="0">
+              <a:rPr lang="mr-IN" sz="900" dirty="0">
                 <a:latin typeface="Helvetica" charset="0"/>
               </a:rPr>
               <a:t>…</a:t>
@@ -11096,22 +10983,16 @@
           </a:p>
           <a:p>
             <a:r>
-              <a:rPr lang="en-US" sz="900" dirty="0" smtClean="0">
-                <a:latin typeface="Helvetica" charset="0"/>
-              </a:rPr>
-              <a:t>	</a:t>
-            </a:r>
-            <a:r>
-              <a:rPr lang="mr-IN" sz="900" dirty="0" smtClean="0">
-                <a:latin typeface="Helvetica" charset="0"/>
-              </a:rPr>
-              <a:t>…</a:t>
-            </a:r>
-            <a:r>
               <a:rPr lang="en-US" sz="900" dirty="0">
                 <a:latin typeface="Helvetica" charset="0"/>
               </a:rPr>
-              <a:t/>
+              <a:t>	</a:t>
+            </a:r>
+            <a:r>
+              <a:rPr lang="mr-IN" sz="900" dirty="0">
+                <a:latin typeface="Helvetica" charset="0"/>
+              </a:rPr>
+              <a:t>…</a:t>
             </a:r>
             <a:br>
               <a:rPr lang="en-US" sz="900" dirty="0">
@@ -11640,12 +11521,6 @@
             </a:r>
           </a:p>
           <a:p>
-            <a:r>
-              <a:rPr lang="en-US" sz="900" dirty="0">
-                <a:latin typeface="Helvetica" charset="0"/>
-              </a:rPr>
-              <a:t/>
-            </a:r>
             <a:br>
               <a:rPr lang="en-US" sz="900" dirty="0">
                 <a:latin typeface="Helvetica" charset="0"/>
@@ -12173,12 +12048,6 @@
             </a:r>
           </a:p>
           <a:p>
-            <a:r>
-              <a:rPr lang="en-US" sz="900" dirty="0">
-                <a:latin typeface="Helvetica" charset="0"/>
-              </a:rPr>
-              <a:t/>
-            </a:r>
             <a:br>
               <a:rPr lang="en-US" sz="900" dirty="0">
                 <a:latin typeface="Helvetica" charset="0"/>
@@ -12255,13 +12124,13 @@
           </a:p>
           <a:p>
             <a:r>
-              <a:rPr lang="en-US" sz="900" dirty="0" smtClean="0">
+              <a:rPr lang="en-US" sz="900" dirty="0">
                 <a:latin typeface="Helvetica" charset="0"/>
               </a:rPr>
               <a:t>	</a:t>
             </a:r>
             <a:r>
-              <a:rPr lang="mr-IN" sz="900" dirty="0" smtClean="0">
+              <a:rPr lang="mr-IN" sz="900" dirty="0">
                 <a:latin typeface="Helvetica" charset="0"/>
               </a:rPr>
               <a:t>…</a:t>
@@ -12361,19 +12230,10 @@
                 </a:solidFill>
                 <a:latin typeface="Menlo" charset="0"/>
               </a:rPr>
-              <a:t> </a:t>
-            </a:r>
-            <a:r>
-              <a:rPr lang="en-US" sz="900" dirty="0" smtClean="0">
-                <a:solidFill>
-                  <a:srgbClr val="000000"/>
-                </a:solidFill>
-                <a:latin typeface="Menlo" charset="0"/>
-              </a:rPr>
-              <a:t>	</a:t>
-            </a:r>
-            <a:r>
-              <a:rPr lang="mr-IN" sz="900" dirty="0" smtClean="0">
+              <a:t> 	</a:t>
+            </a:r>
+            <a:r>
+              <a:rPr lang="mr-IN" sz="900" dirty="0">
                 <a:solidFill>
                   <a:srgbClr val="000000"/>
                 </a:solidFill>
@@ -12414,7 +12274,7 @@
           <a:effectLst/>
           <a:extLst>
             <a:ext uri="{AF507438-7753-43e0-B8FC-AC1667EBCBE1}">
-              <a14:hiddenEffects xmlns:a14="http://schemas.microsoft.com/office/drawing/2010/main" xmlns="">
+              <a14:hiddenEffects xmlns="" xmlns:a14="http://schemas.microsoft.com/office/drawing/2010/main">
                 <a:effectLst>
                   <a:outerShdw blurRad="63500" dist="38099" dir="2700000" algn="ctr" rotWithShape="0">
                     <a:schemeClr val="bg2">
@@ -12494,7 +12354,7 @@
           <a:effectLst/>
           <a:extLst>
             <a:ext uri="{AF507438-7753-43e0-B8FC-AC1667EBCBE1}">
-              <a14:hiddenEffects xmlns:a14="http://schemas.microsoft.com/office/drawing/2010/main" xmlns="">
+              <a14:hiddenEffects xmlns="" xmlns:a14="http://schemas.microsoft.com/office/drawing/2010/main">
                 <a:effectLst>
                   <a:outerShdw blurRad="63500" dist="38099" dir="2700000" algn="ctr" rotWithShape="0">
                     <a:schemeClr val="bg2">
@@ -12568,10 +12428,9 @@
           <a:lstStyle/>
           <a:p>
             <a:r>
-              <a:rPr lang="en-US" dirty="0" smtClean="0"/>
+              <a:rPr lang="en-US" dirty="0"/>
               <a:t>cuppa3_symtab.py</a:t>
             </a:r>
-            <a:endParaRPr lang="en-US" dirty="0"/>
           </a:p>
         </p:txBody>
       </p:sp>
@@ -12604,7 +12463,7 @@
           <a:effectLst/>
           <a:extLst>
             <a:ext uri="{AF507438-7753-43e0-B8FC-AC1667EBCBE1}">
-              <a14:hiddenEffects xmlns:a14="http://schemas.microsoft.com/office/drawing/2010/main" xmlns="">
+              <a14:hiddenEffects xmlns="" xmlns:a14="http://schemas.microsoft.com/office/drawing/2010/main">
                 <a:effectLst>
                   <a:outerShdw blurRad="63500" dist="38099" dir="2700000" algn="ctr" rotWithShape="0">
                     <a:schemeClr val="bg2">
@@ -12665,13 +12524,6 @@
   <p:clrMapOvr>
     <a:masterClrMapping/>
   </p:clrMapOvr>
-  <p:timing>
-    <p:tnLst>
-      <p:par>
-        <p:cTn id="1" dur="indefinite" restart="never" nodeType="tmRoot"/>
-      </p:par>
-    </p:tnLst>
-  </p:timing>
 </p:sld>
 </file>
 
@@ -12708,21 +12560,20 @@
           <a:lstStyle/>
           <a:p>
             <a:r>
-              <a:rPr lang="en-US" dirty="0" err="1" smtClean="0"/>
+              <a:rPr lang="en-US" dirty="0" err="1"/>
               <a:t>Interp</a:t>
             </a:r>
             <a:r>
-              <a:rPr lang="en-US" dirty="0" smtClean="0"/>
+              <a:rPr lang="en-US" dirty="0"/>
               <a:t> </a:t>
             </a:r>
             <a:br>
-              <a:rPr lang="en-US" dirty="0" smtClean="0"/>
+              <a:rPr lang="en-US" dirty="0"/>
             </a:br>
             <a:r>
-              <a:rPr lang="en-US" dirty="0" smtClean="0"/>
+              <a:rPr lang="en-US" dirty="0"/>
               <a:t>Walker</a:t>
             </a:r>
-            <a:endParaRPr lang="en-US" dirty="0"/>
           </a:p>
         </p:txBody>
       </p:sp>
@@ -12784,7 +12635,7 @@
           <a:effectLst/>
           <a:extLst>
             <a:ext uri="{AF507438-7753-43e0-B8FC-AC1667EBCBE1}">
-              <a14:hiddenEffects xmlns:a14="http://schemas.microsoft.com/office/drawing/2010/main" xmlns="">
+              <a14:hiddenEffects xmlns="" xmlns:a14="http://schemas.microsoft.com/office/drawing/2010/main">
                 <a:effectLst>
                   <a:outerShdw blurRad="63500" dist="38099" dir="2700000" algn="ctr" rotWithShape="0">
                     <a:schemeClr val="bg2">
@@ -12864,7 +12715,7 @@
           <a:effectLst/>
           <a:extLst>
             <a:ext uri="{AF507438-7753-43e0-B8FC-AC1667EBCBE1}">
-              <a14:hiddenEffects xmlns:a14="http://schemas.microsoft.com/office/drawing/2010/main" xmlns="">
+              <a14:hiddenEffects xmlns="" xmlns:a14="http://schemas.microsoft.com/office/drawing/2010/main">
                 <a:effectLst>
                   <a:outerShdw blurRad="63500" dist="38099" dir="2700000" algn="ctr" rotWithShape="0">
                     <a:schemeClr val="bg2">
@@ -12944,7 +12795,7 @@
           <a:effectLst/>
           <a:extLst>
             <a:ext uri="{AF507438-7753-43e0-B8FC-AC1667EBCBE1}">
-              <a14:hiddenEffects xmlns:a14="http://schemas.microsoft.com/office/drawing/2010/main" xmlns="">
+              <a14:hiddenEffects xmlns="" xmlns:a14="http://schemas.microsoft.com/office/drawing/2010/main">
                 <a:effectLst>
                   <a:outerShdw blurRad="63500" dist="38099" dir="2700000" algn="ctr" rotWithShape="0">
                     <a:schemeClr val="bg2">
@@ -13024,7 +12875,7 @@
           <a:effectLst/>
           <a:extLst>
             <a:ext uri="{AF507438-7753-43e0-B8FC-AC1667EBCBE1}">
-              <a14:hiddenEffects xmlns:a14="http://schemas.microsoft.com/office/drawing/2010/main" xmlns="">
+              <a14:hiddenEffects xmlns="" xmlns:a14="http://schemas.microsoft.com/office/drawing/2010/main">
                 <a:effectLst>
                   <a:outerShdw blurRad="63500" dist="38099" dir="2700000" algn="ctr" rotWithShape="0">
                     <a:schemeClr val="bg2">
@@ -13098,31 +12949,30 @@
           <a:lstStyle/>
           <a:p>
             <a:r>
-              <a:rPr lang="en-US" sz="1400" dirty="0" smtClean="0"/>
+              <a:rPr lang="en-US" sz="1400" dirty="0"/>
               <a:t>Good News: the interpretation</a:t>
             </a:r>
             <a:br>
-              <a:rPr lang="en-US" sz="1400" dirty="0" smtClean="0"/>
+              <a:rPr lang="en-US" sz="1400" dirty="0"/>
             </a:br>
             <a:r>
-              <a:rPr lang="en-US" sz="1400" dirty="0" smtClean="0"/>
+              <a:rPr lang="en-US" sz="1400" dirty="0"/>
               <a:t>of the AST is the same as for</a:t>
             </a:r>
             <a:br>
-              <a:rPr lang="en-US" sz="1400" dirty="0" smtClean="0"/>
+              <a:rPr lang="en-US" sz="1400" dirty="0"/>
             </a:br>
             <a:r>
-              <a:rPr lang="en-US" sz="1400" dirty="0" smtClean="0"/>
+              <a:rPr lang="en-US" sz="1400" dirty="0"/>
               <a:t>Cuppa2 except for the nodes</a:t>
             </a:r>
             <a:br>
-              <a:rPr lang="en-US" sz="1400" dirty="0" smtClean="0"/>
+              <a:rPr lang="en-US" sz="1400" dirty="0"/>
             </a:br>
             <a:r>
-              <a:rPr lang="en-US" sz="1400" dirty="0" smtClean="0"/>
+              <a:rPr lang="en-US" sz="1400" dirty="0"/>
               <a:t>shown with the red arrow.</a:t>
             </a:r>
-            <a:endParaRPr lang="en-US" sz="1400" dirty="0"/>
           </a:p>
         </p:txBody>
       </p:sp>
@@ -13149,10 +12999,9 @@
           <a:lstStyle/>
           <a:p>
             <a:r>
-              <a:rPr lang="en-US" dirty="0" smtClean="0"/>
+              <a:rPr lang="en-US" dirty="0"/>
               <a:t>cuppa3_interp_walk.py</a:t>
             </a:r>
-            <a:endParaRPr lang="en-US" dirty="0"/>
           </a:p>
         </p:txBody>
       </p:sp>
@@ -13166,13 +13015,6 @@
   <p:clrMapOvr>
     <a:masterClrMapping/>
   </p:clrMapOvr>
-  <p:timing>
-    <p:tnLst>
-      <p:par>
-        <p:cTn id="1" dur="indefinite" restart="never" nodeType="tmRoot"/>
-      </p:par>
-    </p:tnLst>
-  </p:timing>
 </p:sld>
 </file>
 
@@ -13209,14 +13051,13 @@
           <a:lstStyle/>
           <a:p>
             <a:r>
-              <a:rPr lang="en-US" dirty="0" err="1" smtClean="0"/>
+              <a:rPr lang="en-US" dirty="0" err="1"/>
               <a:t>Interp</a:t>
             </a:r>
             <a:r>
-              <a:rPr lang="en-US" dirty="0" smtClean="0"/>
+              <a:rPr lang="en-US" dirty="0"/>
               <a:t> Walk</a:t>
             </a:r>
-            <a:endParaRPr lang="en-US" dirty="0"/>
           </a:p>
         </p:txBody>
       </p:sp>
@@ -13243,40 +13084,39 @@
           <a:lstStyle/>
           <a:p>
             <a:r>
-              <a:rPr lang="en-US" dirty="0" smtClean="0"/>
+              <a:rPr lang="en-US" dirty="0"/>
               <a:t>The difference between call statements and call expressions:</a:t>
             </a:r>
           </a:p>
           <a:p>
             <a:pPr lvl="1"/>
             <a:r>
-              <a:rPr lang="en-US" dirty="0" smtClean="0"/>
+              <a:rPr lang="en-US" dirty="0"/>
               <a:t>Call statements </a:t>
             </a:r>
             <a:r>
-              <a:rPr lang="mr-IN" dirty="0" smtClean="0"/>
+              <a:rPr lang="mr-IN" dirty="0"/>
               <a:t>–</a:t>
             </a:r>
             <a:r>
-              <a:rPr lang="en-US" dirty="0" smtClean="0"/>
+              <a:rPr lang="en-US" dirty="0"/>
               <a:t> return value of a function is ignored</a:t>
             </a:r>
           </a:p>
           <a:p>
             <a:pPr lvl="1"/>
             <a:r>
-              <a:rPr lang="en-US" dirty="0" smtClean="0"/>
+              <a:rPr lang="en-US" dirty="0"/>
               <a:t>Call expressions </a:t>
             </a:r>
             <a:r>
-              <a:rPr lang="mr-IN" dirty="0" smtClean="0"/>
+              <a:rPr lang="mr-IN" dirty="0"/>
               <a:t>–</a:t>
             </a:r>
             <a:r>
-              <a:rPr lang="en-US" dirty="0" smtClean="0"/>
+              <a:rPr lang="en-US" dirty="0"/>
               <a:t> function has to provide a return value</a:t>
             </a:r>
-            <a:endParaRPr lang="en-US" dirty="0"/>
           </a:p>
         </p:txBody>
       </p:sp>
@@ -13307,7 +13147,7 @@
           </a:ln>
           <a:extLst>
             <a:ext uri="{909E8E84-426E-40dd-AFC4-6F175D3DCCD1}">
-              <a14:hiddenFill xmlns:a14="http://schemas.microsoft.com/office/drawing/2010/main" xmlns="">
+              <a14:hiddenFill xmlns="" xmlns:a14="http://schemas.microsoft.com/office/drawing/2010/main">
                 <a:solidFill>
                   <a:schemeClr val="accent1"/>
                 </a:solidFill>
@@ -13410,7 +13250,7 @@
           </a:ln>
           <a:extLst>
             <a:ext uri="{909E8E84-426E-40dd-AFC4-6F175D3DCCD1}">
-              <a14:hiddenFill xmlns:a14="http://schemas.microsoft.com/office/drawing/2010/main" xmlns="">
+              <a14:hiddenFill xmlns="" xmlns:a14="http://schemas.microsoft.com/office/drawing/2010/main">
                 <a:solidFill>
                   <a:schemeClr val="accent1"/>
                 </a:solidFill>
@@ -13444,14 +13284,12 @@
               <a:rPr lang="en-US" sz="1400" dirty="0"/>
               <a:t>) </a:t>
             </a:r>
-            <a:endParaRPr lang="en-US" sz="1400" dirty="0" smtClean="0"/>
-          </a:p>
-          <a:p>
-            <a:r>
-              <a:rPr lang="en-US" sz="1400" dirty="0" smtClean="0"/>
+          </a:p>
+          <a:p>
+            <a:r>
+              <a:rPr lang="en-US" sz="1400" dirty="0"/>
               <a:t>{</a:t>
             </a:r>
-            <a:endParaRPr lang="en-US" sz="1400" dirty="0"/>
           </a:p>
           <a:p>
             <a:r>
@@ -13528,13 +13366,6 @@
   <p:clrMapOvr>
     <a:masterClrMapping/>
   </p:clrMapOvr>
-  <p:timing>
-    <p:tnLst>
-      <p:par>
-        <p:cTn id="1" dur="indefinite" restart="never" nodeType="tmRoot"/>
-      </p:par>
-    </p:tnLst>
-  </p:timing>
 </p:sld>
 </file>
 
@@ -13571,14 +13402,13 @@
           <a:lstStyle/>
           <a:p>
             <a:r>
-              <a:rPr lang="en-US" dirty="0" err="1" smtClean="0"/>
+              <a:rPr lang="en-US" dirty="0" err="1"/>
               <a:t>Interp</a:t>
             </a:r>
             <a:r>
-              <a:rPr lang="en-US" dirty="0" smtClean="0"/>
+              <a:rPr lang="en-US" dirty="0"/>
               <a:t> Walk</a:t>
             </a:r>
-            <a:endParaRPr lang="en-US" dirty="0"/>
           </a:p>
         </p:txBody>
       </p:sp>
@@ -13606,36 +13436,23 @@
           <a:p>
             <a:r>
               <a:rPr lang="en-US" dirty="0"/>
-              <a:t>How do we get </a:t>
-            </a:r>
-            <a:r>
-              <a:rPr lang="en-US" dirty="0" smtClean="0"/>
-              <a:t>function return </a:t>
-            </a:r>
+              <a:t>How do we get function return values to the call site?</a:t>
+            </a:r>
+          </a:p>
+          <a:p>
+            <a:pPr lvl="1"/>
             <a:r>
               <a:rPr lang="en-US" dirty="0"/>
-              <a:t>values to the call site</a:t>
-            </a:r>
-            <a:r>
-              <a:rPr lang="en-US" dirty="0" smtClean="0"/>
-              <a:t>?</a:t>
-            </a:r>
-          </a:p>
-          <a:p>
-            <a:pPr lvl="1"/>
-            <a:r>
-              <a:rPr lang="en-US" dirty="0" smtClean="0"/>
               <a:t>We </a:t>
             </a:r>
             <a:r>
-              <a:rPr lang="en-US" i="1" dirty="0" smtClean="0"/>
+              <a:rPr lang="en-US" i="1" dirty="0"/>
               <a:t>throw</a:t>
             </a:r>
             <a:r>
-              <a:rPr lang="en-US" dirty="0" smtClean="0"/>
+              <a:rPr lang="en-US" dirty="0"/>
               <a:t> them!</a:t>
             </a:r>
-            <a:endParaRPr lang="en-US" dirty="0"/>
           </a:p>
         </p:txBody>
       </p:sp>
@@ -13755,7 +13572,7 @@
           <a:effectLst/>
           <a:extLst>
             <a:ext uri="{AF507438-7753-43e0-B8FC-AC1667EBCBE1}">
-              <a14:hiddenEffects xmlns:a14="http://schemas.microsoft.com/office/drawing/2010/main" xmlns="">
+              <a14:hiddenEffects xmlns="" xmlns:a14="http://schemas.microsoft.com/office/drawing/2010/main">
                 <a:effectLst>
                   <a:outerShdw blurRad="63500" dist="38099" dir="2700000" algn="ctr" rotWithShape="0">
                     <a:schemeClr val="bg2">
@@ -13835,7 +13652,7 @@
           <a:effectLst/>
           <a:extLst>
             <a:ext uri="{AF507438-7753-43e0-B8FC-AC1667EBCBE1}">
-              <a14:hiddenEffects xmlns:a14="http://schemas.microsoft.com/office/drawing/2010/main" xmlns="">
+              <a14:hiddenEffects xmlns="" xmlns:a14="http://schemas.microsoft.com/office/drawing/2010/main">
                 <a:effectLst>
                   <a:outerShdw blurRad="63500" dist="38099" dir="2700000" algn="ctr" rotWithShape="0">
                     <a:schemeClr val="bg2">
@@ -13919,7 +13736,7 @@
           <a:effectLst/>
           <a:extLst>
             <a:ext uri="{AF507438-7753-43e0-B8FC-AC1667EBCBE1}">
-              <a14:hiddenEffects xmlns:a14="http://schemas.microsoft.com/office/drawing/2010/main" xmlns="">
+              <a14:hiddenEffects xmlns="" xmlns:a14="http://schemas.microsoft.com/office/drawing/2010/main">
                 <a:effectLst>
                   <a:outerShdw blurRad="63500" dist="38099" dir="2700000" algn="ctr" rotWithShape="0">
                     <a:schemeClr val="bg2">
@@ -13942,13 +13759,6 @@
   <p:clrMapOvr>
     <a:masterClrMapping/>
   </p:clrMapOvr>
-  <p:timing>
-    <p:tnLst>
-      <p:par>
-        <p:cTn id="1" dur="indefinite" restart="never" nodeType="tmRoot"/>
-      </p:par>
-    </p:tnLst>
-  </p:timing>
 </p:sld>
 </file>
 
@@ -13985,14 +13795,13 @@
           <a:lstStyle/>
           <a:p>
             <a:r>
-              <a:rPr lang="en-US" dirty="0" err="1" smtClean="0"/>
+              <a:rPr lang="en-US" dirty="0" err="1"/>
               <a:t>Interp</a:t>
             </a:r>
             <a:r>
-              <a:rPr lang="en-US" dirty="0" smtClean="0"/>
+              <a:rPr lang="en-US" dirty="0"/>
               <a:t> Walk</a:t>
             </a:r>
-            <a:endParaRPr lang="en-US" dirty="0"/>
           </a:p>
         </p:txBody>
       </p:sp>
@@ -14019,10 +13828,9 @@
           <a:lstStyle/>
           <a:p>
             <a:r>
-              <a:rPr lang="en-US" dirty="0" smtClean="0"/>
+              <a:rPr lang="en-US" dirty="0"/>
               <a:t>Throwing the return value also solves the problem of terminating a deeply recursive computation on the AST!</a:t>
             </a:r>
-            <a:endParaRPr lang="en-US" dirty="0"/>
           </a:p>
         </p:txBody>
       </p:sp>
@@ -14113,7 +13921,7 @@
           <a:effectLst/>
           <a:extLst>
             <a:ext uri="{AF507438-7753-43e0-B8FC-AC1667EBCBE1}">
-              <a14:hiddenEffects xmlns:a14="http://schemas.microsoft.com/office/drawing/2010/main" xmlns="">
+              <a14:hiddenEffects xmlns="" xmlns:a14="http://schemas.microsoft.com/office/drawing/2010/main">
                 <a:effectLst>
                   <a:outerShdw blurRad="63500" dist="38099" dir="2700000" algn="ctr" rotWithShape="0">
                     <a:schemeClr val="bg2">
@@ -14193,7 +14001,7 @@
           <a:effectLst/>
           <a:extLst>
             <a:ext uri="{AF507438-7753-43e0-B8FC-AC1667EBCBE1}">
-              <a14:hiddenEffects xmlns:a14="http://schemas.microsoft.com/office/drawing/2010/main" xmlns="">
+              <a14:hiddenEffects xmlns="" xmlns:a14="http://schemas.microsoft.com/office/drawing/2010/main">
                 <a:effectLst>
                   <a:outerShdw blurRad="63500" dist="38099" dir="2700000" algn="ctr" rotWithShape="0">
                     <a:schemeClr val="bg2">
@@ -14254,13 +14062,6 @@
   <p:clrMapOvr>
     <a:masterClrMapping/>
   </p:clrMapOvr>
-  <p:timing>
-    <p:tnLst>
-      <p:par>
-        <p:cTn id="1" dur="indefinite" restart="never" nodeType="tmRoot"/>
-      </p:par>
-    </p:tnLst>
-  </p:timing>
 </p:sld>
 </file>
 
@@ -14297,14 +14098,13 @@
           <a:lstStyle/>
           <a:p>
             <a:r>
-              <a:rPr lang="en-US" dirty="0" err="1" smtClean="0"/>
+              <a:rPr lang="en-US" dirty="0" err="1"/>
               <a:t>Interp</a:t>
             </a:r>
             <a:r>
-              <a:rPr lang="en-US" dirty="0" smtClean="0"/>
+              <a:rPr lang="en-US" dirty="0"/>
               <a:t> Walk</a:t>
             </a:r>
-            <a:endParaRPr lang="en-US" dirty="0"/>
           </a:p>
         </p:txBody>
       </p:sp>
@@ -14456,7 +14256,7 @@
           <a:effectLst/>
           <a:extLst>
             <a:ext uri="{AF507438-7753-43e0-B8FC-AC1667EBCBE1}">
-              <a14:hiddenEffects xmlns:a14="http://schemas.microsoft.com/office/drawing/2010/main" xmlns="">
+              <a14:hiddenEffects xmlns="" xmlns:a14="http://schemas.microsoft.com/office/drawing/2010/main">
                 <a:effectLst>
                   <a:outerShdw blurRad="63500" dist="38099" dir="2700000" algn="ctr" rotWithShape="0">
                     <a:schemeClr val="bg2">
@@ -14536,7 +14336,7 @@
           <a:effectLst/>
           <a:extLst>
             <a:ext uri="{AF507438-7753-43e0-B8FC-AC1667EBCBE1}">
-              <a14:hiddenEffects xmlns:a14="http://schemas.microsoft.com/office/drawing/2010/main" xmlns="">
+              <a14:hiddenEffects xmlns="" xmlns:a14="http://schemas.microsoft.com/office/drawing/2010/main">
                 <a:effectLst>
                   <a:outerShdw blurRad="63500" dist="38099" dir="2700000" algn="ctr" rotWithShape="0">
                     <a:schemeClr val="bg2">
@@ -14597,13 +14397,6 @@
   <p:clrMapOvr>
     <a:masterClrMapping/>
   </p:clrMapOvr>
-  <p:timing>
-    <p:tnLst>
-      <p:par>
-        <p:cTn id="1" dur="indefinite" restart="never" nodeType="tmRoot"/>
-      </p:par>
-    </p:tnLst>
-  </p:timing>
 </p:sld>
 </file>
 
@@ -14651,7 +14444,7 @@
           </a:ln>
           <a:extLst>
             <a:ext uri="{909E8E84-426E-40dd-AFC4-6F175D3DCCD1}">
-              <a14:hiddenFill xmlns:a14="http://schemas.microsoft.com/office/drawing/2010/main" xmlns="">
+              <a14:hiddenFill xmlns="" xmlns:a14="http://schemas.microsoft.com/office/drawing/2010/main">
                 <a:solidFill>
                   <a:schemeClr val="accent1"/>
                 </a:solidFill>
@@ -14716,7 +14509,7 @@
           </a:ln>
           <a:extLst>
             <a:ext uri="{909E8E84-426E-40dd-AFC4-6F175D3DCCD1}">
-              <a14:hiddenFill xmlns:a14="http://schemas.microsoft.com/office/drawing/2010/main" xmlns="">
+              <a14:hiddenFill xmlns="" xmlns:a14="http://schemas.microsoft.com/office/drawing/2010/main">
                 <a:solidFill>
                   <a:schemeClr val="accent1"/>
                 </a:solidFill>
@@ -14803,7 +14596,7 @@
           </a:ln>
           <a:extLst>
             <a:ext uri="{909E8E84-426E-40dd-AFC4-6F175D3DCCD1}">
-              <a14:hiddenFill xmlns:a14="http://schemas.microsoft.com/office/drawing/2010/main" xmlns="">
+              <a14:hiddenFill xmlns="" xmlns:a14="http://schemas.microsoft.com/office/drawing/2010/main">
                 <a:solidFill>
                   <a:schemeClr val="accent1"/>
                 </a:solidFill>
@@ -14846,7 +14639,7 @@
           </a:ln>
           <a:extLst>
             <a:ext uri="{909E8E84-426E-40dd-AFC4-6F175D3DCCD1}">
-              <a14:hiddenFill xmlns:a14="http://schemas.microsoft.com/office/drawing/2010/main" xmlns="">
+              <a14:hiddenFill xmlns="" xmlns:a14="http://schemas.microsoft.com/office/drawing/2010/main">
                 <a:solidFill>
                   <a:schemeClr val="accent1"/>
                 </a:solidFill>
@@ -14891,7 +14684,7 @@
           </a:ln>
           <a:extLst>
             <a:ext uri="{909E8E84-426E-40dd-AFC4-6F175D3DCCD1}">
-              <a14:hiddenFill xmlns:a14="http://schemas.microsoft.com/office/drawing/2010/main" xmlns="">
+              <a14:hiddenFill xmlns="" xmlns:a14="http://schemas.microsoft.com/office/drawing/2010/main">
                 <a:noFill/>
               </a14:hiddenFill>
             </a:ext>
@@ -14920,14 +14713,14 @@
           </a:ln>
           <a:extLst>
             <a:ext uri="{909E8E84-426E-40dd-AFC4-6F175D3DCCD1}">
-              <a14:hiddenFill xmlns:a14="http://schemas.microsoft.com/office/drawing/2010/main" xmlns="">
+              <a14:hiddenFill xmlns="" xmlns:a14="http://schemas.microsoft.com/office/drawing/2010/main">
                 <a:solidFill>
                   <a:schemeClr val="accent1"/>
                 </a:solidFill>
               </a14:hiddenFill>
             </a:ext>
             <a:ext uri="{91240B29-F687-4f45-9708-019B960494DF}">
-              <a14:hiddenLine xmlns:a14="http://schemas.microsoft.com/office/drawing/2010/main" xmlns="" w="9525">
+              <a14:hiddenLine xmlns="" xmlns:a14="http://schemas.microsoft.com/office/drawing/2010/main" w="9525">
                 <a:solidFill>
                   <a:schemeClr val="tx1"/>
                 </a:solidFill>
@@ -14973,14 +14766,14 @@
           </a:ln>
           <a:extLst>
             <a:ext uri="{909E8E84-426E-40dd-AFC4-6F175D3DCCD1}">
-              <a14:hiddenFill xmlns:a14="http://schemas.microsoft.com/office/drawing/2010/main" xmlns="">
+              <a14:hiddenFill xmlns="" xmlns:a14="http://schemas.microsoft.com/office/drawing/2010/main">
                 <a:solidFill>
                   <a:schemeClr val="accent1"/>
                 </a:solidFill>
               </a14:hiddenFill>
             </a:ext>
             <a:ext uri="{91240B29-F687-4f45-9708-019B960494DF}">
-              <a14:hiddenLine xmlns:a14="http://schemas.microsoft.com/office/drawing/2010/main" xmlns="" w="9525">
+              <a14:hiddenLine xmlns="" xmlns:a14="http://schemas.microsoft.com/office/drawing/2010/main" w="9525">
                 <a:solidFill>
                   <a:schemeClr val="tx1"/>
                 </a:solidFill>
@@ -15035,7 +14828,7 @@
           </a:ln>
           <a:extLst>
             <a:ext uri="{909E8E84-426E-40dd-AFC4-6F175D3DCCD1}">
-              <a14:hiddenFill xmlns:a14="http://schemas.microsoft.com/office/drawing/2010/main" xmlns="">
+              <a14:hiddenFill xmlns="" xmlns:a14="http://schemas.microsoft.com/office/drawing/2010/main">
                 <a:solidFill>
                   <a:schemeClr val="accent1"/>
                 </a:solidFill>
@@ -15078,14 +14871,14 @@
           </a:ln>
           <a:extLst>
             <a:ext uri="{909E8E84-426E-40dd-AFC4-6F175D3DCCD1}">
-              <a14:hiddenFill xmlns:a14="http://schemas.microsoft.com/office/drawing/2010/main" xmlns="">
+              <a14:hiddenFill xmlns="" xmlns:a14="http://schemas.microsoft.com/office/drawing/2010/main">
                 <a:solidFill>
                   <a:schemeClr val="accent1"/>
                 </a:solidFill>
               </a14:hiddenFill>
             </a:ext>
             <a:ext uri="{91240B29-F687-4f45-9708-019B960494DF}">
-              <a14:hiddenLine xmlns:a14="http://schemas.microsoft.com/office/drawing/2010/main" xmlns="" w="9525">
+              <a14:hiddenLine xmlns="" xmlns:a14="http://schemas.microsoft.com/office/drawing/2010/main" w="9525">
                 <a:solidFill>
                   <a:schemeClr val="tx1"/>
                 </a:solidFill>
@@ -15140,7 +14933,7 @@
           </a:ln>
           <a:extLst>
             <a:ext uri="{909E8E84-426E-40dd-AFC4-6F175D3DCCD1}">
-              <a14:hiddenFill xmlns:a14="http://schemas.microsoft.com/office/drawing/2010/main" xmlns="">
+              <a14:hiddenFill xmlns="" xmlns:a14="http://schemas.microsoft.com/office/drawing/2010/main">
                 <a:noFill/>
               </a14:hiddenFill>
             </a:ext>
@@ -15152,13 +14945,6 @@
   <p:clrMapOvr>
     <a:masterClrMapping/>
   </p:clrMapOvr>
-  <p:timing>
-    <p:tnLst>
-      <p:par>
-        <p:cTn id="1" dur="indefinite" restart="never" nodeType="tmRoot"/>
-      </p:par>
-    </p:tnLst>
-  </p:timing>
 </p:sld>
 </file>
 
@@ -15195,14 +14981,13 @@
           <a:lstStyle/>
           <a:p>
             <a:r>
-              <a:rPr lang="en-US" dirty="0" err="1" smtClean="0"/>
+              <a:rPr lang="en-US" dirty="0" err="1"/>
               <a:t>Interp</a:t>
             </a:r>
             <a:r>
-              <a:rPr lang="en-US" dirty="0" smtClean="0"/>
+              <a:rPr lang="en-US" dirty="0"/>
               <a:t> Walk</a:t>
             </a:r>
-            <a:endParaRPr lang="en-US" dirty="0"/>
           </a:p>
         </p:txBody>
       </p:sp>
@@ -15274,13 +15059,6 @@
   <p:clrMapOvr>
     <a:masterClrMapping/>
   </p:clrMapOvr>
-  <p:timing>
-    <p:tnLst>
-      <p:par>
-        <p:cTn id="1" dur="indefinite" restart="never" nodeType="tmRoot"/>
-      </p:par>
-    </p:tnLst>
-  </p:timing>
 </p:sld>
 </file>
 
@@ -15317,14 +15095,13 @@
           <a:lstStyle/>
           <a:p>
             <a:r>
-              <a:rPr lang="en-US" dirty="0" err="1" smtClean="0"/>
+              <a:rPr lang="en-US" dirty="0" err="1"/>
               <a:t>Interp</a:t>
             </a:r>
             <a:r>
-              <a:rPr lang="en-US" dirty="0" smtClean="0"/>
+              <a:rPr lang="en-US" dirty="0"/>
               <a:t> Walk</a:t>
             </a:r>
-            <a:endParaRPr lang="en-US" dirty="0"/>
           </a:p>
         </p:txBody>
       </p:sp>
@@ -15421,7 +15198,7 @@
           <a:effectLst/>
           <a:extLst>
             <a:ext uri="{AF507438-7753-43e0-B8FC-AC1667EBCBE1}">
-              <a14:hiddenEffects xmlns:a14="http://schemas.microsoft.com/office/drawing/2010/main" xmlns="">
+              <a14:hiddenEffects xmlns="" xmlns:a14="http://schemas.microsoft.com/office/drawing/2010/main">
                 <a:effectLst>
                   <a:outerShdw blurRad="63500" dist="38099" dir="2700000" algn="ctr" rotWithShape="0">
                     <a:schemeClr val="bg2">
@@ -15501,7 +15278,7 @@
           <a:effectLst/>
           <a:extLst>
             <a:ext uri="{AF507438-7753-43e0-B8FC-AC1667EBCBE1}">
-              <a14:hiddenEffects xmlns:a14="http://schemas.microsoft.com/office/drawing/2010/main" xmlns="">
+              <a14:hiddenEffects xmlns="" xmlns:a14="http://schemas.microsoft.com/office/drawing/2010/main">
                 <a:effectLst>
                   <a:outerShdw blurRad="63500" dist="38099" dir="2700000" algn="ctr" rotWithShape="0">
                     <a:schemeClr val="bg2">
@@ -15598,10 +15375,9 @@
           <a:lstStyle/>
           <a:p>
             <a:r>
-              <a:rPr lang="en-US" dirty="0" smtClean="0"/>
+              <a:rPr lang="en-US" dirty="0"/>
               <a:t>Driver Function</a:t>
             </a:r>
-            <a:endParaRPr lang="en-US" dirty="0"/>
           </a:p>
         </p:txBody>
       </p:sp>
@@ -15680,10 +15456,9 @@
           <a:lstStyle/>
           <a:p>
             <a:r>
-              <a:rPr lang="en-US" dirty="0" smtClean="0"/>
+              <a:rPr lang="en-US" dirty="0"/>
               <a:t>Testing the Interpreter</a:t>
             </a:r>
-            <a:endParaRPr lang="en-US" dirty="0"/>
           </a:p>
         </p:txBody>
       </p:sp>
@@ -15871,11 +15646,11 @@
           <a:lstStyle/>
           <a:p>
             <a:r>
-              <a:rPr lang="en-US" dirty="0" smtClean="0"/>
+              <a:rPr lang="en-US" dirty="0"/>
               <a:t>Final </a:t>
             </a:r>
             <a:r>
-              <a:rPr lang="en-US" smtClean="0"/>
+              <a:rPr lang="en-US"/>
               <a:t>project proposal</a:t>
             </a:r>
             <a:endParaRPr lang="en-US" dirty="0"/>
@@ -15950,18 +15725,13 @@
           <a:lstStyle/>
           <a:p>
             <a:r>
-              <a:rPr lang="en-US" dirty="0" smtClean="0"/>
-              <a:t>Assignment </a:t>
+              <a:rPr lang="en-US"/>
+              <a:t>Assignment #</a:t>
             </a:r>
             <a:r>
               <a:rPr lang="en-US" dirty="0"/>
-              <a:t>#</a:t>
-            </a:r>
-            <a:r>
-              <a:rPr lang="en-US" dirty="0" smtClean="0"/>
-              <a:t>7</a:t>
-            </a:r>
-            <a:endParaRPr lang="en-US" dirty="0"/>
+              <a:t>6</a:t>
+            </a:r>
           </a:p>
         </p:txBody>
       </p:sp>
@@ -16022,7 +15792,7 @@
           </a:ln>
           <a:extLst>
             <a:ext uri="{909E8E84-426E-40dd-AFC4-6F175D3DCCD1}">
-              <a14:hiddenFill xmlns:a14="http://schemas.microsoft.com/office/drawing/2010/main" xmlns="">
+              <a14:hiddenFill xmlns="" xmlns:a14="http://schemas.microsoft.com/office/drawing/2010/main">
                 <a:solidFill>
                   <a:schemeClr val="accent1"/>
                 </a:solidFill>
@@ -16087,7 +15857,7 @@
           </a:ln>
           <a:extLst>
             <a:ext uri="{909E8E84-426E-40dd-AFC4-6F175D3DCCD1}">
-              <a14:hiddenFill xmlns:a14="http://schemas.microsoft.com/office/drawing/2010/main" xmlns="">
+              <a14:hiddenFill xmlns="" xmlns:a14="http://schemas.microsoft.com/office/drawing/2010/main">
                 <a:solidFill>
                   <a:schemeClr val="accent1"/>
                 </a:solidFill>
@@ -16174,7 +15944,7 @@
           </a:ln>
           <a:extLst>
             <a:ext uri="{909E8E84-426E-40dd-AFC4-6F175D3DCCD1}">
-              <a14:hiddenFill xmlns:a14="http://schemas.microsoft.com/office/drawing/2010/main" xmlns="">
+              <a14:hiddenFill xmlns="" xmlns:a14="http://schemas.microsoft.com/office/drawing/2010/main">
                 <a:solidFill>
                   <a:schemeClr val="accent1"/>
                 </a:solidFill>
@@ -16217,7 +15987,7 @@
           </a:ln>
           <a:extLst>
             <a:ext uri="{909E8E84-426E-40dd-AFC4-6F175D3DCCD1}">
-              <a14:hiddenFill xmlns:a14="http://schemas.microsoft.com/office/drawing/2010/main" xmlns="">
+              <a14:hiddenFill xmlns="" xmlns:a14="http://schemas.microsoft.com/office/drawing/2010/main">
                 <a:solidFill>
                   <a:schemeClr val="accent1"/>
                 </a:solidFill>
@@ -16262,7 +16032,7 @@
           </a:ln>
           <a:extLst>
             <a:ext uri="{909E8E84-426E-40dd-AFC4-6F175D3DCCD1}">
-              <a14:hiddenFill xmlns:a14="http://schemas.microsoft.com/office/drawing/2010/main" xmlns="">
+              <a14:hiddenFill xmlns="" xmlns:a14="http://schemas.microsoft.com/office/drawing/2010/main">
                 <a:noFill/>
               </a14:hiddenFill>
             </a:ext>
@@ -16291,14 +16061,14 @@
           </a:ln>
           <a:extLst>
             <a:ext uri="{909E8E84-426E-40dd-AFC4-6F175D3DCCD1}">
-              <a14:hiddenFill xmlns:a14="http://schemas.microsoft.com/office/drawing/2010/main" xmlns="">
+              <a14:hiddenFill xmlns="" xmlns:a14="http://schemas.microsoft.com/office/drawing/2010/main">
                 <a:solidFill>
                   <a:schemeClr val="accent1"/>
                 </a:solidFill>
               </a14:hiddenFill>
             </a:ext>
             <a:ext uri="{91240B29-F687-4f45-9708-019B960494DF}">
-              <a14:hiddenLine xmlns:a14="http://schemas.microsoft.com/office/drawing/2010/main" xmlns="" w="9525">
+              <a14:hiddenLine xmlns="" xmlns:a14="http://schemas.microsoft.com/office/drawing/2010/main" w="9525">
                 <a:solidFill>
                   <a:schemeClr val="tx1"/>
                 </a:solidFill>
@@ -16344,14 +16114,14 @@
           </a:ln>
           <a:extLst>
             <a:ext uri="{909E8E84-426E-40dd-AFC4-6F175D3DCCD1}">
-              <a14:hiddenFill xmlns:a14="http://schemas.microsoft.com/office/drawing/2010/main" xmlns="">
+              <a14:hiddenFill xmlns="" xmlns:a14="http://schemas.microsoft.com/office/drawing/2010/main">
                 <a:solidFill>
                   <a:schemeClr val="accent1"/>
                 </a:solidFill>
               </a14:hiddenFill>
             </a:ext>
             <a:ext uri="{91240B29-F687-4f45-9708-019B960494DF}">
-              <a14:hiddenLine xmlns:a14="http://schemas.microsoft.com/office/drawing/2010/main" xmlns="" w="9525">
+              <a14:hiddenLine xmlns="" xmlns:a14="http://schemas.microsoft.com/office/drawing/2010/main" w="9525">
                 <a:solidFill>
                   <a:schemeClr val="tx1"/>
                 </a:solidFill>
@@ -16406,7 +16176,7 @@
           </a:ln>
           <a:extLst>
             <a:ext uri="{909E8E84-426E-40dd-AFC4-6F175D3DCCD1}">
-              <a14:hiddenFill xmlns:a14="http://schemas.microsoft.com/office/drawing/2010/main" xmlns="">
+              <a14:hiddenFill xmlns="" xmlns:a14="http://schemas.microsoft.com/office/drawing/2010/main">
                 <a:solidFill>
                   <a:schemeClr val="accent1"/>
                 </a:solidFill>
@@ -16449,14 +16219,14 @@
           </a:ln>
           <a:extLst>
             <a:ext uri="{909E8E84-426E-40dd-AFC4-6F175D3DCCD1}">
-              <a14:hiddenFill xmlns:a14="http://schemas.microsoft.com/office/drawing/2010/main" xmlns="">
+              <a14:hiddenFill xmlns="" xmlns:a14="http://schemas.microsoft.com/office/drawing/2010/main">
                 <a:solidFill>
                   <a:schemeClr val="accent1"/>
                 </a:solidFill>
               </a14:hiddenFill>
             </a:ext>
             <a:ext uri="{91240B29-F687-4f45-9708-019B960494DF}">
-              <a14:hiddenLine xmlns:a14="http://schemas.microsoft.com/office/drawing/2010/main" xmlns="" w="9525">
+              <a14:hiddenLine xmlns="" xmlns:a14="http://schemas.microsoft.com/office/drawing/2010/main" w="9525">
                 <a:solidFill>
                   <a:schemeClr val="tx1"/>
                 </a:solidFill>
@@ -16511,7 +16281,7 @@
           </a:ln>
           <a:extLst>
             <a:ext uri="{909E8E84-426E-40dd-AFC4-6F175D3DCCD1}">
-              <a14:hiddenFill xmlns:a14="http://schemas.microsoft.com/office/drawing/2010/main" xmlns="">
+              <a14:hiddenFill xmlns="" xmlns:a14="http://schemas.microsoft.com/office/drawing/2010/main">
                 <a:noFill/>
               </a14:hiddenFill>
             </a:ext>
@@ -16579,14 +16349,14 @@
           </a:ln>
           <a:extLst>
             <a:ext uri="{909E8E84-426E-40dd-AFC4-6F175D3DCCD1}">
-              <a14:hiddenFill xmlns:a14="http://schemas.microsoft.com/office/drawing/2010/main" xmlns="">
+              <a14:hiddenFill xmlns="" xmlns:a14="http://schemas.microsoft.com/office/drawing/2010/main">
                 <a:solidFill>
                   <a:schemeClr val="accent1"/>
                 </a:solidFill>
               </a14:hiddenFill>
             </a:ext>
             <a:ext uri="{91240B29-F687-4f45-9708-019B960494DF}">
-              <a14:hiddenLine xmlns:a14="http://schemas.microsoft.com/office/drawing/2010/main" xmlns="" w="9525">
+              <a14:hiddenLine xmlns="" xmlns:a14="http://schemas.microsoft.com/office/drawing/2010/main" w="9525">
                 <a:solidFill>
                   <a:schemeClr val="tx1"/>
                 </a:solidFill>
@@ -16638,13 +16408,6 @@
   <p:clrMapOvr>
     <a:masterClrMapping/>
   </p:clrMapOvr>
-  <p:timing>
-    <p:tnLst>
-      <p:par>
-        <p:cTn id="1" dur="indefinite" restart="never" nodeType="tmRoot"/>
-      </p:par>
-    </p:tnLst>
-  </p:timing>
 </p:sld>
 </file>
 
@@ -16692,7 +16455,7 @@
           </a:ln>
           <a:extLst>
             <a:ext uri="{909E8E84-426E-40dd-AFC4-6F175D3DCCD1}">
-              <a14:hiddenFill xmlns:a14="http://schemas.microsoft.com/office/drawing/2010/main" xmlns="">
+              <a14:hiddenFill xmlns="" xmlns:a14="http://schemas.microsoft.com/office/drawing/2010/main">
                 <a:solidFill>
                   <a:schemeClr val="accent1"/>
                 </a:solidFill>
@@ -16757,7 +16520,7 @@
           </a:ln>
           <a:extLst>
             <a:ext uri="{909E8E84-426E-40dd-AFC4-6F175D3DCCD1}">
-              <a14:hiddenFill xmlns:a14="http://schemas.microsoft.com/office/drawing/2010/main" xmlns="">
+              <a14:hiddenFill xmlns="" xmlns:a14="http://schemas.microsoft.com/office/drawing/2010/main">
                 <a:solidFill>
                   <a:schemeClr val="accent1"/>
                 </a:solidFill>
@@ -16844,7 +16607,7 @@
           </a:ln>
           <a:extLst>
             <a:ext uri="{909E8E84-426E-40dd-AFC4-6F175D3DCCD1}">
-              <a14:hiddenFill xmlns:a14="http://schemas.microsoft.com/office/drawing/2010/main" xmlns="">
+              <a14:hiddenFill xmlns="" xmlns:a14="http://schemas.microsoft.com/office/drawing/2010/main">
                 <a:solidFill>
                   <a:schemeClr val="accent1"/>
                 </a:solidFill>
@@ -16887,7 +16650,7 @@
           </a:ln>
           <a:extLst>
             <a:ext uri="{909E8E84-426E-40dd-AFC4-6F175D3DCCD1}">
-              <a14:hiddenFill xmlns:a14="http://schemas.microsoft.com/office/drawing/2010/main" xmlns="">
+              <a14:hiddenFill xmlns="" xmlns:a14="http://schemas.microsoft.com/office/drawing/2010/main">
                 <a:solidFill>
                   <a:schemeClr val="accent1"/>
                 </a:solidFill>
@@ -16932,7 +16695,7 @@
           </a:ln>
           <a:extLst>
             <a:ext uri="{909E8E84-426E-40dd-AFC4-6F175D3DCCD1}">
-              <a14:hiddenFill xmlns:a14="http://schemas.microsoft.com/office/drawing/2010/main" xmlns="">
+              <a14:hiddenFill xmlns="" xmlns:a14="http://schemas.microsoft.com/office/drawing/2010/main">
                 <a:noFill/>
               </a14:hiddenFill>
             </a:ext>
@@ -16961,14 +16724,14 @@
           </a:ln>
           <a:extLst>
             <a:ext uri="{909E8E84-426E-40dd-AFC4-6F175D3DCCD1}">
-              <a14:hiddenFill xmlns:a14="http://schemas.microsoft.com/office/drawing/2010/main" xmlns="">
+              <a14:hiddenFill xmlns="" xmlns:a14="http://schemas.microsoft.com/office/drawing/2010/main">
                 <a:solidFill>
                   <a:schemeClr val="accent1"/>
                 </a:solidFill>
               </a14:hiddenFill>
             </a:ext>
             <a:ext uri="{91240B29-F687-4f45-9708-019B960494DF}">
-              <a14:hiddenLine xmlns:a14="http://schemas.microsoft.com/office/drawing/2010/main" xmlns="" w="9525">
+              <a14:hiddenLine xmlns="" xmlns:a14="http://schemas.microsoft.com/office/drawing/2010/main" w="9525">
                 <a:solidFill>
                   <a:schemeClr val="tx1"/>
                 </a:solidFill>
@@ -17014,14 +16777,14 @@
           </a:ln>
           <a:extLst>
             <a:ext uri="{909E8E84-426E-40dd-AFC4-6F175D3DCCD1}">
-              <a14:hiddenFill xmlns:a14="http://schemas.microsoft.com/office/drawing/2010/main" xmlns="">
+              <a14:hiddenFill xmlns="" xmlns:a14="http://schemas.microsoft.com/office/drawing/2010/main">
                 <a:solidFill>
                   <a:schemeClr val="accent1"/>
                 </a:solidFill>
               </a14:hiddenFill>
             </a:ext>
             <a:ext uri="{91240B29-F687-4f45-9708-019B960494DF}">
-              <a14:hiddenLine xmlns:a14="http://schemas.microsoft.com/office/drawing/2010/main" xmlns="" w="9525">
+              <a14:hiddenLine xmlns="" xmlns:a14="http://schemas.microsoft.com/office/drawing/2010/main" w="9525">
                 <a:solidFill>
                   <a:schemeClr val="tx1"/>
                 </a:solidFill>
@@ -17076,7 +16839,7 @@
           </a:ln>
           <a:extLst>
             <a:ext uri="{909E8E84-426E-40dd-AFC4-6F175D3DCCD1}">
-              <a14:hiddenFill xmlns:a14="http://schemas.microsoft.com/office/drawing/2010/main" xmlns="">
+              <a14:hiddenFill xmlns="" xmlns:a14="http://schemas.microsoft.com/office/drawing/2010/main">
                 <a:solidFill>
                   <a:schemeClr val="accent1"/>
                 </a:solidFill>
@@ -17119,14 +16882,14 @@
           </a:ln>
           <a:extLst>
             <a:ext uri="{909E8E84-426E-40dd-AFC4-6F175D3DCCD1}">
-              <a14:hiddenFill xmlns:a14="http://schemas.microsoft.com/office/drawing/2010/main" xmlns="">
+              <a14:hiddenFill xmlns="" xmlns:a14="http://schemas.microsoft.com/office/drawing/2010/main">
                 <a:solidFill>
                   <a:schemeClr val="accent1"/>
                 </a:solidFill>
               </a14:hiddenFill>
             </a:ext>
             <a:ext uri="{91240B29-F687-4f45-9708-019B960494DF}">
-              <a14:hiddenLine xmlns:a14="http://schemas.microsoft.com/office/drawing/2010/main" xmlns="" w="9525">
+              <a14:hiddenLine xmlns="" xmlns:a14="http://schemas.microsoft.com/office/drawing/2010/main" w="9525">
                 <a:solidFill>
                   <a:schemeClr val="tx1"/>
                 </a:solidFill>
@@ -17181,7 +16944,7 @@
           </a:ln>
           <a:extLst>
             <a:ext uri="{909E8E84-426E-40dd-AFC4-6F175D3DCCD1}">
-              <a14:hiddenFill xmlns:a14="http://schemas.microsoft.com/office/drawing/2010/main" xmlns="">
+              <a14:hiddenFill xmlns="" xmlns:a14="http://schemas.microsoft.com/office/drawing/2010/main">
                 <a:noFill/>
               </a14:hiddenFill>
             </a:ext>
@@ -17249,14 +17012,14 @@
           </a:ln>
           <a:extLst>
             <a:ext uri="{909E8E84-426E-40dd-AFC4-6F175D3DCCD1}">
-              <a14:hiddenFill xmlns:a14="http://schemas.microsoft.com/office/drawing/2010/main" xmlns="">
+              <a14:hiddenFill xmlns="" xmlns:a14="http://schemas.microsoft.com/office/drawing/2010/main">
                 <a:solidFill>
                   <a:schemeClr val="accent1"/>
                 </a:solidFill>
               </a14:hiddenFill>
             </a:ext>
             <a:ext uri="{91240B29-F687-4f45-9708-019B960494DF}">
-              <a14:hiddenLine xmlns:a14="http://schemas.microsoft.com/office/drawing/2010/main" xmlns="" w="9525">
+              <a14:hiddenLine xmlns="" xmlns:a14="http://schemas.microsoft.com/office/drawing/2010/main" w="9525">
                 <a:solidFill>
                   <a:schemeClr val="tx1"/>
                 </a:solidFill>
@@ -17325,14 +17088,14 @@
           </a:ln>
           <a:extLst>
             <a:ext uri="{909E8E84-426E-40dd-AFC4-6F175D3DCCD1}">
-              <a14:hiddenFill xmlns:a14="http://schemas.microsoft.com/office/drawing/2010/main" xmlns="">
+              <a14:hiddenFill xmlns="" xmlns:a14="http://schemas.microsoft.com/office/drawing/2010/main">
                 <a:solidFill>
                   <a:schemeClr val="accent1"/>
                 </a:solidFill>
               </a14:hiddenFill>
             </a:ext>
             <a:ext uri="{91240B29-F687-4f45-9708-019B960494DF}">
-              <a14:hiddenLine xmlns:a14="http://schemas.microsoft.com/office/drawing/2010/main" xmlns="" w="9525">
+              <a14:hiddenLine xmlns="" xmlns:a14="http://schemas.microsoft.com/office/drawing/2010/main" w="9525">
                 <a:solidFill>
                   <a:schemeClr val="tx1"/>
                 </a:solidFill>
@@ -17368,13 +17131,6 @@
   <p:clrMapOvr>
     <a:masterClrMapping/>
   </p:clrMapOvr>
-  <p:timing>
-    <p:tnLst>
-      <p:par>
-        <p:cTn id="1" dur="indefinite" restart="never" nodeType="tmRoot"/>
-      </p:par>
-    </p:tnLst>
-  </p:timing>
 </p:sld>
 </file>
 
@@ -17422,7 +17178,7 @@
           </a:ln>
           <a:extLst>
             <a:ext uri="{909E8E84-426E-40dd-AFC4-6F175D3DCCD1}">
-              <a14:hiddenFill xmlns:a14="http://schemas.microsoft.com/office/drawing/2010/main" xmlns="">
+              <a14:hiddenFill xmlns="" xmlns:a14="http://schemas.microsoft.com/office/drawing/2010/main">
                 <a:solidFill>
                   <a:schemeClr val="accent1"/>
                 </a:solidFill>
@@ -17487,7 +17243,7 @@
           </a:ln>
           <a:extLst>
             <a:ext uri="{909E8E84-426E-40dd-AFC4-6F175D3DCCD1}">
-              <a14:hiddenFill xmlns:a14="http://schemas.microsoft.com/office/drawing/2010/main" xmlns="">
+              <a14:hiddenFill xmlns="" xmlns:a14="http://schemas.microsoft.com/office/drawing/2010/main">
                 <a:solidFill>
                   <a:schemeClr val="accent1"/>
                 </a:solidFill>
@@ -17574,7 +17330,7 @@
           </a:ln>
           <a:extLst>
             <a:ext uri="{909E8E84-426E-40dd-AFC4-6F175D3DCCD1}">
-              <a14:hiddenFill xmlns:a14="http://schemas.microsoft.com/office/drawing/2010/main" xmlns="">
+              <a14:hiddenFill xmlns="" xmlns:a14="http://schemas.microsoft.com/office/drawing/2010/main">
                 <a:solidFill>
                   <a:schemeClr val="accent1"/>
                 </a:solidFill>
@@ -17617,7 +17373,7 @@
           </a:ln>
           <a:extLst>
             <a:ext uri="{909E8E84-426E-40dd-AFC4-6F175D3DCCD1}">
-              <a14:hiddenFill xmlns:a14="http://schemas.microsoft.com/office/drawing/2010/main" xmlns="">
+              <a14:hiddenFill xmlns="" xmlns:a14="http://schemas.microsoft.com/office/drawing/2010/main">
                 <a:solidFill>
                   <a:schemeClr val="accent1"/>
                 </a:solidFill>
@@ -17662,7 +17418,7 @@
           </a:ln>
           <a:extLst>
             <a:ext uri="{909E8E84-426E-40dd-AFC4-6F175D3DCCD1}">
-              <a14:hiddenFill xmlns:a14="http://schemas.microsoft.com/office/drawing/2010/main" xmlns="">
+              <a14:hiddenFill xmlns="" xmlns:a14="http://schemas.microsoft.com/office/drawing/2010/main">
                 <a:noFill/>
               </a14:hiddenFill>
             </a:ext>
@@ -17691,14 +17447,14 @@
           </a:ln>
           <a:extLst>
             <a:ext uri="{909E8E84-426E-40dd-AFC4-6F175D3DCCD1}">
-              <a14:hiddenFill xmlns:a14="http://schemas.microsoft.com/office/drawing/2010/main" xmlns="">
+              <a14:hiddenFill xmlns="" xmlns:a14="http://schemas.microsoft.com/office/drawing/2010/main">
                 <a:solidFill>
                   <a:schemeClr val="accent1"/>
                 </a:solidFill>
               </a14:hiddenFill>
             </a:ext>
             <a:ext uri="{91240B29-F687-4f45-9708-019B960494DF}">
-              <a14:hiddenLine xmlns:a14="http://schemas.microsoft.com/office/drawing/2010/main" xmlns="" w="9525">
+              <a14:hiddenLine xmlns="" xmlns:a14="http://schemas.microsoft.com/office/drawing/2010/main" w="9525">
                 <a:solidFill>
                   <a:schemeClr val="tx1"/>
                 </a:solidFill>
@@ -17744,14 +17500,14 @@
           </a:ln>
           <a:extLst>
             <a:ext uri="{909E8E84-426E-40dd-AFC4-6F175D3DCCD1}">
-              <a14:hiddenFill xmlns:a14="http://schemas.microsoft.com/office/drawing/2010/main" xmlns="">
+              <a14:hiddenFill xmlns="" xmlns:a14="http://schemas.microsoft.com/office/drawing/2010/main">
                 <a:solidFill>
                   <a:schemeClr val="accent1"/>
                 </a:solidFill>
               </a14:hiddenFill>
             </a:ext>
             <a:ext uri="{91240B29-F687-4f45-9708-019B960494DF}">
-              <a14:hiddenLine xmlns:a14="http://schemas.microsoft.com/office/drawing/2010/main" xmlns="" w="9525">
+              <a14:hiddenLine xmlns="" xmlns:a14="http://schemas.microsoft.com/office/drawing/2010/main" w="9525">
                 <a:solidFill>
                   <a:schemeClr val="tx1"/>
                 </a:solidFill>
@@ -17806,7 +17562,7 @@
           </a:ln>
           <a:extLst>
             <a:ext uri="{909E8E84-426E-40dd-AFC4-6F175D3DCCD1}">
-              <a14:hiddenFill xmlns:a14="http://schemas.microsoft.com/office/drawing/2010/main" xmlns="">
+              <a14:hiddenFill xmlns="" xmlns:a14="http://schemas.microsoft.com/office/drawing/2010/main">
                 <a:solidFill>
                   <a:schemeClr val="accent1"/>
                 </a:solidFill>
@@ -17849,14 +17605,14 @@
           </a:ln>
           <a:extLst>
             <a:ext uri="{909E8E84-426E-40dd-AFC4-6F175D3DCCD1}">
-              <a14:hiddenFill xmlns:a14="http://schemas.microsoft.com/office/drawing/2010/main" xmlns="">
+              <a14:hiddenFill xmlns="" xmlns:a14="http://schemas.microsoft.com/office/drawing/2010/main">
                 <a:solidFill>
                   <a:schemeClr val="accent1"/>
                 </a:solidFill>
               </a14:hiddenFill>
             </a:ext>
             <a:ext uri="{91240B29-F687-4f45-9708-019B960494DF}">
-              <a14:hiddenLine xmlns:a14="http://schemas.microsoft.com/office/drawing/2010/main" xmlns="" w="9525">
+              <a14:hiddenLine xmlns="" xmlns:a14="http://schemas.microsoft.com/office/drawing/2010/main" w="9525">
                 <a:solidFill>
                   <a:schemeClr val="tx1"/>
                 </a:solidFill>
@@ -17911,7 +17667,7 @@
           </a:ln>
           <a:extLst>
             <a:ext uri="{909E8E84-426E-40dd-AFC4-6F175D3DCCD1}">
-              <a14:hiddenFill xmlns:a14="http://schemas.microsoft.com/office/drawing/2010/main" xmlns="">
+              <a14:hiddenFill xmlns="" xmlns:a14="http://schemas.microsoft.com/office/drawing/2010/main">
                 <a:noFill/>
               </a14:hiddenFill>
             </a:ext>
@@ -17979,14 +17735,14 @@
           </a:ln>
           <a:extLst>
             <a:ext uri="{909E8E84-426E-40dd-AFC4-6F175D3DCCD1}">
-              <a14:hiddenFill xmlns:a14="http://schemas.microsoft.com/office/drawing/2010/main" xmlns="">
+              <a14:hiddenFill xmlns="" xmlns:a14="http://schemas.microsoft.com/office/drawing/2010/main">
                 <a:solidFill>
                   <a:schemeClr val="accent1"/>
                 </a:solidFill>
               </a14:hiddenFill>
             </a:ext>
             <a:ext uri="{91240B29-F687-4f45-9708-019B960494DF}">
-              <a14:hiddenLine xmlns:a14="http://schemas.microsoft.com/office/drawing/2010/main" xmlns="" w="9525">
+              <a14:hiddenLine xmlns="" xmlns:a14="http://schemas.microsoft.com/office/drawing/2010/main" w="9525">
                 <a:solidFill>
                   <a:schemeClr val="tx1"/>
                 </a:solidFill>
@@ -18055,14 +17811,14 @@
           </a:ln>
           <a:extLst>
             <a:ext uri="{909E8E84-426E-40dd-AFC4-6F175D3DCCD1}">
-              <a14:hiddenFill xmlns:a14="http://schemas.microsoft.com/office/drawing/2010/main" xmlns="">
+              <a14:hiddenFill xmlns="" xmlns:a14="http://schemas.microsoft.com/office/drawing/2010/main">
                 <a:solidFill>
                   <a:schemeClr val="accent1"/>
                 </a:solidFill>
               </a14:hiddenFill>
             </a:ext>
             <a:ext uri="{91240B29-F687-4f45-9708-019B960494DF}">
-              <a14:hiddenLine xmlns:a14="http://schemas.microsoft.com/office/drawing/2010/main" xmlns="" w="9525">
+              <a14:hiddenLine xmlns="" xmlns:a14="http://schemas.microsoft.com/office/drawing/2010/main" w="9525">
                 <a:solidFill>
                   <a:schemeClr val="tx1"/>
                 </a:solidFill>
@@ -18115,14 +17871,14 @@
           </a:ln>
           <a:extLst>
             <a:ext uri="{909E8E84-426E-40dd-AFC4-6F175D3DCCD1}">
-              <a14:hiddenFill xmlns:a14="http://schemas.microsoft.com/office/drawing/2010/main" xmlns="">
+              <a14:hiddenFill xmlns="" xmlns:a14="http://schemas.microsoft.com/office/drawing/2010/main">
                 <a:solidFill>
                   <a:schemeClr val="accent1"/>
                 </a:solidFill>
               </a14:hiddenFill>
             </a:ext>
             <a:ext uri="{91240B29-F687-4f45-9708-019B960494DF}">
-              <a14:hiddenLine xmlns:a14="http://schemas.microsoft.com/office/drawing/2010/main" xmlns="" w="9525">
+              <a14:hiddenLine xmlns="" xmlns:a14="http://schemas.microsoft.com/office/drawing/2010/main" w="9525">
                 <a:solidFill>
                   <a:schemeClr val="tx1"/>
                 </a:solidFill>
@@ -18158,13 +17914,6 @@
   <p:clrMapOvr>
     <a:masterClrMapping/>
   </p:clrMapOvr>
-  <p:timing>
-    <p:tnLst>
-      <p:par>
-        <p:cTn id="1" dur="indefinite" restart="never" nodeType="tmRoot"/>
-      </p:par>
-    </p:tnLst>
-  </p:timing>
 </p:sld>
 </file>
 
@@ -18212,7 +17961,7 @@
           </a:ln>
           <a:extLst>
             <a:ext uri="{909E8E84-426E-40dd-AFC4-6F175D3DCCD1}">
-              <a14:hiddenFill xmlns:a14="http://schemas.microsoft.com/office/drawing/2010/main" xmlns="">
+              <a14:hiddenFill xmlns="" xmlns:a14="http://schemas.microsoft.com/office/drawing/2010/main">
                 <a:solidFill>
                   <a:schemeClr val="accent1"/>
                 </a:solidFill>
@@ -18277,7 +18026,7 @@
           </a:ln>
           <a:extLst>
             <a:ext uri="{909E8E84-426E-40dd-AFC4-6F175D3DCCD1}">
-              <a14:hiddenFill xmlns:a14="http://schemas.microsoft.com/office/drawing/2010/main" xmlns="">
+              <a14:hiddenFill xmlns="" xmlns:a14="http://schemas.microsoft.com/office/drawing/2010/main">
                 <a:solidFill>
                   <a:schemeClr val="accent1"/>
                 </a:solidFill>
@@ -18364,7 +18113,7 @@
           </a:ln>
           <a:extLst>
             <a:ext uri="{909E8E84-426E-40dd-AFC4-6F175D3DCCD1}">
-              <a14:hiddenFill xmlns:a14="http://schemas.microsoft.com/office/drawing/2010/main" xmlns="">
+              <a14:hiddenFill xmlns="" xmlns:a14="http://schemas.microsoft.com/office/drawing/2010/main">
                 <a:solidFill>
                   <a:schemeClr val="accent1"/>
                 </a:solidFill>
@@ -18407,7 +18156,7 @@
           </a:ln>
           <a:extLst>
             <a:ext uri="{909E8E84-426E-40dd-AFC4-6F175D3DCCD1}">
-              <a14:hiddenFill xmlns:a14="http://schemas.microsoft.com/office/drawing/2010/main" xmlns="">
+              <a14:hiddenFill xmlns="" xmlns:a14="http://schemas.microsoft.com/office/drawing/2010/main">
                 <a:solidFill>
                   <a:schemeClr val="accent1"/>
                 </a:solidFill>
@@ -18452,7 +18201,7 @@
           </a:ln>
           <a:extLst>
             <a:ext uri="{909E8E84-426E-40dd-AFC4-6F175D3DCCD1}">
-              <a14:hiddenFill xmlns:a14="http://schemas.microsoft.com/office/drawing/2010/main" xmlns="">
+              <a14:hiddenFill xmlns="" xmlns:a14="http://schemas.microsoft.com/office/drawing/2010/main">
                 <a:noFill/>
               </a14:hiddenFill>
             </a:ext>
@@ -18481,14 +18230,14 @@
           </a:ln>
           <a:extLst>
             <a:ext uri="{909E8E84-426E-40dd-AFC4-6F175D3DCCD1}">
-              <a14:hiddenFill xmlns:a14="http://schemas.microsoft.com/office/drawing/2010/main" xmlns="">
+              <a14:hiddenFill xmlns="" xmlns:a14="http://schemas.microsoft.com/office/drawing/2010/main">
                 <a:solidFill>
                   <a:schemeClr val="accent1"/>
                 </a:solidFill>
               </a14:hiddenFill>
             </a:ext>
             <a:ext uri="{91240B29-F687-4f45-9708-019B960494DF}">
-              <a14:hiddenLine xmlns:a14="http://schemas.microsoft.com/office/drawing/2010/main" xmlns="" w="9525">
+              <a14:hiddenLine xmlns="" xmlns:a14="http://schemas.microsoft.com/office/drawing/2010/main" w="9525">
                 <a:solidFill>
                   <a:schemeClr val="tx1"/>
                 </a:solidFill>
@@ -18534,14 +18283,14 @@
           </a:ln>
           <a:extLst>
             <a:ext uri="{909E8E84-426E-40dd-AFC4-6F175D3DCCD1}">
-              <a14:hiddenFill xmlns:a14="http://schemas.microsoft.com/office/drawing/2010/main" xmlns="">
+              <a14:hiddenFill xmlns="" xmlns:a14="http://schemas.microsoft.com/office/drawing/2010/main">
                 <a:solidFill>
                   <a:schemeClr val="accent1"/>
                 </a:solidFill>
               </a14:hiddenFill>
             </a:ext>
             <a:ext uri="{91240B29-F687-4f45-9708-019B960494DF}">
-              <a14:hiddenLine xmlns:a14="http://schemas.microsoft.com/office/drawing/2010/main" xmlns="" w="9525">
+              <a14:hiddenLine xmlns="" xmlns:a14="http://schemas.microsoft.com/office/drawing/2010/main" w="9525">
                 <a:solidFill>
                   <a:schemeClr val="tx1"/>
                 </a:solidFill>
@@ -18592,7 +18341,7 @@
           </a:ln>
           <a:extLst>
             <a:ext uri="{909E8E84-426E-40dd-AFC4-6F175D3DCCD1}">
-              <a14:hiddenFill xmlns:a14="http://schemas.microsoft.com/office/drawing/2010/main" xmlns="">
+              <a14:hiddenFill xmlns="" xmlns:a14="http://schemas.microsoft.com/office/drawing/2010/main">
                 <a:solidFill>
                   <a:schemeClr val="accent1"/>
                 </a:solidFill>
@@ -18635,14 +18384,14 @@
           </a:ln>
           <a:extLst>
             <a:ext uri="{909E8E84-426E-40dd-AFC4-6F175D3DCCD1}">
-              <a14:hiddenFill xmlns:a14="http://schemas.microsoft.com/office/drawing/2010/main" xmlns="">
+              <a14:hiddenFill xmlns="" xmlns:a14="http://schemas.microsoft.com/office/drawing/2010/main">
                 <a:solidFill>
                   <a:schemeClr val="accent1"/>
                 </a:solidFill>
               </a14:hiddenFill>
             </a:ext>
             <a:ext uri="{91240B29-F687-4f45-9708-019B960494DF}">
-              <a14:hiddenLine xmlns:a14="http://schemas.microsoft.com/office/drawing/2010/main" xmlns="" w="9525">
+              <a14:hiddenLine xmlns="" xmlns:a14="http://schemas.microsoft.com/office/drawing/2010/main" w="9525">
                 <a:solidFill>
                   <a:schemeClr val="tx1"/>
                 </a:solidFill>
@@ -18697,7 +18446,7 @@
           </a:ln>
           <a:extLst>
             <a:ext uri="{909E8E84-426E-40dd-AFC4-6F175D3DCCD1}">
-              <a14:hiddenFill xmlns:a14="http://schemas.microsoft.com/office/drawing/2010/main" xmlns="">
+              <a14:hiddenFill xmlns="" xmlns:a14="http://schemas.microsoft.com/office/drawing/2010/main">
                 <a:noFill/>
               </a14:hiddenFill>
             </a:ext>
@@ -18765,14 +18514,14 @@
           </a:ln>
           <a:extLst>
             <a:ext uri="{909E8E84-426E-40dd-AFC4-6F175D3DCCD1}">
-              <a14:hiddenFill xmlns:a14="http://schemas.microsoft.com/office/drawing/2010/main" xmlns="">
+              <a14:hiddenFill xmlns="" xmlns:a14="http://schemas.microsoft.com/office/drawing/2010/main">
                 <a:solidFill>
                   <a:schemeClr val="accent1"/>
                 </a:solidFill>
               </a14:hiddenFill>
             </a:ext>
             <a:ext uri="{91240B29-F687-4f45-9708-019B960494DF}">
-              <a14:hiddenLine xmlns:a14="http://schemas.microsoft.com/office/drawing/2010/main" xmlns="" w="9525">
+              <a14:hiddenLine xmlns="" xmlns:a14="http://schemas.microsoft.com/office/drawing/2010/main" w="9525">
                 <a:solidFill>
                   <a:schemeClr val="tx1"/>
                 </a:solidFill>
@@ -18841,14 +18590,14 @@
           </a:ln>
           <a:extLst>
             <a:ext uri="{909E8E84-426E-40dd-AFC4-6F175D3DCCD1}">
-              <a14:hiddenFill xmlns:a14="http://schemas.microsoft.com/office/drawing/2010/main" xmlns="">
+              <a14:hiddenFill xmlns="" xmlns:a14="http://schemas.microsoft.com/office/drawing/2010/main">
                 <a:solidFill>
                   <a:schemeClr val="accent1"/>
                 </a:solidFill>
               </a14:hiddenFill>
             </a:ext>
             <a:ext uri="{91240B29-F687-4f45-9708-019B960494DF}">
-              <a14:hiddenLine xmlns:a14="http://schemas.microsoft.com/office/drawing/2010/main" xmlns="" w="9525">
+              <a14:hiddenLine xmlns="" xmlns:a14="http://schemas.microsoft.com/office/drawing/2010/main" w="9525">
                 <a:solidFill>
                   <a:schemeClr val="tx1"/>
                 </a:solidFill>
@@ -18901,14 +18650,14 @@
           </a:ln>
           <a:extLst>
             <a:ext uri="{909E8E84-426E-40dd-AFC4-6F175D3DCCD1}">
-              <a14:hiddenFill xmlns:a14="http://schemas.microsoft.com/office/drawing/2010/main" xmlns="">
+              <a14:hiddenFill xmlns="" xmlns:a14="http://schemas.microsoft.com/office/drawing/2010/main">
                 <a:solidFill>
                   <a:schemeClr val="accent1"/>
                 </a:solidFill>
               </a14:hiddenFill>
             </a:ext>
             <a:ext uri="{91240B29-F687-4f45-9708-019B960494DF}">
-              <a14:hiddenLine xmlns:a14="http://schemas.microsoft.com/office/drawing/2010/main" xmlns="" w="9525">
+              <a14:hiddenLine xmlns="" xmlns:a14="http://schemas.microsoft.com/office/drawing/2010/main" w="9525">
                 <a:solidFill>
                   <a:schemeClr val="tx1"/>
                 </a:solidFill>
@@ -18966,7 +18715,7 @@
           </a:ln>
           <a:extLst>
             <a:ext uri="{909E8E84-426E-40dd-AFC4-6F175D3DCCD1}">
-              <a14:hiddenFill xmlns:a14="http://schemas.microsoft.com/office/drawing/2010/main" xmlns="">
+              <a14:hiddenFill xmlns="" xmlns:a14="http://schemas.microsoft.com/office/drawing/2010/main">
                 <a:solidFill>
                   <a:schemeClr val="accent1"/>
                 </a:solidFill>
@@ -19028,14 +18777,14 @@
           </a:ln>
           <a:extLst>
             <a:ext uri="{909E8E84-426E-40dd-AFC4-6F175D3DCCD1}">
-              <a14:hiddenFill xmlns:a14="http://schemas.microsoft.com/office/drawing/2010/main" xmlns="">
+              <a14:hiddenFill xmlns="" xmlns:a14="http://schemas.microsoft.com/office/drawing/2010/main">
                 <a:solidFill>
                   <a:schemeClr val="accent1"/>
                 </a:solidFill>
               </a14:hiddenFill>
             </a:ext>
             <a:ext uri="{91240B29-F687-4f45-9708-019B960494DF}">
-              <a14:hiddenLine xmlns:a14="http://schemas.microsoft.com/office/drawing/2010/main" xmlns="" w="9525">
+              <a14:hiddenLine xmlns="" xmlns:a14="http://schemas.microsoft.com/office/drawing/2010/main" w="9525">
                 <a:solidFill>
                   <a:schemeClr val="tx1"/>
                 </a:solidFill>
@@ -19088,14 +18837,14 @@
           </a:ln>
           <a:extLst>
             <a:ext uri="{909E8E84-426E-40dd-AFC4-6F175D3DCCD1}">
-              <a14:hiddenFill xmlns:a14="http://schemas.microsoft.com/office/drawing/2010/main" xmlns="">
+              <a14:hiddenFill xmlns="" xmlns:a14="http://schemas.microsoft.com/office/drawing/2010/main">
                 <a:solidFill>
                   <a:schemeClr val="accent1"/>
                 </a:solidFill>
               </a14:hiddenFill>
             </a:ext>
             <a:ext uri="{91240B29-F687-4f45-9708-019B960494DF}">
-              <a14:hiddenLine xmlns:a14="http://schemas.microsoft.com/office/drawing/2010/main" xmlns="" w="9525">
+              <a14:hiddenLine xmlns="" xmlns:a14="http://schemas.microsoft.com/office/drawing/2010/main" w="9525">
                 <a:solidFill>
                   <a:schemeClr val="tx1"/>
                 </a:solidFill>
@@ -19164,13 +18913,6 @@
   <p:clrMapOvr>
     <a:masterClrMapping/>
   </p:clrMapOvr>
-  <p:timing>
-    <p:tnLst>
-      <p:par>
-        <p:cTn id="1" dur="indefinite" restart="never" nodeType="tmRoot"/>
-      </p:par>
-    </p:tnLst>
-  </p:timing>
 </p:sld>
 </file>
 
@@ -19218,7 +18960,7 @@
           </a:ln>
           <a:extLst>
             <a:ext uri="{909E8E84-426E-40dd-AFC4-6F175D3DCCD1}">
-              <a14:hiddenFill xmlns:a14="http://schemas.microsoft.com/office/drawing/2010/main" xmlns="">
+              <a14:hiddenFill xmlns="" xmlns:a14="http://schemas.microsoft.com/office/drawing/2010/main">
                 <a:solidFill>
                   <a:schemeClr val="accent1"/>
                 </a:solidFill>
@@ -19283,7 +19025,7 @@
           </a:ln>
           <a:extLst>
             <a:ext uri="{909E8E84-426E-40dd-AFC4-6F175D3DCCD1}">
-              <a14:hiddenFill xmlns:a14="http://schemas.microsoft.com/office/drawing/2010/main" xmlns="">
+              <a14:hiddenFill xmlns="" xmlns:a14="http://schemas.microsoft.com/office/drawing/2010/main">
                 <a:solidFill>
                   <a:schemeClr val="accent1"/>
                 </a:solidFill>
@@ -19370,7 +19112,7 @@
           </a:ln>
           <a:extLst>
             <a:ext uri="{909E8E84-426E-40dd-AFC4-6F175D3DCCD1}">
-              <a14:hiddenFill xmlns:a14="http://schemas.microsoft.com/office/drawing/2010/main" xmlns="">
+              <a14:hiddenFill xmlns="" xmlns:a14="http://schemas.microsoft.com/office/drawing/2010/main">
                 <a:solidFill>
                   <a:schemeClr val="accent1"/>
                 </a:solidFill>
@@ -19413,7 +19155,7 @@
           </a:ln>
           <a:extLst>
             <a:ext uri="{909E8E84-426E-40dd-AFC4-6F175D3DCCD1}">
-              <a14:hiddenFill xmlns:a14="http://schemas.microsoft.com/office/drawing/2010/main" xmlns="">
+              <a14:hiddenFill xmlns="" xmlns:a14="http://schemas.microsoft.com/office/drawing/2010/main">
                 <a:solidFill>
                   <a:schemeClr val="accent1"/>
                 </a:solidFill>
@@ -19458,7 +19200,7 @@
           </a:ln>
           <a:extLst>
             <a:ext uri="{909E8E84-426E-40dd-AFC4-6F175D3DCCD1}">
-              <a14:hiddenFill xmlns:a14="http://schemas.microsoft.com/office/drawing/2010/main" xmlns="">
+              <a14:hiddenFill xmlns="" xmlns:a14="http://schemas.microsoft.com/office/drawing/2010/main">
                 <a:noFill/>
               </a14:hiddenFill>
             </a:ext>
@@ -19487,14 +19229,14 @@
           </a:ln>
           <a:extLst>
             <a:ext uri="{909E8E84-426E-40dd-AFC4-6F175D3DCCD1}">
-              <a14:hiddenFill xmlns:a14="http://schemas.microsoft.com/office/drawing/2010/main" xmlns="">
+              <a14:hiddenFill xmlns="" xmlns:a14="http://schemas.microsoft.com/office/drawing/2010/main">
                 <a:solidFill>
                   <a:schemeClr val="accent1"/>
                 </a:solidFill>
               </a14:hiddenFill>
             </a:ext>
             <a:ext uri="{91240B29-F687-4f45-9708-019B960494DF}">
-              <a14:hiddenLine xmlns:a14="http://schemas.microsoft.com/office/drawing/2010/main" xmlns="" w="9525">
+              <a14:hiddenLine xmlns="" xmlns:a14="http://schemas.microsoft.com/office/drawing/2010/main" w="9525">
                 <a:solidFill>
                   <a:schemeClr val="tx1"/>
                 </a:solidFill>
@@ -19540,14 +19282,14 @@
           </a:ln>
           <a:extLst>
             <a:ext uri="{909E8E84-426E-40dd-AFC4-6F175D3DCCD1}">
-              <a14:hiddenFill xmlns:a14="http://schemas.microsoft.com/office/drawing/2010/main" xmlns="">
+              <a14:hiddenFill xmlns="" xmlns:a14="http://schemas.microsoft.com/office/drawing/2010/main">
                 <a:solidFill>
                   <a:schemeClr val="accent1"/>
                 </a:solidFill>
               </a14:hiddenFill>
             </a:ext>
             <a:ext uri="{91240B29-F687-4f45-9708-019B960494DF}">
-              <a14:hiddenLine xmlns:a14="http://schemas.microsoft.com/office/drawing/2010/main" xmlns="" w="9525">
+              <a14:hiddenLine xmlns="" xmlns:a14="http://schemas.microsoft.com/office/drawing/2010/main" w="9525">
                 <a:solidFill>
                   <a:schemeClr val="tx1"/>
                 </a:solidFill>
@@ -19598,7 +19340,7 @@
           </a:ln>
           <a:extLst>
             <a:ext uri="{909E8E84-426E-40dd-AFC4-6F175D3DCCD1}">
-              <a14:hiddenFill xmlns:a14="http://schemas.microsoft.com/office/drawing/2010/main" xmlns="">
+              <a14:hiddenFill xmlns="" xmlns:a14="http://schemas.microsoft.com/office/drawing/2010/main">
                 <a:solidFill>
                   <a:schemeClr val="accent1"/>
                 </a:solidFill>
@@ -19641,14 +19383,14 @@
           </a:ln>
           <a:extLst>
             <a:ext uri="{909E8E84-426E-40dd-AFC4-6F175D3DCCD1}">
-              <a14:hiddenFill xmlns:a14="http://schemas.microsoft.com/office/drawing/2010/main" xmlns="">
+              <a14:hiddenFill xmlns="" xmlns:a14="http://schemas.microsoft.com/office/drawing/2010/main">
                 <a:solidFill>
                   <a:schemeClr val="accent1"/>
                 </a:solidFill>
               </a14:hiddenFill>
             </a:ext>
             <a:ext uri="{91240B29-F687-4f45-9708-019B960494DF}">
-              <a14:hiddenLine xmlns:a14="http://schemas.microsoft.com/office/drawing/2010/main" xmlns="" w="9525">
+              <a14:hiddenLine xmlns="" xmlns:a14="http://schemas.microsoft.com/office/drawing/2010/main" w="9525">
                 <a:solidFill>
                   <a:schemeClr val="tx1"/>
                 </a:solidFill>
@@ -19703,7 +19445,7 @@
           </a:ln>
           <a:extLst>
             <a:ext uri="{909E8E84-426E-40dd-AFC4-6F175D3DCCD1}">
-              <a14:hiddenFill xmlns:a14="http://schemas.microsoft.com/office/drawing/2010/main" xmlns="">
+              <a14:hiddenFill xmlns="" xmlns:a14="http://schemas.microsoft.com/office/drawing/2010/main">
                 <a:noFill/>
               </a14:hiddenFill>
             </a:ext>
@@ -19771,14 +19513,14 @@
           </a:ln>
           <a:extLst>
             <a:ext uri="{909E8E84-426E-40dd-AFC4-6F175D3DCCD1}">
-              <a14:hiddenFill xmlns:a14="http://schemas.microsoft.com/office/drawing/2010/main" xmlns="">
+              <a14:hiddenFill xmlns="" xmlns:a14="http://schemas.microsoft.com/office/drawing/2010/main">
                 <a:solidFill>
                   <a:schemeClr val="accent1"/>
                 </a:solidFill>
               </a14:hiddenFill>
             </a:ext>
             <a:ext uri="{91240B29-F687-4f45-9708-019B960494DF}">
-              <a14:hiddenLine xmlns:a14="http://schemas.microsoft.com/office/drawing/2010/main" xmlns="" w="9525">
+              <a14:hiddenLine xmlns="" xmlns:a14="http://schemas.microsoft.com/office/drawing/2010/main" w="9525">
                 <a:solidFill>
                   <a:schemeClr val="tx1"/>
                 </a:solidFill>
@@ -19847,14 +19589,14 @@
           </a:ln>
           <a:extLst>
             <a:ext uri="{909E8E84-426E-40dd-AFC4-6F175D3DCCD1}">
-              <a14:hiddenFill xmlns:a14="http://schemas.microsoft.com/office/drawing/2010/main" xmlns="">
+              <a14:hiddenFill xmlns="" xmlns:a14="http://schemas.microsoft.com/office/drawing/2010/main">
                 <a:solidFill>
                   <a:schemeClr val="accent1"/>
                 </a:solidFill>
               </a14:hiddenFill>
             </a:ext>
             <a:ext uri="{91240B29-F687-4f45-9708-019B960494DF}">
-              <a14:hiddenLine xmlns:a14="http://schemas.microsoft.com/office/drawing/2010/main" xmlns="" w="9525">
+              <a14:hiddenLine xmlns="" xmlns:a14="http://schemas.microsoft.com/office/drawing/2010/main" w="9525">
                 <a:solidFill>
                   <a:schemeClr val="tx1"/>
                 </a:solidFill>
@@ -19907,14 +19649,14 @@
           </a:ln>
           <a:extLst>
             <a:ext uri="{909E8E84-426E-40dd-AFC4-6F175D3DCCD1}">
-              <a14:hiddenFill xmlns:a14="http://schemas.microsoft.com/office/drawing/2010/main" xmlns="">
+              <a14:hiddenFill xmlns="" xmlns:a14="http://schemas.microsoft.com/office/drawing/2010/main">
                 <a:solidFill>
                   <a:schemeClr val="accent1"/>
                 </a:solidFill>
               </a14:hiddenFill>
             </a:ext>
             <a:ext uri="{91240B29-F687-4f45-9708-019B960494DF}">
-              <a14:hiddenLine xmlns:a14="http://schemas.microsoft.com/office/drawing/2010/main" xmlns="" w="9525">
+              <a14:hiddenLine xmlns="" xmlns:a14="http://schemas.microsoft.com/office/drawing/2010/main" w="9525">
                 <a:solidFill>
                   <a:schemeClr val="tx1"/>
                 </a:solidFill>
@@ -19972,7 +19714,7 @@
           </a:ln>
           <a:extLst>
             <a:ext uri="{909E8E84-426E-40dd-AFC4-6F175D3DCCD1}">
-              <a14:hiddenFill xmlns:a14="http://schemas.microsoft.com/office/drawing/2010/main" xmlns="">
+              <a14:hiddenFill xmlns="" xmlns:a14="http://schemas.microsoft.com/office/drawing/2010/main">
                 <a:solidFill>
                   <a:schemeClr val="accent1"/>
                 </a:solidFill>
@@ -20034,14 +19776,14 @@
           </a:ln>
           <a:extLst>
             <a:ext uri="{909E8E84-426E-40dd-AFC4-6F175D3DCCD1}">
-              <a14:hiddenFill xmlns:a14="http://schemas.microsoft.com/office/drawing/2010/main" xmlns="">
+              <a14:hiddenFill xmlns="" xmlns:a14="http://schemas.microsoft.com/office/drawing/2010/main">
                 <a:solidFill>
                   <a:schemeClr val="accent1"/>
                 </a:solidFill>
               </a14:hiddenFill>
             </a:ext>
             <a:ext uri="{91240B29-F687-4f45-9708-019B960494DF}">
-              <a14:hiddenLine xmlns:a14="http://schemas.microsoft.com/office/drawing/2010/main" xmlns="" w="9525">
+              <a14:hiddenLine xmlns="" xmlns:a14="http://schemas.microsoft.com/office/drawing/2010/main" w="9525">
                 <a:solidFill>
                   <a:schemeClr val="tx1"/>
                 </a:solidFill>
@@ -20094,14 +19836,14 @@
           </a:ln>
           <a:extLst>
             <a:ext uri="{909E8E84-426E-40dd-AFC4-6F175D3DCCD1}">
-              <a14:hiddenFill xmlns:a14="http://schemas.microsoft.com/office/drawing/2010/main" xmlns="">
+              <a14:hiddenFill xmlns="" xmlns:a14="http://schemas.microsoft.com/office/drawing/2010/main">
                 <a:solidFill>
                   <a:schemeClr val="accent1"/>
                 </a:solidFill>
               </a14:hiddenFill>
             </a:ext>
             <a:ext uri="{91240B29-F687-4f45-9708-019B960494DF}">
-              <a14:hiddenLine xmlns:a14="http://schemas.microsoft.com/office/drawing/2010/main" xmlns="" w="9525">
+              <a14:hiddenLine xmlns="" xmlns:a14="http://schemas.microsoft.com/office/drawing/2010/main" w="9525">
                 <a:solidFill>
                   <a:schemeClr val="tx1"/>
                 </a:solidFill>
@@ -20130,13 +19872,6 @@
   <p:clrMapOvr>
     <a:masterClrMapping/>
   </p:clrMapOvr>
-  <p:timing>
-    <p:tnLst>
-      <p:par>
-        <p:cTn id="1" dur="indefinite" restart="never" nodeType="tmRoot"/>
-      </p:par>
-    </p:tnLst>
-  </p:timing>
 </p:sld>
 </file>
 
@@ -20184,7 +19919,7 @@
           </a:ln>
           <a:extLst>
             <a:ext uri="{909E8E84-426E-40dd-AFC4-6F175D3DCCD1}">
-              <a14:hiddenFill xmlns:a14="http://schemas.microsoft.com/office/drawing/2010/main" xmlns="">
+              <a14:hiddenFill xmlns="" xmlns:a14="http://schemas.microsoft.com/office/drawing/2010/main">
                 <a:solidFill>
                   <a:schemeClr val="accent1"/>
                 </a:solidFill>
@@ -20249,7 +19984,7 @@
           </a:ln>
           <a:extLst>
             <a:ext uri="{909E8E84-426E-40dd-AFC4-6F175D3DCCD1}">
-              <a14:hiddenFill xmlns:a14="http://schemas.microsoft.com/office/drawing/2010/main" xmlns="">
+              <a14:hiddenFill xmlns="" xmlns:a14="http://schemas.microsoft.com/office/drawing/2010/main">
                 <a:solidFill>
                   <a:schemeClr val="accent1"/>
                 </a:solidFill>
@@ -20336,7 +20071,7 @@
           </a:ln>
           <a:extLst>
             <a:ext uri="{909E8E84-426E-40dd-AFC4-6F175D3DCCD1}">
-              <a14:hiddenFill xmlns:a14="http://schemas.microsoft.com/office/drawing/2010/main" xmlns="">
+              <a14:hiddenFill xmlns="" xmlns:a14="http://schemas.microsoft.com/office/drawing/2010/main">
                 <a:solidFill>
                   <a:schemeClr val="accent1"/>
                 </a:solidFill>
@@ -20379,7 +20114,7 @@
           </a:ln>
           <a:extLst>
             <a:ext uri="{909E8E84-426E-40dd-AFC4-6F175D3DCCD1}">
-              <a14:hiddenFill xmlns:a14="http://schemas.microsoft.com/office/drawing/2010/main" xmlns="">
+              <a14:hiddenFill xmlns="" xmlns:a14="http://schemas.microsoft.com/office/drawing/2010/main">
                 <a:solidFill>
                   <a:schemeClr val="accent1"/>
                 </a:solidFill>
@@ -20424,7 +20159,7 @@
           </a:ln>
           <a:extLst>
             <a:ext uri="{909E8E84-426E-40dd-AFC4-6F175D3DCCD1}">
-              <a14:hiddenFill xmlns:a14="http://schemas.microsoft.com/office/drawing/2010/main" xmlns="">
+              <a14:hiddenFill xmlns="" xmlns:a14="http://schemas.microsoft.com/office/drawing/2010/main">
                 <a:noFill/>
               </a14:hiddenFill>
             </a:ext>
@@ -20453,14 +20188,14 @@
           </a:ln>
           <a:extLst>
             <a:ext uri="{909E8E84-426E-40dd-AFC4-6F175D3DCCD1}">
-              <a14:hiddenFill xmlns:a14="http://schemas.microsoft.com/office/drawing/2010/main" xmlns="">
+              <a14:hiddenFill xmlns="" xmlns:a14="http://schemas.microsoft.com/office/drawing/2010/main">
                 <a:solidFill>
                   <a:schemeClr val="accent1"/>
                 </a:solidFill>
               </a14:hiddenFill>
             </a:ext>
             <a:ext uri="{91240B29-F687-4f45-9708-019B960494DF}">
-              <a14:hiddenLine xmlns:a14="http://schemas.microsoft.com/office/drawing/2010/main" xmlns="" w="9525">
+              <a14:hiddenLine xmlns="" xmlns:a14="http://schemas.microsoft.com/office/drawing/2010/main" w="9525">
                 <a:solidFill>
                   <a:schemeClr val="tx1"/>
                 </a:solidFill>
@@ -20506,14 +20241,14 @@
           </a:ln>
           <a:extLst>
             <a:ext uri="{909E8E84-426E-40dd-AFC4-6F175D3DCCD1}">
-              <a14:hiddenFill xmlns:a14="http://schemas.microsoft.com/office/drawing/2010/main" xmlns="">
+              <a14:hiddenFill xmlns="" xmlns:a14="http://schemas.microsoft.com/office/drawing/2010/main">
                 <a:solidFill>
                   <a:schemeClr val="accent1"/>
                 </a:solidFill>
               </a14:hiddenFill>
             </a:ext>
             <a:ext uri="{91240B29-F687-4f45-9708-019B960494DF}">
-              <a14:hiddenLine xmlns:a14="http://schemas.microsoft.com/office/drawing/2010/main" xmlns="" w="9525">
+              <a14:hiddenLine xmlns="" xmlns:a14="http://schemas.microsoft.com/office/drawing/2010/main" w="9525">
                 <a:solidFill>
                   <a:schemeClr val="tx1"/>
                 </a:solidFill>
@@ -20568,7 +20303,7 @@
           </a:ln>
           <a:extLst>
             <a:ext uri="{909E8E84-426E-40dd-AFC4-6F175D3DCCD1}">
-              <a14:hiddenFill xmlns:a14="http://schemas.microsoft.com/office/drawing/2010/main" xmlns="">
+              <a14:hiddenFill xmlns="" xmlns:a14="http://schemas.microsoft.com/office/drawing/2010/main">
                 <a:solidFill>
                   <a:schemeClr val="accent1"/>
                 </a:solidFill>
@@ -20611,14 +20346,14 @@
           </a:ln>
           <a:extLst>
             <a:ext uri="{909E8E84-426E-40dd-AFC4-6F175D3DCCD1}">
-              <a14:hiddenFill xmlns:a14="http://schemas.microsoft.com/office/drawing/2010/main" xmlns="">
+              <a14:hiddenFill xmlns="" xmlns:a14="http://schemas.microsoft.com/office/drawing/2010/main">
                 <a:solidFill>
                   <a:schemeClr val="accent1"/>
                 </a:solidFill>
               </a14:hiddenFill>
             </a:ext>
             <a:ext uri="{91240B29-F687-4f45-9708-019B960494DF}">
-              <a14:hiddenLine xmlns:a14="http://schemas.microsoft.com/office/drawing/2010/main" xmlns="" w="9525">
+              <a14:hiddenLine xmlns="" xmlns:a14="http://schemas.microsoft.com/office/drawing/2010/main" w="9525">
                 <a:solidFill>
                   <a:schemeClr val="tx1"/>
                 </a:solidFill>
@@ -20673,7 +20408,7 @@
           </a:ln>
           <a:extLst>
             <a:ext uri="{909E8E84-426E-40dd-AFC4-6F175D3DCCD1}">
-              <a14:hiddenFill xmlns:a14="http://schemas.microsoft.com/office/drawing/2010/main" xmlns="">
+              <a14:hiddenFill xmlns="" xmlns:a14="http://schemas.microsoft.com/office/drawing/2010/main">
                 <a:noFill/>
               </a14:hiddenFill>
             </a:ext>
@@ -20741,14 +20476,14 @@
           </a:ln>
           <a:extLst>
             <a:ext uri="{909E8E84-426E-40dd-AFC4-6F175D3DCCD1}">
-              <a14:hiddenFill xmlns:a14="http://schemas.microsoft.com/office/drawing/2010/main" xmlns="">
+              <a14:hiddenFill xmlns="" xmlns:a14="http://schemas.microsoft.com/office/drawing/2010/main">
                 <a:solidFill>
                   <a:schemeClr val="accent1"/>
                 </a:solidFill>
               </a14:hiddenFill>
             </a:ext>
             <a:ext uri="{91240B29-F687-4f45-9708-019B960494DF}">
-              <a14:hiddenLine xmlns:a14="http://schemas.microsoft.com/office/drawing/2010/main" xmlns="" w="9525">
+              <a14:hiddenLine xmlns="" xmlns:a14="http://schemas.microsoft.com/office/drawing/2010/main" w="9525">
                 <a:solidFill>
                   <a:schemeClr val="tx1"/>
                 </a:solidFill>
@@ -20817,14 +20552,14 @@
           </a:ln>
           <a:extLst>
             <a:ext uri="{909E8E84-426E-40dd-AFC4-6F175D3DCCD1}">
-              <a14:hiddenFill xmlns:a14="http://schemas.microsoft.com/office/drawing/2010/main" xmlns="">
+              <a14:hiddenFill xmlns="" xmlns:a14="http://schemas.microsoft.com/office/drawing/2010/main">
                 <a:solidFill>
                   <a:schemeClr val="accent1"/>
                 </a:solidFill>
               </a14:hiddenFill>
             </a:ext>
             <a:ext uri="{91240B29-F687-4f45-9708-019B960494DF}">
-              <a14:hiddenLine xmlns:a14="http://schemas.microsoft.com/office/drawing/2010/main" xmlns="" w="9525">
+              <a14:hiddenLine xmlns="" xmlns:a14="http://schemas.microsoft.com/office/drawing/2010/main" w="9525">
                 <a:solidFill>
                   <a:schemeClr val="tx1"/>
                 </a:solidFill>
@@ -20877,14 +20612,14 @@
           </a:ln>
           <a:extLst>
             <a:ext uri="{909E8E84-426E-40dd-AFC4-6F175D3DCCD1}">
-              <a14:hiddenFill xmlns:a14="http://schemas.microsoft.com/office/drawing/2010/main" xmlns="">
+              <a14:hiddenFill xmlns="" xmlns:a14="http://schemas.microsoft.com/office/drawing/2010/main">
                 <a:solidFill>
                   <a:schemeClr val="accent1"/>
                 </a:solidFill>
               </a14:hiddenFill>
             </a:ext>
             <a:ext uri="{91240B29-F687-4f45-9708-019B960494DF}">
-              <a14:hiddenLine xmlns:a14="http://schemas.microsoft.com/office/drawing/2010/main" xmlns="" w="9525">
+              <a14:hiddenLine xmlns="" xmlns:a14="http://schemas.microsoft.com/office/drawing/2010/main" w="9525">
                 <a:solidFill>
                   <a:schemeClr val="tx1"/>
                 </a:solidFill>
@@ -20946,14 +20681,14 @@
           </a:ln>
           <a:extLst>
             <a:ext uri="{909E8E84-426E-40dd-AFC4-6F175D3DCCD1}">
-              <a14:hiddenFill xmlns:a14="http://schemas.microsoft.com/office/drawing/2010/main" xmlns="">
+              <a14:hiddenFill xmlns="" xmlns:a14="http://schemas.microsoft.com/office/drawing/2010/main">
                 <a:solidFill>
                   <a:schemeClr val="accent1"/>
                 </a:solidFill>
               </a14:hiddenFill>
             </a:ext>
             <a:ext uri="{91240B29-F687-4f45-9708-019B960494DF}">
-              <a14:hiddenLine xmlns:a14="http://schemas.microsoft.com/office/drawing/2010/main" xmlns="" w="9525">
+              <a14:hiddenLine xmlns="" xmlns:a14="http://schemas.microsoft.com/office/drawing/2010/main" w="9525">
                 <a:solidFill>
                   <a:schemeClr val="tx1"/>
                 </a:solidFill>
@@ -21017,14 +20752,14 @@
           </a:ln>
           <a:extLst>
             <a:ext uri="{909E8E84-426E-40dd-AFC4-6F175D3DCCD1}">
-              <a14:hiddenFill xmlns:a14="http://schemas.microsoft.com/office/drawing/2010/main" xmlns="">
+              <a14:hiddenFill xmlns="" xmlns:a14="http://schemas.microsoft.com/office/drawing/2010/main">
                 <a:solidFill>
                   <a:schemeClr val="accent1"/>
                 </a:solidFill>
               </a14:hiddenFill>
             </a:ext>
             <a:ext uri="{91240B29-F687-4f45-9708-019B960494DF}">
-              <a14:hiddenLine xmlns:a14="http://schemas.microsoft.com/office/drawing/2010/main" xmlns="" w="9525">
+              <a14:hiddenLine xmlns="" xmlns:a14="http://schemas.microsoft.com/office/drawing/2010/main" w="9525">
                 <a:solidFill>
                   <a:schemeClr val="tx1"/>
                 </a:solidFill>
@@ -21073,13 +20808,6 @@
   <p:clrMapOvr>
     <a:masterClrMapping/>
   </p:clrMapOvr>
-  <p:timing>
-    <p:tnLst>
-      <p:par>
-        <p:cTn id="1" dur="indefinite" restart="never" nodeType="tmRoot"/>
-      </p:par>
-    </p:tnLst>
-  </p:timing>
 </p:sld>
 </file>
 
@@ -21127,7 +20855,7 @@
           </a:ln>
           <a:extLst>
             <a:ext uri="{909E8E84-426E-40dd-AFC4-6F175D3DCCD1}">
-              <a14:hiddenFill xmlns:a14="http://schemas.microsoft.com/office/drawing/2010/main" xmlns="">
+              <a14:hiddenFill xmlns="" xmlns:a14="http://schemas.microsoft.com/office/drawing/2010/main">
                 <a:solidFill>
                   <a:schemeClr val="accent1"/>
                 </a:solidFill>
@@ -21192,7 +20920,7 @@
           </a:ln>
           <a:extLst>
             <a:ext uri="{909E8E84-426E-40dd-AFC4-6F175D3DCCD1}">
-              <a14:hiddenFill xmlns:a14="http://schemas.microsoft.com/office/drawing/2010/main" xmlns="">
+              <a14:hiddenFill xmlns="" xmlns:a14="http://schemas.microsoft.com/office/drawing/2010/main">
                 <a:solidFill>
                   <a:schemeClr val="accent1"/>
                 </a:solidFill>
@@ -21279,7 +21007,7 @@
           </a:ln>
           <a:extLst>
             <a:ext uri="{909E8E84-426E-40dd-AFC4-6F175D3DCCD1}">
-              <a14:hiddenFill xmlns:a14="http://schemas.microsoft.com/office/drawing/2010/main" xmlns="">
+              <a14:hiddenFill xmlns="" xmlns:a14="http://schemas.microsoft.com/office/drawing/2010/main">
                 <a:solidFill>
                   <a:schemeClr val="accent1"/>
                 </a:solidFill>
@@ -21322,7 +21050,7 @@
           </a:ln>
           <a:extLst>
             <a:ext uri="{909E8E84-426E-40dd-AFC4-6F175D3DCCD1}">
-              <a14:hiddenFill xmlns:a14="http://schemas.microsoft.com/office/drawing/2010/main" xmlns="">
+              <a14:hiddenFill xmlns="" xmlns:a14="http://schemas.microsoft.com/office/drawing/2010/main">
                 <a:solidFill>
                   <a:schemeClr val="accent1"/>
                 </a:solidFill>
@@ -21367,7 +21095,7 @@
           </a:ln>
           <a:extLst>
             <a:ext uri="{909E8E84-426E-40dd-AFC4-6F175D3DCCD1}">
-              <a14:hiddenFill xmlns:a14="http://schemas.microsoft.com/office/drawing/2010/main" xmlns="">
+              <a14:hiddenFill xmlns="" xmlns:a14="http://schemas.microsoft.com/office/drawing/2010/main">
                 <a:noFill/>
               </a14:hiddenFill>
             </a:ext>
@@ -21396,14 +21124,14 @@
           </a:ln>
           <a:extLst>
             <a:ext uri="{909E8E84-426E-40dd-AFC4-6F175D3DCCD1}">
-              <a14:hiddenFill xmlns:a14="http://schemas.microsoft.com/office/drawing/2010/main" xmlns="">
+              <a14:hiddenFill xmlns="" xmlns:a14="http://schemas.microsoft.com/office/drawing/2010/main">
                 <a:solidFill>
                   <a:schemeClr val="accent1"/>
                 </a:solidFill>
               </a14:hiddenFill>
             </a:ext>
             <a:ext uri="{91240B29-F687-4f45-9708-019B960494DF}">
-              <a14:hiddenLine xmlns:a14="http://schemas.microsoft.com/office/drawing/2010/main" xmlns="" w="9525">
+              <a14:hiddenLine xmlns="" xmlns:a14="http://schemas.microsoft.com/office/drawing/2010/main" w="9525">
                 <a:solidFill>
                   <a:schemeClr val="tx1"/>
                 </a:solidFill>
@@ -21449,14 +21177,14 @@
           </a:ln>
           <a:extLst>
             <a:ext uri="{909E8E84-426E-40dd-AFC4-6F175D3DCCD1}">
-              <a14:hiddenFill xmlns:a14="http://schemas.microsoft.com/office/drawing/2010/main" xmlns="">
+              <a14:hiddenFill xmlns="" xmlns:a14="http://schemas.microsoft.com/office/drawing/2010/main">
                 <a:solidFill>
                   <a:schemeClr val="accent1"/>
                 </a:solidFill>
               </a14:hiddenFill>
             </a:ext>
             <a:ext uri="{91240B29-F687-4f45-9708-019B960494DF}">
-              <a14:hiddenLine xmlns:a14="http://schemas.microsoft.com/office/drawing/2010/main" xmlns="" w="9525">
+              <a14:hiddenLine xmlns="" xmlns:a14="http://schemas.microsoft.com/office/drawing/2010/main" w="9525">
                 <a:solidFill>
                   <a:schemeClr val="tx1"/>
                 </a:solidFill>
@@ -21511,7 +21239,7 @@
           </a:ln>
           <a:extLst>
             <a:ext uri="{909E8E84-426E-40dd-AFC4-6F175D3DCCD1}">
-              <a14:hiddenFill xmlns:a14="http://schemas.microsoft.com/office/drawing/2010/main" xmlns="">
+              <a14:hiddenFill xmlns="" xmlns:a14="http://schemas.microsoft.com/office/drawing/2010/main">
                 <a:solidFill>
                   <a:schemeClr val="accent1"/>
                 </a:solidFill>
@@ -21554,14 +21282,14 @@
           </a:ln>
           <a:extLst>
             <a:ext uri="{909E8E84-426E-40dd-AFC4-6F175D3DCCD1}">
-              <a14:hiddenFill xmlns:a14="http://schemas.microsoft.com/office/drawing/2010/main" xmlns="">
+              <a14:hiddenFill xmlns="" xmlns:a14="http://schemas.microsoft.com/office/drawing/2010/main">
                 <a:solidFill>
                   <a:schemeClr val="accent1"/>
                 </a:solidFill>
               </a14:hiddenFill>
             </a:ext>
             <a:ext uri="{91240B29-F687-4f45-9708-019B960494DF}">
-              <a14:hiddenLine xmlns:a14="http://schemas.microsoft.com/office/drawing/2010/main" xmlns="" w="9525">
+              <a14:hiddenLine xmlns="" xmlns:a14="http://schemas.microsoft.com/office/drawing/2010/main" w="9525">
                 <a:solidFill>
                   <a:schemeClr val="tx1"/>
                 </a:solidFill>
@@ -21616,7 +21344,7 @@
           </a:ln>
           <a:extLst>
             <a:ext uri="{909E8E84-426E-40dd-AFC4-6F175D3DCCD1}">
-              <a14:hiddenFill xmlns:a14="http://schemas.microsoft.com/office/drawing/2010/main" xmlns="">
+              <a14:hiddenFill xmlns="" xmlns:a14="http://schemas.microsoft.com/office/drawing/2010/main">
                 <a:noFill/>
               </a14:hiddenFill>
             </a:ext>
@@ -21684,14 +21412,14 @@
           </a:ln>
           <a:extLst>
             <a:ext uri="{909E8E84-426E-40dd-AFC4-6F175D3DCCD1}">
-              <a14:hiddenFill xmlns:a14="http://schemas.microsoft.com/office/drawing/2010/main" xmlns="">
+              <a14:hiddenFill xmlns="" xmlns:a14="http://schemas.microsoft.com/office/drawing/2010/main">
                 <a:solidFill>
                   <a:schemeClr val="accent1"/>
                 </a:solidFill>
               </a14:hiddenFill>
             </a:ext>
             <a:ext uri="{91240B29-F687-4f45-9708-019B960494DF}">
-              <a14:hiddenLine xmlns:a14="http://schemas.microsoft.com/office/drawing/2010/main" xmlns="" w="9525">
+              <a14:hiddenLine xmlns="" xmlns:a14="http://schemas.microsoft.com/office/drawing/2010/main" w="9525">
                 <a:solidFill>
                   <a:schemeClr val="tx1"/>
                 </a:solidFill>
@@ -21760,14 +21488,14 @@
           </a:ln>
           <a:extLst>
             <a:ext uri="{909E8E84-426E-40dd-AFC4-6F175D3DCCD1}">
-              <a14:hiddenFill xmlns:a14="http://schemas.microsoft.com/office/drawing/2010/main" xmlns="">
+              <a14:hiddenFill xmlns="" xmlns:a14="http://schemas.microsoft.com/office/drawing/2010/main">
                 <a:solidFill>
                   <a:schemeClr val="accent1"/>
                 </a:solidFill>
               </a14:hiddenFill>
             </a:ext>
             <a:ext uri="{91240B29-F687-4f45-9708-019B960494DF}">
-              <a14:hiddenLine xmlns:a14="http://schemas.microsoft.com/office/drawing/2010/main" xmlns="" w="9525">
+              <a14:hiddenLine xmlns="" xmlns:a14="http://schemas.microsoft.com/office/drawing/2010/main" w="9525">
                 <a:solidFill>
                   <a:schemeClr val="tx1"/>
                 </a:solidFill>
@@ -21820,14 +21548,14 @@
           </a:ln>
           <a:extLst>
             <a:ext uri="{909E8E84-426E-40dd-AFC4-6F175D3DCCD1}">
-              <a14:hiddenFill xmlns:a14="http://schemas.microsoft.com/office/drawing/2010/main" xmlns="">
+              <a14:hiddenFill xmlns="" xmlns:a14="http://schemas.microsoft.com/office/drawing/2010/main">
                 <a:solidFill>
                   <a:schemeClr val="accent1"/>
                 </a:solidFill>
               </a14:hiddenFill>
             </a:ext>
             <a:ext uri="{91240B29-F687-4f45-9708-019B960494DF}">
-              <a14:hiddenLine xmlns:a14="http://schemas.microsoft.com/office/drawing/2010/main" xmlns="" w="9525">
+              <a14:hiddenLine xmlns="" xmlns:a14="http://schemas.microsoft.com/office/drawing/2010/main" w="9525">
                 <a:solidFill>
                   <a:schemeClr val="tx1"/>
                 </a:solidFill>
@@ -21889,14 +21617,14 @@
           </a:ln>
           <a:extLst>
             <a:ext uri="{909E8E84-426E-40dd-AFC4-6F175D3DCCD1}">
-              <a14:hiddenFill xmlns:a14="http://schemas.microsoft.com/office/drawing/2010/main" xmlns="">
+              <a14:hiddenFill xmlns="" xmlns:a14="http://schemas.microsoft.com/office/drawing/2010/main">
                 <a:solidFill>
                   <a:schemeClr val="accent1"/>
                 </a:solidFill>
               </a14:hiddenFill>
             </a:ext>
             <a:ext uri="{91240B29-F687-4f45-9708-019B960494DF}">
-              <a14:hiddenLine xmlns:a14="http://schemas.microsoft.com/office/drawing/2010/main" xmlns="" w="9525">
+              <a14:hiddenLine xmlns="" xmlns:a14="http://schemas.microsoft.com/office/drawing/2010/main" w="9525">
                 <a:solidFill>
                   <a:schemeClr val="tx1"/>
                 </a:solidFill>
@@ -21960,14 +21688,14 @@
           </a:ln>
           <a:extLst>
             <a:ext uri="{909E8E84-426E-40dd-AFC4-6F175D3DCCD1}">
-              <a14:hiddenFill xmlns:a14="http://schemas.microsoft.com/office/drawing/2010/main" xmlns="">
+              <a14:hiddenFill xmlns="" xmlns:a14="http://schemas.microsoft.com/office/drawing/2010/main">
                 <a:solidFill>
                   <a:schemeClr val="accent1"/>
                 </a:solidFill>
               </a14:hiddenFill>
             </a:ext>
             <a:ext uri="{91240B29-F687-4f45-9708-019B960494DF}">
-              <a14:hiddenLine xmlns:a14="http://schemas.microsoft.com/office/drawing/2010/main" xmlns="" w="9525">
+              <a14:hiddenLine xmlns="" xmlns:a14="http://schemas.microsoft.com/office/drawing/2010/main" w="9525">
                 <a:solidFill>
                   <a:schemeClr val="tx1"/>
                 </a:solidFill>
@@ -22003,13 +21731,6 @@
   <p:clrMapOvr>
     <a:masterClrMapping/>
   </p:clrMapOvr>
-  <p:timing>
-    <p:tnLst>
-      <p:par>
-        <p:cTn id="1" dur="indefinite" restart="never" nodeType="tmRoot"/>
-      </p:par>
-    </p:tnLst>
-  </p:timing>
 </p:sld>
 </file>
 
@@ -22259,7 +21980,7 @@
         <a:effectLst/>
         <a:extLst>
           <a:ext uri="{AF507438-7753-43e0-B8FC-AC1667EBCBE1}">
-            <a14:hiddenEffects xmlns:a14="http://schemas.microsoft.com/office/drawing/2010/main" xmlns="">
+            <a14:hiddenEffects xmlns="" xmlns:a14="http://schemas.microsoft.com/office/drawing/2010/main">
               <a:effectLst>
                 <a:outerShdw blurRad="63500" dist="38099" dir="2700000" algn="ctr" rotWithShape="0">
                   <a:schemeClr val="bg2">
@@ -22336,7 +22057,7 @@
         <a:effectLst/>
         <a:extLst>
           <a:ext uri="{AF507438-7753-43e0-B8FC-AC1667EBCBE1}">
-            <a14:hiddenEffects xmlns:a14="http://schemas.microsoft.com/office/drawing/2010/main" xmlns="">
+            <a14:hiddenEffects xmlns="" xmlns:a14="http://schemas.microsoft.com/office/drawing/2010/main">
               <a:effectLst>
                 <a:outerShdw blurRad="63500" dist="38099" dir="2700000" algn="ctr" rotWithShape="0">
                   <a:schemeClr val="bg2">

--- a/notes/csc402-ln013.pptx
+++ b/notes/csc402-ln013.pptx
@@ -5,7 +5,7 @@
     <p:sldMasterId id="2147483649" r:id="rId1"/>
   </p:sldMasterIdLst>
   <p:notesMasterIdLst>
-    <p:notesMasterId r:id="rId36"/>
+    <p:notesMasterId r:id="rId38"/>
   </p:notesMasterIdLst>
   <p:sldIdLst>
     <p:sldId id="257" r:id="rId2"/>
@@ -27,21 +27,23 @@
     <p:sldId id="301" r:id="rId18"/>
     <p:sldId id="302" r:id="rId19"/>
     <p:sldId id="303" r:id="rId20"/>
-    <p:sldId id="268" r:id="rId21"/>
-    <p:sldId id="286" r:id="rId22"/>
-    <p:sldId id="287" r:id="rId23"/>
-    <p:sldId id="304" r:id="rId24"/>
-    <p:sldId id="305" r:id="rId25"/>
-    <p:sldId id="306" r:id="rId26"/>
-    <p:sldId id="307" r:id="rId27"/>
-    <p:sldId id="291" r:id="rId28"/>
-    <p:sldId id="292" r:id="rId29"/>
-    <p:sldId id="288" r:id="rId30"/>
-    <p:sldId id="308" r:id="rId31"/>
-    <p:sldId id="309" r:id="rId32"/>
-    <p:sldId id="293" r:id="rId33"/>
-    <p:sldId id="294" r:id="rId34"/>
-    <p:sldId id="296" r:id="rId35"/>
+    <p:sldId id="310" r:id="rId21"/>
+    <p:sldId id="311" r:id="rId22"/>
+    <p:sldId id="268" r:id="rId23"/>
+    <p:sldId id="286" r:id="rId24"/>
+    <p:sldId id="287" r:id="rId25"/>
+    <p:sldId id="304" r:id="rId26"/>
+    <p:sldId id="305" r:id="rId27"/>
+    <p:sldId id="306" r:id="rId28"/>
+    <p:sldId id="307" r:id="rId29"/>
+    <p:sldId id="291" r:id="rId30"/>
+    <p:sldId id="292" r:id="rId31"/>
+    <p:sldId id="288" r:id="rId32"/>
+    <p:sldId id="308" r:id="rId33"/>
+    <p:sldId id="309" r:id="rId34"/>
+    <p:sldId id="293" r:id="rId35"/>
+    <p:sldId id="294" r:id="rId36"/>
+    <p:sldId id="296" r:id="rId37"/>
   </p:sldIdLst>
   <p:sldSz cx="9144000" cy="6858000" type="screen4x3"/>
   <p:notesSz cx="6858000" cy="9144000"/>
@@ -238,17 +240,17 @@
           </a:ln>
           <a:extLst>
             <a:ext uri="{FAA26D3D-D897-4be2-8F04-BA451C77F1D7}">
-              <ma14:placeholderFlag xmlns="" xmlns:ma14="http://schemas.microsoft.com/office/mac/drawingml/2011/main" val="1"/>
+              <ma14:placeholderFlag xmlns:ma14="http://schemas.microsoft.com/office/mac/drawingml/2011/main" xmlns="" val="1"/>
             </a:ext>
             <a:ext uri="{909E8E84-426E-40dd-AFC4-6F175D3DCCD1}">
-              <a14:hiddenFill xmlns:a14="http://schemas.microsoft.com/office/drawing/2010/main" xmlns="">
+              <a14:hiddenFill xmlns="" xmlns:a14="http://schemas.microsoft.com/office/drawing/2010/main">
                 <a:solidFill>
                   <a:schemeClr val="accent1"/>
                 </a:solidFill>
               </a14:hiddenFill>
             </a:ext>
             <a:ext uri="{91240B29-F687-4f45-9708-019B960494DF}">
-              <a14:hiddenLine xmlns:a14="http://schemas.microsoft.com/office/drawing/2010/main" xmlns="" w="9525">
+              <a14:hiddenLine xmlns="" xmlns:a14="http://schemas.microsoft.com/office/drawing/2010/main" w="9525">
                 <a:solidFill>
                   <a:schemeClr val="tx1"/>
                 </a:solidFill>
@@ -299,17 +301,17 @@
           </a:ln>
           <a:extLst>
             <a:ext uri="{FAA26D3D-D897-4be2-8F04-BA451C77F1D7}">
-              <ma14:placeholderFlag xmlns="" xmlns:ma14="http://schemas.microsoft.com/office/mac/drawingml/2011/main" val="1"/>
+              <ma14:placeholderFlag xmlns:ma14="http://schemas.microsoft.com/office/mac/drawingml/2011/main" xmlns="" val="1"/>
             </a:ext>
             <a:ext uri="{909E8E84-426E-40dd-AFC4-6F175D3DCCD1}">
-              <a14:hiddenFill xmlns:a14="http://schemas.microsoft.com/office/drawing/2010/main" xmlns="">
+              <a14:hiddenFill xmlns="" xmlns:a14="http://schemas.microsoft.com/office/drawing/2010/main">
                 <a:solidFill>
                   <a:schemeClr val="accent1"/>
                 </a:solidFill>
               </a14:hiddenFill>
             </a:ext>
             <a:ext uri="{91240B29-F687-4f45-9708-019B960494DF}">
-              <a14:hiddenLine xmlns:a14="http://schemas.microsoft.com/office/drawing/2010/main" xmlns="" w="9525">
+              <a14:hiddenLine xmlns="" xmlns:a14="http://schemas.microsoft.com/office/drawing/2010/main" w="9525">
                 <a:solidFill>
                   <a:schemeClr val="tx1"/>
                 </a:solidFill>
@@ -366,7 +368,7 @@
           <a:effectLst/>
           <a:extLst>
             <a:ext uri="{AF507438-7753-43e0-B8FC-AC1667EBCBE1}">
-              <a14:hiddenEffects xmlns:a14="http://schemas.microsoft.com/office/drawing/2010/main" xmlns="">
+              <a14:hiddenEffects xmlns="" xmlns:a14="http://schemas.microsoft.com/office/drawing/2010/main">
                 <a:effectLst>
                   <a:outerShdw blurRad="63500" dist="38099" dir="2700000" algn="ctr" rotWithShape="0">
                     <a:srgbClr val="000000">
@@ -377,7 +379,7 @@
               </a14:hiddenEffects>
             </a:ext>
             <a:ext uri="{53640926-AAD7-44d8-BBD7-CCE9431645EC}">
-              <a14:shadowObscured xmlns:a14="http://schemas.microsoft.com/office/drawing/2010/main" xmlns="" val="1"/>
+              <a14:shadowObscured xmlns="" xmlns:a14="http://schemas.microsoft.com/office/drawing/2010/main" val="1"/>
             </a:ext>
           </a:extLst>
         </p:spPr>
@@ -406,17 +408,17 @@
           </a:ln>
           <a:extLst>
             <a:ext uri="{FAA26D3D-D897-4be2-8F04-BA451C77F1D7}">
-              <ma14:placeholderFlag xmlns="" xmlns:ma14="http://schemas.microsoft.com/office/mac/drawingml/2011/main" val="1"/>
+              <ma14:placeholderFlag xmlns:ma14="http://schemas.microsoft.com/office/mac/drawingml/2011/main" xmlns="" val="1"/>
             </a:ext>
             <a:ext uri="{909E8E84-426E-40dd-AFC4-6F175D3DCCD1}">
-              <a14:hiddenFill xmlns:a14="http://schemas.microsoft.com/office/drawing/2010/main" xmlns="">
+              <a14:hiddenFill xmlns="" xmlns:a14="http://schemas.microsoft.com/office/drawing/2010/main">
                 <a:solidFill>
                   <a:schemeClr val="accent1"/>
                 </a:solidFill>
               </a14:hiddenFill>
             </a:ext>
             <a:ext uri="{91240B29-F687-4f45-9708-019B960494DF}">
-              <a14:hiddenLine xmlns:a14="http://schemas.microsoft.com/office/drawing/2010/main" xmlns="" w="9525">
+              <a14:hiddenLine xmlns="" xmlns:a14="http://schemas.microsoft.com/office/drawing/2010/main" w="9525">
                 <a:solidFill>
                   <a:schemeClr val="tx1"/>
                 </a:solidFill>
@@ -495,17 +497,17 @@
           </a:ln>
           <a:extLst>
             <a:ext uri="{FAA26D3D-D897-4be2-8F04-BA451C77F1D7}">
-              <ma14:placeholderFlag xmlns="" xmlns:ma14="http://schemas.microsoft.com/office/mac/drawingml/2011/main" val="1"/>
+              <ma14:placeholderFlag xmlns:ma14="http://schemas.microsoft.com/office/mac/drawingml/2011/main" xmlns="" val="1"/>
             </a:ext>
             <a:ext uri="{909E8E84-426E-40dd-AFC4-6F175D3DCCD1}">
-              <a14:hiddenFill xmlns:a14="http://schemas.microsoft.com/office/drawing/2010/main" xmlns="">
+              <a14:hiddenFill xmlns="" xmlns:a14="http://schemas.microsoft.com/office/drawing/2010/main">
                 <a:solidFill>
                   <a:schemeClr val="accent1"/>
                 </a:solidFill>
               </a14:hiddenFill>
             </a:ext>
             <a:ext uri="{91240B29-F687-4f45-9708-019B960494DF}">
-              <a14:hiddenLine xmlns:a14="http://schemas.microsoft.com/office/drawing/2010/main" xmlns="" w="9525">
+              <a14:hiddenLine xmlns="" xmlns:a14="http://schemas.microsoft.com/office/drawing/2010/main" w="9525">
                 <a:solidFill>
                   <a:schemeClr val="tx1"/>
                 </a:solidFill>
@@ -556,17 +558,17 @@
           </a:ln>
           <a:extLst>
             <a:ext uri="{FAA26D3D-D897-4be2-8F04-BA451C77F1D7}">
-              <ma14:placeholderFlag xmlns="" xmlns:ma14="http://schemas.microsoft.com/office/mac/drawingml/2011/main" val="1"/>
+              <ma14:placeholderFlag xmlns:ma14="http://schemas.microsoft.com/office/mac/drawingml/2011/main" xmlns="" val="1"/>
             </a:ext>
             <a:ext uri="{909E8E84-426E-40dd-AFC4-6F175D3DCCD1}">
-              <a14:hiddenFill xmlns:a14="http://schemas.microsoft.com/office/drawing/2010/main" xmlns="">
+              <a14:hiddenFill xmlns="" xmlns:a14="http://schemas.microsoft.com/office/drawing/2010/main">
                 <a:solidFill>
                   <a:schemeClr val="accent1"/>
                 </a:solidFill>
               </a14:hiddenFill>
             </a:ext>
             <a:ext uri="{91240B29-F687-4f45-9708-019B960494DF}">
-              <a14:hiddenLine xmlns:a14="http://schemas.microsoft.com/office/drawing/2010/main" xmlns="" w="9525">
+              <a14:hiddenLine xmlns="" xmlns:a14="http://schemas.microsoft.com/office/drawing/2010/main" w="9525">
                 <a:solidFill>
                   <a:schemeClr val="tx1"/>
                 </a:solidFill>
@@ -788,7 +790,7 @@
           <a:ln/>
           <a:extLst>
             <a:ext uri="{FAA26D3D-D897-4be2-8F04-BA451C77F1D7}">
-              <ma14:placeholderFlag xmlns="" xmlns:ma14="http://schemas.microsoft.com/office/mac/drawingml/2011/main" val="1"/>
+              <ma14:placeholderFlag xmlns:ma14="http://schemas.microsoft.com/office/mac/drawingml/2011/main" xmlns="" val="1"/>
             </a:ext>
           </a:extLst>
         </p:spPr>
@@ -894,7 +896,7 @@
           </a:ln>
           <a:extLst>
             <a:ext uri="{FAA26D3D-D897-4be2-8F04-BA451C77F1D7}">
-              <ma14:placeholderFlag xmlns="" xmlns:ma14="http://schemas.microsoft.com/office/mac/drawingml/2011/main" val="1"/>
+              <ma14:placeholderFlag xmlns:ma14="http://schemas.microsoft.com/office/mac/drawingml/2011/main" xmlns="" val="1"/>
             </a:ext>
           </a:extLst>
         </p:spPr>
@@ -930,7 +932,7 @@
           </a:ln>
           <a:extLst>
             <a:ext uri="{FAA26D3D-D897-4be2-8F04-BA451C77F1D7}">
-              <ma14:placeholderFlag xmlns="" xmlns:ma14="http://schemas.microsoft.com/office/mac/drawingml/2011/main" val="1"/>
+              <ma14:placeholderFlag xmlns:ma14="http://schemas.microsoft.com/office/mac/drawingml/2011/main" xmlns="" val="1"/>
             </a:ext>
           </a:extLst>
         </p:spPr>
@@ -1007,7 +1009,7 @@
           <a:ln/>
           <a:extLst>
             <a:ext uri="{FAA26D3D-D897-4be2-8F04-BA451C77F1D7}">
-              <ma14:placeholderFlag xmlns="" xmlns:ma14="http://schemas.microsoft.com/office/mac/drawingml/2011/main" val="1"/>
+              <ma14:placeholderFlag xmlns:ma14="http://schemas.microsoft.com/office/mac/drawingml/2011/main" xmlns="" val="1"/>
             </a:ext>
           </a:extLst>
         </p:spPr>
@@ -1076,7 +1078,7 @@
             <a:fld id="{2949BD41-6C60-E348-99CE-E168111BF9CB}" type="slidenum">
               <a:rPr lang="en-US"/>
               <a:pPr/>
-              <a:t>20</a:t>
+              <a:t>22</a:t>
             </a:fld>
             <a:endParaRPr lang="en-US"/>
           </a:p>
@@ -1096,7 +1098,7 @@
           <a:ln/>
           <a:extLst>
             <a:ext uri="{FAA26D3D-D897-4be2-8F04-BA451C77F1D7}">
-              <ma14:placeholderFlag xmlns="" xmlns:ma14="http://schemas.microsoft.com/office/mac/drawingml/2011/main" val="1"/>
+              <ma14:placeholderFlag xmlns:ma14="http://schemas.microsoft.com/office/mac/drawingml/2011/main" xmlns="" val="1"/>
             </a:ext>
           </a:extLst>
         </p:spPr>
@@ -1165,7 +1167,7 @@
             <a:fld id="{2949BD41-6C60-E348-99CE-E168111BF9CB}" type="slidenum">
               <a:rPr lang="en-US"/>
               <a:pPr/>
-              <a:t>21</a:t>
+              <a:t>23</a:t>
             </a:fld>
             <a:endParaRPr lang="en-US"/>
           </a:p>
@@ -1185,7 +1187,7 @@
           <a:ln/>
           <a:extLst>
             <a:ext uri="{FAA26D3D-D897-4be2-8F04-BA451C77F1D7}">
-              <ma14:placeholderFlag xmlns="" xmlns:ma14="http://schemas.microsoft.com/office/mac/drawingml/2011/main" val="1"/>
+              <ma14:placeholderFlag xmlns:ma14="http://schemas.microsoft.com/office/mac/drawingml/2011/main" xmlns="" val="1"/>
             </a:ext>
           </a:extLst>
         </p:spPr>
@@ -1296,7 +1298,7 @@
           </a:ln>
           <a:extLst>
             <a:ext uri="{FAA26D3D-D897-4be2-8F04-BA451C77F1D7}">
-              <ma14:placeholderFlag xmlns="" xmlns:ma14="http://schemas.microsoft.com/office/mac/drawingml/2011/main" val="1"/>
+              <ma14:placeholderFlag xmlns:ma14="http://schemas.microsoft.com/office/mac/drawingml/2011/main" xmlns="" val="1"/>
             </a:ext>
           </a:extLst>
         </p:spPr>
@@ -1332,7 +1334,7 @@
           </a:ln>
           <a:extLst>
             <a:ext uri="{FAA26D3D-D897-4be2-8F04-BA451C77F1D7}">
-              <ma14:placeholderFlag xmlns="" xmlns:ma14="http://schemas.microsoft.com/office/mac/drawingml/2011/main" val="1"/>
+              <ma14:placeholderFlag xmlns:ma14="http://schemas.microsoft.com/office/mac/drawingml/2011/main" xmlns="" val="1"/>
             </a:ext>
           </a:extLst>
         </p:spPr>
@@ -1426,7 +1428,7 @@
           </a:ln>
           <a:extLst>
             <a:ext uri="{FAA26D3D-D897-4be2-8F04-BA451C77F1D7}">
-              <ma14:placeholderFlag xmlns="" xmlns:ma14="http://schemas.microsoft.com/office/mac/drawingml/2011/main" val="1"/>
+              <ma14:placeholderFlag xmlns:ma14="http://schemas.microsoft.com/office/mac/drawingml/2011/main" xmlns="" val="1"/>
             </a:ext>
           </a:extLst>
         </p:spPr>
@@ -1462,7 +1464,7 @@
           </a:ln>
           <a:extLst>
             <a:ext uri="{FAA26D3D-D897-4be2-8F04-BA451C77F1D7}">
-              <ma14:placeholderFlag xmlns="" xmlns:ma14="http://schemas.microsoft.com/office/mac/drawingml/2011/main" val="1"/>
+              <ma14:placeholderFlag xmlns:ma14="http://schemas.microsoft.com/office/mac/drawingml/2011/main" xmlns="" val="1"/>
             </a:ext>
           </a:extLst>
         </p:spPr>
@@ -1556,7 +1558,7 @@
           </a:ln>
           <a:extLst>
             <a:ext uri="{FAA26D3D-D897-4be2-8F04-BA451C77F1D7}">
-              <ma14:placeholderFlag xmlns="" xmlns:ma14="http://schemas.microsoft.com/office/mac/drawingml/2011/main" val="1"/>
+              <ma14:placeholderFlag xmlns:ma14="http://schemas.microsoft.com/office/mac/drawingml/2011/main" xmlns="" val="1"/>
             </a:ext>
           </a:extLst>
         </p:spPr>
@@ -1592,7 +1594,7 @@
           </a:ln>
           <a:extLst>
             <a:ext uri="{FAA26D3D-D897-4be2-8F04-BA451C77F1D7}">
-              <ma14:placeholderFlag xmlns="" xmlns:ma14="http://schemas.microsoft.com/office/mac/drawingml/2011/main" val="1"/>
+              <ma14:placeholderFlag xmlns:ma14="http://schemas.microsoft.com/office/mac/drawingml/2011/main" xmlns="" val="1"/>
             </a:ext>
           </a:extLst>
         </p:spPr>
@@ -1686,7 +1688,7 @@
           </a:ln>
           <a:extLst>
             <a:ext uri="{FAA26D3D-D897-4be2-8F04-BA451C77F1D7}">
-              <ma14:placeholderFlag xmlns="" xmlns:ma14="http://schemas.microsoft.com/office/mac/drawingml/2011/main" val="1"/>
+              <ma14:placeholderFlag xmlns:ma14="http://schemas.microsoft.com/office/mac/drawingml/2011/main" xmlns="" val="1"/>
             </a:ext>
           </a:extLst>
         </p:spPr>
@@ -1722,7 +1724,7 @@
           </a:ln>
           <a:extLst>
             <a:ext uri="{FAA26D3D-D897-4be2-8F04-BA451C77F1D7}">
-              <ma14:placeholderFlag xmlns="" xmlns:ma14="http://schemas.microsoft.com/office/mac/drawingml/2011/main" val="1"/>
+              <ma14:placeholderFlag xmlns:ma14="http://schemas.microsoft.com/office/mac/drawingml/2011/main" xmlns="" val="1"/>
             </a:ext>
           </a:extLst>
         </p:spPr>
@@ -1816,7 +1818,7 @@
           </a:ln>
           <a:extLst>
             <a:ext uri="{FAA26D3D-D897-4be2-8F04-BA451C77F1D7}">
-              <ma14:placeholderFlag xmlns="" xmlns:ma14="http://schemas.microsoft.com/office/mac/drawingml/2011/main" val="1"/>
+              <ma14:placeholderFlag xmlns:ma14="http://schemas.microsoft.com/office/mac/drawingml/2011/main" xmlns="" val="1"/>
             </a:ext>
           </a:extLst>
         </p:spPr>
@@ -1852,7 +1854,7 @@
           </a:ln>
           <a:extLst>
             <a:ext uri="{FAA26D3D-D897-4be2-8F04-BA451C77F1D7}">
-              <ma14:placeholderFlag xmlns="" xmlns:ma14="http://schemas.microsoft.com/office/mac/drawingml/2011/main" val="1"/>
+              <ma14:placeholderFlag xmlns:ma14="http://schemas.microsoft.com/office/mac/drawingml/2011/main" xmlns="" val="1"/>
             </a:ext>
           </a:extLst>
         </p:spPr>
@@ -1946,7 +1948,7 @@
           </a:ln>
           <a:extLst>
             <a:ext uri="{FAA26D3D-D897-4be2-8F04-BA451C77F1D7}">
-              <ma14:placeholderFlag xmlns="" xmlns:ma14="http://schemas.microsoft.com/office/mac/drawingml/2011/main" val="1"/>
+              <ma14:placeholderFlag xmlns:ma14="http://schemas.microsoft.com/office/mac/drawingml/2011/main" xmlns="" val="1"/>
             </a:ext>
           </a:extLst>
         </p:spPr>
@@ -1982,7 +1984,7 @@
           </a:ln>
           <a:extLst>
             <a:ext uri="{FAA26D3D-D897-4be2-8F04-BA451C77F1D7}">
-              <ma14:placeholderFlag xmlns="" xmlns:ma14="http://schemas.microsoft.com/office/mac/drawingml/2011/main" val="1"/>
+              <ma14:placeholderFlag xmlns:ma14="http://schemas.microsoft.com/office/mac/drawingml/2011/main" xmlns="" val="1"/>
             </a:ext>
           </a:extLst>
         </p:spPr>
@@ -2076,7 +2078,7 @@
           </a:ln>
           <a:extLst>
             <a:ext uri="{FAA26D3D-D897-4be2-8F04-BA451C77F1D7}">
-              <ma14:placeholderFlag xmlns="" xmlns:ma14="http://schemas.microsoft.com/office/mac/drawingml/2011/main" val="1"/>
+              <ma14:placeholderFlag xmlns:ma14="http://schemas.microsoft.com/office/mac/drawingml/2011/main" xmlns="" val="1"/>
             </a:ext>
           </a:extLst>
         </p:spPr>
@@ -2112,7 +2114,7 @@
           </a:ln>
           <a:extLst>
             <a:ext uri="{FAA26D3D-D897-4be2-8F04-BA451C77F1D7}">
-              <ma14:placeholderFlag xmlns="" xmlns:ma14="http://schemas.microsoft.com/office/mac/drawingml/2011/main" val="1"/>
+              <ma14:placeholderFlag xmlns:ma14="http://schemas.microsoft.com/office/mac/drawingml/2011/main" xmlns="" val="1"/>
             </a:ext>
           </a:extLst>
         </p:spPr>
@@ -2206,7 +2208,7 @@
           </a:ln>
           <a:extLst>
             <a:ext uri="{FAA26D3D-D897-4be2-8F04-BA451C77F1D7}">
-              <ma14:placeholderFlag xmlns="" xmlns:ma14="http://schemas.microsoft.com/office/mac/drawingml/2011/main" val="1"/>
+              <ma14:placeholderFlag xmlns:ma14="http://schemas.microsoft.com/office/mac/drawingml/2011/main" xmlns="" val="1"/>
             </a:ext>
           </a:extLst>
         </p:spPr>
@@ -2242,7 +2244,7 @@
           </a:ln>
           <a:extLst>
             <a:ext uri="{FAA26D3D-D897-4be2-8F04-BA451C77F1D7}">
-              <ma14:placeholderFlag xmlns="" xmlns:ma14="http://schemas.microsoft.com/office/mac/drawingml/2011/main" val="1"/>
+              <ma14:placeholderFlag xmlns:ma14="http://schemas.microsoft.com/office/mac/drawingml/2011/main" xmlns="" val="1"/>
             </a:ext>
           </a:extLst>
         </p:spPr>
@@ -2307,12 +2309,12 @@
           <a:effectLst/>
           <a:extLst>
             <a:ext uri="{909E8E84-426E-40dd-AFC4-6F175D3DCCD1}">
-              <a14:hiddenFill xmlns:a14="http://schemas.microsoft.com/office/drawing/2010/main" xmlns="">
+              <a14:hiddenFill xmlns="" xmlns:a14="http://schemas.microsoft.com/office/drawing/2010/main">
                 <a:noFill/>
               </a14:hiddenFill>
             </a:ext>
             <a:ext uri="{AF507438-7753-43e0-B8FC-AC1667EBCBE1}">
-              <a14:hiddenEffects xmlns:a14="http://schemas.microsoft.com/office/drawing/2010/main" xmlns="">
+              <a14:hiddenEffects xmlns="" xmlns:a14="http://schemas.microsoft.com/office/drawing/2010/main">
                 <a:effectLst>
                   <a:outerShdw blurRad="63500" dist="38099" dir="2700000" algn="ctr" rotWithShape="0">
                     <a:schemeClr val="bg2">
@@ -2513,7 +2515,7 @@
             <a:effectLst/>
             <a:extLst>
               <a:ext uri="{91240B29-F687-4f45-9708-019B960494DF}">
-                <a14:hiddenLine xmlns:a14="http://schemas.microsoft.com/office/drawing/2010/main" xmlns="" w="9525">
+                <a14:hiddenLine xmlns="" xmlns:a14="http://schemas.microsoft.com/office/drawing/2010/main" w="9525">
                   <a:solidFill>
                     <a:schemeClr val="tx1"/>
                   </a:solidFill>
@@ -2523,7 +2525,7 @@
                 </a14:hiddenLine>
               </a:ext>
               <a:ext uri="{AF507438-7753-43e0-B8FC-AC1667EBCBE1}">
-                <a14:hiddenEffects xmlns:a14="http://schemas.microsoft.com/office/drawing/2010/main" xmlns="">
+                <a14:hiddenEffects xmlns="" xmlns:a14="http://schemas.microsoft.com/office/drawing/2010/main">
                   <a:effectLst>
                     <a:outerShdw blurRad="63500" dist="38099" dir="2700000" algn="ctr" rotWithShape="0">
                       <a:schemeClr val="bg2">
@@ -2568,7 +2570,7 @@
             <a:effectLst/>
             <a:extLst>
               <a:ext uri="{91240B29-F687-4f45-9708-019B960494DF}">
-                <a14:hiddenLine xmlns:a14="http://schemas.microsoft.com/office/drawing/2010/main" xmlns="" w="9525">
+                <a14:hiddenLine xmlns="" xmlns:a14="http://schemas.microsoft.com/office/drawing/2010/main" w="9525">
                   <a:solidFill>
                     <a:schemeClr val="tx1"/>
                   </a:solidFill>
@@ -2578,7 +2580,7 @@
                 </a14:hiddenLine>
               </a:ext>
               <a:ext uri="{AF507438-7753-43e0-B8FC-AC1667EBCBE1}">
-                <a14:hiddenEffects xmlns:a14="http://schemas.microsoft.com/office/drawing/2010/main" xmlns="">
+                <a14:hiddenEffects xmlns="" xmlns:a14="http://schemas.microsoft.com/office/drawing/2010/main">
                   <a:effectLst>
                     <a:outerShdw blurRad="63500" dist="38099" dir="2700000" algn="ctr" rotWithShape="0">
                       <a:schemeClr val="bg2">
@@ -2623,7 +2625,7 @@
             <a:effectLst/>
             <a:extLst>
               <a:ext uri="{91240B29-F687-4f45-9708-019B960494DF}">
-                <a14:hiddenLine xmlns:a14="http://schemas.microsoft.com/office/drawing/2010/main" xmlns="" w="9525">
+                <a14:hiddenLine xmlns="" xmlns:a14="http://schemas.microsoft.com/office/drawing/2010/main" w="9525">
                   <a:solidFill>
                     <a:schemeClr val="tx1"/>
                   </a:solidFill>
@@ -2633,7 +2635,7 @@
                 </a14:hiddenLine>
               </a:ext>
               <a:ext uri="{AF507438-7753-43e0-B8FC-AC1667EBCBE1}">
-                <a14:hiddenEffects xmlns:a14="http://schemas.microsoft.com/office/drawing/2010/main" xmlns="">
+                <a14:hiddenEffects xmlns="" xmlns:a14="http://schemas.microsoft.com/office/drawing/2010/main">
                   <a:effectLst>
                     <a:outerShdw blurRad="63500" dist="38099" dir="2700000" algn="ctr" rotWithShape="0">
                       <a:schemeClr val="bg2">
@@ -2678,7 +2680,7 @@
             <a:effectLst/>
             <a:extLst>
               <a:ext uri="{91240B29-F687-4f45-9708-019B960494DF}">
-                <a14:hiddenLine xmlns:a14="http://schemas.microsoft.com/office/drawing/2010/main" xmlns="" w="9525">
+                <a14:hiddenLine xmlns="" xmlns:a14="http://schemas.microsoft.com/office/drawing/2010/main" w="9525">
                   <a:solidFill>
                     <a:schemeClr val="tx1"/>
                   </a:solidFill>
@@ -2688,7 +2690,7 @@
                 </a14:hiddenLine>
               </a:ext>
               <a:ext uri="{AF507438-7753-43e0-B8FC-AC1667EBCBE1}">
-                <a14:hiddenEffects xmlns:a14="http://schemas.microsoft.com/office/drawing/2010/main" xmlns="">
+                <a14:hiddenEffects xmlns="" xmlns:a14="http://schemas.microsoft.com/office/drawing/2010/main">
                   <a:effectLst>
                     <a:outerShdw blurRad="63500" dist="38099" dir="2700000" algn="ctr" rotWithShape="0">
                       <a:schemeClr val="bg2">
@@ -2733,7 +2735,7 @@
             <a:effectLst/>
             <a:extLst>
               <a:ext uri="{91240B29-F687-4f45-9708-019B960494DF}">
-                <a14:hiddenLine xmlns:a14="http://schemas.microsoft.com/office/drawing/2010/main" xmlns="" w="9525">
+                <a14:hiddenLine xmlns="" xmlns:a14="http://schemas.microsoft.com/office/drawing/2010/main" w="9525">
                   <a:solidFill>
                     <a:schemeClr val="tx1"/>
                   </a:solidFill>
@@ -2743,7 +2745,7 @@
                 </a14:hiddenLine>
               </a:ext>
               <a:ext uri="{AF507438-7753-43e0-B8FC-AC1667EBCBE1}">
-                <a14:hiddenEffects xmlns:a14="http://schemas.microsoft.com/office/drawing/2010/main" xmlns="">
+                <a14:hiddenEffects xmlns="" xmlns:a14="http://schemas.microsoft.com/office/drawing/2010/main">
                   <a:effectLst>
                     <a:outerShdw blurRad="63500" dist="38099" dir="2700000" algn="ctr" rotWithShape="0">
                       <a:schemeClr val="bg2">
@@ -2788,7 +2790,7 @@
             <a:effectLst/>
             <a:extLst>
               <a:ext uri="{91240B29-F687-4f45-9708-019B960494DF}">
-                <a14:hiddenLine xmlns:a14="http://schemas.microsoft.com/office/drawing/2010/main" xmlns="" w="9525">
+                <a14:hiddenLine xmlns="" xmlns:a14="http://schemas.microsoft.com/office/drawing/2010/main" w="9525">
                   <a:solidFill>
                     <a:schemeClr val="tx1"/>
                   </a:solidFill>
@@ -2798,7 +2800,7 @@
                 </a14:hiddenLine>
               </a:ext>
               <a:ext uri="{AF507438-7753-43e0-B8FC-AC1667EBCBE1}">
-                <a14:hiddenEffects xmlns:a14="http://schemas.microsoft.com/office/drawing/2010/main" xmlns="">
+                <a14:hiddenEffects xmlns="" xmlns:a14="http://schemas.microsoft.com/office/drawing/2010/main">
                   <a:effectLst>
                     <a:outerShdw blurRad="63500" dist="38099" dir="2700000" algn="ctr" rotWithShape="0">
                       <a:schemeClr val="bg2">
@@ -2843,7 +2845,7 @@
             <a:effectLst/>
             <a:extLst>
               <a:ext uri="{91240B29-F687-4f45-9708-019B960494DF}">
-                <a14:hiddenLine xmlns:a14="http://schemas.microsoft.com/office/drawing/2010/main" xmlns="" w="9525">
+                <a14:hiddenLine xmlns="" xmlns:a14="http://schemas.microsoft.com/office/drawing/2010/main" w="9525">
                   <a:solidFill>
                     <a:schemeClr val="tx1"/>
                   </a:solidFill>
@@ -2853,7 +2855,7 @@
                 </a14:hiddenLine>
               </a:ext>
               <a:ext uri="{AF507438-7753-43e0-B8FC-AC1667EBCBE1}">
-                <a14:hiddenEffects xmlns:a14="http://schemas.microsoft.com/office/drawing/2010/main" xmlns="">
+                <a14:hiddenEffects xmlns="" xmlns:a14="http://schemas.microsoft.com/office/drawing/2010/main">
                   <a:effectLst>
                     <a:outerShdw blurRad="63500" dist="38099" dir="2700000" algn="ctr" rotWithShape="0">
                       <a:schemeClr val="bg2">
@@ -2898,7 +2900,7 @@
             <a:effectLst/>
             <a:extLst>
               <a:ext uri="{91240B29-F687-4f45-9708-019B960494DF}">
-                <a14:hiddenLine xmlns:a14="http://schemas.microsoft.com/office/drawing/2010/main" xmlns="" w="9525">
+                <a14:hiddenLine xmlns="" xmlns:a14="http://schemas.microsoft.com/office/drawing/2010/main" w="9525">
                   <a:solidFill>
                     <a:schemeClr val="tx1"/>
                   </a:solidFill>
@@ -2908,7 +2910,7 @@
                 </a14:hiddenLine>
               </a:ext>
               <a:ext uri="{AF507438-7753-43e0-B8FC-AC1667EBCBE1}">
-                <a14:hiddenEffects xmlns:a14="http://schemas.microsoft.com/office/drawing/2010/main" xmlns="">
+                <a14:hiddenEffects xmlns="" xmlns:a14="http://schemas.microsoft.com/office/drawing/2010/main">
                   <a:effectLst>
                     <a:outerShdw blurRad="63500" dist="38099" dir="2700000" algn="ctr" rotWithShape="0">
                       <a:schemeClr val="bg2">
@@ -2953,7 +2955,7 @@
             <a:effectLst/>
             <a:extLst>
               <a:ext uri="{91240B29-F687-4f45-9708-019B960494DF}">
-                <a14:hiddenLine xmlns:a14="http://schemas.microsoft.com/office/drawing/2010/main" xmlns="" w="9525">
+                <a14:hiddenLine xmlns="" xmlns:a14="http://schemas.microsoft.com/office/drawing/2010/main" w="9525">
                   <a:solidFill>
                     <a:schemeClr val="tx1"/>
                   </a:solidFill>
@@ -2963,7 +2965,7 @@
                 </a14:hiddenLine>
               </a:ext>
               <a:ext uri="{AF507438-7753-43e0-B8FC-AC1667EBCBE1}">
-                <a14:hiddenEffects xmlns:a14="http://schemas.microsoft.com/office/drawing/2010/main" xmlns="">
+                <a14:hiddenEffects xmlns="" xmlns:a14="http://schemas.microsoft.com/office/drawing/2010/main">
                   <a:effectLst>
                     <a:outerShdw blurRad="63500" dist="38099" dir="2700000" algn="ctr" rotWithShape="0">
                       <a:schemeClr val="bg2">
@@ -3008,7 +3010,7 @@
             <a:effectLst/>
             <a:extLst>
               <a:ext uri="{91240B29-F687-4f45-9708-019B960494DF}">
-                <a14:hiddenLine xmlns:a14="http://schemas.microsoft.com/office/drawing/2010/main" xmlns="" w="9525">
+                <a14:hiddenLine xmlns="" xmlns:a14="http://schemas.microsoft.com/office/drawing/2010/main" w="9525">
                   <a:solidFill>
                     <a:schemeClr val="tx1"/>
                   </a:solidFill>
@@ -3018,7 +3020,7 @@
                 </a14:hiddenLine>
               </a:ext>
               <a:ext uri="{AF507438-7753-43e0-B8FC-AC1667EBCBE1}">
-                <a14:hiddenEffects xmlns:a14="http://schemas.microsoft.com/office/drawing/2010/main" xmlns="">
+                <a14:hiddenEffects xmlns="" xmlns:a14="http://schemas.microsoft.com/office/drawing/2010/main">
                   <a:effectLst>
                     <a:outerShdw blurRad="63500" dist="38099" dir="2700000" algn="ctr" rotWithShape="0">
                       <a:schemeClr val="bg2">
@@ -3063,7 +3065,7 @@
             <a:effectLst/>
             <a:extLst>
               <a:ext uri="{91240B29-F687-4f45-9708-019B960494DF}">
-                <a14:hiddenLine xmlns:a14="http://schemas.microsoft.com/office/drawing/2010/main" xmlns="" w="9525">
+                <a14:hiddenLine xmlns="" xmlns:a14="http://schemas.microsoft.com/office/drawing/2010/main" w="9525">
                   <a:solidFill>
                     <a:schemeClr val="tx1"/>
                   </a:solidFill>
@@ -3073,7 +3075,7 @@
                 </a14:hiddenLine>
               </a:ext>
               <a:ext uri="{AF507438-7753-43e0-B8FC-AC1667EBCBE1}">
-                <a14:hiddenEffects xmlns:a14="http://schemas.microsoft.com/office/drawing/2010/main" xmlns="">
+                <a14:hiddenEffects xmlns="" xmlns:a14="http://schemas.microsoft.com/office/drawing/2010/main">
                   <a:effectLst>
                     <a:outerShdw blurRad="63500" dist="38099" dir="2700000" algn="ctr" rotWithShape="0">
                       <a:schemeClr val="bg2">
@@ -3118,7 +3120,7 @@
             <a:effectLst/>
             <a:extLst>
               <a:ext uri="{91240B29-F687-4f45-9708-019B960494DF}">
-                <a14:hiddenLine xmlns:a14="http://schemas.microsoft.com/office/drawing/2010/main" xmlns="" w="9525">
+                <a14:hiddenLine xmlns="" xmlns:a14="http://schemas.microsoft.com/office/drawing/2010/main" w="9525">
                   <a:solidFill>
                     <a:schemeClr val="tx1"/>
                   </a:solidFill>
@@ -3128,7 +3130,7 @@
                 </a14:hiddenLine>
               </a:ext>
               <a:ext uri="{AF507438-7753-43e0-B8FC-AC1667EBCBE1}">
-                <a14:hiddenEffects xmlns:a14="http://schemas.microsoft.com/office/drawing/2010/main" xmlns="">
+                <a14:hiddenEffects xmlns="" xmlns:a14="http://schemas.microsoft.com/office/drawing/2010/main">
                   <a:effectLst>
                     <a:outerShdw blurRad="63500" dist="38099" dir="2700000" algn="ctr" rotWithShape="0">
                       <a:schemeClr val="bg2">
@@ -3173,7 +3175,7 @@
             <a:effectLst/>
             <a:extLst>
               <a:ext uri="{91240B29-F687-4f45-9708-019B960494DF}">
-                <a14:hiddenLine xmlns:a14="http://schemas.microsoft.com/office/drawing/2010/main" xmlns="" w="9525">
+                <a14:hiddenLine xmlns="" xmlns:a14="http://schemas.microsoft.com/office/drawing/2010/main" w="9525">
                   <a:solidFill>
                     <a:schemeClr val="tx1"/>
                   </a:solidFill>
@@ -3183,7 +3185,7 @@
                 </a14:hiddenLine>
               </a:ext>
               <a:ext uri="{AF507438-7753-43e0-B8FC-AC1667EBCBE1}">
-                <a14:hiddenEffects xmlns:a14="http://schemas.microsoft.com/office/drawing/2010/main" xmlns="">
+                <a14:hiddenEffects xmlns="" xmlns:a14="http://schemas.microsoft.com/office/drawing/2010/main">
                   <a:effectLst>
                     <a:outerShdw blurRad="63500" dist="38099" dir="2700000" algn="ctr" rotWithShape="0">
                       <a:schemeClr val="bg2">
@@ -3228,7 +3230,7 @@
             <a:effectLst/>
             <a:extLst>
               <a:ext uri="{91240B29-F687-4f45-9708-019B960494DF}">
-                <a14:hiddenLine xmlns:a14="http://schemas.microsoft.com/office/drawing/2010/main" xmlns="" w="9525">
+                <a14:hiddenLine xmlns="" xmlns:a14="http://schemas.microsoft.com/office/drawing/2010/main" w="9525">
                   <a:solidFill>
                     <a:schemeClr val="tx1"/>
                   </a:solidFill>
@@ -3238,7 +3240,7 @@
                 </a14:hiddenLine>
               </a:ext>
               <a:ext uri="{AF507438-7753-43e0-B8FC-AC1667EBCBE1}">
-                <a14:hiddenEffects xmlns:a14="http://schemas.microsoft.com/office/drawing/2010/main" xmlns="">
+                <a14:hiddenEffects xmlns="" xmlns:a14="http://schemas.microsoft.com/office/drawing/2010/main">
                   <a:effectLst>
                     <a:outerShdw blurRad="63500" dist="38099" dir="2700000" algn="ctr" rotWithShape="0">
                       <a:schemeClr val="bg2">
@@ -3283,7 +3285,7 @@
             <a:effectLst/>
             <a:extLst>
               <a:ext uri="{91240B29-F687-4f45-9708-019B960494DF}">
-                <a14:hiddenLine xmlns:a14="http://schemas.microsoft.com/office/drawing/2010/main" xmlns="" w="9525">
+                <a14:hiddenLine xmlns="" xmlns:a14="http://schemas.microsoft.com/office/drawing/2010/main" w="9525">
                   <a:solidFill>
                     <a:schemeClr val="tx1"/>
                   </a:solidFill>
@@ -3293,7 +3295,7 @@
                 </a14:hiddenLine>
               </a:ext>
               <a:ext uri="{AF507438-7753-43e0-B8FC-AC1667EBCBE1}">
-                <a14:hiddenEffects xmlns:a14="http://schemas.microsoft.com/office/drawing/2010/main" xmlns="">
+                <a14:hiddenEffects xmlns="" xmlns:a14="http://schemas.microsoft.com/office/drawing/2010/main">
                   <a:effectLst>
                     <a:outerShdw blurRad="63500" dist="38099" dir="2700000" algn="ctr" rotWithShape="0">
                       <a:schemeClr val="bg2">
@@ -3338,7 +3340,7 @@
             <a:effectLst/>
             <a:extLst>
               <a:ext uri="{91240B29-F687-4f45-9708-019B960494DF}">
-                <a14:hiddenLine xmlns:a14="http://schemas.microsoft.com/office/drawing/2010/main" xmlns="" w="9525">
+                <a14:hiddenLine xmlns="" xmlns:a14="http://schemas.microsoft.com/office/drawing/2010/main" w="9525">
                   <a:solidFill>
                     <a:schemeClr val="tx1"/>
                   </a:solidFill>
@@ -3348,7 +3350,7 @@
                 </a14:hiddenLine>
               </a:ext>
               <a:ext uri="{AF507438-7753-43e0-B8FC-AC1667EBCBE1}">
-                <a14:hiddenEffects xmlns:a14="http://schemas.microsoft.com/office/drawing/2010/main" xmlns="">
+                <a14:hiddenEffects xmlns="" xmlns:a14="http://schemas.microsoft.com/office/drawing/2010/main">
                   <a:effectLst>
                     <a:outerShdw blurRad="63500" dist="38099" dir="2700000" algn="ctr" rotWithShape="0">
                       <a:schemeClr val="bg2">
@@ -3393,7 +3395,7 @@
             <a:effectLst/>
             <a:extLst>
               <a:ext uri="{91240B29-F687-4f45-9708-019B960494DF}">
-                <a14:hiddenLine xmlns:a14="http://schemas.microsoft.com/office/drawing/2010/main" xmlns="" w="9525">
+                <a14:hiddenLine xmlns="" xmlns:a14="http://schemas.microsoft.com/office/drawing/2010/main" w="9525">
                   <a:solidFill>
                     <a:schemeClr val="tx1"/>
                   </a:solidFill>
@@ -3403,7 +3405,7 @@
                 </a14:hiddenLine>
               </a:ext>
               <a:ext uri="{AF507438-7753-43e0-B8FC-AC1667EBCBE1}">
-                <a14:hiddenEffects xmlns:a14="http://schemas.microsoft.com/office/drawing/2010/main" xmlns="">
+                <a14:hiddenEffects xmlns="" xmlns:a14="http://schemas.microsoft.com/office/drawing/2010/main">
                   <a:effectLst>
                     <a:outerShdw blurRad="63500" dist="38099" dir="2700000" algn="ctr" rotWithShape="0">
                       <a:schemeClr val="bg2">
@@ -3448,7 +3450,7 @@
             <a:effectLst/>
             <a:extLst>
               <a:ext uri="{91240B29-F687-4f45-9708-019B960494DF}">
-                <a14:hiddenLine xmlns:a14="http://schemas.microsoft.com/office/drawing/2010/main" xmlns="" w="9525">
+                <a14:hiddenLine xmlns="" xmlns:a14="http://schemas.microsoft.com/office/drawing/2010/main" w="9525">
                   <a:solidFill>
                     <a:schemeClr val="tx1"/>
                   </a:solidFill>
@@ -3458,7 +3460,7 @@
                 </a14:hiddenLine>
               </a:ext>
               <a:ext uri="{AF507438-7753-43e0-B8FC-AC1667EBCBE1}">
-                <a14:hiddenEffects xmlns:a14="http://schemas.microsoft.com/office/drawing/2010/main" xmlns="">
+                <a14:hiddenEffects xmlns="" xmlns:a14="http://schemas.microsoft.com/office/drawing/2010/main">
                   <a:effectLst>
                     <a:outerShdw blurRad="63500" dist="38099" dir="2700000" algn="ctr" rotWithShape="0">
                       <a:schemeClr val="bg2">
@@ -3503,7 +3505,7 @@
             <a:effectLst/>
             <a:extLst>
               <a:ext uri="{91240B29-F687-4f45-9708-019B960494DF}">
-                <a14:hiddenLine xmlns:a14="http://schemas.microsoft.com/office/drawing/2010/main" xmlns="" w="9525">
+                <a14:hiddenLine xmlns="" xmlns:a14="http://schemas.microsoft.com/office/drawing/2010/main" w="9525">
                   <a:solidFill>
                     <a:schemeClr val="tx1"/>
                   </a:solidFill>
@@ -3513,7 +3515,7 @@
                 </a14:hiddenLine>
               </a:ext>
               <a:ext uri="{AF507438-7753-43e0-B8FC-AC1667EBCBE1}">
-                <a14:hiddenEffects xmlns:a14="http://schemas.microsoft.com/office/drawing/2010/main" xmlns="">
+                <a14:hiddenEffects xmlns="" xmlns:a14="http://schemas.microsoft.com/office/drawing/2010/main">
                   <a:effectLst>
                     <a:outerShdw blurRad="63500" dist="38099" dir="2700000" algn="ctr" rotWithShape="0">
                       <a:schemeClr val="bg2">
@@ -3558,7 +3560,7 @@
             <a:effectLst/>
             <a:extLst>
               <a:ext uri="{91240B29-F687-4f45-9708-019B960494DF}">
-                <a14:hiddenLine xmlns:a14="http://schemas.microsoft.com/office/drawing/2010/main" xmlns="" w="9525">
+                <a14:hiddenLine xmlns="" xmlns:a14="http://schemas.microsoft.com/office/drawing/2010/main" w="9525">
                   <a:solidFill>
                     <a:schemeClr val="tx1"/>
                   </a:solidFill>
@@ -3568,7 +3570,7 @@
                 </a14:hiddenLine>
               </a:ext>
               <a:ext uri="{AF507438-7753-43e0-B8FC-AC1667EBCBE1}">
-                <a14:hiddenEffects xmlns:a14="http://schemas.microsoft.com/office/drawing/2010/main" xmlns="">
+                <a14:hiddenEffects xmlns="" xmlns:a14="http://schemas.microsoft.com/office/drawing/2010/main">
                   <a:effectLst>
                     <a:outerShdw blurRad="63500" dist="38099" dir="2700000" algn="ctr" rotWithShape="0">
                       <a:schemeClr val="bg2">
@@ -3613,7 +3615,7 @@
             <a:effectLst/>
             <a:extLst>
               <a:ext uri="{91240B29-F687-4f45-9708-019B960494DF}">
-                <a14:hiddenLine xmlns:a14="http://schemas.microsoft.com/office/drawing/2010/main" xmlns="" w="9525">
+                <a14:hiddenLine xmlns="" xmlns:a14="http://schemas.microsoft.com/office/drawing/2010/main" w="9525">
                   <a:solidFill>
                     <a:schemeClr val="tx1"/>
                   </a:solidFill>
@@ -3623,7 +3625,7 @@
                 </a14:hiddenLine>
               </a:ext>
               <a:ext uri="{AF507438-7753-43e0-B8FC-AC1667EBCBE1}">
-                <a14:hiddenEffects xmlns:a14="http://schemas.microsoft.com/office/drawing/2010/main" xmlns="">
+                <a14:hiddenEffects xmlns="" xmlns:a14="http://schemas.microsoft.com/office/drawing/2010/main">
                   <a:effectLst>
                     <a:outerShdw blurRad="63500" dist="38099" dir="2700000" algn="ctr" rotWithShape="0">
                       <a:schemeClr val="bg2">
@@ -3668,7 +3670,7 @@
             <a:effectLst/>
             <a:extLst>
               <a:ext uri="{91240B29-F687-4f45-9708-019B960494DF}">
-                <a14:hiddenLine xmlns:a14="http://schemas.microsoft.com/office/drawing/2010/main" xmlns="" w="9525">
+                <a14:hiddenLine xmlns="" xmlns:a14="http://schemas.microsoft.com/office/drawing/2010/main" w="9525">
                   <a:solidFill>
                     <a:schemeClr val="tx1"/>
                   </a:solidFill>
@@ -3678,7 +3680,7 @@
                 </a14:hiddenLine>
               </a:ext>
               <a:ext uri="{AF507438-7753-43e0-B8FC-AC1667EBCBE1}">
-                <a14:hiddenEffects xmlns:a14="http://schemas.microsoft.com/office/drawing/2010/main" xmlns="">
+                <a14:hiddenEffects xmlns="" xmlns:a14="http://schemas.microsoft.com/office/drawing/2010/main">
                   <a:effectLst>
                     <a:outerShdw blurRad="63500" dist="38099" dir="2700000" algn="ctr" rotWithShape="0">
                       <a:schemeClr val="bg2">
@@ -3723,7 +3725,7 @@
             <a:effectLst/>
             <a:extLst>
               <a:ext uri="{91240B29-F687-4f45-9708-019B960494DF}">
-                <a14:hiddenLine xmlns:a14="http://schemas.microsoft.com/office/drawing/2010/main" xmlns="" w="9525">
+                <a14:hiddenLine xmlns="" xmlns:a14="http://schemas.microsoft.com/office/drawing/2010/main" w="9525">
                   <a:solidFill>
                     <a:schemeClr val="tx1"/>
                   </a:solidFill>
@@ -3733,7 +3735,7 @@
                 </a14:hiddenLine>
               </a:ext>
               <a:ext uri="{AF507438-7753-43e0-B8FC-AC1667EBCBE1}">
-                <a14:hiddenEffects xmlns:a14="http://schemas.microsoft.com/office/drawing/2010/main" xmlns="">
+                <a14:hiddenEffects xmlns="" xmlns:a14="http://schemas.microsoft.com/office/drawing/2010/main">
                   <a:effectLst>
                     <a:outerShdw blurRad="63500" dist="38099" dir="2700000" algn="ctr" rotWithShape="0">
                       <a:schemeClr val="bg2">
@@ -3778,7 +3780,7 @@
             <a:effectLst/>
             <a:extLst>
               <a:ext uri="{91240B29-F687-4f45-9708-019B960494DF}">
-                <a14:hiddenLine xmlns:a14="http://schemas.microsoft.com/office/drawing/2010/main" xmlns="" w="9525">
+                <a14:hiddenLine xmlns="" xmlns:a14="http://schemas.microsoft.com/office/drawing/2010/main" w="9525">
                   <a:solidFill>
                     <a:schemeClr val="tx1"/>
                   </a:solidFill>
@@ -3788,7 +3790,7 @@
                 </a14:hiddenLine>
               </a:ext>
               <a:ext uri="{AF507438-7753-43e0-B8FC-AC1667EBCBE1}">
-                <a14:hiddenEffects xmlns:a14="http://schemas.microsoft.com/office/drawing/2010/main" xmlns="">
+                <a14:hiddenEffects xmlns="" xmlns:a14="http://schemas.microsoft.com/office/drawing/2010/main">
                   <a:effectLst>
                     <a:outerShdw blurRad="63500" dist="38099" dir="2700000" algn="ctr" rotWithShape="0">
                       <a:schemeClr val="bg2">
@@ -3833,7 +3835,7 @@
             <a:effectLst/>
             <a:extLst>
               <a:ext uri="{91240B29-F687-4f45-9708-019B960494DF}">
-                <a14:hiddenLine xmlns:a14="http://schemas.microsoft.com/office/drawing/2010/main" xmlns="" w="9525">
+                <a14:hiddenLine xmlns="" xmlns:a14="http://schemas.microsoft.com/office/drawing/2010/main" w="9525">
                   <a:solidFill>
                     <a:schemeClr val="tx1"/>
                   </a:solidFill>
@@ -3843,7 +3845,7 @@
                 </a14:hiddenLine>
               </a:ext>
               <a:ext uri="{AF507438-7753-43e0-B8FC-AC1667EBCBE1}">
-                <a14:hiddenEffects xmlns:a14="http://schemas.microsoft.com/office/drawing/2010/main" xmlns="">
+                <a14:hiddenEffects xmlns="" xmlns:a14="http://schemas.microsoft.com/office/drawing/2010/main">
                   <a:effectLst>
                     <a:outerShdw blurRad="63500" dist="38099" dir="2700000" algn="ctr" rotWithShape="0">
                       <a:schemeClr val="bg2">
@@ -3888,7 +3890,7 @@
             <a:effectLst/>
             <a:extLst>
               <a:ext uri="{91240B29-F687-4f45-9708-019B960494DF}">
-                <a14:hiddenLine xmlns:a14="http://schemas.microsoft.com/office/drawing/2010/main" xmlns="" w="9525">
+                <a14:hiddenLine xmlns="" xmlns:a14="http://schemas.microsoft.com/office/drawing/2010/main" w="9525">
                   <a:solidFill>
                     <a:schemeClr val="tx1"/>
                   </a:solidFill>
@@ -3898,7 +3900,7 @@
                 </a14:hiddenLine>
               </a:ext>
               <a:ext uri="{AF507438-7753-43e0-B8FC-AC1667EBCBE1}">
-                <a14:hiddenEffects xmlns:a14="http://schemas.microsoft.com/office/drawing/2010/main" xmlns="">
+                <a14:hiddenEffects xmlns="" xmlns:a14="http://schemas.microsoft.com/office/drawing/2010/main">
                   <a:effectLst>
                     <a:outerShdw blurRad="63500" dist="38099" dir="2700000" algn="ctr" rotWithShape="0">
                       <a:schemeClr val="bg2">
@@ -3943,7 +3945,7 @@
             <a:effectLst/>
             <a:extLst>
               <a:ext uri="{91240B29-F687-4f45-9708-019B960494DF}">
-                <a14:hiddenLine xmlns:a14="http://schemas.microsoft.com/office/drawing/2010/main" xmlns="" w="9525">
+                <a14:hiddenLine xmlns="" xmlns:a14="http://schemas.microsoft.com/office/drawing/2010/main" w="9525">
                   <a:solidFill>
                     <a:schemeClr val="tx1"/>
                   </a:solidFill>
@@ -3953,7 +3955,7 @@
                 </a14:hiddenLine>
               </a:ext>
               <a:ext uri="{AF507438-7753-43e0-B8FC-AC1667EBCBE1}">
-                <a14:hiddenEffects xmlns:a14="http://schemas.microsoft.com/office/drawing/2010/main" xmlns="">
+                <a14:hiddenEffects xmlns="" xmlns:a14="http://schemas.microsoft.com/office/drawing/2010/main">
                   <a:effectLst>
                     <a:outerShdw blurRad="63500" dist="38099" dir="2700000" algn="ctr" rotWithShape="0">
                       <a:schemeClr val="bg2">
@@ -3998,7 +4000,7 @@
             <a:effectLst/>
             <a:extLst>
               <a:ext uri="{91240B29-F687-4f45-9708-019B960494DF}">
-                <a14:hiddenLine xmlns:a14="http://schemas.microsoft.com/office/drawing/2010/main" xmlns="" w="9525">
+                <a14:hiddenLine xmlns="" xmlns:a14="http://schemas.microsoft.com/office/drawing/2010/main" w="9525">
                   <a:solidFill>
                     <a:schemeClr val="tx1"/>
                   </a:solidFill>
@@ -4008,7 +4010,7 @@
                 </a14:hiddenLine>
               </a:ext>
               <a:ext uri="{AF507438-7753-43e0-B8FC-AC1667EBCBE1}">
-                <a14:hiddenEffects xmlns:a14="http://schemas.microsoft.com/office/drawing/2010/main" xmlns="">
+                <a14:hiddenEffects xmlns="" xmlns:a14="http://schemas.microsoft.com/office/drawing/2010/main">
                   <a:effectLst>
                     <a:outerShdw blurRad="63500" dist="38099" dir="2700000" algn="ctr" rotWithShape="0">
                       <a:schemeClr val="bg2">
@@ -4053,7 +4055,7 @@
             <a:effectLst/>
             <a:extLst>
               <a:ext uri="{91240B29-F687-4f45-9708-019B960494DF}">
-                <a14:hiddenLine xmlns:a14="http://schemas.microsoft.com/office/drawing/2010/main" xmlns="" w="9525">
+                <a14:hiddenLine xmlns="" xmlns:a14="http://schemas.microsoft.com/office/drawing/2010/main" w="9525">
                   <a:solidFill>
                     <a:schemeClr val="tx1"/>
                   </a:solidFill>
@@ -4063,7 +4065,7 @@
                 </a14:hiddenLine>
               </a:ext>
               <a:ext uri="{AF507438-7753-43e0-B8FC-AC1667EBCBE1}">
-                <a14:hiddenEffects xmlns:a14="http://schemas.microsoft.com/office/drawing/2010/main" xmlns="">
+                <a14:hiddenEffects xmlns="" xmlns:a14="http://schemas.microsoft.com/office/drawing/2010/main">
                   <a:effectLst>
                     <a:outerShdw blurRad="63500" dist="38099" dir="2700000" algn="ctr" rotWithShape="0">
                       <a:schemeClr val="bg2">
@@ -4108,7 +4110,7 @@
             <a:effectLst/>
             <a:extLst>
               <a:ext uri="{91240B29-F687-4f45-9708-019B960494DF}">
-                <a14:hiddenLine xmlns:a14="http://schemas.microsoft.com/office/drawing/2010/main" xmlns="" w="9525">
+                <a14:hiddenLine xmlns="" xmlns:a14="http://schemas.microsoft.com/office/drawing/2010/main" w="9525">
                   <a:solidFill>
                     <a:schemeClr val="tx1"/>
                   </a:solidFill>
@@ -4118,7 +4120,7 @@
                 </a14:hiddenLine>
               </a:ext>
               <a:ext uri="{AF507438-7753-43e0-B8FC-AC1667EBCBE1}">
-                <a14:hiddenEffects xmlns:a14="http://schemas.microsoft.com/office/drawing/2010/main" xmlns="">
+                <a14:hiddenEffects xmlns="" xmlns:a14="http://schemas.microsoft.com/office/drawing/2010/main">
                   <a:effectLst>
                     <a:outerShdw blurRad="63500" dist="38099" dir="2700000" algn="ctr" rotWithShape="0">
                       <a:schemeClr val="bg2">
@@ -4163,7 +4165,7 @@
             <a:effectLst/>
             <a:extLst>
               <a:ext uri="{91240B29-F687-4f45-9708-019B960494DF}">
-                <a14:hiddenLine xmlns:a14="http://schemas.microsoft.com/office/drawing/2010/main" xmlns="" w="9525">
+                <a14:hiddenLine xmlns="" xmlns:a14="http://schemas.microsoft.com/office/drawing/2010/main" w="9525">
                   <a:solidFill>
                     <a:schemeClr val="tx1"/>
                   </a:solidFill>
@@ -4173,7 +4175,7 @@
                 </a14:hiddenLine>
               </a:ext>
               <a:ext uri="{AF507438-7753-43e0-B8FC-AC1667EBCBE1}">
-                <a14:hiddenEffects xmlns:a14="http://schemas.microsoft.com/office/drawing/2010/main" xmlns="">
+                <a14:hiddenEffects xmlns="" xmlns:a14="http://schemas.microsoft.com/office/drawing/2010/main">
                   <a:effectLst>
                     <a:outerShdw blurRad="63500" dist="38099" dir="2700000" algn="ctr" rotWithShape="0">
                       <a:schemeClr val="bg2">
@@ -4222,12 +4224,12 @@
           <a:effectLst/>
           <a:extLst>
             <a:ext uri="{909E8E84-426E-40dd-AFC4-6F175D3DCCD1}">
-              <a14:hiddenFill xmlns:a14="http://schemas.microsoft.com/office/drawing/2010/main" xmlns="">
+              <a14:hiddenFill xmlns="" xmlns:a14="http://schemas.microsoft.com/office/drawing/2010/main">
                 <a:noFill/>
               </a14:hiddenFill>
             </a:ext>
             <a:ext uri="{AF507438-7753-43e0-B8FC-AC1667EBCBE1}">
-              <a14:hiddenEffects xmlns:a14="http://schemas.microsoft.com/office/drawing/2010/main" xmlns="">
+              <a14:hiddenEffects xmlns="" xmlns:a14="http://schemas.microsoft.com/office/drawing/2010/main">
                 <a:effectLst>
                   <a:outerShdw blurRad="63500" dist="38099" dir="2700000" algn="ctr" rotWithShape="0">
                     <a:schemeClr val="bg2">
@@ -6551,12 +6553,12 @@
           <a:effectLst/>
           <a:extLst>
             <a:ext uri="{909E8E84-426E-40dd-AFC4-6F175D3DCCD1}">
-              <a14:hiddenFill xmlns:a14="http://schemas.microsoft.com/office/drawing/2010/main" xmlns="">
+              <a14:hiddenFill xmlns="" xmlns:a14="http://schemas.microsoft.com/office/drawing/2010/main">
                 <a:noFill/>
               </a14:hiddenFill>
             </a:ext>
             <a:ext uri="{AF507438-7753-43e0-B8FC-AC1667EBCBE1}">
-              <a14:hiddenEffects xmlns:a14="http://schemas.microsoft.com/office/drawing/2010/main" xmlns="">
+              <a14:hiddenEffects xmlns="" xmlns:a14="http://schemas.microsoft.com/office/drawing/2010/main">
                 <a:effectLst>
                   <a:outerShdw blurRad="63500" dist="38099" dir="2700000" algn="ctr" rotWithShape="0">
                     <a:schemeClr val="bg2">
@@ -6601,17 +6603,17 @@
           <a:effectLst/>
           <a:extLst>
             <a:ext uri="{FAA26D3D-D897-4be2-8F04-BA451C77F1D7}">
-              <ma14:placeholderFlag xmlns="" xmlns:ma14="http://schemas.microsoft.com/office/mac/drawingml/2011/main" val="1"/>
+              <ma14:placeholderFlag xmlns:ma14="http://schemas.microsoft.com/office/mac/drawingml/2011/main" xmlns="" val="1"/>
             </a:ext>
             <a:ext uri="{909E8E84-426E-40dd-AFC4-6F175D3DCCD1}">
-              <a14:hiddenFill xmlns:a14="http://schemas.microsoft.com/office/drawing/2010/main" xmlns="">
+              <a14:hiddenFill xmlns="" xmlns:a14="http://schemas.microsoft.com/office/drawing/2010/main">
                 <a:solidFill>
                   <a:schemeClr val="accent1"/>
                 </a:solidFill>
               </a14:hiddenFill>
             </a:ext>
             <a:ext uri="{91240B29-F687-4f45-9708-019B960494DF}">
-              <a14:hiddenLine xmlns:a14="http://schemas.microsoft.com/office/drawing/2010/main" xmlns="" w="9525">
+              <a14:hiddenLine xmlns="" xmlns:a14="http://schemas.microsoft.com/office/drawing/2010/main" w="9525">
                 <a:solidFill>
                   <a:schemeClr val="tx1"/>
                 </a:solidFill>
@@ -6621,7 +6623,7 @@
               </a14:hiddenLine>
             </a:ext>
             <a:ext uri="{AF507438-7753-43e0-B8FC-AC1667EBCBE1}">
-              <a14:hiddenEffects xmlns:a14="http://schemas.microsoft.com/office/drawing/2010/main" xmlns="">
+              <a14:hiddenEffects xmlns="" xmlns:a14="http://schemas.microsoft.com/office/drawing/2010/main">
                 <a:effectLst>
                   <a:outerShdw blurRad="63500" dist="38099" dir="2700000" algn="ctr" rotWithShape="0">
                     <a:schemeClr val="bg2">
@@ -6674,17 +6676,17 @@
           <a:effectLst/>
           <a:extLst>
             <a:ext uri="{FAA26D3D-D897-4be2-8F04-BA451C77F1D7}">
-              <ma14:placeholderFlag xmlns="" xmlns:ma14="http://schemas.microsoft.com/office/mac/drawingml/2011/main" val="1"/>
+              <ma14:placeholderFlag xmlns:ma14="http://schemas.microsoft.com/office/mac/drawingml/2011/main" xmlns="" val="1"/>
             </a:ext>
             <a:ext uri="{909E8E84-426E-40dd-AFC4-6F175D3DCCD1}">
-              <a14:hiddenFill xmlns:a14="http://schemas.microsoft.com/office/drawing/2010/main" xmlns="">
+              <a14:hiddenFill xmlns="" xmlns:a14="http://schemas.microsoft.com/office/drawing/2010/main">
                 <a:solidFill>
                   <a:schemeClr val="accent1"/>
                 </a:solidFill>
               </a14:hiddenFill>
             </a:ext>
             <a:ext uri="{91240B29-F687-4f45-9708-019B960494DF}">
-              <a14:hiddenLine xmlns:a14="http://schemas.microsoft.com/office/drawing/2010/main" xmlns="" w="9525">
+              <a14:hiddenLine xmlns="" xmlns:a14="http://schemas.microsoft.com/office/drawing/2010/main" w="9525">
                 <a:solidFill>
                   <a:schemeClr val="tx1"/>
                 </a:solidFill>
@@ -6694,7 +6696,7 @@
               </a14:hiddenLine>
             </a:ext>
             <a:ext uri="{AF507438-7753-43e0-B8FC-AC1667EBCBE1}">
-              <a14:hiddenEffects xmlns:a14="http://schemas.microsoft.com/office/drawing/2010/main" xmlns="">
+              <a14:hiddenEffects xmlns="" xmlns:a14="http://schemas.microsoft.com/office/drawing/2010/main">
                 <a:effectLst>
                   <a:outerShdw blurRad="63500" dist="38099" dir="2700000" algn="ctr" rotWithShape="0">
                     <a:schemeClr val="bg2">
@@ -6775,17 +6777,17 @@
           <a:effectLst/>
           <a:extLst>
             <a:ext uri="{FAA26D3D-D897-4be2-8F04-BA451C77F1D7}">
-              <ma14:placeholderFlag xmlns="" xmlns:ma14="http://schemas.microsoft.com/office/mac/drawingml/2011/main" val="1"/>
+              <ma14:placeholderFlag xmlns:ma14="http://schemas.microsoft.com/office/mac/drawingml/2011/main" xmlns="" val="1"/>
             </a:ext>
             <a:ext uri="{909E8E84-426E-40dd-AFC4-6F175D3DCCD1}">
-              <a14:hiddenFill xmlns:a14="http://schemas.microsoft.com/office/drawing/2010/main" xmlns="">
+              <a14:hiddenFill xmlns="" xmlns:a14="http://schemas.microsoft.com/office/drawing/2010/main">
                 <a:solidFill>
                   <a:schemeClr val="accent1"/>
                 </a:solidFill>
               </a14:hiddenFill>
             </a:ext>
             <a:ext uri="{91240B29-F687-4f45-9708-019B960494DF}">
-              <a14:hiddenLine xmlns:a14="http://schemas.microsoft.com/office/drawing/2010/main" xmlns="" w="9525">
+              <a14:hiddenLine xmlns="" xmlns:a14="http://schemas.microsoft.com/office/drawing/2010/main" w="9525">
                 <a:solidFill>
                   <a:schemeClr val="tx1"/>
                 </a:solidFill>
@@ -6795,7 +6797,7 @@
               </a14:hiddenLine>
             </a:ext>
             <a:ext uri="{AF507438-7753-43e0-B8FC-AC1667EBCBE1}">
-              <a14:hiddenEffects xmlns:a14="http://schemas.microsoft.com/office/drawing/2010/main" xmlns="">
+              <a14:hiddenEffects xmlns="" xmlns:a14="http://schemas.microsoft.com/office/drawing/2010/main">
                 <a:effectLst>
                   <a:outerShdw blurRad="63500" dist="38099" dir="2700000" algn="ctr" rotWithShape="0">
                     <a:schemeClr val="bg2">
@@ -6848,17 +6850,17 @@
           <a:effectLst/>
           <a:extLst>
             <a:ext uri="{FAA26D3D-D897-4be2-8F04-BA451C77F1D7}">
-              <ma14:placeholderFlag xmlns="" xmlns:ma14="http://schemas.microsoft.com/office/mac/drawingml/2011/main" val="1"/>
+              <ma14:placeholderFlag xmlns:ma14="http://schemas.microsoft.com/office/mac/drawingml/2011/main" xmlns="" val="1"/>
             </a:ext>
             <a:ext uri="{909E8E84-426E-40dd-AFC4-6F175D3DCCD1}">
-              <a14:hiddenFill xmlns:a14="http://schemas.microsoft.com/office/drawing/2010/main" xmlns="">
+              <a14:hiddenFill xmlns="" xmlns:a14="http://schemas.microsoft.com/office/drawing/2010/main">
                 <a:solidFill>
                   <a:schemeClr val="accent1"/>
                 </a:solidFill>
               </a14:hiddenFill>
             </a:ext>
             <a:ext uri="{91240B29-F687-4f45-9708-019B960494DF}">
-              <a14:hiddenLine xmlns:a14="http://schemas.microsoft.com/office/drawing/2010/main" xmlns="" w="9525">
+              <a14:hiddenLine xmlns="" xmlns:a14="http://schemas.microsoft.com/office/drawing/2010/main" w="9525">
                 <a:solidFill>
                   <a:schemeClr val="tx1"/>
                 </a:solidFill>
@@ -6868,7 +6870,7 @@
               </a14:hiddenLine>
             </a:ext>
             <a:ext uri="{AF507438-7753-43e0-B8FC-AC1667EBCBE1}">
-              <a14:hiddenEffects xmlns:a14="http://schemas.microsoft.com/office/drawing/2010/main" xmlns="">
+              <a14:hiddenEffects xmlns="" xmlns:a14="http://schemas.microsoft.com/office/drawing/2010/main">
                 <a:effectLst>
                   <a:outerShdw blurRad="63500" dist="38099" dir="2700000" algn="ctr" rotWithShape="0">
                     <a:schemeClr val="bg2">
@@ -6921,17 +6923,17 @@
           <a:effectLst/>
           <a:extLst>
             <a:ext uri="{FAA26D3D-D897-4be2-8F04-BA451C77F1D7}">
-              <ma14:placeholderFlag xmlns="" xmlns:ma14="http://schemas.microsoft.com/office/mac/drawingml/2011/main" val="1"/>
+              <ma14:placeholderFlag xmlns:ma14="http://schemas.microsoft.com/office/mac/drawingml/2011/main" xmlns="" val="1"/>
             </a:ext>
             <a:ext uri="{909E8E84-426E-40dd-AFC4-6F175D3DCCD1}">
-              <a14:hiddenFill xmlns:a14="http://schemas.microsoft.com/office/drawing/2010/main" xmlns="">
+              <a14:hiddenFill xmlns="" xmlns:a14="http://schemas.microsoft.com/office/drawing/2010/main">
                 <a:solidFill>
                   <a:schemeClr val="accent1"/>
                 </a:solidFill>
               </a14:hiddenFill>
             </a:ext>
             <a:ext uri="{91240B29-F687-4f45-9708-019B960494DF}">
-              <a14:hiddenLine xmlns:a14="http://schemas.microsoft.com/office/drawing/2010/main" xmlns="" w="9525">
+              <a14:hiddenLine xmlns="" xmlns:a14="http://schemas.microsoft.com/office/drawing/2010/main" w="9525">
                 <a:solidFill>
                   <a:schemeClr val="tx1"/>
                 </a:solidFill>
@@ -6941,7 +6943,7 @@
               </a14:hiddenLine>
             </a:ext>
             <a:ext uri="{AF507438-7753-43e0-B8FC-AC1667EBCBE1}">
-              <a14:hiddenEffects xmlns:a14="http://schemas.microsoft.com/office/drawing/2010/main" xmlns="">
+              <a14:hiddenEffects xmlns="" xmlns:a14="http://schemas.microsoft.com/office/drawing/2010/main">
                 <a:effectLst>
                   <a:outerShdw blurRad="63500" dist="38099" dir="2700000" algn="ctr" rotWithShape="0">
                     <a:schemeClr val="bg2">
@@ -7015,7 +7017,7 @@
             <a:effectLst/>
             <a:extLst>
               <a:ext uri="{91240B29-F687-4f45-9708-019B960494DF}">
-                <a14:hiddenLine xmlns:a14="http://schemas.microsoft.com/office/drawing/2010/main" xmlns="" w="9525">
+                <a14:hiddenLine xmlns="" xmlns:a14="http://schemas.microsoft.com/office/drawing/2010/main" w="9525">
                   <a:solidFill>
                     <a:schemeClr val="tx1"/>
                   </a:solidFill>
@@ -7025,7 +7027,7 @@
                 </a14:hiddenLine>
               </a:ext>
               <a:ext uri="{AF507438-7753-43e0-B8FC-AC1667EBCBE1}">
-                <a14:hiddenEffects xmlns:a14="http://schemas.microsoft.com/office/drawing/2010/main" xmlns="">
+                <a14:hiddenEffects xmlns="" xmlns:a14="http://schemas.microsoft.com/office/drawing/2010/main">
                   <a:effectLst>
                     <a:outerShdw blurRad="63500" dist="38099" dir="2700000" algn="ctr" rotWithShape="0">
                       <a:schemeClr val="bg2">
@@ -7070,7 +7072,7 @@
             <a:effectLst/>
             <a:extLst>
               <a:ext uri="{91240B29-F687-4f45-9708-019B960494DF}">
-                <a14:hiddenLine xmlns:a14="http://schemas.microsoft.com/office/drawing/2010/main" xmlns="" w="9525">
+                <a14:hiddenLine xmlns="" xmlns:a14="http://schemas.microsoft.com/office/drawing/2010/main" w="9525">
                   <a:solidFill>
                     <a:schemeClr val="tx1"/>
                   </a:solidFill>
@@ -7080,7 +7082,7 @@
                 </a14:hiddenLine>
               </a:ext>
               <a:ext uri="{AF507438-7753-43e0-B8FC-AC1667EBCBE1}">
-                <a14:hiddenEffects xmlns:a14="http://schemas.microsoft.com/office/drawing/2010/main" xmlns="">
+                <a14:hiddenEffects xmlns="" xmlns:a14="http://schemas.microsoft.com/office/drawing/2010/main">
                   <a:effectLst>
                     <a:outerShdw blurRad="63500" dist="38099" dir="2700000" algn="ctr" rotWithShape="0">
                       <a:schemeClr val="bg2">
@@ -7125,7 +7127,7 @@
             <a:effectLst/>
             <a:extLst>
               <a:ext uri="{91240B29-F687-4f45-9708-019B960494DF}">
-                <a14:hiddenLine xmlns:a14="http://schemas.microsoft.com/office/drawing/2010/main" xmlns="" w="9525">
+                <a14:hiddenLine xmlns="" xmlns:a14="http://schemas.microsoft.com/office/drawing/2010/main" w="9525">
                   <a:solidFill>
                     <a:schemeClr val="tx1"/>
                   </a:solidFill>
@@ -7135,7 +7137,7 @@
                 </a14:hiddenLine>
               </a:ext>
               <a:ext uri="{AF507438-7753-43e0-B8FC-AC1667EBCBE1}">
-                <a14:hiddenEffects xmlns:a14="http://schemas.microsoft.com/office/drawing/2010/main" xmlns="">
+                <a14:hiddenEffects xmlns="" xmlns:a14="http://schemas.microsoft.com/office/drawing/2010/main">
                   <a:effectLst>
                     <a:outerShdw blurRad="63500" dist="38099" dir="2700000" algn="ctr" rotWithShape="0">
                       <a:schemeClr val="bg2">
@@ -7180,7 +7182,7 @@
             <a:effectLst/>
             <a:extLst>
               <a:ext uri="{91240B29-F687-4f45-9708-019B960494DF}">
-                <a14:hiddenLine xmlns:a14="http://schemas.microsoft.com/office/drawing/2010/main" xmlns="" w="9525">
+                <a14:hiddenLine xmlns="" xmlns:a14="http://schemas.microsoft.com/office/drawing/2010/main" w="9525">
                   <a:solidFill>
                     <a:schemeClr val="tx1"/>
                   </a:solidFill>
@@ -7190,7 +7192,7 @@
                 </a14:hiddenLine>
               </a:ext>
               <a:ext uri="{AF507438-7753-43e0-B8FC-AC1667EBCBE1}">
-                <a14:hiddenEffects xmlns:a14="http://schemas.microsoft.com/office/drawing/2010/main" xmlns="">
+                <a14:hiddenEffects xmlns="" xmlns:a14="http://schemas.microsoft.com/office/drawing/2010/main">
                   <a:effectLst>
                     <a:outerShdw blurRad="63500" dist="38099" dir="2700000" algn="ctr" rotWithShape="0">
                       <a:schemeClr val="bg2">
@@ -7235,7 +7237,7 @@
             <a:effectLst/>
             <a:extLst>
               <a:ext uri="{91240B29-F687-4f45-9708-019B960494DF}">
-                <a14:hiddenLine xmlns:a14="http://schemas.microsoft.com/office/drawing/2010/main" xmlns="" w="9525">
+                <a14:hiddenLine xmlns="" xmlns:a14="http://schemas.microsoft.com/office/drawing/2010/main" w="9525">
                   <a:solidFill>
                     <a:schemeClr val="tx1"/>
                   </a:solidFill>
@@ -7245,7 +7247,7 @@
                 </a14:hiddenLine>
               </a:ext>
               <a:ext uri="{AF507438-7753-43e0-B8FC-AC1667EBCBE1}">
-                <a14:hiddenEffects xmlns:a14="http://schemas.microsoft.com/office/drawing/2010/main" xmlns="">
+                <a14:hiddenEffects xmlns="" xmlns:a14="http://schemas.microsoft.com/office/drawing/2010/main">
                   <a:effectLst>
                     <a:outerShdw blurRad="63500" dist="38099" dir="2700000" algn="ctr" rotWithShape="0">
                       <a:schemeClr val="bg2">
@@ -7290,7 +7292,7 @@
             <a:effectLst/>
             <a:extLst>
               <a:ext uri="{91240B29-F687-4f45-9708-019B960494DF}">
-                <a14:hiddenLine xmlns:a14="http://schemas.microsoft.com/office/drawing/2010/main" xmlns="" w="9525">
+                <a14:hiddenLine xmlns="" xmlns:a14="http://schemas.microsoft.com/office/drawing/2010/main" w="9525">
                   <a:solidFill>
                     <a:schemeClr val="tx1"/>
                   </a:solidFill>
@@ -7300,7 +7302,7 @@
                 </a14:hiddenLine>
               </a:ext>
               <a:ext uri="{AF507438-7753-43e0-B8FC-AC1667EBCBE1}">
-                <a14:hiddenEffects xmlns:a14="http://schemas.microsoft.com/office/drawing/2010/main" xmlns="">
+                <a14:hiddenEffects xmlns="" xmlns:a14="http://schemas.microsoft.com/office/drawing/2010/main">
                   <a:effectLst>
                     <a:outerShdw blurRad="63500" dist="38099" dir="2700000" algn="ctr" rotWithShape="0">
                       <a:schemeClr val="bg2">
@@ -7345,7 +7347,7 @@
             <a:effectLst/>
             <a:extLst>
               <a:ext uri="{91240B29-F687-4f45-9708-019B960494DF}">
-                <a14:hiddenLine xmlns:a14="http://schemas.microsoft.com/office/drawing/2010/main" xmlns="" w="9525">
+                <a14:hiddenLine xmlns="" xmlns:a14="http://schemas.microsoft.com/office/drawing/2010/main" w="9525">
                   <a:solidFill>
                     <a:schemeClr val="tx1"/>
                   </a:solidFill>
@@ -7355,7 +7357,7 @@
                 </a14:hiddenLine>
               </a:ext>
               <a:ext uri="{AF507438-7753-43e0-B8FC-AC1667EBCBE1}">
-                <a14:hiddenEffects xmlns:a14="http://schemas.microsoft.com/office/drawing/2010/main" xmlns="">
+                <a14:hiddenEffects xmlns="" xmlns:a14="http://schemas.microsoft.com/office/drawing/2010/main">
                   <a:effectLst>
                     <a:outerShdw blurRad="63500" dist="38099" dir="2700000" algn="ctr" rotWithShape="0">
                       <a:schemeClr val="bg2">
@@ -7400,7 +7402,7 @@
             <a:effectLst/>
             <a:extLst>
               <a:ext uri="{91240B29-F687-4f45-9708-019B960494DF}">
-                <a14:hiddenLine xmlns:a14="http://schemas.microsoft.com/office/drawing/2010/main" xmlns="" w="9525">
+                <a14:hiddenLine xmlns="" xmlns:a14="http://schemas.microsoft.com/office/drawing/2010/main" w="9525">
                   <a:solidFill>
                     <a:schemeClr val="tx1"/>
                   </a:solidFill>
@@ -7410,7 +7412,7 @@
                 </a14:hiddenLine>
               </a:ext>
               <a:ext uri="{AF507438-7753-43e0-B8FC-AC1667EBCBE1}">
-                <a14:hiddenEffects xmlns:a14="http://schemas.microsoft.com/office/drawing/2010/main" xmlns="">
+                <a14:hiddenEffects xmlns="" xmlns:a14="http://schemas.microsoft.com/office/drawing/2010/main">
                   <a:effectLst>
                     <a:outerShdw blurRad="63500" dist="38099" dir="2700000" algn="ctr" rotWithShape="0">
                       <a:schemeClr val="bg2">
@@ -7455,7 +7457,7 @@
             <a:effectLst/>
             <a:extLst>
               <a:ext uri="{91240B29-F687-4f45-9708-019B960494DF}">
-                <a14:hiddenLine xmlns:a14="http://schemas.microsoft.com/office/drawing/2010/main" xmlns="" w="9525">
+                <a14:hiddenLine xmlns="" xmlns:a14="http://schemas.microsoft.com/office/drawing/2010/main" w="9525">
                   <a:solidFill>
                     <a:schemeClr val="tx1"/>
                   </a:solidFill>
@@ -7465,7 +7467,7 @@
                 </a14:hiddenLine>
               </a:ext>
               <a:ext uri="{AF507438-7753-43e0-B8FC-AC1667EBCBE1}">
-                <a14:hiddenEffects xmlns:a14="http://schemas.microsoft.com/office/drawing/2010/main" xmlns="">
+                <a14:hiddenEffects xmlns="" xmlns:a14="http://schemas.microsoft.com/office/drawing/2010/main">
                   <a:effectLst>
                     <a:outerShdw blurRad="63500" dist="38099" dir="2700000" algn="ctr" rotWithShape="0">
                       <a:schemeClr val="bg2">
@@ -7510,7 +7512,7 @@
             <a:effectLst/>
             <a:extLst>
               <a:ext uri="{91240B29-F687-4f45-9708-019B960494DF}">
-                <a14:hiddenLine xmlns:a14="http://schemas.microsoft.com/office/drawing/2010/main" xmlns="" w="9525">
+                <a14:hiddenLine xmlns="" xmlns:a14="http://schemas.microsoft.com/office/drawing/2010/main" w="9525">
                   <a:solidFill>
                     <a:schemeClr val="tx1"/>
                   </a:solidFill>
@@ -7520,7 +7522,7 @@
                 </a14:hiddenLine>
               </a:ext>
               <a:ext uri="{AF507438-7753-43e0-B8FC-AC1667EBCBE1}">
-                <a14:hiddenEffects xmlns:a14="http://schemas.microsoft.com/office/drawing/2010/main" xmlns="">
+                <a14:hiddenEffects xmlns="" xmlns:a14="http://schemas.microsoft.com/office/drawing/2010/main">
                   <a:effectLst>
                     <a:outerShdw blurRad="63500" dist="38099" dir="2700000" algn="ctr" rotWithShape="0">
                       <a:schemeClr val="bg2">
@@ -7565,7 +7567,7 @@
             <a:effectLst/>
             <a:extLst>
               <a:ext uri="{91240B29-F687-4f45-9708-019B960494DF}">
-                <a14:hiddenLine xmlns:a14="http://schemas.microsoft.com/office/drawing/2010/main" xmlns="" w="9525">
+                <a14:hiddenLine xmlns="" xmlns:a14="http://schemas.microsoft.com/office/drawing/2010/main" w="9525">
                   <a:solidFill>
                     <a:schemeClr val="tx1"/>
                   </a:solidFill>
@@ -7575,7 +7577,7 @@
                 </a14:hiddenLine>
               </a:ext>
               <a:ext uri="{AF507438-7753-43e0-B8FC-AC1667EBCBE1}">
-                <a14:hiddenEffects xmlns:a14="http://schemas.microsoft.com/office/drawing/2010/main" xmlns="">
+                <a14:hiddenEffects xmlns="" xmlns:a14="http://schemas.microsoft.com/office/drawing/2010/main">
                   <a:effectLst>
                     <a:outerShdw blurRad="63500" dist="38099" dir="2700000" algn="ctr" rotWithShape="0">
                       <a:schemeClr val="bg2">
@@ -7620,7 +7622,7 @@
             <a:effectLst/>
             <a:extLst>
               <a:ext uri="{91240B29-F687-4f45-9708-019B960494DF}">
-                <a14:hiddenLine xmlns:a14="http://schemas.microsoft.com/office/drawing/2010/main" xmlns="" w="9525">
+                <a14:hiddenLine xmlns="" xmlns:a14="http://schemas.microsoft.com/office/drawing/2010/main" w="9525">
                   <a:solidFill>
                     <a:schemeClr val="tx1"/>
                   </a:solidFill>
@@ -7630,7 +7632,7 @@
                 </a14:hiddenLine>
               </a:ext>
               <a:ext uri="{AF507438-7753-43e0-B8FC-AC1667EBCBE1}">
-                <a14:hiddenEffects xmlns:a14="http://schemas.microsoft.com/office/drawing/2010/main" xmlns="">
+                <a14:hiddenEffects xmlns="" xmlns:a14="http://schemas.microsoft.com/office/drawing/2010/main">
                   <a:effectLst>
                     <a:outerShdw blurRad="63500" dist="38099" dir="2700000" algn="ctr" rotWithShape="0">
                       <a:schemeClr val="bg2">
@@ -7675,7 +7677,7 @@
             <a:effectLst/>
             <a:extLst>
               <a:ext uri="{91240B29-F687-4f45-9708-019B960494DF}">
-                <a14:hiddenLine xmlns:a14="http://schemas.microsoft.com/office/drawing/2010/main" xmlns="" w="9525">
+                <a14:hiddenLine xmlns="" xmlns:a14="http://schemas.microsoft.com/office/drawing/2010/main" w="9525">
                   <a:solidFill>
                     <a:schemeClr val="tx1"/>
                   </a:solidFill>
@@ -7685,7 +7687,7 @@
                 </a14:hiddenLine>
               </a:ext>
               <a:ext uri="{AF507438-7753-43e0-B8FC-AC1667EBCBE1}">
-                <a14:hiddenEffects xmlns:a14="http://schemas.microsoft.com/office/drawing/2010/main" xmlns="">
+                <a14:hiddenEffects xmlns="" xmlns:a14="http://schemas.microsoft.com/office/drawing/2010/main">
                   <a:effectLst>
                     <a:outerShdw blurRad="63500" dist="38099" dir="2700000" algn="ctr" rotWithShape="0">
                       <a:schemeClr val="bg2">
@@ -7730,7 +7732,7 @@
             <a:effectLst/>
             <a:extLst>
               <a:ext uri="{91240B29-F687-4f45-9708-019B960494DF}">
-                <a14:hiddenLine xmlns:a14="http://schemas.microsoft.com/office/drawing/2010/main" xmlns="" w="9525">
+                <a14:hiddenLine xmlns="" xmlns:a14="http://schemas.microsoft.com/office/drawing/2010/main" w="9525">
                   <a:solidFill>
                     <a:schemeClr val="tx1"/>
                   </a:solidFill>
@@ -7740,7 +7742,7 @@
                 </a14:hiddenLine>
               </a:ext>
               <a:ext uri="{AF507438-7753-43e0-B8FC-AC1667EBCBE1}">
-                <a14:hiddenEffects xmlns:a14="http://schemas.microsoft.com/office/drawing/2010/main" xmlns="">
+                <a14:hiddenEffects xmlns="" xmlns:a14="http://schemas.microsoft.com/office/drawing/2010/main">
                   <a:effectLst>
                     <a:outerShdw blurRad="63500" dist="38099" dir="2700000" algn="ctr" rotWithShape="0">
                       <a:schemeClr val="bg2">
@@ -7785,7 +7787,7 @@
             <a:effectLst/>
             <a:extLst>
               <a:ext uri="{91240B29-F687-4f45-9708-019B960494DF}">
-                <a14:hiddenLine xmlns:a14="http://schemas.microsoft.com/office/drawing/2010/main" xmlns="" w="9525">
+                <a14:hiddenLine xmlns="" xmlns:a14="http://schemas.microsoft.com/office/drawing/2010/main" w="9525">
                   <a:solidFill>
                     <a:schemeClr val="tx1"/>
                   </a:solidFill>
@@ -7795,7 +7797,7 @@
                 </a14:hiddenLine>
               </a:ext>
               <a:ext uri="{AF507438-7753-43e0-B8FC-AC1667EBCBE1}">
-                <a14:hiddenEffects xmlns:a14="http://schemas.microsoft.com/office/drawing/2010/main" xmlns="">
+                <a14:hiddenEffects xmlns="" xmlns:a14="http://schemas.microsoft.com/office/drawing/2010/main">
                   <a:effectLst>
                     <a:outerShdw blurRad="63500" dist="38099" dir="2700000" algn="ctr" rotWithShape="0">
                       <a:schemeClr val="bg2">
@@ -7840,7 +7842,7 @@
             <a:effectLst/>
             <a:extLst>
               <a:ext uri="{91240B29-F687-4f45-9708-019B960494DF}">
-                <a14:hiddenLine xmlns:a14="http://schemas.microsoft.com/office/drawing/2010/main" xmlns="" w="9525">
+                <a14:hiddenLine xmlns="" xmlns:a14="http://schemas.microsoft.com/office/drawing/2010/main" w="9525">
                   <a:solidFill>
                     <a:schemeClr val="tx1"/>
                   </a:solidFill>
@@ -7850,7 +7852,7 @@
                 </a14:hiddenLine>
               </a:ext>
               <a:ext uri="{AF507438-7753-43e0-B8FC-AC1667EBCBE1}">
-                <a14:hiddenEffects xmlns:a14="http://schemas.microsoft.com/office/drawing/2010/main" xmlns="">
+                <a14:hiddenEffects xmlns="" xmlns:a14="http://schemas.microsoft.com/office/drawing/2010/main">
                   <a:effectLst>
                     <a:outerShdw blurRad="63500" dist="38099" dir="2700000" algn="ctr" rotWithShape="0">
                       <a:schemeClr val="bg2">
@@ -7895,7 +7897,7 @@
             <a:effectLst/>
             <a:extLst>
               <a:ext uri="{91240B29-F687-4f45-9708-019B960494DF}">
-                <a14:hiddenLine xmlns:a14="http://schemas.microsoft.com/office/drawing/2010/main" xmlns="" w="9525">
+                <a14:hiddenLine xmlns="" xmlns:a14="http://schemas.microsoft.com/office/drawing/2010/main" w="9525">
                   <a:solidFill>
                     <a:schemeClr val="tx1"/>
                   </a:solidFill>
@@ -7905,7 +7907,7 @@
                 </a14:hiddenLine>
               </a:ext>
               <a:ext uri="{AF507438-7753-43e0-B8FC-AC1667EBCBE1}">
-                <a14:hiddenEffects xmlns:a14="http://schemas.microsoft.com/office/drawing/2010/main" xmlns="">
+                <a14:hiddenEffects xmlns="" xmlns:a14="http://schemas.microsoft.com/office/drawing/2010/main">
                   <a:effectLst>
                     <a:outerShdw blurRad="63500" dist="38099" dir="2700000" algn="ctr" rotWithShape="0">
                       <a:schemeClr val="bg2">
@@ -7950,7 +7952,7 @@
             <a:effectLst/>
             <a:extLst>
               <a:ext uri="{91240B29-F687-4f45-9708-019B960494DF}">
-                <a14:hiddenLine xmlns:a14="http://schemas.microsoft.com/office/drawing/2010/main" xmlns="" w="9525">
+                <a14:hiddenLine xmlns="" xmlns:a14="http://schemas.microsoft.com/office/drawing/2010/main" w="9525">
                   <a:solidFill>
                     <a:schemeClr val="tx1"/>
                   </a:solidFill>
@@ -7960,7 +7962,7 @@
                 </a14:hiddenLine>
               </a:ext>
               <a:ext uri="{AF507438-7753-43e0-B8FC-AC1667EBCBE1}">
-                <a14:hiddenEffects xmlns:a14="http://schemas.microsoft.com/office/drawing/2010/main" xmlns="">
+                <a14:hiddenEffects xmlns="" xmlns:a14="http://schemas.microsoft.com/office/drawing/2010/main">
                   <a:effectLst>
                     <a:outerShdw blurRad="63500" dist="38099" dir="2700000" algn="ctr" rotWithShape="0">
                       <a:schemeClr val="bg2">
@@ -8005,7 +8007,7 @@
             <a:effectLst/>
             <a:extLst>
               <a:ext uri="{91240B29-F687-4f45-9708-019B960494DF}">
-                <a14:hiddenLine xmlns:a14="http://schemas.microsoft.com/office/drawing/2010/main" xmlns="" w="9525">
+                <a14:hiddenLine xmlns="" xmlns:a14="http://schemas.microsoft.com/office/drawing/2010/main" w="9525">
                   <a:solidFill>
                     <a:schemeClr val="tx1"/>
                   </a:solidFill>
@@ -8015,7 +8017,7 @@
                 </a14:hiddenLine>
               </a:ext>
               <a:ext uri="{AF507438-7753-43e0-B8FC-AC1667EBCBE1}">
-                <a14:hiddenEffects xmlns:a14="http://schemas.microsoft.com/office/drawing/2010/main" xmlns="">
+                <a14:hiddenEffects xmlns="" xmlns:a14="http://schemas.microsoft.com/office/drawing/2010/main">
                   <a:effectLst>
                     <a:outerShdw blurRad="63500" dist="38099" dir="2700000" algn="ctr" rotWithShape="0">
                       <a:schemeClr val="bg2">
@@ -8060,7 +8062,7 @@
             <a:effectLst/>
             <a:extLst>
               <a:ext uri="{91240B29-F687-4f45-9708-019B960494DF}">
-                <a14:hiddenLine xmlns:a14="http://schemas.microsoft.com/office/drawing/2010/main" xmlns="" w="9525">
+                <a14:hiddenLine xmlns="" xmlns:a14="http://schemas.microsoft.com/office/drawing/2010/main" w="9525">
                   <a:solidFill>
                     <a:schemeClr val="tx1"/>
                   </a:solidFill>
@@ -8070,7 +8072,7 @@
                 </a14:hiddenLine>
               </a:ext>
               <a:ext uri="{AF507438-7753-43e0-B8FC-AC1667EBCBE1}">
-                <a14:hiddenEffects xmlns:a14="http://schemas.microsoft.com/office/drawing/2010/main" xmlns="">
+                <a14:hiddenEffects xmlns="" xmlns:a14="http://schemas.microsoft.com/office/drawing/2010/main">
                   <a:effectLst>
                     <a:outerShdw blurRad="63500" dist="38099" dir="2700000" algn="ctr" rotWithShape="0">
                       <a:schemeClr val="bg2">
@@ -8115,7 +8117,7 @@
             <a:effectLst/>
             <a:extLst>
               <a:ext uri="{91240B29-F687-4f45-9708-019B960494DF}">
-                <a14:hiddenLine xmlns:a14="http://schemas.microsoft.com/office/drawing/2010/main" xmlns="" w="9525">
+                <a14:hiddenLine xmlns="" xmlns:a14="http://schemas.microsoft.com/office/drawing/2010/main" w="9525">
                   <a:solidFill>
                     <a:schemeClr val="tx1"/>
                   </a:solidFill>
@@ -8125,7 +8127,7 @@
                 </a14:hiddenLine>
               </a:ext>
               <a:ext uri="{AF507438-7753-43e0-B8FC-AC1667EBCBE1}">
-                <a14:hiddenEffects xmlns:a14="http://schemas.microsoft.com/office/drawing/2010/main" xmlns="">
+                <a14:hiddenEffects xmlns="" xmlns:a14="http://schemas.microsoft.com/office/drawing/2010/main">
                   <a:effectLst>
                     <a:outerShdw blurRad="63500" dist="38099" dir="2700000" algn="ctr" rotWithShape="0">
                       <a:schemeClr val="bg2">
@@ -8170,7 +8172,7 @@
             <a:effectLst/>
             <a:extLst>
               <a:ext uri="{91240B29-F687-4f45-9708-019B960494DF}">
-                <a14:hiddenLine xmlns:a14="http://schemas.microsoft.com/office/drawing/2010/main" xmlns="" w="9525">
+                <a14:hiddenLine xmlns="" xmlns:a14="http://schemas.microsoft.com/office/drawing/2010/main" w="9525">
                   <a:solidFill>
                     <a:schemeClr val="tx1"/>
                   </a:solidFill>
@@ -8180,7 +8182,7 @@
                 </a14:hiddenLine>
               </a:ext>
               <a:ext uri="{AF507438-7753-43e0-B8FC-AC1667EBCBE1}">
-                <a14:hiddenEffects xmlns:a14="http://schemas.microsoft.com/office/drawing/2010/main" xmlns="">
+                <a14:hiddenEffects xmlns="" xmlns:a14="http://schemas.microsoft.com/office/drawing/2010/main">
                   <a:effectLst>
                     <a:outerShdw blurRad="63500" dist="38099" dir="2700000" algn="ctr" rotWithShape="0">
                       <a:schemeClr val="bg2">
@@ -8225,7 +8227,7 @@
             <a:effectLst/>
             <a:extLst>
               <a:ext uri="{91240B29-F687-4f45-9708-019B960494DF}">
-                <a14:hiddenLine xmlns:a14="http://schemas.microsoft.com/office/drawing/2010/main" xmlns="" w="9525">
+                <a14:hiddenLine xmlns="" xmlns:a14="http://schemas.microsoft.com/office/drawing/2010/main" w="9525">
                   <a:solidFill>
                     <a:schemeClr val="tx1"/>
                   </a:solidFill>
@@ -8235,7 +8237,7 @@
                 </a14:hiddenLine>
               </a:ext>
               <a:ext uri="{AF507438-7753-43e0-B8FC-AC1667EBCBE1}">
-                <a14:hiddenEffects xmlns:a14="http://schemas.microsoft.com/office/drawing/2010/main" xmlns="">
+                <a14:hiddenEffects xmlns="" xmlns:a14="http://schemas.microsoft.com/office/drawing/2010/main">
                   <a:effectLst>
                     <a:outerShdw blurRad="63500" dist="38099" dir="2700000" algn="ctr" rotWithShape="0">
                       <a:schemeClr val="bg2">
@@ -8280,7 +8282,7 @@
             <a:effectLst/>
             <a:extLst>
               <a:ext uri="{91240B29-F687-4f45-9708-019B960494DF}">
-                <a14:hiddenLine xmlns:a14="http://schemas.microsoft.com/office/drawing/2010/main" xmlns="" w="9525">
+                <a14:hiddenLine xmlns="" xmlns:a14="http://schemas.microsoft.com/office/drawing/2010/main" w="9525">
                   <a:solidFill>
                     <a:schemeClr val="tx1"/>
                   </a:solidFill>
@@ -8290,7 +8292,7 @@
                 </a14:hiddenLine>
               </a:ext>
               <a:ext uri="{AF507438-7753-43e0-B8FC-AC1667EBCBE1}">
-                <a14:hiddenEffects xmlns:a14="http://schemas.microsoft.com/office/drawing/2010/main" xmlns="">
+                <a14:hiddenEffects xmlns="" xmlns:a14="http://schemas.microsoft.com/office/drawing/2010/main">
                   <a:effectLst>
                     <a:outerShdw blurRad="63500" dist="38099" dir="2700000" algn="ctr" rotWithShape="0">
                       <a:schemeClr val="bg2">
@@ -8335,7 +8337,7 @@
             <a:effectLst/>
             <a:extLst>
               <a:ext uri="{91240B29-F687-4f45-9708-019B960494DF}">
-                <a14:hiddenLine xmlns:a14="http://schemas.microsoft.com/office/drawing/2010/main" xmlns="" w="9525">
+                <a14:hiddenLine xmlns="" xmlns:a14="http://schemas.microsoft.com/office/drawing/2010/main" w="9525">
                   <a:solidFill>
                     <a:schemeClr val="tx1"/>
                   </a:solidFill>
@@ -8345,7 +8347,7 @@
                 </a14:hiddenLine>
               </a:ext>
               <a:ext uri="{AF507438-7753-43e0-B8FC-AC1667EBCBE1}">
-                <a14:hiddenEffects xmlns:a14="http://schemas.microsoft.com/office/drawing/2010/main" xmlns="">
+                <a14:hiddenEffects xmlns="" xmlns:a14="http://schemas.microsoft.com/office/drawing/2010/main">
                   <a:effectLst>
                     <a:outerShdw blurRad="63500" dist="38099" dir="2700000" algn="ctr" rotWithShape="0">
                       <a:schemeClr val="bg2">
@@ -8390,7 +8392,7 @@
             <a:effectLst/>
             <a:extLst>
               <a:ext uri="{91240B29-F687-4f45-9708-019B960494DF}">
-                <a14:hiddenLine xmlns:a14="http://schemas.microsoft.com/office/drawing/2010/main" xmlns="" w="9525">
+                <a14:hiddenLine xmlns="" xmlns:a14="http://schemas.microsoft.com/office/drawing/2010/main" w="9525">
                   <a:solidFill>
                     <a:schemeClr val="tx1"/>
                   </a:solidFill>
@@ -8400,7 +8402,7 @@
                 </a14:hiddenLine>
               </a:ext>
               <a:ext uri="{AF507438-7753-43e0-B8FC-AC1667EBCBE1}">
-                <a14:hiddenEffects xmlns:a14="http://schemas.microsoft.com/office/drawing/2010/main" xmlns="">
+                <a14:hiddenEffects xmlns="" xmlns:a14="http://schemas.microsoft.com/office/drawing/2010/main">
                   <a:effectLst>
                     <a:outerShdw blurRad="63500" dist="38099" dir="2700000" algn="ctr" rotWithShape="0">
                       <a:schemeClr val="bg2">
@@ -8445,7 +8447,7 @@
             <a:effectLst/>
             <a:extLst>
               <a:ext uri="{91240B29-F687-4f45-9708-019B960494DF}">
-                <a14:hiddenLine xmlns:a14="http://schemas.microsoft.com/office/drawing/2010/main" xmlns="" w="9525">
+                <a14:hiddenLine xmlns="" xmlns:a14="http://schemas.microsoft.com/office/drawing/2010/main" w="9525">
                   <a:solidFill>
                     <a:schemeClr val="tx1"/>
                   </a:solidFill>
@@ -8455,7 +8457,7 @@
                 </a14:hiddenLine>
               </a:ext>
               <a:ext uri="{AF507438-7753-43e0-B8FC-AC1667EBCBE1}">
-                <a14:hiddenEffects xmlns:a14="http://schemas.microsoft.com/office/drawing/2010/main" xmlns="">
+                <a14:hiddenEffects xmlns="" xmlns:a14="http://schemas.microsoft.com/office/drawing/2010/main">
                   <a:effectLst>
                     <a:outerShdw blurRad="63500" dist="38099" dir="2700000" algn="ctr" rotWithShape="0">
                       <a:schemeClr val="bg2">
@@ -8500,7 +8502,7 @@
             <a:effectLst/>
             <a:extLst>
               <a:ext uri="{91240B29-F687-4f45-9708-019B960494DF}">
-                <a14:hiddenLine xmlns:a14="http://schemas.microsoft.com/office/drawing/2010/main" xmlns="" w="9525">
+                <a14:hiddenLine xmlns="" xmlns:a14="http://schemas.microsoft.com/office/drawing/2010/main" w="9525">
                   <a:solidFill>
                     <a:schemeClr val="tx1"/>
                   </a:solidFill>
@@ -8510,7 +8512,7 @@
                 </a14:hiddenLine>
               </a:ext>
               <a:ext uri="{AF507438-7753-43e0-B8FC-AC1667EBCBE1}">
-                <a14:hiddenEffects xmlns:a14="http://schemas.microsoft.com/office/drawing/2010/main" xmlns="">
+                <a14:hiddenEffects xmlns="" xmlns:a14="http://schemas.microsoft.com/office/drawing/2010/main">
                   <a:effectLst>
                     <a:outerShdw blurRad="63500" dist="38099" dir="2700000" algn="ctr" rotWithShape="0">
                       <a:schemeClr val="bg2">
@@ -8555,7 +8557,7 @@
             <a:effectLst/>
             <a:extLst>
               <a:ext uri="{91240B29-F687-4f45-9708-019B960494DF}">
-                <a14:hiddenLine xmlns:a14="http://schemas.microsoft.com/office/drawing/2010/main" xmlns="" w="9525">
+                <a14:hiddenLine xmlns="" xmlns:a14="http://schemas.microsoft.com/office/drawing/2010/main" w="9525">
                   <a:solidFill>
                     <a:schemeClr val="tx1"/>
                   </a:solidFill>
@@ -8565,7 +8567,7 @@
                 </a14:hiddenLine>
               </a:ext>
               <a:ext uri="{AF507438-7753-43e0-B8FC-AC1667EBCBE1}">
-                <a14:hiddenEffects xmlns:a14="http://schemas.microsoft.com/office/drawing/2010/main" xmlns="">
+                <a14:hiddenEffects xmlns="" xmlns:a14="http://schemas.microsoft.com/office/drawing/2010/main">
                   <a:effectLst>
                     <a:outerShdw blurRad="63500" dist="38099" dir="2700000" algn="ctr" rotWithShape="0">
                       <a:schemeClr val="bg2">
@@ -8610,7 +8612,7 @@
             <a:effectLst/>
             <a:extLst>
               <a:ext uri="{91240B29-F687-4f45-9708-019B960494DF}">
-                <a14:hiddenLine xmlns:a14="http://schemas.microsoft.com/office/drawing/2010/main" xmlns="" w="9525">
+                <a14:hiddenLine xmlns="" xmlns:a14="http://schemas.microsoft.com/office/drawing/2010/main" w="9525">
                   <a:solidFill>
                     <a:schemeClr val="tx1"/>
                   </a:solidFill>
@@ -8620,7 +8622,7 @@
                 </a14:hiddenLine>
               </a:ext>
               <a:ext uri="{AF507438-7753-43e0-B8FC-AC1667EBCBE1}">
-                <a14:hiddenEffects xmlns:a14="http://schemas.microsoft.com/office/drawing/2010/main" xmlns="">
+                <a14:hiddenEffects xmlns="" xmlns:a14="http://schemas.microsoft.com/office/drawing/2010/main">
                   <a:effectLst>
                     <a:outerShdw blurRad="63500" dist="38099" dir="2700000" algn="ctr" rotWithShape="0">
                       <a:schemeClr val="bg2">
@@ -8665,7 +8667,7 @@
             <a:effectLst/>
             <a:extLst>
               <a:ext uri="{91240B29-F687-4f45-9708-019B960494DF}">
-                <a14:hiddenLine xmlns:a14="http://schemas.microsoft.com/office/drawing/2010/main" xmlns="" w="9525">
+                <a14:hiddenLine xmlns="" xmlns:a14="http://schemas.microsoft.com/office/drawing/2010/main" w="9525">
                   <a:solidFill>
                     <a:schemeClr val="tx1"/>
                   </a:solidFill>
@@ -8675,7 +8677,7 @@
                 </a14:hiddenLine>
               </a:ext>
               <a:ext uri="{AF507438-7753-43e0-B8FC-AC1667EBCBE1}">
-                <a14:hiddenEffects xmlns:a14="http://schemas.microsoft.com/office/drawing/2010/main" xmlns="">
+                <a14:hiddenEffects xmlns="" xmlns:a14="http://schemas.microsoft.com/office/drawing/2010/main">
                   <a:effectLst>
                     <a:outerShdw blurRad="63500" dist="38099" dir="2700000" algn="ctr" rotWithShape="0">
                       <a:schemeClr val="bg2">
@@ -9349,7 +9351,7 @@
           </a:ln>
           <a:extLst>
             <a:ext uri="{909E8E84-426E-40dd-AFC4-6F175D3DCCD1}">
-              <a14:hiddenFill xmlns:a14="http://schemas.microsoft.com/office/drawing/2010/main" xmlns="">
+              <a14:hiddenFill xmlns="" xmlns:a14="http://schemas.microsoft.com/office/drawing/2010/main">
                 <a:solidFill>
                   <a:schemeClr val="accent1"/>
                 </a:solidFill>
@@ -9414,7 +9416,7 @@
           </a:ln>
           <a:extLst>
             <a:ext uri="{909E8E84-426E-40dd-AFC4-6F175D3DCCD1}">
-              <a14:hiddenFill xmlns:a14="http://schemas.microsoft.com/office/drawing/2010/main" xmlns="">
+              <a14:hiddenFill xmlns="" xmlns:a14="http://schemas.microsoft.com/office/drawing/2010/main">
                 <a:solidFill>
                   <a:schemeClr val="accent1"/>
                 </a:solidFill>
@@ -9501,7 +9503,7 @@
           </a:ln>
           <a:extLst>
             <a:ext uri="{909E8E84-426E-40dd-AFC4-6F175D3DCCD1}">
-              <a14:hiddenFill xmlns:a14="http://schemas.microsoft.com/office/drawing/2010/main" xmlns="">
+              <a14:hiddenFill xmlns="" xmlns:a14="http://schemas.microsoft.com/office/drawing/2010/main">
                 <a:solidFill>
                   <a:schemeClr val="accent1"/>
                 </a:solidFill>
@@ -9544,7 +9546,7 @@
           </a:ln>
           <a:extLst>
             <a:ext uri="{909E8E84-426E-40dd-AFC4-6F175D3DCCD1}">
-              <a14:hiddenFill xmlns:a14="http://schemas.microsoft.com/office/drawing/2010/main" xmlns="">
+              <a14:hiddenFill xmlns="" xmlns:a14="http://schemas.microsoft.com/office/drawing/2010/main">
                 <a:solidFill>
                   <a:schemeClr val="accent1"/>
                 </a:solidFill>
@@ -9589,7 +9591,7 @@
           </a:ln>
           <a:extLst>
             <a:ext uri="{909E8E84-426E-40dd-AFC4-6F175D3DCCD1}">
-              <a14:hiddenFill xmlns:a14="http://schemas.microsoft.com/office/drawing/2010/main" xmlns="">
+              <a14:hiddenFill xmlns="" xmlns:a14="http://schemas.microsoft.com/office/drawing/2010/main">
                 <a:noFill/>
               </a14:hiddenFill>
             </a:ext>
@@ -9618,14 +9620,14 @@
           </a:ln>
           <a:extLst>
             <a:ext uri="{909E8E84-426E-40dd-AFC4-6F175D3DCCD1}">
-              <a14:hiddenFill xmlns:a14="http://schemas.microsoft.com/office/drawing/2010/main" xmlns="">
+              <a14:hiddenFill xmlns="" xmlns:a14="http://schemas.microsoft.com/office/drawing/2010/main">
                 <a:solidFill>
                   <a:schemeClr val="accent1"/>
                 </a:solidFill>
               </a14:hiddenFill>
             </a:ext>
             <a:ext uri="{91240B29-F687-4f45-9708-019B960494DF}">
-              <a14:hiddenLine xmlns:a14="http://schemas.microsoft.com/office/drawing/2010/main" xmlns="" w="9525">
+              <a14:hiddenLine xmlns="" xmlns:a14="http://schemas.microsoft.com/office/drawing/2010/main" w="9525">
                 <a:solidFill>
                   <a:schemeClr val="tx1"/>
                 </a:solidFill>
@@ -9671,14 +9673,14 @@
           </a:ln>
           <a:extLst>
             <a:ext uri="{909E8E84-426E-40dd-AFC4-6F175D3DCCD1}">
-              <a14:hiddenFill xmlns:a14="http://schemas.microsoft.com/office/drawing/2010/main" xmlns="">
+              <a14:hiddenFill xmlns="" xmlns:a14="http://schemas.microsoft.com/office/drawing/2010/main">
                 <a:solidFill>
                   <a:schemeClr val="accent1"/>
                 </a:solidFill>
               </a14:hiddenFill>
             </a:ext>
             <a:ext uri="{91240B29-F687-4f45-9708-019B960494DF}">
-              <a14:hiddenLine xmlns:a14="http://schemas.microsoft.com/office/drawing/2010/main" xmlns="" w="9525">
+              <a14:hiddenLine xmlns="" xmlns:a14="http://schemas.microsoft.com/office/drawing/2010/main" w="9525">
                 <a:solidFill>
                   <a:schemeClr val="tx1"/>
                 </a:solidFill>
@@ -9733,7 +9735,7 @@
           </a:ln>
           <a:extLst>
             <a:ext uri="{909E8E84-426E-40dd-AFC4-6F175D3DCCD1}">
-              <a14:hiddenFill xmlns:a14="http://schemas.microsoft.com/office/drawing/2010/main" xmlns="">
+              <a14:hiddenFill xmlns="" xmlns:a14="http://schemas.microsoft.com/office/drawing/2010/main">
                 <a:solidFill>
                   <a:schemeClr val="accent1"/>
                 </a:solidFill>
@@ -9776,14 +9778,14 @@
           </a:ln>
           <a:extLst>
             <a:ext uri="{909E8E84-426E-40dd-AFC4-6F175D3DCCD1}">
-              <a14:hiddenFill xmlns:a14="http://schemas.microsoft.com/office/drawing/2010/main" xmlns="">
+              <a14:hiddenFill xmlns="" xmlns:a14="http://schemas.microsoft.com/office/drawing/2010/main">
                 <a:solidFill>
                   <a:schemeClr val="accent1"/>
                 </a:solidFill>
               </a14:hiddenFill>
             </a:ext>
             <a:ext uri="{91240B29-F687-4f45-9708-019B960494DF}">
-              <a14:hiddenLine xmlns:a14="http://schemas.microsoft.com/office/drawing/2010/main" xmlns="" w="9525">
+              <a14:hiddenLine xmlns="" xmlns:a14="http://schemas.microsoft.com/office/drawing/2010/main" w="9525">
                 <a:solidFill>
                   <a:schemeClr val="tx1"/>
                 </a:solidFill>
@@ -9838,7 +9840,7 @@
           </a:ln>
           <a:extLst>
             <a:ext uri="{909E8E84-426E-40dd-AFC4-6F175D3DCCD1}">
-              <a14:hiddenFill xmlns:a14="http://schemas.microsoft.com/office/drawing/2010/main" xmlns="">
+              <a14:hiddenFill xmlns="" xmlns:a14="http://schemas.microsoft.com/office/drawing/2010/main">
                 <a:noFill/>
               </a14:hiddenFill>
             </a:ext>
@@ -9867,14 +9869,14 @@
           </a:ln>
           <a:extLst>
             <a:ext uri="{909E8E84-426E-40dd-AFC4-6F175D3DCCD1}">
-              <a14:hiddenFill xmlns:a14="http://schemas.microsoft.com/office/drawing/2010/main" xmlns="">
+              <a14:hiddenFill xmlns="" xmlns:a14="http://schemas.microsoft.com/office/drawing/2010/main">
                 <a:solidFill>
                   <a:schemeClr val="accent1"/>
                 </a:solidFill>
               </a14:hiddenFill>
             </a:ext>
             <a:ext uri="{91240B29-F687-4f45-9708-019B960494DF}">
-              <a14:hiddenLine xmlns:a14="http://schemas.microsoft.com/office/drawing/2010/main" xmlns="" w="9525">
+              <a14:hiddenLine xmlns="" xmlns:a14="http://schemas.microsoft.com/office/drawing/2010/main" w="9525">
                 <a:solidFill>
                   <a:schemeClr val="tx1"/>
                 </a:solidFill>
@@ -9943,14 +9945,14 @@
           </a:ln>
           <a:extLst>
             <a:ext uri="{909E8E84-426E-40dd-AFC4-6F175D3DCCD1}">
-              <a14:hiddenFill xmlns:a14="http://schemas.microsoft.com/office/drawing/2010/main" xmlns="">
+              <a14:hiddenFill xmlns="" xmlns:a14="http://schemas.microsoft.com/office/drawing/2010/main">
                 <a:solidFill>
                   <a:schemeClr val="accent1"/>
                 </a:solidFill>
               </a14:hiddenFill>
             </a:ext>
             <a:ext uri="{91240B29-F687-4f45-9708-019B960494DF}">
-              <a14:hiddenLine xmlns:a14="http://schemas.microsoft.com/office/drawing/2010/main" xmlns="" w="9525">
+              <a14:hiddenLine xmlns="" xmlns:a14="http://schemas.microsoft.com/office/drawing/2010/main" w="9525">
                 <a:solidFill>
                   <a:schemeClr val="tx1"/>
                 </a:solidFill>
@@ -10003,14 +10005,14 @@
           </a:ln>
           <a:extLst>
             <a:ext uri="{909E8E84-426E-40dd-AFC4-6F175D3DCCD1}">
-              <a14:hiddenFill xmlns:a14="http://schemas.microsoft.com/office/drawing/2010/main" xmlns="">
+              <a14:hiddenFill xmlns="" xmlns:a14="http://schemas.microsoft.com/office/drawing/2010/main">
                 <a:solidFill>
                   <a:schemeClr val="accent1"/>
                 </a:solidFill>
               </a14:hiddenFill>
             </a:ext>
             <a:ext uri="{91240B29-F687-4f45-9708-019B960494DF}">
-              <a14:hiddenLine xmlns:a14="http://schemas.microsoft.com/office/drawing/2010/main" xmlns="" w="9525">
+              <a14:hiddenLine xmlns="" xmlns:a14="http://schemas.microsoft.com/office/drawing/2010/main" w="9525">
                 <a:solidFill>
                   <a:schemeClr val="tx1"/>
                 </a:solidFill>
@@ -10072,14 +10074,14 @@
           </a:ln>
           <a:extLst>
             <a:ext uri="{909E8E84-426E-40dd-AFC4-6F175D3DCCD1}">
-              <a14:hiddenFill xmlns:a14="http://schemas.microsoft.com/office/drawing/2010/main" xmlns="">
+              <a14:hiddenFill xmlns="" xmlns:a14="http://schemas.microsoft.com/office/drawing/2010/main">
                 <a:solidFill>
                   <a:schemeClr val="accent1"/>
                 </a:solidFill>
               </a14:hiddenFill>
             </a:ext>
             <a:ext uri="{91240B29-F687-4f45-9708-019B960494DF}">
-              <a14:hiddenLine xmlns:a14="http://schemas.microsoft.com/office/drawing/2010/main" xmlns="" w="9525">
+              <a14:hiddenLine xmlns="" xmlns:a14="http://schemas.microsoft.com/office/drawing/2010/main" w="9525">
                 <a:solidFill>
                   <a:schemeClr val="tx1"/>
                 </a:solidFill>
@@ -10302,7 +10304,7 @@
           <a:effectLst/>
           <a:extLst>
             <a:ext uri="{AF507438-7753-43e0-B8FC-AC1667EBCBE1}">
-              <a14:hiddenEffects xmlns="" xmlns:a14="http://schemas.microsoft.com/office/drawing/2010/main">
+              <a14:hiddenEffects xmlns:a14="http://schemas.microsoft.com/office/drawing/2010/main" xmlns="">
                 <a:effectLst>
                   <a:outerShdw blurRad="63500" dist="38099" dir="2700000" algn="ctr" rotWithShape="0">
                     <a:schemeClr val="bg2">
@@ -10388,7 +10390,7 @@
           <a:effectLst/>
           <a:extLst>
             <a:ext uri="{AF507438-7753-43e0-B8FC-AC1667EBCBE1}">
-              <a14:hiddenEffects xmlns="" xmlns:a14="http://schemas.microsoft.com/office/drawing/2010/main">
+              <a14:hiddenEffects xmlns:a14="http://schemas.microsoft.com/office/drawing/2010/main" xmlns="">
                 <a:effectLst>
                   <a:outerShdw blurRad="63500" dist="38099" dir="2700000" algn="ctr" rotWithShape="0">
                     <a:schemeClr val="bg2">
@@ -10474,7 +10476,93 @@
           <a:effectLst/>
           <a:extLst>
             <a:ext uri="{AF507438-7753-43e0-B8FC-AC1667EBCBE1}">
-              <a14:hiddenEffects xmlns="" xmlns:a14="http://schemas.microsoft.com/office/drawing/2010/main">
+              <a14:hiddenEffects xmlns:a14="http://schemas.microsoft.com/office/drawing/2010/main" xmlns="">
+                <a:effectLst>
+                  <a:outerShdw blurRad="63500" dist="38099" dir="2700000" algn="ctr" rotWithShape="0">
+                    <a:schemeClr val="bg2">
+                      <a:alpha val="74998"/>
+                    </a:schemeClr>
+                  </a:outerShdw>
+                </a:effectLst>
+              </a14:hiddenEffects>
+            </a:ext>
+          </a:extLst>
+        </p:spPr>
+        <p:txBody>
+          <a:bodyPr vert="horz" wrap="square" lIns="91440" tIns="45720" rIns="91440" bIns="45720" numCol="1" rtlCol="0" anchor="t" anchorCtr="0" compatLnSpc="1">
+            <a:prstTxWarp prst="textNoShape">
+              <a:avLst/>
+            </a:prstTxWarp>
+          </a:bodyPr>
+          <a:lstStyle/>
+          <a:p>
+            <a:pPr marL="0" marR="0" indent="0" algn="l" defTabSz="914400" rtl="0" eaLnBrk="0" fontAlgn="base" latinLnBrk="0" hangingPunct="0">
+              <a:lnSpc>
+                <a:spcPct val="100000"/>
+              </a:lnSpc>
+              <a:spcBef>
+                <a:spcPct val="0"/>
+              </a:spcBef>
+              <a:spcAft>
+                <a:spcPct val="0"/>
+              </a:spcAft>
+              <a:buClrTx/>
+              <a:buSzTx/>
+              <a:buFontTx/>
+              <a:buNone/>
+              <a:tabLst/>
+            </a:pPr>
+            <a:endParaRPr kumimoji="0" lang="en-US" sz="200" b="0" i="0" u="none" strike="noStrike" cap="none" normalizeH="0" baseline="0">
+              <a:ln>
+                <a:noFill/>
+              </a:ln>
+              <a:solidFill>
+                <a:srgbClr val="808080"/>
+              </a:solidFill>
+              <a:effectLst/>
+              <a:latin typeface="Arial" charset="0"/>
+              <a:ea typeface="ＭＳ Ｐゴシック" charset="0"/>
+              <a:cs typeface="ＭＳ Ｐゴシック" charset="0"/>
+            </a:endParaRPr>
+          </a:p>
+        </p:txBody>
+      </p:sp>
+      <p:sp>
+        <p:nvSpPr>
+          <p:cNvPr id="7" name="Left Arrow 6">
+            <a:extLst>
+              <a:ext uri="{FF2B5EF4-FFF2-40B4-BE49-F238E27FC236}">
+                <a16:creationId xmlns:a16="http://schemas.microsoft.com/office/drawing/2014/main" id="{D6887C4E-EFEC-D54D-86E6-C57C3D8B26D8}"/>
+              </a:ext>
+            </a:extLst>
+          </p:cNvPr>
+          <p:cNvSpPr/>
+          <p:nvPr/>
+        </p:nvSpPr>
+        <p:spPr bwMode="auto">
+          <a:xfrm>
+            <a:off x="2895600" y="2362200"/>
+            <a:ext cx="342900" cy="228600"/>
+          </a:xfrm>
+          <a:prstGeom prst="leftArrow">
+            <a:avLst/>
+          </a:prstGeom>
+          <a:solidFill>
+            <a:srgbClr val="FF0000"/>
+          </a:solidFill>
+          <a:ln w="9525" cap="flat" cmpd="sng" algn="ctr">
+            <a:solidFill>
+              <a:schemeClr val="tx1"/>
+            </a:solidFill>
+            <a:prstDash val="solid"/>
+            <a:round/>
+            <a:headEnd type="none" w="med" len="med"/>
+            <a:tailEnd type="none" w="med" len="med"/>
+          </a:ln>
+          <a:effectLst/>
+          <a:extLst>
+            <a:ext uri="{AF507438-7753-43e0-B8FC-AC1667EBCBE1}">
+              <a14:hiddenEffects xmlns:a14="http://schemas.microsoft.com/office/drawing/2010/main" xmlns="">
                 <a:effectLst>
                   <a:outerShdw blurRad="63500" dist="38099" dir="2700000" algn="ctr" rotWithShape="0">
                     <a:schemeClr val="bg2">
@@ -10818,7 +10906,7 @@
           <a:effectLst/>
           <a:extLst>
             <a:ext uri="{AF507438-7753-43e0-B8FC-AC1667EBCBE1}">
-              <a14:hiddenEffects xmlns="" xmlns:a14="http://schemas.microsoft.com/office/drawing/2010/main">
+              <a14:hiddenEffects xmlns:a14="http://schemas.microsoft.com/office/drawing/2010/main" xmlns="">
                 <a:effectLst>
                   <a:outerShdw blurRad="63500" dist="38099" dir="2700000" algn="ctr" rotWithShape="0">
                     <a:schemeClr val="bg2">
@@ -10904,7 +10992,7 @@
           <a:effectLst/>
           <a:extLst>
             <a:ext uri="{AF507438-7753-43e0-B8FC-AC1667EBCBE1}">
-              <a14:hiddenEffects xmlns="" xmlns:a14="http://schemas.microsoft.com/office/drawing/2010/main">
+              <a14:hiddenEffects xmlns:a14="http://schemas.microsoft.com/office/drawing/2010/main" xmlns="">
                 <a:effectLst>
                   <a:outerShdw blurRad="63500" dist="38099" dir="2700000" algn="ctr" rotWithShape="0">
                     <a:schemeClr val="bg2">
@@ -10990,7 +11078,7 @@
           <a:effectLst/>
           <a:extLst>
             <a:ext uri="{AF507438-7753-43e0-B8FC-AC1667EBCBE1}">
-              <a14:hiddenEffects xmlns="" xmlns:a14="http://schemas.microsoft.com/office/drawing/2010/main">
+              <a14:hiddenEffects xmlns:a14="http://schemas.microsoft.com/office/drawing/2010/main" xmlns="">
                 <a:effectLst>
                   <a:outerShdw blurRad="63500" dist="38099" dir="2700000" algn="ctr" rotWithShape="0">
                     <a:schemeClr val="bg2">
@@ -11198,7 +11286,7 @@
           <a:effectLst/>
           <a:extLst>
             <a:ext uri="{AF507438-7753-43e0-B8FC-AC1667EBCBE1}">
-              <a14:hiddenEffects xmlns="" xmlns:a14="http://schemas.microsoft.com/office/drawing/2010/main">
+              <a14:hiddenEffects xmlns:a14="http://schemas.microsoft.com/office/drawing/2010/main" xmlns="">
                 <a:effectLst>
                   <a:outerShdw blurRad="63500" dist="38099" dir="2700000" algn="ctr" rotWithShape="0">
                     <a:schemeClr val="bg2">
@@ -11598,7 +11686,7 @@
           <a:effectLst/>
           <a:extLst>
             <a:ext uri="{AF507438-7753-43e0-B8FC-AC1667EBCBE1}">
-              <a14:hiddenEffects xmlns="" xmlns:a14="http://schemas.microsoft.com/office/drawing/2010/main">
+              <a14:hiddenEffects xmlns:a14="http://schemas.microsoft.com/office/drawing/2010/main" xmlns="">
                 <a:effectLst>
                   <a:outerShdw blurRad="63500" dist="38099" dir="2700000" algn="ctr" rotWithShape="0">
                     <a:schemeClr val="bg2">
@@ -11953,7 +12041,7 @@
           <a:effectLst/>
           <a:extLst>
             <a:ext uri="{AF507438-7753-43e0-B8FC-AC1667EBCBE1}">
-              <a14:hiddenEffects xmlns="" xmlns:a14="http://schemas.microsoft.com/office/drawing/2010/main">
+              <a14:hiddenEffects xmlns:a14="http://schemas.microsoft.com/office/drawing/2010/main" xmlns="">
                 <a:effectLst>
                   <a:outerShdw blurRad="63500" dist="38099" dir="2700000" algn="ctr" rotWithShape="0">
                     <a:schemeClr val="bg2">
@@ -12061,7 +12149,7 @@
           </a:ln>
           <a:extLst>
             <a:ext uri="{909E8E84-426E-40dd-AFC4-6F175D3DCCD1}">
-              <a14:hiddenFill xmlns:a14="http://schemas.microsoft.com/office/drawing/2010/main" xmlns="">
+              <a14:hiddenFill xmlns="" xmlns:a14="http://schemas.microsoft.com/office/drawing/2010/main">
                 <a:solidFill>
                   <a:schemeClr val="accent1"/>
                 </a:solidFill>
@@ -12126,7 +12214,7 @@
           </a:ln>
           <a:extLst>
             <a:ext uri="{909E8E84-426E-40dd-AFC4-6F175D3DCCD1}">
-              <a14:hiddenFill xmlns:a14="http://schemas.microsoft.com/office/drawing/2010/main" xmlns="">
+              <a14:hiddenFill xmlns="" xmlns:a14="http://schemas.microsoft.com/office/drawing/2010/main">
                 <a:solidFill>
                   <a:schemeClr val="accent1"/>
                 </a:solidFill>
@@ -12213,7 +12301,7 @@
           </a:ln>
           <a:extLst>
             <a:ext uri="{909E8E84-426E-40dd-AFC4-6F175D3DCCD1}">
-              <a14:hiddenFill xmlns:a14="http://schemas.microsoft.com/office/drawing/2010/main" xmlns="">
+              <a14:hiddenFill xmlns="" xmlns:a14="http://schemas.microsoft.com/office/drawing/2010/main">
                 <a:solidFill>
                   <a:schemeClr val="accent1"/>
                 </a:solidFill>
@@ -12256,7 +12344,7 @@
           </a:ln>
           <a:extLst>
             <a:ext uri="{909E8E84-426E-40dd-AFC4-6F175D3DCCD1}">
-              <a14:hiddenFill xmlns:a14="http://schemas.microsoft.com/office/drawing/2010/main" xmlns="">
+              <a14:hiddenFill xmlns="" xmlns:a14="http://schemas.microsoft.com/office/drawing/2010/main">
                 <a:solidFill>
                   <a:schemeClr val="accent1"/>
                 </a:solidFill>
@@ -12301,7 +12389,7 @@
           </a:ln>
           <a:extLst>
             <a:ext uri="{909E8E84-426E-40dd-AFC4-6F175D3DCCD1}">
-              <a14:hiddenFill xmlns:a14="http://schemas.microsoft.com/office/drawing/2010/main" xmlns="">
+              <a14:hiddenFill xmlns="" xmlns:a14="http://schemas.microsoft.com/office/drawing/2010/main">
                 <a:noFill/>
               </a14:hiddenFill>
             </a:ext>
@@ -12330,14 +12418,14 @@
           </a:ln>
           <a:extLst>
             <a:ext uri="{909E8E84-426E-40dd-AFC4-6F175D3DCCD1}">
-              <a14:hiddenFill xmlns:a14="http://schemas.microsoft.com/office/drawing/2010/main" xmlns="">
+              <a14:hiddenFill xmlns="" xmlns:a14="http://schemas.microsoft.com/office/drawing/2010/main">
                 <a:solidFill>
                   <a:schemeClr val="accent1"/>
                 </a:solidFill>
               </a14:hiddenFill>
             </a:ext>
             <a:ext uri="{91240B29-F687-4f45-9708-019B960494DF}">
-              <a14:hiddenLine xmlns:a14="http://schemas.microsoft.com/office/drawing/2010/main" xmlns="" w="9525">
+              <a14:hiddenLine xmlns="" xmlns:a14="http://schemas.microsoft.com/office/drawing/2010/main" w="9525">
                 <a:solidFill>
                   <a:schemeClr val="tx1"/>
                 </a:solidFill>
@@ -12383,14 +12471,14 @@
           </a:ln>
           <a:extLst>
             <a:ext uri="{909E8E84-426E-40dd-AFC4-6F175D3DCCD1}">
-              <a14:hiddenFill xmlns:a14="http://schemas.microsoft.com/office/drawing/2010/main" xmlns="">
+              <a14:hiddenFill xmlns="" xmlns:a14="http://schemas.microsoft.com/office/drawing/2010/main">
                 <a:solidFill>
                   <a:schemeClr val="accent1"/>
                 </a:solidFill>
               </a14:hiddenFill>
             </a:ext>
             <a:ext uri="{91240B29-F687-4f45-9708-019B960494DF}">
-              <a14:hiddenLine xmlns:a14="http://schemas.microsoft.com/office/drawing/2010/main" xmlns="" w="9525">
+              <a14:hiddenLine xmlns="" xmlns:a14="http://schemas.microsoft.com/office/drawing/2010/main" w="9525">
                 <a:solidFill>
                   <a:schemeClr val="tx1"/>
                 </a:solidFill>
@@ -12445,7 +12533,7 @@
           </a:ln>
           <a:extLst>
             <a:ext uri="{909E8E84-426E-40dd-AFC4-6F175D3DCCD1}">
-              <a14:hiddenFill xmlns:a14="http://schemas.microsoft.com/office/drawing/2010/main" xmlns="">
+              <a14:hiddenFill xmlns="" xmlns:a14="http://schemas.microsoft.com/office/drawing/2010/main">
                 <a:solidFill>
                   <a:schemeClr val="accent1"/>
                 </a:solidFill>
@@ -12488,14 +12576,14 @@
           </a:ln>
           <a:extLst>
             <a:ext uri="{909E8E84-426E-40dd-AFC4-6F175D3DCCD1}">
-              <a14:hiddenFill xmlns:a14="http://schemas.microsoft.com/office/drawing/2010/main" xmlns="">
+              <a14:hiddenFill xmlns="" xmlns:a14="http://schemas.microsoft.com/office/drawing/2010/main">
                 <a:solidFill>
                   <a:schemeClr val="accent1"/>
                 </a:solidFill>
               </a14:hiddenFill>
             </a:ext>
             <a:ext uri="{91240B29-F687-4f45-9708-019B960494DF}">
-              <a14:hiddenLine xmlns:a14="http://schemas.microsoft.com/office/drawing/2010/main" xmlns="" w="9525">
+              <a14:hiddenLine xmlns="" xmlns:a14="http://schemas.microsoft.com/office/drawing/2010/main" w="9525">
                 <a:solidFill>
                   <a:schemeClr val="tx1"/>
                 </a:solidFill>
@@ -12550,7 +12638,7 @@
           </a:ln>
           <a:extLst>
             <a:ext uri="{909E8E84-426E-40dd-AFC4-6F175D3DCCD1}">
-              <a14:hiddenFill xmlns:a14="http://schemas.microsoft.com/office/drawing/2010/main" xmlns="">
+              <a14:hiddenFill xmlns="" xmlns:a14="http://schemas.microsoft.com/office/drawing/2010/main">
                 <a:noFill/>
               </a14:hiddenFill>
             </a:ext>
@@ -12584,9 +12672,9 @@
       </p:grpSpPr>
       <p:sp>
         <p:nvSpPr>
-          <p:cNvPr id="27650" name="Rectangle 2"/>
+          <p:cNvPr id="2" name="Title 1"/>
           <p:cNvSpPr>
-            <a:spLocks noGrp="1" noChangeArrowheads="1"/>
+            <a:spLocks noGrp="1"/>
           </p:cNvSpPr>
           <p:nvPr>
             <p:ph type="title"/>
@@ -12599,39 +12687,94 @@
           <a:p>
             <a:r>
               <a:rPr lang="en-US" dirty="0"/>
-              <a:t>Symbol Table</a:t>
-            </a:r>
-          </a:p>
-        </p:txBody>
-      </p:sp>
-      <p:sp>
-        <p:nvSpPr>
-          <p:cNvPr id="27651" name="Rectangle 3"/>
-          <p:cNvSpPr>
-            <a:spLocks noGrp="1" noChangeArrowheads="1"/>
-          </p:cNvSpPr>
-          <p:nvPr>
-            <p:ph type="body" idx="1"/>
-          </p:nvPr>
-        </p:nvSpPr>
-        <p:spPr/>
-        <p:txBody>
-          <a:bodyPr/>
+              <a:t>Cuppa3 Frontend</a:t>
+            </a:r>
+          </a:p>
+        </p:txBody>
+      </p:sp>
+      <p:sp>
+        <p:nvSpPr>
+          <p:cNvPr id="5" name="TextBox 4">
+            <a:extLst>
+              <a:ext uri="{FF2B5EF4-FFF2-40B4-BE49-F238E27FC236}">
+                <a16:creationId xmlns:a16="http://schemas.microsoft.com/office/drawing/2014/main" id="{FD0AB871-B301-6A47-95BE-01022AE6F090}"/>
+              </a:ext>
+            </a:extLst>
+          </p:cNvPr>
+          <p:cNvSpPr txBox="1"/>
+          <p:nvPr/>
+        </p:nvSpPr>
+        <p:spPr>
+          <a:xfrm>
+            <a:off x="563526" y="1648047"/>
+            <a:ext cx="3416320" cy="400110"/>
+          </a:xfrm>
+          <a:prstGeom prst="rect">
+            <a:avLst/>
+          </a:prstGeom>
+          <a:noFill/>
+          <a:ln>
+            <a:solidFill>
+              <a:schemeClr val="tx1"/>
+            </a:solidFill>
+          </a:ln>
+        </p:spPr>
+        <p:txBody>
+          <a:bodyPr wrap="none" rtlCol="0">
+            <a:spAutoFit/>
+          </a:bodyPr>
           <a:lstStyle/>
           <a:p>
             <a:r>
-              <a:rPr lang="en-US" dirty="0"/>
-              <a:t>The symbol table is extended so that we can manipulate scopes in order to implement </a:t>
-            </a:r>
-            <a:r>
-              <a:rPr lang="en-US" i="1" dirty="0"/>
-              <a:t>static scoping</a:t>
-            </a:r>
-            <a:endParaRPr lang="en-US" dirty="0"/>
-          </a:p>
-        </p:txBody>
-      </p:sp>
+              <a:rPr lang="en-US" sz="2000" dirty="0">
+                <a:latin typeface="Courier" pitchFamily="2" charset="0"/>
+              </a:rPr>
+              <a:t>stmt : return exp? ;?</a:t>
+            </a:r>
+          </a:p>
+        </p:txBody>
+      </p:sp>
+      <p:pic>
+        <p:nvPicPr>
+          <p:cNvPr id="10" name="Picture 9">
+            <a:extLst>
+              <a:ext uri="{FF2B5EF4-FFF2-40B4-BE49-F238E27FC236}">
+                <a16:creationId xmlns:a16="http://schemas.microsoft.com/office/drawing/2014/main" id="{92832B3B-AAFA-564B-9098-A377221877D2}"/>
+              </a:ext>
+            </a:extLst>
+          </p:cNvPr>
+          <p:cNvPicPr>
+            <a:picLocks noChangeAspect="1"/>
+          </p:cNvPicPr>
+          <p:nvPr/>
+        </p:nvPicPr>
+        <p:blipFill>
+          <a:blip r:embed="rId2"/>
+          <a:stretch>
+            <a:fillRect/>
+          </a:stretch>
+        </p:blipFill>
+        <p:spPr>
+          <a:xfrm>
+            <a:off x="1904999" y="2362200"/>
+            <a:ext cx="6431519" cy="3733800"/>
+          </a:xfrm>
+          <a:prstGeom prst="rect">
+            <a:avLst/>
+          </a:prstGeom>
+          <a:ln>
+            <a:solidFill>
+              <a:schemeClr val="tx1"/>
+            </a:solidFill>
+          </a:ln>
+        </p:spPr>
+      </p:pic>
     </p:spTree>
+    <p:extLst>
+      <p:ext uri="{BB962C8B-B14F-4D97-AF65-F5344CB8AC3E}">
+        <p14:creationId xmlns:p14="http://schemas.microsoft.com/office/powerpoint/2010/main" val="809737227"/>
+      </p:ext>
+    </p:extLst>
   </p:cSld>
   <p:clrMapOvr>
     <a:masterClrMapping/>
@@ -12658,9 +12801,9 @@
       </p:grpSpPr>
       <p:sp>
         <p:nvSpPr>
-          <p:cNvPr id="27650" name="Rectangle 2"/>
+          <p:cNvPr id="2" name="Title 1"/>
           <p:cNvSpPr>
-            <a:spLocks noGrp="1" noChangeArrowheads="1"/>
+            <a:spLocks noGrp="1"/>
           </p:cNvSpPr>
           <p:nvPr>
             <p:ph type="title"/>
@@ -12673,977 +12816,27 @@
           <a:p>
             <a:r>
               <a:rPr lang="en-US" dirty="0"/>
-              <a:t>Symbol </a:t>
-            </a:r>
-            <a:br>
-              <a:rPr lang="en-US" dirty="0"/>
-            </a:br>
-            <a:r>
-              <a:rPr lang="en-US" dirty="0"/>
-              <a:t>Table</a:t>
-            </a:r>
-          </a:p>
-        </p:txBody>
-      </p:sp>
-      <p:sp>
-        <p:nvSpPr>
-          <p:cNvPr id="2" name="TextBox 1"/>
-          <p:cNvSpPr txBox="1"/>
-          <p:nvPr/>
-        </p:nvSpPr>
-        <p:spPr>
-          <a:xfrm>
-            <a:off x="3048000" y="705683"/>
-            <a:ext cx="3082895" cy="4247317"/>
-          </a:xfrm>
-          <a:prstGeom prst="rect">
-            <a:avLst/>
-          </a:prstGeom>
-          <a:solidFill>
-            <a:schemeClr val="bg1"/>
-          </a:solidFill>
-          <a:ln>
-            <a:solidFill>
-              <a:schemeClr val="tx1"/>
-            </a:solidFill>
-          </a:ln>
-        </p:spPr>
-        <p:txBody>
-          <a:bodyPr wrap="none" rtlCol="0">
-            <a:spAutoFit/>
-          </a:bodyPr>
-          <a:lstStyle/>
-          <a:p>
-            <a:r>
-              <a:rPr lang="en-US" sz="900" dirty="0">
-                <a:solidFill>
-                  <a:srgbClr val="BA2DA2"/>
-                </a:solidFill>
-                <a:latin typeface="Menlo" charset="0"/>
-              </a:rPr>
-              <a:t>class</a:t>
-            </a:r>
-            <a:r>
-              <a:rPr lang="en-US" sz="900" dirty="0">
-                <a:solidFill>
-                  <a:srgbClr val="000000"/>
-                </a:solidFill>
-                <a:latin typeface="Menlo" charset="0"/>
-              </a:rPr>
-              <a:t> </a:t>
-            </a:r>
-            <a:r>
-              <a:rPr lang="en-US" sz="900" dirty="0" err="1">
-                <a:solidFill>
-                  <a:srgbClr val="000000"/>
-                </a:solidFill>
-                <a:latin typeface="Menlo" charset="0"/>
-              </a:rPr>
-              <a:t>SymTab</a:t>
-            </a:r>
-            <a:r>
-              <a:rPr lang="en-US" sz="900" dirty="0">
-                <a:solidFill>
-                  <a:srgbClr val="000000"/>
-                </a:solidFill>
-                <a:latin typeface="Menlo" charset="0"/>
-              </a:rPr>
-              <a:t>:</a:t>
-            </a:r>
-          </a:p>
-          <a:p>
-            <a:br>
-              <a:rPr lang="en-US" sz="900" dirty="0">
-                <a:latin typeface="Helvetica" charset="0"/>
-              </a:rPr>
-            </a:br>
-            <a:endParaRPr lang="en-US" sz="900" dirty="0">
-              <a:latin typeface="Helvetica" charset="0"/>
-            </a:endParaRPr>
-          </a:p>
-          <a:p>
-            <a:r>
-              <a:rPr lang="en-US" sz="900" dirty="0">
-                <a:solidFill>
-                  <a:srgbClr val="000000"/>
-                </a:solidFill>
-                <a:latin typeface="Menlo" charset="0"/>
-              </a:rPr>
-              <a:t>    </a:t>
-            </a:r>
-            <a:r>
-              <a:rPr lang="en-US" sz="900" dirty="0" err="1">
-                <a:solidFill>
-                  <a:srgbClr val="BA2DA2"/>
-                </a:solidFill>
-                <a:latin typeface="Menlo" charset="0"/>
-              </a:rPr>
-              <a:t>def</a:t>
-            </a:r>
-            <a:r>
-              <a:rPr lang="en-US" sz="900" dirty="0">
-                <a:solidFill>
-                  <a:srgbClr val="000000"/>
-                </a:solidFill>
-                <a:latin typeface="Menlo" charset="0"/>
-              </a:rPr>
-              <a:t> __</a:t>
-            </a:r>
-            <a:r>
-              <a:rPr lang="en-US" sz="900" dirty="0" err="1">
-                <a:solidFill>
-                  <a:srgbClr val="000000"/>
-                </a:solidFill>
-                <a:latin typeface="Menlo" charset="0"/>
-              </a:rPr>
-              <a:t>init</a:t>
-            </a:r>
-            <a:r>
-              <a:rPr lang="en-US" sz="900" dirty="0">
-                <a:solidFill>
-                  <a:srgbClr val="000000"/>
-                </a:solidFill>
-                <a:latin typeface="Menlo" charset="0"/>
-              </a:rPr>
-              <a:t>__(self):</a:t>
-            </a:r>
-          </a:p>
-          <a:p>
-            <a:r>
-              <a:rPr lang="en-US" sz="900" dirty="0">
-                <a:solidFill>
-                  <a:srgbClr val="000000"/>
-                </a:solidFill>
-                <a:latin typeface="Menlo" charset="0"/>
-              </a:rPr>
-              <a:t>        </a:t>
-            </a:r>
-            <a:r>
-              <a:rPr lang="en-US" sz="900" dirty="0" err="1">
-                <a:solidFill>
-                  <a:srgbClr val="000000"/>
-                </a:solidFill>
-                <a:latin typeface="Menlo" charset="0"/>
-              </a:rPr>
-              <a:t>self.scoped_symtab</a:t>
-            </a:r>
-            <a:r>
-              <a:rPr lang="en-US" sz="900" dirty="0">
-                <a:solidFill>
-                  <a:srgbClr val="000000"/>
-                </a:solidFill>
-                <a:latin typeface="Menlo" charset="0"/>
-              </a:rPr>
-              <a:t> = [{}]</a:t>
-            </a:r>
-          </a:p>
-          <a:p>
-            <a:endParaRPr lang="en-US" sz="900" dirty="0">
-              <a:solidFill>
-                <a:srgbClr val="000000"/>
-              </a:solidFill>
-              <a:latin typeface="Menlo" charset="0"/>
-            </a:endParaRPr>
-          </a:p>
-          <a:p>
-            <a:r>
-              <a:rPr lang="en-US" sz="900" dirty="0">
-                <a:solidFill>
-                  <a:srgbClr val="000000"/>
-                </a:solidFill>
-                <a:latin typeface="Menlo" charset="0"/>
-              </a:rPr>
-              <a:t>    </a:t>
-            </a:r>
-            <a:r>
-              <a:rPr lang="en-US" sz="900" dirty="0" err="1">
-                <a:solidFill>
-                  <a:srgbClr val="BA2DA2"/>
-                </a:solidFill>
-                <a:latin typeface="Menlo" charset="0"/>
-              </a:rPr>
-              <a:t>def</a:t>
-            </a:r>
-            <a:r>
-              <a:rPr lang="en-US" sz="900" dirty="0">
-                <a:solidFill>
-                  <a:srgbClr val="000000"/>
-                </a:solidFill>
-                <a:latin typeface="Menlo" charset="0"/>
-              </a:rPr>
-              <a:t> </a:t>
-            </a:r>
-            <a:r>
-              <a:rPr lang="en-US" sz="900" dirty="0" err="1">
-                <a:solidFill>
-                  <a:srgbClr val="000000"/>
-                </a:solidFill>
-                <a:latin typeface="Menlo" charset="0"/>
-              </a:rPr>
-              <a:t>get_config</a:t>
-            </a:r>
-            <a:r>
-              <a:rPr lang="en-US" sz="900" dirty="0">
-                <a:solidFill>
-                  <a:srgbClr val="000000"/>
-                </a:solidFill>
-                <a:latin typeface="Menlo" charset="0"/>
-              </a:rPr>
-              <a:t>(self):</a:t>
-            </a:r>
-          </a:p>
-          <a:p>
-            <a:r>
-              <a:rPr lang="en-US" sz="900" dirty="0">
-                <a:solidFill>
-                  <a:srgbClr val="000000"/>
-                </a:solidFill>
-                <a:latin typeface="Menlo" charset="0"/>
-              </a:rPr>
-              <a:t>        </a:t>
-            </a:r>
-            <a:r>
-              <a:rPr lang="en-US" sz="900" dirty="0"/>
-              <a:t># we make a shallow copy of the symbol table</a:t>
-            </a:r>
-            <a:endParaRPr lang="en-US" sz="900" dirty="0">
-              <a:solidFill>
-                <a:srgbClr val="000000"/>
-              </a:solidFill>
-              <a:latin typeface="Menlo" charset="0"/>
-            </a:endParaRPr>
-          </a:p>
-          <a:p>
-            <a:r>
-              <a:rPr lang="en-US" sz="900" dirty="0">
-                <a:solidFill>
-                  <a:srgbClr val="000000"/>
-                </a:solidFill>
-                <a:latin typeface="Menlo" charset="0"/>
-              </a:rPr>
-              <a:t>        </a:t>
-            </a:r>
-            <a:r>
-              <a:rPr lang="en-US" sz="900" dirty="0">
-                <a:solidFill>
-                  <a:srgbClr val="BA2DA2"/>
-                </a:solidFill>
-                <a:latin typeface="Menlo" charset="0"/>
-              </a:rPr>
-              <a:t>return</a:t>
-            </a:r>
-            <a:r>
-              <a:rPr lang="en-US" sz="900" dirty="0">
-                <a:solidFill>
-                  <a:srgbClr val="000000"/>
-                </a:solidFill>
-                <a:latin typeface="Menlo" charset="0"/>
-              </a:rPr>
-              <a:t> list(</a:t>
-            </a:r>
-            <a:r>
-              <a:rPr lang="en-US" sz="900" dirty="0" err="1">
-                <a:solidFill>
-                  <a:srgbClr val="000000"/>
-                </a:solidFill>
-                <a:latin typeface="Menlo" charset="0"/>
-              </a:rPr>
-              <a:t>self.scoped_symtab</a:t>
-            </a:r>
-            <a:r>
-              <a:rPr lang="en-US" sz="900" dirty="0">
-                <a:solidFill>
-                  <a:srgbClr val="000000"/>
-                </a:solidFill>
-                <a:latin typeface="Menlo" charset="0"/>
-              </a:rPr>
-              <a:t>)</a:t>
-            </a:r>
-          </a:p>
-          <a:p>
-            <a:r>
-              <a:rPr lang="en-US" sz="900" dirty="0">
-                <a:solidFill>
-                  <a:srgbClr val="000000"/>
-                </a:solidFill>
-                <a:latin typeface="Menlo" charset="0"/>
-              </a:rPr>
-              <a:t>    </a:t>
-            </a:r>
-          </a:p>
-          <a:p>
-            <a:r>
-              <a:rPr lang="en-US" sz="900" dirty="0">
-                <a:solidFill>
-                  <a:srgbClr val="000000"/>
-                </a:solidFill>
-                <a:latin typeface="Menlo" charset="0"/>
-              </a:rPr>
-              <a:t>    </a:t>
-            </a:r>
-            <a:r>
-              <a:rPr lang="en-US" sz="900" dirty="0" err="1">
-                <a:solidFill>
-                  <a:srgbClr val="BA2DA2"/>
-                </a:solidFill>
-                <a:latin typeface="Menlo" charset="0"/>
-              </a:rPr>
-              <a:t>def</a:t>
-            </a:r>
-            <a:r>
-              <a:rPr lang="en-US" sz="900" dirty="0">
-                <a:solidFill>
-                  <a:srgbClr val="000000"/>
-                </a:solidFill>
-                <a:latin typeface="Menlo" charset="0"/>
-              </a:rPr>
-              <a:t> </a:t>
-            </a:r>
-            <a:r>
-              <a:rPr lang="en-US" sz="900" dirty="0" err="1">
-                <a:solidFill>
-                  <a:srgbClr val="000000"/>
-                </a:solidFill>
-                <a:latin typeface="Menlo" charset="0"/>
-              </a:rPr>
-              <a:t>set_config</a:t>
-            </a:r>
-            <a:r>
-              <a:rPr lang="en-US" sz="900" dirty="0">
-                <a:solidFill>
-                  <a:srgbClr val="000000"/>
-                </a:solidFill>
-                <a:latin typeface="Menlo" charset="0"/>
-              </a:rPr>
-              <a:t>(self, c):</a:t>
-            </a:r>
-          </a:p>
-          <a:p>
-            <a:r>
-              <a:rPr lang="en-US" sz="900" dirty="0">
-                <a:solidFill>
-                  <a:srgbClr val="000000"/>
-                </a:solidFill>
-                <a:latin typeface="Menlo" charset="0"/>
-              </a:rPr>
-              <a:t>        </a:t>
-            </a:r>
-            <a:r>
-              <a:rPr lang="en-US" sz="900" dirty="0" err="1">
-                <a:solidFill>
-                  <a:srgbClr val="000000"/>
-                </a:solidFill>
-                <a:latin typeface="Menlo" charset="0"/>
-              </a:rPr>
-              <a:t>self.scoped_symtab</a:t>
-            </a:r>
-            <a:r>
-              <a:rPr lang="en-US" sz="900" dirty="0">
-                <a:solidFill>
-                  <a:srgbClr val="000000"/>
-                </a:solidFill>
-                <a:latin typeface="Menlo" charset="0"/>
-              </a:rPr>
-              <a:t> = c</a:t>
-            </a:r>
-          </a:p>
-          <a:p>
-            <a:r>
-              <a:rPr lang="en-US" sz="900" dirty="0">
-                <a:solidFill>
-                  <a:srgbClr val="000000"/>
-                </a:solidFill>
-                <a:latin typeface="Menlo" charset="0"/>
-              </a:rPr>
-              <a:t>        </a:t>
-            </a:r>
-          </a:p>
-          <a:p>
-            <a:r>
-              <a:rPr lang="en-US" sz="900" dirty="0">
-                <a:solidFill>
-                  <a:srgbClr val="000000"/>
-                </a:solidFill>
-                <a:latin typeface="Menlo" charset="0"/>
-              </a:rPr>
-              <a:t>    </a:t>
-            </a:r>
-            <a:r>
-              <a:rPr lang="en-US" sz="900" dirty="0" err="1">
-                <a:solidFill>
-                  <a:srgbClr val="BA2DA2"/>
-                </a:solidFill>
-                <a:latin typeface="Menlo" charset="0"/>
-              </a:rPr>
-              <a:t>def</a:t>
-            </a:r>
-            <a:r>
-              <a:rPr lang="en-US" sz="900" dirty="0">
-                <a:solidFill>
-                  <a:srgbClr val="000000"/>
-                </a:solidFill>
-                <a:latin typeface="Menlo" charset="0"/>
-              </a:rPr>
-              <a:t> </a:t>
-            </a:r>
-            <a:r>
-              <a:rPr lang="en-US" sz="900" dirty="0" err="1">
-                <a:solidFill>
-                  <a:srgbClr val="000000"/>
-                </a:solidFill>
-                <a:latin typeface="Menlo" charset="0"/>
-              </a:rPr>
-              <a:t>push_scope</a:t>
-            </a:r>
-            <a:r>
-              <a:rPr lang="en-US" sz="900" dirty="0">
-                <a:solidFill>
-                  <a:srgbClr val="000000"/>
-                </a:solidFill>
-                <a:latin typeface="Menlo" charset="0"/>
-              </a:rPr>
-              <a:t>(self):</a:t>
-            </a:r>
-          </a:p>
-          <a:p>
-            <a:r>
-              <a:rPr lang="en-US" sz="900" dirty="0">
-                <a:latin typeface="Helvetica" charset="0"/>
-              </a:rPr>
-              <a:t>	</a:t>
-            </a:r>
-            <a:r>
-              <a:rPr lang="mr-IN" sz="900" dirty="0">
-                <a:latin typeface="Helvetica" charset="0"/>
-              </a:rPr>
-              <a:t>…</a:t>
-            </a:r>
-            <a:endParaRPr lang="en-US" sz="900" dirty="0">
-              <a:latin typeface="Helvetica" charset="0"/>
-            </a:endParaRPr>
-          </a:p>
-          <a:p>
-            <a:endParaRPr lang="en-US" sz="900" dirty="0">
-              <a:latin typeface="Helvetica" charset="0"/>
-            </a:endParaRPr>
-          </a:p>
-          <a:p>
-            <a:r>
-              <a:rPr lang="en-US" sz="900" dirty="0">
-                <a:solidFill>
-                  <a:srgbClr val="000000"/>
-                </a:solidFill>
-                <a:latin typeface="Menlo" charset="0"/>
-              </a:rPr>
-              <a:t>    </a:t>
-            </a:r>
-            <a:r>
-              <a:rPr lang="en-US" sz="900" dirty="0" err="1">
-                <a:solidFill>
-                  <a:srgbClr val="BA2DA2"/>
-                </a:solidFill>
-                <a:latin typeface="Menlo" charset="0"/>
-              </a:rPr>
-              <a:t>def</a:t>
-            </a:r>
-            <a:r>
-              <a:rPr lang="en-US" sz="900" dirty="0">
-                <a:solidFill>
-                  <a:srgbClr val="000000"/>
-                </a:solidFill>
-                <a:latin typeface="Menlo" charset="0"/>
-              </a:rPr>
-              <a:t> </a:t>
-            </a:r>
-            <a:r>
-              <a:rPr lang="en-US" sz="900" dirty="0" err="1">
-                <a:solidFill>
-                  <a:srgbClr val="000000"/>
-                </a:solidFill>
-                <a:latin typeface="Menlo" charset="0"/>
-              </a:rPr>
-              <a:t>pop_scope</a:t>
-            </a:r>
-            <a:r>
-              <a:rPr lang="en-US" sz="900" dirty="0">
-                <a:solidFill>
-                  <a:srgbClr val="000000"/>
-                </a:solidFill>
-                <a:latin typeface="Menlo" charset="0"/>
-              </a:rPr>
-              <a:t>(self):</a:t>
-            </a:r>
-          </a:p>
-          <a:p>
-            <a:r>
-              <a:rPr lang="en-US" sz="900" dirty="0">
-                <a:latin typeface="Helvetica" charset="0"/>
-              </a:rPr>
-              <a:t>	</a:t>
-            </a:r>
-            <a:r>
-              <a:rPr lang="mr-IN" sz="900" dirty="0">
-                <a:latin typeface="Helvetica" charset="0"/>
-              </a:rPr>
-              <a:t>…</a:t>
-            </a:r>
-            <a:br>
-              <a:rPr lang="en-US" sz="900" dirty="0">
-                <a:latin typeface="Helvetica" charset="0"/>
-              </a:rPr>
-            </a:br>
-            <a:endParaRPr lang="en-US" sz="900" dirty="0">
-              <a:latin typeface="Helvetica" charset="0"/>
-            </a:endParaRPr>
-          </a:p>
-          <a:p>
-            <a:r>
-              <a:rPr lang="en-US" sz="900" dirty="0">
-                <a:solidFill>
-                  <a:srgbClr val="000000"/>
-                </a:solidFill>
-                <a:latin typeface="Menlo" charset="0"/>
-              </a:rPr>
-              <a:t>    </a:t>
-            </a:r>
-            <a:r>
-              <a:rPr lang="en-US" sz="900" dirty="0" err="1">
-                <a:solidFill>
-                  <a:srgbClr val="BA2DA2"/>
-                </a:solidFill>
-                <a:latin typeface="Menlo" charset="0"/>
-              </a:rPr>
-              <a:t>def</a:t>
-            </a:r>
-            <a:r>
-              <a:rPr lang="en-US" sz="900" dirty="0">
-                <a:solidFill>
-                  <a:srgbClr val="000000"/>
-                </a:solidFill>
-                <a:latin typeface="Menlo" charset="0"/>
-              </a:rPr>
-              <a:t> </a:t>
-            </a:r>
-            <a:r>
-              <a:rPr lang="en-US" sz="900" dirty="0" err="1">
-                <a:solidFill>
-                  <a:srgbClr val="000000"/>
-                </a:solidFill>
-                <a:latin typeface="Menlo" charset="0"/>
-              </a:rPr>
-              <a:t>declare_sym</a:t>
-            </a:r>
-            <a:r>
-              <a:rPr lang="en-US" sz="900" dirty="0">
-                <a:solidFill>
-                  <a:srgbClr val="000000"/>
-                </a:solidFill>
-                <a:latin typeface="Menlo" charset="0"/>
-              </a:rPr>
-              <a:t>(self, </a:t>
-            </a:r>
-            <a:r>
-              <a:rPr lang="en-US" sz="900" dirty="0" err="1">
-                <a:solidFill>
-                  <a:srgbClr val="000000"/>
-                </a:solidFill>
-                <a:latin typeface="Menlo" charset="0"/>
-              </a:rPr>
-              <a:t>sym</a:t>
-            </a:r>
-            <a:r>
-              <a:rPr lang="en-US" sz="900" dirty="0">
-                <a:solidFill>
-                  <a:srgbClr val="000000"/>
-                </a:solidFill>
-                <a:latin typeface="Menlo" charset="0"/>
-              </a:rPr>
-              <a:t>, </a:t>
-            </a:r>
-            <a:r>
-              <a:rPr lang="en-US" sz="900" dirty="0" err="1">
-                <a:solidFill>
-                  <a:srgbClr val="000000"/>
-                </a:solidFill>
-                <a:latin typeface="Menlo" charset="0"/>
-              </a:rPr>
-              <a:t>init</a:t>
-            </a:r>
-            <a:r>
-              <a:rPr lang="en-US" sz="900" dirty="0">
-                <a:solidFill>
-                  <a:srgbClr val="000000"/>
-                </a:solidFill>
-                <a:latin typeface="Menlo" charset="0"/>
-              </a:rPr>
-              <a:t>):</a:t>
-            </a:r>
-          </a:p>
-          <a:p>
-            <a:r>
-              <a:rPr lang="en-US" sz="900" dirty="0">
-                <a:solidFill>
-                  <a:srgbClr val="000000"/>
-                </a:solidFill>
-                <a:latin typeface="Menlo" charset="0"/>
-              </a:rPr>
-              <a:t> 	</a:t>
-            </a:r>
-            <a:r>
-              <a:rPr lang="mr-IN" sz="900" dirty="0">
-                <a:latin typeface="Helvetica" charset="0"/>
-              </a:rPr>
-              <a:t> …</a:t>
-            </a:r>
-            <a:br>
-              <a:rPr lang="en-US" sz="900" dirty="0">
-                <a:latin typeface="Helvetica" charset="0"/>
-              </a:rPr>
-            </a:br>
-            <a:endParaRPr lang="en-US" sz="900" dirty="0">
-              <a:latin typeface="Helvetica" charset="0"/>
-            </a:endParaRPr>
-          </a:p>
-          <a:p>
-            <a:r>
-              <a:rPr lang="en-US" sz="900" dirty="0">
-                <a:solidFill>
-                  <a:srgbClr val="000000"/>
-                </a:solidFill>
-                <a:latin typeface="Menlo" charset="0"/>
-              </a:rPr>
-              <a:t>    </a:t>
-            </a:r>
-            <a:r>
-              <a:rPr lang="en-US" sz="900" dirty="0" err="1">
-                <a:solidFill>
-                  <a:srgbClr val="BA2DA2"/>
-                </a:solidFill>
-                <a:latin typeface="Menlo" charset="0"/>
-              </a:rPr>
-              <a:t>def</a:t>
-            </a:r>
-            <a:r>
-              <a:rPr lang="en-US" sz="900" dirty="0">
-                <a:solidFill>
-                  <a:srgbClr val="000000"/>
-                </a:solidFill>
-                <a:latin typeface="Menlo" charset="0"/>
-              </a:rPr>
-              <a:t> </a:t>
-            </a:r>
-            <a:r>
-              <a:rPr lang="en-US" sz="900" dirty="0" err="1">
-                <a:solidFill>
-                  <a:srgbClr val="000000"/>
-                </a:solidFill>
-                <a:latin typeface="Menlo" charset="0"/>
-              </a:rPr>
-              <a:t>declare_fun</a:t>
-            </a:r>
-            <a:r>
-              <a:rPr lang="en-US" sz="900" dirty="0">
-                <a:solidFill>
-                  <a:srgbClr val="000000"/>
-                </a:solidFill>
-                <a:latin typeface="Menlo" charset="0"/>
-              </a:rPr>
-              <a:t>(self, </a:t>
-            </a:r>
-            <a:r>
-              <a:rPr lang="en-US" sz="900" dirty="0" err="1">
-                <a:solidFill>
-                  <a:srgbClr val="000000"/>
-                </a:solidFill>
-                <a:latin typeface="Menlo" charset="0"/>
-              </a:rPr>
-              <a:t>sym</a:t>
-            </a:r>
-            <a:r>
-              <a:rPr lang="en-US" sz="900" dirty="0">
-                <a:solidFill>
-                  <a:srgbClr val="000000"/>
-                </a:solidFill>
-                <a:latin typeface="Menlo" charset="0"/>
-              </a:rPr>
-              <a:t>, </a:t>
-            </a:r>
-            <a:r>
-              <a:rPr lang="en-US" sz="900" dirty="0" err="1">
-                <a:solidFill>
-                  <a:srgbClr val="000000"/>
-                </a:solidFill>
-                <a:latin typeface="Menlo" charset="0"/>
-              </a:rPr>
-              <a:t>init</a:t>
-            </a:r>
-            <a:r>
-              <a:rPr lang="en-US" sz="900" dirty="0">
-                <a:solidFill>
-                  <a:srgbClr val="000000"/>
-                </a:solidFill>
-                <a:latin typeface="Menlo" charset="0"/>
-              </a:rPr>
-              <a:t>):</a:t>
-            </a:r>
-          </a:p>
-          <a:p>
-            <a:r>
-              <a:rPr lang="en-US" sz="900" dirty="0">
-                <a:solidFill>
-                  <a:srgbClr val="000000"/>
-                </a:solidFill>
-                <a:latin typeface="Menlo" charset="0"/>
-              </a:rPr>
-              <a:t> 	</a:t>
-            </a:r>
-            <a:r>
-              <a:rPr lang="mr-IN" sz="900" dirty="0">
-                <a:latin typeface="Helvetica" charset="0"/>
-              </a:rPr>
-              <a:t> …</a:t>
-            </a:r>
-            <a:br>
-              <a:rPr lang="en-US" sz="900" dirty="0">
-                <a:latin typeface="Helvetica" charset="0"/>
-              </a:rPr>
-            </a:br>
-            <a:endParaRPr lang="en-US" sz="900" dirty="0">
-              <a:latin typeface="Helvetica" charset="0"/>
-            </a:endParaRPr>
-          </a:p>
-          <a:p>
-            <a:r>
-              <a:rPr lang="en-US" sz="900" dirty="0">
-                <a:solidFill>
-                  <a:srgbClr val="000000"/>
-                </a:solidFill>
-                <a:latin typeface="Menlo" charset="0"/>
-              </a:rPr>
-              <a:t>    </a:t>
-            </a:r>
-            <a:r>
-              <a:rPr lang="en-US" sz="900" dirty="0" err="1">
-                <a:solidFill>
-                  <a:srgbClr val="BA2DA2"/>
-                </a:solidFill>
-                <a:latin typeface="Menlo" charset="0"/>
-              </a:rPr>
-              <a:t>def</a:t>
-            </a:r>
-            <a:r>
-              <a:rPr lang="en-US" sz="900" dirty="0">
-                <a:solidFill>
-                  <a:srgbClr val="000000"/>
-                </a:solidFill>
-                <a:latin typeface="Menlo" charset="0"/>
-              </a:rPr>
-              <a:t> </a:t>
-            </a:r>
-            <a:r>
-              <a:rPr lang="en-US" sz="900" dirty="0" err="1">
-                <a:solidFill>
-                  <a:srgbClr val="000000"/>
-                </a:solidFill>
-                <a:latin typeface="Menlo" charset="0"/>
-              </a:rPr>
-              <a:t>lookup_sym</a:t>
-            </a:r>
-            <a:r>
-              <a:rPr lang="en-US" sz="900" dirty="0">
-                <a:solidFill>
-                  <a:srgbClr val="000000"/>
-                </a:solidFill>
-                <a:latin typeface="Menlo" charset="0"/>
-              </a:rPr>
-              <a:t>(self, </a:t>
-            </a:r>
-            <a:r>
-              <a:rPr lang="en-US" sz="900" dirty="0" err="1">
-                <a:solidFill>
-                  <a:srgbClr val="000000"/>
-                </a:solidFill>
-                <a:latin typeface="Menlo" charset="0"/>
-              </a:rPr>
-              <a:t>sym</a:t>
-            </a:r>
-            <a:r>
-              <a:rPr lang="en-US" sz="900" dirty="0">
-                <a:solidFill>
-                  <a:srgbClr val="000000"/>
-                </a:solidFill>
-                <a:latin typeface="Menlo" charset="0"/>
-              </a:rPr>
-              <a:t>):</a:t>
-            </a:r>
-          </a:p>
-          <a:p>
-            <a:r>
-              <a:rPr lang="en-US" sz="900" dirty="0">
-                <a:latin typeface="Helvetica" charset="0"/>
-              </a:rPr>
-              <a:t>	</a:t>
-            </a:r>
-            <a:r>
-              <a:rPr lang="mr-IN" sz="900" dirty="0">
-                <a:latin typeface="Helvetica" charset="0"/>
-              </a:rPr>
-              <a:t>…</a:t>
-            </a:r>
-            <a:endParaRPr lang="en-US" sz="900" dirty="0">
-              <a:latin typeface="Helvetica" charset="0"/>
-            </a:endParaRPr>
-          </a:p>
-          <a:p>
-            <a:endParaRPr lang="en-US" sz="900" dirty="0">
-              <a:latin typeface="Helvetica" charset="0"/>
-            </a:endParaRPr>
-          </a:p>
-          <a:p>
-            <a:r>
-              <a:rPr lang="en-US" sz="900" dirty="0">
-                <a:solidFill>
-                  <a:srgbClr val="000000"/>
-                </a:solidFill>
-                <a:latin typeface="Menlo" charset="0"/>
-              </a:rPr>
-              <a:t>    </a:t>
-            </a:r>
-            <a:r>
-              <a:rPr lang="en-US" sz="900" dirty="0" err="1">
-                <a:solidFill>
-                  <a:srgbClr val="BA2DA2"/>
-                </a:solidFill>
-                <a:latin typeface="Menlo" charset="0"/>
-              </a:rPr>
-              <a:t>def</a:t>
-            </a:r>
-            <a:r>
-              <a:rPr lang="en-US" sz="900" dirty="0">
-                <a:solidFill>
-                  <a:srgbClr val="000000"/>
-                </a:solidFill>
-                <a:latin typeface="Menlo" charset="0"/>
-              </a:rPr>
-              <a:t> </a:t>
-            </a:r>
-            <a:r>
-              <a:rPr lang="en-US" sz="900" dirty="0" err="1">
-                <a:solidFill>
-                  <a:srgbClr val="000000"/>
-                </a:solidFill>
-                <a:latin typeface="Menlo" charset="0"/>
-              </a:rPr>
-              <a:t>update_sym</a:t>
-            </a:r>
-            <a:r>
-              <a:rPr lang="en-US" sz="900" dirty="0">
-                <a:solidFill>
-                  <a:srgbClr val="000000"/>
-                </a:solidFill>
-                <a:latin typeface="Menlo" charset="0"/>
-              </a:rPr>
-              <a:t>(self, </a:t>
-            </a:r>
-            <a:r>
-              <a:rPr lang="en-US" sz="900" dirty="0" err="1">
-                <a:solidFill>
-                  <a:srgbClr val="000000"/>
-                </a:solidFill>
-                <a:latin typeface="Menlo" charset="0"/>
-              </a:rPr>
-              <a:t>sym</a:t>
-            </a:r>
-            <a:r>
-              <a:rPr lang="en-US" sz="900" dirty="0">
-                <a:solidFill>
-                  <a:srgbClr val="000000"/>
-                </a:solidFill>
-                <a:latin typeface="Menlo" charset="0"/>
-              </a:rPr>
-              <a:t>, </a:t>
-            </a:r>
-            <a:r>
-              <a:rPr lang="en-US" sz="900" dirty="0" err="1">
-                <a:solidFill>
-                  <a:srgbClr val="000000"/>
-                </a:solidFill>
-                <a:latin typeface="Menlo" charset="0"/>
-              </a:rPr>
-              <a:t>val</a:t>
-            </a:r>
-            <a:r>
-              <a:rPr lang="en-US" sz="900" dirty="0">
-                <a:solidFill>
-                  <a:srgbClr val="000000"/>
-                </a:solidFill>
-                <a:latin typeface="Menlo" charset="0"/>
-              </a:rPr>
-              <a:t>):</a:t>
-            </a:r>
-          </a:p>
-          <a:p>
-            <a:r>
-              <a:rPr lang="en-US" sz="900" dirty="0">
-                <a:solidFill>
-                  <a:srgbClr val="000000"/>
-                </a:solidFill>
-                <a:latin typeface="Menlo" charset="0"/>
-              </a:rPr>
-              <a:t> 	</a:t>
-            </a:r>
-            <a:r>
-              <a:rPr lang="mr-IN" sz="900" dirty="0">
-                <a:solidFill>
-                  <a:srgbClr val="000000"/>
-                </a:solidFill>
-                <a:latin typeface="Menlo" charset="0"/>
-              </a:rPr>
-              <a:t>…</a:t>
-            </a:r>
-            <a:endParaRPr lang="en-US" sz="900" dirty="0"/>
-          </a:p>
-        </p:txBody>
-      </p:sp>
-      <p:sp>
-        <p:nvSpPr>
-          <p:cNvPr id="4" name="TextBox 3"/>
-          <p:cNvSpPr txBox="1"/>
-          <p:nvPr/>
-        </p:nvSpPr>
-        <p:spPr>
-          <a:xfrm>
-            <a:off x="415636" y="2576945"/>
-            <a:ext cx="1253869" cy="246221"/>
-          </a:xfrm>
-          <a:prstGeom prst="rect">
-            <a:avLst/>
-          </a:prstGeom>
-          <a:noFill/>
-        </p:spPr>
-        <p:txBody>
-          <a:bodyPr wrap="none" rtlCol="0">
-            <a:spAutoFit/>
-          </a:bodyPr>
-          <a:lstStyle/>
-          <a:p>
-            <a:r>
-              <a:rPr lang="en-US" dirty="0"/>
-              <a:t>cuppa3_symtab.py</a:t>
-            </a:r>
-          </a:p>
-        </p:txBody>
-      </p:sp>
-      <p:sp>
-        <p:nvSpPr>
-          <p:cNvPr id="7" name="Right Arrow 6"/>
+              <a:t>Cuppa3 Frontend</a:t>
+            </a:r>
+          </a:p>
+        </p:txBody>
+      </p:sp>
+      <p:sp>
+        <p:nvSpPr>
+          <p:cNvPr id="10" name="Right Arrow 9">
+            <a:extLst>
+              <a:ext uri="{FF2B5EF4-FFF2-40B4-BE49-F238E27FC236}">
+                <a16:creationId xmlns:a16="http://schemas.microsoft.com/office/drawing/2014/main" id="{907B5974-C257-704D-9575-FEFE1CC2302F}"/>
+              </a:ext>
+            </a:extLst>
+          </p:cNvPr>
           <p:cNvSpPr/>
           <p:nvPr/>
         </p:nvSpPr>
         <p:spPr bwMode="auto">
-          <a:xfrm flipH="1">
-            <a:off x="6248400" y="1592490"/>
-            <a:ext cx="533400" cy="304800"/>
+          <a:xfrm>
+            <a:off x="4343400" y="3568700"/>
+            <a:ext cx="533400" cy="292100"/>
           </a:xfrm>
           <a:prstGeom prst="rightArrow">
             <a:avLst/>
@@ -13663,7 +12856,7 @@
           <a:effectLst/>
           <a:extLst>
             <a:ext uri="{AF507438-7753-43e0-B8FC-AC1667EBCBE1}">
-              <a14:hiddenEffects xmlns:a14="http://schemas.microsoft.com/office/drawing/2010/main" xmlns="">
+              <a14:hiddenEffects xmlns="" xmlns:a14="http://schemas.microsoft.com/office/drawing/2010/main">
                 <a:effectLst>
                   <a:outerShdw blurRad="63500" dist="38099" dir="2700000" algn="ctr" rotWithShape="0">
                     <a:schemeClr val="bg2">
@@ -13714,21 +12907,1181 @@
           </a:p>
         </p:txBody>
       </p:sp>
-      <p:sp>
-        <p:nvSpPr>
-          <p:cNvPr id="8" name="Right Arrow 7">
+      <p:pic>
+        <p:nvPicPr>
+          <p:cNvPr id="3" name="Picture 2">
             <a:extLst>
               <a:ext uri="{FF2B5EF4-FFF2-40B4-BE49-F238E27FC236}">
-                <a16:creationId xmlns:a16="http://schemas.microsoft.com/office/drawing/2014/main" id="{D995F352-C52A-CC4B-890E-8C1151437E32}"/>
+                <a16:creationId xmlns:a16="http://schemas.microsoft.com/office/drawing/2014/main" id="{D8A9F217-BEF8-3E47-ACDF-6116FE16B509}"/>
               </a:ext>
             </a:extLst>
           </p:cNvPr>
+          <p:cNvPicPr>
+            <a:picLocks noChangeAspect="1"/>
+          </p:cNvPicPr>
+          <p:nvPr/>
+        </p:nvPicPr>
+        <p:blipFill>
+          <a:blip r:embed="rId2"/>
+          <a:stretch>
+            <a:fillRect/>
+          </a:stretch>
+        </p:blipFill>
+        <p:spPr>
+          <a:xfrm>
+            <a:off x="5232400" y="2597150"/>
+            <a:ext cx="3378200" cy="2527300"/>
+          </a:xfrm>
+          <a:prstGeom prst="rect">
+            <a:avLst/>
+          </a:prstGeom>
+        </p:spPr>
+      </p:pic>
+      <p:sp>
+        <p:nvSpPr>
+          <p:cNvPr id="5" name="TextBox 4">
+            <a:extLst>
+              <a:ext uri="{FF2B5EF4-FFF2-40B4-BE49-F238E27FC236}">
+                <a16:creationId xmlns:a16="http://schemas.microsoft.com/office/drawing/2014/main" id="{C5BE64B7-C722-9442-A09A-1A2F8D1AD327}"/>
+              </a:ext>
+            </a:extLst>
+          </p:cNvPr>
+          <p:cNvSpPr txBox="1"/>
+          <p:nvPr/>
+        </p:nvSpPr>
+        <p:spPr>
+          <a:xfrm>
+            <a:off x="422020" y="3516868"/>
+            <a:ext cx="3768980" cy="369332"/>
+          </a:xfrm>
+          <a:prstGeom prst="rect">
+            <a:avLst/>
+          </a:prstGeom>
+          <a:noFill/>
+          <a:ln>
+            <a:solidFill>
+              <a:schemeClr val="tx1"/>
+            </a:solidFill>
+          </a:ln>
+        </p:spPr>
+        <p:txBody>
+          <a:bodyPr wrap="none" rtlCol="0">
+            <a:spAutoFit/>
+          </a:bodyPr>
+          <a:lstStyle/>
+          <a:p>
+            <a:r>
+              <a:rPr lang="en-US" sz="1800" dirty="0">
+                <a:latin typeface="Courier" pitchFamily="2" charset="0"/>
+              </a:rPr>
+              <a:t>declare </a:t>
+            </a:r>
+            <a:r>
+              <a:rPr lang="en-US" sz="1800" dirty="0" err="1">
+                <a:latin typeface="Courier" pitchFamily="2" charset="0"/>
+              </a:rPr>
+              <a:t>inc</a:t>
+            </a:r>
+            <a:r>
+              <a:rPr lang="en-US" sz="1800" dirty="0">
+                <a:latin typeface="Courier" pitchFamily="2" charset="0"/>
+              </a:rPr>
+              <a:t>(x) return x+1;</a:t>
+            </a:r>
+          </a:p>
+        </p:txBody>
+      </p:sp>
+    </p:spTree>
+    <p:extLst>
+      <p:ext uri="{BB962C8B-B14F-4D97-AF65-F5344CB8AC3E}">
+        <p14:creationId xmlns:p14="http://schemas.microsoft.com/office/powerpoint/2010/main" val="2016356851"/>
+      </p:ext>
+    </p:extLst>
+  </p:cSld>
+  <p:clrMapOvr>
+    <a:masterClrMapping/>
+  </p:clrMapOvr>
+</p:sld>
+</file>
+
+<file path=ppt/slides/slide22.xml><?xml version="1.0" encoding="utf-8"?>
+<p:sld xmlns:a="http://schemas.openxmlformats.org/drawingml/2006/main" xmlns:r="http://schemas.openxmlformats.org/officeDocument/2006/relationships" xmlns:p="http://schemas.openxmlformats.org/presentationml/2006/main">
+  <p:cSld>
+    <p:spTree>
+      <p:nvGrpSpPr>
+        <p:cNvPr id="1" name=""/>
+        <p:cNvGrpSpPr/>
+        <p:nvPr/>
+      </p:nvGrpSpPr>
+      <p:grpSpPr>
+        <a:xfrm>
+          <a:off x="0" y="0"/>
+          <a:ext cx="0" cy="0"/>
+          <a:chOff x="0" y="0"/>
+          <a:chExt cx="0" cy="0"/>
+        </a:xfrm>
+      </p:grpSpPr>
+      <p:sp>
+        <p:nvSpPr>
+          <p:cNvPr id="27650" name="Rectangle 2"/>
+          <p:cNvSpPr>
+            <a:spLocks noGrp="1" noChangeArrowheads="1"/>
+          </p:cNvSpPr>
+          <p:nvPr>
+            <p:ph type="title"/>
+          </p:nvPr>
+        </p:nvSpPr>
+        <p:spPr/>
+        <p:txBody>
+          <a:bodyPr/>
+          <a:lstStyle/>
+          <a:p>
+            <a:r>
+              <a:rPr lang="en-US" dirty="0"/>
+              <a:t>Symbol Table</a:t>
+            </a:r>
+          </a:p>
+        </p:txBody>
+      </p:sp>
+      <p:sp>
+        <p:nvSpPr>
+          <p:cNvPr id="27651" name="Rectangle 3"/>
+          <p:cNvSpPr>
+            <a:spLocks noGrp="1" noChangeArrowheads="1"/>
+          </p:cNvSpPr>
+          <p:nvPr>
+            <p:ph type="body" idx="1"/>
+          </p:nvPr>
+        </p:nvSpPr>
+        <p:spPr/>
+        <p:txBody>
+          <a:bodyPr/>
+          <a:lstStyle/>
+          <a:p>
+            <a:r>
+              <a:rPr lang="en-US" dirty="0"/>
+              <a:t>The symbol table is extended so that we can manipulate scopes in order to implement </a:t>
+            </a:r>
+            <a:r>
+              <a:rPr lang="en-US" i="1" dirty="0"/>
+              <a:t>static scoping</a:t>
+            </a:r>
+            <a:endParaRPr lang="en-US" dirty="0"/>
+          </a:p>
+        </p:txBody>
+      </p:sp>
+    </p:spTree>
+  </p:cSld>
+  <p:clrMapOvr>
+    <a:masterClrMapping/>
+  </p:clrMapOvr>
+</p:sld>
+</file>
+
+<file path=ppt/slides/slide23.xml><?xml version="1.0" encoding="utf-8"?>
+<p:sld xmlns:a="http://schemas.openxmlformats.org/drawingml/2006/main" xmlns:r="http://schemas.openxmlformats.org/officeDocument/2006/relationships" xmlns:p="http://schemas.openxmlformats.org/presentationml/2006/main">
+  <p:cSld>
+    <p:spTree>
+      <p:nvGrpSpPr>
+        <p:cNvPr id="1" name=""/>
+        <p:cNvGrpSpPr/>
+        <p:nvPr/>
+      </p:nvGrpSpPr>
+      <p:grpSpPr>
+        <a:xfrm>
+          <a:off x="0" y="0"/>
+          <a:ext cx="0" cy="0"/>
+          <a:chOff x="0" y="0"/>
+          <a:chExt cx="0" cy="0"/>
+        </a:xfrm>
+      </p:grpSpPr>
+      <p:sp>
+        <p:nvSpPr>
+          <p:cNvPr id="27650" name="Rectangle 2"/>
+          <p:cNvSpPr>
+            <a:spLocks noGrp="1" noChangeArrowheads="1"/>
+          </p:cNvSpPr>
+          <p:nvPr>
+            <p:ph type="title"/>
+          </p:nvPr>
+        </p:nvSpPr>
+        <p:spPr/>
+        <p:txBody>
+          <a:bodyPr/>
+          <a:lstStyle/>
+          <a:p>
+            <a:r>
+              <a:rPr lang="en-US" dirty="0"/>
+              <a:t>Symbol </a:t>
+            </a:r>
+            <a:br>
+              <a:rPr lang="en-US" dirty="0"/>
+            </a:br>
+            <a:r>
+              <a:rPr lang="en-US" dirty="0"/>
+              <a:t>Table</a:t>
+            </a:r>
+          </a:p>
+        </p:txBody>
+      </p:sp>
+      <p:sp>
+        <p:nvSpPr>
+          <p:cNvPr id="2" name="TextBox 1"/>
+          <p:cNvSpPr txBox="1"/>
+          <p:nvPr/>
+        </p:nvSpPr>
+        <p:spPr>
+          <a:xfrm>
+            <a:off x="3048000" y="705683"/>
+            <a:ext cx="3082895" cy="4247317"/>
+          </a:xfrm>
+          <a:prstGeom prst="rect">
+            <a:avLst/>
+          </a:prstGeom>
+          <a:solidFill>
+            <a:schemeClr val="bg1"/>
+          </a:solidFill>
+          <a:ln>
+            <a:solidFill>
+              <a:schemeClr val="tx1"/>
+            </a:solidFill>
+          </a:ln>
+        </p:spPr>
+        <p:txBody>
+          <a:bodyPr wrap="none" rtlCol="0">
+            <a:spAutoFit/>
+          </a:bodyPr>
+          <a:lstStyle/>
+          <a:p>
+            <a:r>
+              <a:rPr lang="en-US" sz="900" dirty="0">
+                <a:solidFill>
+                  <a:srgbClr val="BA2DA2"/>
+                </a:solidFill>
+                <a:latin typeface="Menlo" charset="0"/>
+              </a:rPr>
+              <a:t>class</a:t>
+            </a:r>
+            <a:r>
+              <a:rPr lang="en-US" sz="900" dirty="0">
+                <a:solidFill>
+                  <a:srgbClr val="000000"/>
+                </a:solidFill>
+                <a:latin typeface="Menlo" charset="0"/>
+              </a:rPr>
+              <a:t> </a:t>
+            </a:r>
+            <a:r>
+              <a:rPr lang="en-US" sz="900" dirty="0" err="1">
+                <a:solidFill>
+                  <a:srgbClr val="000000"/>
+                </a:solidFill>
+                <a:latin typeface="Menlo" charset="0"/>
+              </a:rPr>
+              <a:t>SymTab</a:t>
+            </a:r>
+            <a:r>
+              <a:rPr lang="en-US" sz="900" dirty="0">
+                <a:solidFill>
+                  <a:srgbClr val="000000"/>
+                </a:solidFill>
+                <a:latin typeface="Menlo" charset="0"/>
+              </a:rPr>
+              <a:t>:</a:t>
+            </a:r>
+          </a:p>
+          <a:p>
+            <a:br>
+              <a:rPr lang="en-US" sz="900" dirty="0">
+                <a:latin typeface="Helvetica" charset="0"/>
+              </a:rPr>
+            </a:br>
+            <a:endParaRPr lang="en-US" sz="900" dirty="0">
+              <a:latin typeface="Helvetica" charset="0"/>
+            </a:endParaRPr>
+          </a:p>
+          <a:p>
+            <a:r>
+              <a:rPr lang="en-US" sz="900" dirty="0">
+                <a:solidFill>
+                  <a:srgbClr val="000000"/>
+                </a:solidFill>
+                <a:latin typeface="Menlo" charset="0"/>
+              </a:rPr>
+              <a:t>    </a:t>
+            </a:r>
+            <a:r>
+              <a:rPr lang="en-US" sz="900" dirty="0" err="1">
+                <a:solidFill>
+                  <a:srgbClr val="BA2DA2"/>
+                </a:solidFill>
+                <a:latin typeface="Menlo" charset="0"/>
+              </a:rPr>
+              <a:t>def</a:t>
+            </a:r>
+            <a:r>
+              <a:rPr lang="en-US" sz="900" dirty="0">
+                <a:solidFill>
+                  <a:srgbClr val="000000"/>
+                </a:solidFill>
+                <a:latin typeface="Menlo" charset="0"/>
+              </a:rPr>
+              <a:t> __</a:t>
+            </a:r>
+            <a:r>
+              <a:rPr lang="en-US" sz="900" dirty="0" err="1">
+                <a:solidFill>
+                  <a:srgbClr val="000000"/>
+                </a:solidFill>
+                <a:latin typeface="Menlo" charset="0"/>
+              </a:rPr>
+              <a:t>init</a:t>
+            </a:r>
+            <a:r>
+              <a:rPr lang="en-US" sz="900" dirty="0">
+                <a:solidFill>
+                  <a:srgbClr val="000000"/>
+                </a:solidFill>
+                <a:latin typeface="Menlo" charset="0"/>
+              </a:rPr>
+              <a:t>__(self):</a:t>
+            </a:r>
+          </a:p>
+          <a:p>
+            <a:r>
+              <a:rPr lang="en-US" sz="900" dirty="0">
+                <a:solidFill>
+                  <a:srgbClr val="000000"/>
+                </a:solidFill>
+                <a:latin typeface="Menlo" charset="0"/>
+              </a:rPr>
+              <a:t>        </a:t>
+            </a:r>
+            <a:r>
+              <a:rPr lang="en-US" sz="900" dirty="0" err="1">
+                <a:solidFill>
+                  <a:srgbClr val="000000"/>
+                </a:solidFill>
+                <a:latin typeface="Menlo" charset="0"/>
+              </a:rPr>
+              <a:t>self.scoped_symtab</a:t>
+            </a:r>
+            <a:r>
+              <a:rPr lang="en-US" sz="900" dirty="0">
+                <a:solidFill>
+                  <a:srgbClr val="000000"/>
+                </a:solidFill>
+                <a:latin typeface="Menlo" charset="0"/>
+              </a:rPr>
+              <a:t> = [{}]</a:t>
+            </a:r>
+          </a:p>
+          <a:p>
+            <a:endParaRPr lang="en-US" sz="900" dirty="0">
+              <a:solidFill>
+                <a:srgbClr val="000000"/>
+              </a:solidFill>
+              <a:latin typeface="Menlo" charset="0"/>
+            </a:endParaRPr>
+          </a:p>
+          <a:p>
+            <a:r>
+              <a:rPr lang="en-US" sz="900" dirty="0">
+                <a:solidFill>
+                  <a:srgbClr val="000000"/>
+                </a:solidFill>
+                <a:latin typeface="Menlo" charset="0"/>
+              </a:rPr>
+              <a:t>    </a:t>
+            </a:r>
+            <a:r>
+              <a:rPr lang="en-US" sz="900" dirty="0" err="1">
+                <a:solidFill>
+                  <a:srgbClr val="BA2DA2"/>
+                </a:solidFill>
+                <a:latin typeface="Menlo" charset="0"/>
+              </a:rPr>
+              <a:t>def</a:t>
+            </a:r>
+            <a:r>
+              <a:rPr lang="en-US" sz="900" dirty="0">
+                <a:solidFill>
+                  <a:srgbClr val="000000"/>
+                </a:solidFill>
+                <a:latin typeface="Menlo" charset="0"/>
+              </a:rPr>
+              <a:t> </a:t>
+            </a:r>
+            <a:r>
+              <a:rPr lang="en-US" sz="900" dirty="0" err="1">
+                <a:solidFill>
+                  <a:srgbClr val="000000"/>
+                </a:solidFill>
+                <a:latin typeface="Menlo" charset="0"/>
+              </a:rPr>
+              <a:t>get_config</a:t>
+            </a:r>
+            <a:r>
+              <a:rPr lang="en-US" sz="900" dirty="0">
+                <a:solidFill>
+                  <a:srgbClr val="000000"/>
+                </a:solidFill>
+                <a:latin typeface="Menlo" charset="0"/>
+              </a:rPr>
+              <a:t>(self):</a:t>
+            </a:r>
+          </a:p>
+          <a:p>
+            <a:r>
+              <a:rPr lang="en-US" sz="900" dirty="0">
+                <a:solidFill>
+                  <a:srgbClr val="000000"/>
+                </a:solidFill>
+                <a:latin typeface="Menlo" charset="0"/>
+              </a:rPr>
+              <a:t>        </a:t>
+            </a:r>
+            <a:r>
+              <a:rPr lang="en-US" sz="900" dirty="0"/>
+              <a:t># we make a shallow copy of the symbol table</a:t>
+            </a:r>
+            <a:endParaRPr lang="en-US" sz="900" dirty="0">
+              <a:solidFill>
+                <a:srgbClr val="000000"/>
+              </a:solidFill>
+              <a:latin typeface="Menlo" charset="0"/>
+            </a:endParaRPr>
+          </a:p>
+          <a:p>
+            <a:r>
+              <a:rPr lang="en-US" sz="900" dirty="0">
+                <a:solidFill>
+                  <a:srgbClr val="000000"/>
+                </a:solidFill>
+                <a:latin typeface="Menlo" charset="0"/>
+              </a:rPr>
+              <a:t>        </a:t>
+            </a:r>
+            <a:r>
+              <a:rPr lang="en-US" sz="900" dirty="0">
+                <a:solidFill>
+                  <a:srgbClr val="BA2DA2"/>
+                </a:solidFill>
+                <a:latin typeface="Menlo" charset="0"/>
+              </a:rPr>
+              <a:t>return</a:t>
+            </a:r>
+            <a:r>
+              <a:rPr lang="en-US" sz="900" dirty="0">
+                <a:solidFill>
+                  <a:srgbClr val="000000"/>
+                </a:solidFill>
+                <a:latin typeface="Menlo" charset="0"/>
+              </a:rPr>
+              <a:t> list(</a:t>
+            </a:r>
+            <a:r>
+              <a:rPr lang="en-US" sz="900" dirty="0" err="1">
+                <a:solidFill>
+                  <a:srgbClr val="000000"/>
+                </a:solidFill>
+                <a:latin typeface="Menlo" charset="0"/>
+              </a:rPr>
+              <a:t>self.scoped_symtab</a:t>
+            </a:r>
+            <a:r>
+              <a:rPr lang="en-US" sz="900" dirty="0">
+                <a:solidFill>
+                  <a:srgbClr val="000000"/>
+                </a:solidFill>
+                <a:latin typeface="Menlo" charset="0"/>
+              </a:rPr>
+              <a:t>)</a:t>
+            </a:r>
+          </a:p>
+          <a:p>
+            <a:r>
+              <a:rPr lang="en-US" sz="900" dirty="0">
+                <a:solidFill>
+                  <a:srgbClr val="000000"/>
+                </a:solidFill>
+                <a:latin typeface="Menlo" charset="0"/>
+              </a:rPr>
+              <a:t>    </a:t>
+            </a:r>
+          </a:p>
+          <a:p>
+            <a:r>
+              <a:rPr lang="en-US" sz="900" dirty="0">
+                <a:solidFill>
+                  <a:srgbClr val="000000"/>
+                </a:solidFill>
+                <a:latin typeface="Menlo" charset="0"/>
+              </a:rPr>
+              <a:t>    </a:t>
+            </a:r>
+            <a:r>
+              <a:rPr lang="en-US" sz="900" dirty="0" err="1">
+                <a:solidFill>
+                  <a:srgbClr val="BA2DA2"/>
+                </a:solidFill>
+                <a:latin typeface="Menlo" charset="0"/>
+              </a:rPr>
+              <a:t>def</a:t>
+            </a:r>
+            <a:r>
+              <a:rPr lang="en-US" sz="900" dirty="0">
+                <a:solidFill>
+                  <a:srgbClr val="000000"/>
+                </a:solidFill>
+                <a:latin typeface="Menlo" charset="0"/>
+              </a:rPr>
+              <a:t> </a:t>
+            </a:r>
+            <a:r>
+              <a:rPr lang="en-US" sz="900" dirty="0" err="1">
+                <a:solidFill>
+                  <a:srgbClr val="000000"/>
+                </a:solidFill>
+                <a:latin typeface="Menlo" charset="0"/>
+              </a:rPr>
+              <a:t>set_config</a:t>
+            </a:r>
+            <a:r>
+              <a:rPr lang="en-US" sz="900" dirty="0">
+                <a:solidFill>
+                  <a:srgbClr val="000000"/>
+                </a:solidFill>
+                <a:latin typeface="Menlo" charset="0"/>
+              </a:rPr>
+              <a:t>(self, c):</a:t>
+            </a:r>
+          </a:p>
+          <a:p>
+            <a:r>
+              <a:rPr lang="en-US" sz="900" dirty="0">
+                <a:solidFill>
+                  <a:srgbClr val="000000"/>
+                </a:solidFill>
+                <a:latin typeface="Menlo" charset="0"/>
+              </a:rPr>
+              <a:t>        </a:t>
+            </a:r>
+            <a:r>
+              <a:rPr lang="en-US" sz="900" dirty="0" err="1">
+                <a:solidFill>
+                  <a:srgbClr val="000000"/>
+                </a:solidFill>
+                <a:latin typeface="Menlo" charset="0"/>
+              </a:rPr>
+              <a:t>self.scoped_symtab</a:t>
+            </a:r>
+            <a:r>
+              <a:rPr lang="en-US" sz="900" dirty="0">
+                <a:solidFill>
+                  <a:srgbClr val="000000"/>
+                </a:solidFill>
+                <a:latin typeface="Menlo" charset="0"/>
+              </a:rPr>
+              <a:t> = c</a:t>
+            </a:r>
+          </a:p>
+          <a:p>
+            <a:r>
+              <a:rPr lang="en-US" sz="900" dirty="0">
+                <a:solidFill>
+                  <a:srgbClr val="000000"/>
+                </a:solidFill>
+                <a:latin typeface="Menlo" charset="0"/>
+              </a:rPr>
+              <a:t>        </a:t>
+            </a:r>
+          </a:p>
+          <a:p>
+            <a:r>
+              <a:rPr lang="en-US" sz="900" dirty="0">
+                <a:solidFill>
+                  <a:srgbClr val="000000"/>
+                </a:solidFill>
+                <a:latin typeface="Menlo" charset="0"/>
+              </a:rPr>
+              <a:t>    </a:t>
+            </a:r>
+            <a:r>
+              <a:rPr lang="en-US" sz="900" dirty="0" err="1">
+                <a:solidFill>
+                  <a:srgbClr val="BA2DA2"/>
+                </a:solidFill>
+                <a:latin typeface="Menlo" charset="0"/>
+              </a:rPr>
+              <a:t>def</a:t>
+            </a:r>
+            <a:r>
+              <a:rPr lang="en-US" sz="900" dirty="0">
+                <a:solidFill>
+                  <a:srgbClr val="000000"/>
+                </a:solidFill>
+                <a:latin typeface="Menlo" charset="0"/>
+              </a:rPr>
+              <a:t> </a:t>
+            </a:r>
+            <a:r>
+              <a:rPr lang="en-US" sz="900" dirty="0" err="1">
+                <a:solidFill>
+                  <a:srgbClr val="000000"/>
+                </a:solidFill>
+                <a:latin typeface="Menlo" charset="0"/>
+              </a:rPr>
+              <a:t>push_scope</a:t>
+            </a:r>
+            <a:r>
+              <a:rPr lang="en-US" sz="900" dirty="0">
+                <a:solidFill>
+                  <a:srgbClr val="000000"/>
+                </a:solidFill>
+                <a:latin typeface="Menlo" charset="0"/>
+              </a:rPr>
+              <a:t>(self):</a:t>
+            </a:r>
+          </a:p>
+          <a:p>
+            <a:r>
+              <a:rPr lang="en-US" sz="900" dirty="0">
+                <a:latin typeface="Helvetica" charset="0"/>
+              </a:rPr>
+              <a:t>	</a:t>
+            </a:r>
+            <a:r>
+              <a:rPr lang="mr-IN" sz="900" dirty="0">
+                <a:latin typeface="Helvetica" charset="0"/>
+              </a:rPr>
+              <a:t>…</a:t>
+            </a:r>
+            <a:endParaRPr lang="en-US" sz="900" dirty="0">
+              <a:latin typeface="Helvetica" charset="0"/>
+            </a:endParaRPr>
+          </a:p>
+          <a:p>
+            <a:endParaRPr lang="en-US" sz="900" dirty="0">
+              <a:latin typeface="Helvetica" charset="0"/>
+            </a:endParaRPr>
+          </a:p>
+          <a:p>
+            <a:r>
+              <a:rPr lang="en-US" sz="900" dirty="0">
+                <a:solidFill>
+                  <a:srgbClr val="000000"/>
+                </a:solidFill>
+                <a:latin typeface="Menlo" charset="0"/>
+              </a:rPr>
+              <a:t>    </a:t>
+            </a:r>
+            <a:r>
+              <a:rPr lang="en-US" sz="900" dirty="0" err="1">
+                <a:solidFill>
+                  <a:srgbClr val="BA2DA2"/>
+                </a:solidFill>
+                <a:latin typeface="Menlo" charset="0"/>
+              </a:rPr>
+              <a:t>def</a:t>
+            </a:r>
+            <a:r>
+              <a:rPr lang="en-US" sz="900" dirty="0">
+                <a:solidFill>
+                  <a:srgbClr val="000000"/>
+                </a:solidFill>
+                <a:latin typeface="Menlo" charset="0"/>
+              </a:rPr>
+              <a:t> </a:t>
+            </a:r>
+            <a:r>
+              <a:rPr lang="en-US" sz="900" dirty="0" err="1">
+                <a:solidFill>
+                  <a:srgbClr val="000000"/>
+                </a:solidFill>
+                <a:latin typeface="Menlo" charset="0"/>
+              </a:rPr>
+              <a:t>pop_scope</a:t>
+            </a:r>
+            <a:r>
+              <a:rPr lang="en-US" sz="900" dirty="0">
+                <a:solidFill>
+                  <a:srgbClr val="000000"/>
+                </a:solidFill>
+                <a:latin typeface="Menlo" charset="0"/>
+              </a:rPr>
+              <a:t>(self):</a:t>
+            </a:r>
+          </a:p>
+          <a:p>
+            <a:r>
+              <a:rPr lang="en-US" sz="900" dirty="0">
+                <a:latin typeface="Helvetica" charset="0"/>
+              </a:rPr>
+              <a:t>	</a:t>
+            </a:r>
+            <a:r>
+              <a:rPr lang="mr-IN" sz="900" dirty="0">
+                <a:latin typeface="Helvetica" charset="0"/>
+              </a:rPr>
+              <a:t>…</a:t>
+            </a:r>
+            <a:br>
+              <a:rPr lang="en-US" sz="900" dirty="0">
+                <a:latin typeface="Helvetica" charset="0"/>
+              </a:rPr>
+            </a:br>
+            <a:endParaRPr lang="en-US" sz="900" dirty="0">
+              <a:latin typeface="Helvetica" charset="0"/>
+            </a:endParaRPr>
+          </a:p>
+          <a:p>
+            <a:r>
+              <a:rPr lang="en-US" sz="900" dirty="0">
+                <a:solidFill>
+                  <a:srgbClr val="000000"/>
+                </a:solidFill>
+                <a:latin typeface="Menlo" charset="0"/>
+              </a:rPr>
+              <a:t>    </a:t>
+            </a:r>
+            <a:r>
+              <a:rPr lang="en-US" sz="900" dirty="0" err="1">
+                <a:solidFill>
+                  <a:srgbClr val="BA2DA2"/>
+                </a:solidFill>
+                <a:latin typeface="Menlo" charset="0"/>
+              </a:rPr>
+              <a:t>def</a:t>
+            </a:r>
+            <a:r>
+              <a:rPr lang="en-US" sz="900" dirty="0">
+                <a:solidFill>
+                  <a:srgbClr val="000000"/>
+                </a:solidFill>
+                <a:latin typeface="Menlo" charset="0"/>
+              </a:rPr>
+              <a:t> </a:t>
+            </a:r>
+            <a:r>
+              <a:rPr lang="en-US" sz="900" dirty="0" err="1">
+                <a:solidFill>
+                  <a:srgbClr val="000000"/>
+                </a:solidFill>
+                <a:latin typeface="Menlo" charset="0"/>
+              </a:rPr>
+              <a:t>declare_sym</a:t>
+            </a:r>
+            <a:r>
+              <a:rPr lang="en-US" sz="900" dirty="0">
+                <a:solidFill>
+                  <a:srgbClr val="000000"/>
+                </a:solidFill>
+                <a:latin typeface="Menlo" charset="0"/>
+              </a:rPr>
+              <a:t>(self, </a:t>
+            </a:r>
+            <a:r>
+              <a:rPr lang="en-US" sz="900" dirty="0" err="1">
+                <a:solidFill>
+                  <a:srgbClr val="000000"/>
+                </a:solidFill>
+                <a:latin typeface="Menlo" charset="0"/>
+              </a:rPr>
+              <a:t>sym</a:t>
+            </a:r>
+            <a:r>
+              <a:rPr lang="en-US" sz="900" dirty="0">
+                <a:solidFill>
+                  <a:srgbClr val="000000"/>
+                </a:solidFill>
+                <a:latin typeface="Menlo" charset="0"/>
+              </a:rPr>
+              <a:t>, </a:t>
+            </a:r>
+            <a:r>
+              <a:rPr lang="en-US" sz="900" dirty="0" err="1">
+                <a:solidFill>
+                  <a:srgbClr val="000000"/>
+                </a:solidFill>
+                <a:latin typeface="Menlo" charset="0"/>
+              </a:rPr>
+              <a:t>init</a:t>
+            </a:r>
+            <a:r>
+              <a:rPr lang="en-US" sz="900" dirty="0">
+                <a:solidFill>
+                  <a:srgbClr val="000000"/>
+                </a:solidFill>
+                <a:latin typeface="Menlo" charset="0"/>
+              </a:rPr>
+              <a:t>):</a:t>
+            </a:r>
+          </a:p>
+          <a:p>
+            <a:r>
+              <a:rPr lang="en-US" sz="900" dirty="0">
+                <a:solidFill>
+                  <a:srgbClr val="000000"/>
+                </a:solidFill>
+                <a:latin typeface="Menlo" charset="0"/>
+              </a:rPr>
+              <a:t> 	</a:t>
+            </a:r>
+            <a:r>
+              <a:rPr lang="mr-IN" sz="900" dirty="0">
+                <a:latin typeface="Helvetica" charset="0"/>
+              </a:rPr>
+              <a:t> …</a:t>
+            </a:r>
+            <a:br>
+              <a:rPr lang="en-US" sz="900" dirty="0">
+                <a:latin typeface="Helvetica" charset="0"/>
+              </a:rPr>
+            </a:br>
+            <a:endParaRPr lang="en-US" sz="900" dirty="0">
+              <a:latin typeface="Helvetica" charset="0"/>
+            </a:endParaRPr>
+          </a:p>
+          <a:p>
+            <a:r>
+              <a:rPr lang="en-US" sz="900" dirty="0">
+                <a:solidFill>
+                  <a:srgbClr val="000000"/>
+                </a:solidFill>
+                <a:latin typeface="Menlo" charset="0"/>
+              </a:rPr>
+              <a:t>    </a:t>
+            </a:r>
+            <a:r>
+              <a:rPr lang="en-US" sz="900" dirty="0" err="1">
+                <a:solidFill>
+                  <a:srgbClr val="BA2DA2"/>
+                </a:solidFill>
+                <a:latin typeface="Menlo" charset="0"/>
+              </a:rPr>
+              <a:t>def</a:t>
+            </a:r>
+            <a:r>
+              <a:rPr lang="en-US" sz="900" dirty="0">
+                <a:solidFill>
+                  <a:srgbClr val="000000"/>
+                </a:solidFill>
+                <a:latin typeface="Menlo" charset="0"/>
+              </a:rPr>
+              <a:t> </a:t>
+            </a:r>
+            <a:r>
+              <a:rPr lang="en-US" sz="900" dirty="0" err="1">
+                <a:solidFill>
+                  <a:srgbClr val="000000"/>
+                </a:solidFill>
+                <a:latin typeface="Menlo" charset="0"/>
+              </a:rPr>
+              <a:t>declare_fun</a:t>
+            </a:r>
+            <a:r>
+              <a:rPr lang="en-US" sz="900" dirty="0">
+                <a:solidFill>
+                  <a:srgbClr val="000000"/>
+                </a:solidFill>
+                <a:latin typeface="Menlo" charset="0"/>
+              </a:rPr>
+              <a:t>(self, </a:t>
+            </a:r>
+            <a:r>
+              <a:rPr lang="en-US" sz="900" dirty="0" err="1">
+                <a:solidFill>
+                  <a:srgbClr val="000000"/>
+                </a:solidFill>
+                <a:latin typeface="Menlo" charset="0"/>
+              </a:rPr>
+              <a:t>sym</a:t>
+            </a:r>
+            <a:r>
+              <a:rPr lang="en-US" sz="900" dirty="0">
+                <a:solidFill>
+                  <a:srgbClr val="000000"/>
+                </a:solidFill>
+                <a:latin typeface="Menlo" charset="0"/>
+              </a:rPr>
+              <a:t>, </a:t>
+            </a:r>
+            <a:r>
+              <a:rPr lang="en-US" sz="900" dirty="0" err="1">
+                <a:solidFill>
+                  <a:srgbClr val="000000"/>
+                </a:solidFill>
+                <a:latin typeface="Menlo" charset="0"/>
+              </a:rPr>
+              <a:t>init</a:t>
+            </a:r>
+            <a:r>
+              <a:rPr lang="en-US" sz="900" dirty="0">
+                <a:solidFill>
+                  <a:srgbClr val="000000"/>
+                </a:solidFill>
+                <a:latin typeface="Menlo" charset="0"/>
+              </a:rPr>
+              <a:t>):</a:t>
+            </a:r>
+          </a:p>
+          <a:p>
+            <a:r>
+              <a:rPr lang="en-US" sz="900" dirty="0">
+                <a:solidFill>
+                  <a:srgbClr val="000000"/>
+                </a:solidFill>
+                <a:latin typeface="Menlo" charset="0"/>
+              </a:rPr>
+              <a:t> 	</a:t>
+            </a:r>
+            <a:r>
+              <a:rPr lang="mr-IN" sz="900" dirty="0">
+                <a:latin typeface="Helvetica" charset="0"/>
+              </a:rPr>
+              <a:t> …</a:t>
+            </a:r>
+            <a:br>
+              <a:rPr lang="en-US" sz="900" dirty="0">
+                <a:latin typeface="Helvetica" charset="0"/>
+              </a:rPr>
+            </a:br>
+            <a:endParaRPr lang="en-US" sz="900" dirty="0">
+              <a:latin typeface="Helvetica" charset="0"/>
+            </a:endParaRPr>
+          </a:p>
+          <a:p>
+            <a:r>
+              <a:rPr lang="en-US" sz="900" dirty="0">
+                <a:solidFill>
+                  <a:srgbClr val="000000"/>
+                </a:solidFill>
+                <a:latin typeface="Menlo" charset="0"/>
+              </a:rPr>
+              <a:t>    </a:t>
+            </a:r>
+            <a:r>
+              <a:rPr lang="en-US" sz="900" dirty="0" err="1">
+                <a:solidFill>
+                  <a:srgbClr val="BA2DA2"/>
+                </a:solidFill>
+                <a:latin typeface="Menlo" charset="0"/>
+              </a:rPr>
+              <a:t>def</a:t>
+            </a:r>
+            <a:r>
+              <a:rPr lang="en-US" sz="900" dirty="0">
+                <a:solidFill>
+                  <a:srgbClr val="000000"/>
+                </a:solidFill>
+                <a:latin typeface="Menlo" charset="0"/>
+              </a:rPr>
+              <a:t> </a:t>
+            </a:r>
+            <a:r>
+              <a:rPr lang="en-US" sz="900" dirty="0" err="1">
+                <a:solidFill>
+                  <a:srgbClr val="000000"/>
+                </a:solidFill>
+                <a:latin typeface="Menlo" charset="0"/>
+              </a:rPr>
+              <a:t>lookup_sym</a:t>
+            </a:r>
+            <a:r>
+              <a:rPr lang="en-US" sz="900" dirty="0">
+                <a:solidFill>
+                  <a:srgbClr val="000000"/>
+                </a:solidFill>
+                <a:latin typeface="Menlo" charset="0"/>
+              </a:rPr>
+              <a:t>(self, </a:t>
+            </a:r>
+            <a:r>
+              <a:rPr lang="en-US" sz="900" dirty="0" err="1">
+                <a:solidFill>
+                  <a:srgbClr val="000000"/>
+                </a:solidFill>
+                <a:latin typeface="Menlo" charset="0"/>
+              </a:rPr>
+              <a:t>sym</a:t>
+            </a:r>
+            <a:r>
+              <a:rPr lang="en-US" sz="900" dirty="0">
+                <a:solidFill>
+                  <a:srgbClr val="000000"/>
+                </a:solidFill>
+                <a:latin typeface="Menlo" charset="0"/>
+              </a:rPr>
+              <a:t>):</a:t>
+            </a:r>
+          </a:p>
+          <a:p>
+            <a:r>
+              <a:rPr lang="en-US" sz="900" dirty="0">
+                <a:latin typeface="Helvetica" charset="0"/>
+              </a:rPr>
+              <a:t>	</a:t>
+            </a:r>
+            <a:r>
+              <a:rPr lang="mr-IN" sz="900" dirty="0">
+                <a:latin typeface="Helvetica" charset="0"/>
+              </a:rPr>
+              <a:t>…</a:t>
+            </a:r>
+            <a:endParaRPr lang="en-US" sz="900" dirty="0">
+              <a:latin typeface="Helvetica" charset="0"/>
+            </a:endParaRPr>
+          </a:p>
+          <a:p>
+            <a:endParaRPr lang="en-US" sz="900" dirty="0">
+              <a:latin typeface="Helvetica" charset="0"/>
+            </a:endParaRPr>
+          </a:p>
+          <a:p>
+            <a:r>
+              <a:rPr lang="en-US" sz="900" dirty="0">
+                <a:solidFill>
+                  <a:srgbClr val="000000"/>
+                </a:solidFill>
+                <a:latin typeface="Menlo" charset="0"/>
+              </a:rPr>
+              <a:t>    </a:t>
+            </a:r>
+            <a:r>
+              <a:rPr lang="en-US" sz="900" dirty="0" err="1">
+                <a:solidFill>
+                  <a:srgbClr val="BA2DA2"/>
+                </a:solidFill>
+                <a:latin typeface="Menlo" charset="0"/>
+              </a:rPr>
+              <a:t>def</a:t>
+            </a:r>
+            <a:r>
+              <a:rPr lang="en-US" sz="900" dirty="0">
+                <a:solidFill>
+                  <a:srgbClr val="000000"/>
+                </a:solidFill>
+                <a:latin typeface="Menlo" charset="0"/>
+              </a:rPr>
+              <a:t> </a:t>
+            </a:r>
+            <a:r>
+              <a:rPr lang="en-US" sz="900" dirty="0" err="1">
+                <a:solidFill>
+                  <a:srgbClr val="000000"/>
+                </a:solidFill>
+                <a:latin typeface="Menlo" charset="0"/>
+              </a:rPr>
+              <a:t>update_sym</a:t>
+            </a:r>
+            <a:r>
+              <a:rPr lang="en-US" sz="900" dirty="0">
+                <a:solidFill>
+                  <a:srgbClr val="000000"/>
+                </a:solidFill>
+                <a:latin typeface="Menlo" charset="0"/>
+              </a:rPr>
+              <a:t>(self, </a:t>
+            </a:r>
+            <a:r>
+              <a:rPr lang="en-US" sz="900" dirty="0" err="1">
+                <a:solidFill>
+                  <a:srgbClr val="000000"/>
+                </a:solidFill>
+                <a:latin typeface="Menlo" charset="0"/>
+              </a:rPr>
+              <a:t>sym</a:t>
+            </a:r>
+            <a:r>
+              <a:rPr lang="en-US" sz="900" dirty="0">
+                <a:solidFill>
+                  <a:srgbClr val="000000"/>
+                </a:solidFill>
+                <a:latin typeface="Menlo" charset="0"/>
+              </a:rPr>
+              <a:t>, </a:t>
+            </a:r>
+            <a:r>
+              <a:rPr lang="en-US" sz="900" dirty="0" err="1">
+                <a:solidFill>
+                  <a:srgbClr val="000000"/>
+                </a:solidFill>
+                <a:latin typeface="Menlo" charset="0"/>
+              </a:rPr>
+              <a:t>val</a:t>
+            </a:r>
+            <a:r>
+              <a:rPr lang="en-US" sz="900" dirty="0">
+                <a:solidFill>
+                  <a:srgbClr val="000000"/>
+                </a:solidFill>
+                <a:latin typeface="Menlo" charset="0"/>
+              </a:rPr>
+              <a:t>):</a:t>
+            </a:r>
+          </a:p>
+          <a:p>
+            <a:r>
+              <a:rPr lang="en-US" sz="900" dirty="0">
+                <a:solidFill>
+                  <a:srgbClr val="000000"/>
+                </a:solidFill>
+                <a:latin typeface="Menlo" charset="0"/>
+              </a:rPr>
+              <a:t> 	</a:t>
+            </a:r>
+            <a:r>
+              <a:rPr lang="mr-IN" sz="900" dirty="0">
+                <a:solidFill>
+                  <a:srgbClr val="000000"/>
+                </a:solidFill>
+                <a:latin typeface="Menlo" charset="0"/>
+              </a:rPr>
+              <a:t>…</a:t>
+            </a:r>
+            <a:endParaRPr lang="en-US" sz="900" dirty="0"/>
+          </a:p>
+        </p:txBody>
+      </p:sp>
+      <p:sp>
+        <p:nvSpPr>
+          <p:cNvPr id="4" name="TextBox 3"/>
+          <p:cNvSpPr txBox="1"/>
+          <p:nvPr/>
+        </p:nvSpPr>
+        <p:spPr>
+          <a:xfrm>
+            <a:off x="415636" y="2576945"/>
+            <a:ext cx="1253869" cy="246221"/>
+          </a:xfrm>
+          <a:prstGeom prst="rect">
+            <a:avLst/>
+          </a:prstGeom>
+          <a:noFill/>
+        </p:spPr>
+        <p:txBody>
+          <a:bodyPr wrap="none" rtlCol="0">
+            <a:spAutoFit/>
+          </a:bodyPr>
+          <a:lstStyle/>
+          <a:p>
+            <a:r>
+              <a:rPr lang="en-US" dirty="0"/>
+              <a:t>cuppa3_symtab.py</a:t>
+            </a:r>
+          </a:p>
+        </p:txBody>
+      </p:sp>
+      <p:sp>
+        <p:nvSpPr>
+          <p:cNvPr id="7" name="Right Arrow 6"/>
           <p:cNvSpPr/>
           <p:nvPr/>
         </p:nvSpPr>
         <p:spPr bwMode="auto">
           <a:xfrm flipH="1">
-            <a:off x="6248400" y="2133600"/>
+            <a:off x="6248400" y="1592490"/>
             <a:ext cx="533400" cy="304800"/>
           </a:xfrm>
           <a:prstGeom prst="rightArrow">
@@ -13749,7 +14102,7 @@
           <a:effectLst/>
           <a:extLst>
             <a:ext uri="{AF507438-7753-43e0-B8FC-AC1667EBCBE1}">
-              <a14:hiddenEffects xmlns:a14="http://schemas.microsoft.com/office/drawing/2010/main" xmlns="">
+              <a14:hiddenEffects xmlns="" xmlns:a14="http://schemas.microsoft.com/office/drawing/2010/main">
                 <a:effectLst>
                   <a:outerShdw blurRad="63500" dist="38099" dir="2700000" algn="ctr" rotWithShape="0">
                     <a:schemeClr val="bg2">
@@ -13800,6 +14153,92 @@
           </a:p>
         </p:txBody>
       </p:sp>
+      <p:sp>
+        <p:nvSpPr>
+          <p:cNvPr id="8" name="Right Arrow 7">
+            <a:extLst>
+              <a:ext uri="{FF2B5EF4-FFF2-40B4-BE49-F238E27FC236}">
+                <a16:creationId xmlns:a16="http://schemas.microsoft.com/office/drawing/2014/main" id="{D995F352-C52A-CC4B-890E-8C1151437E32}"/>
+              </a:ext>
+            </a:extLst>
+          </p:cNvPr>
+          <p:cNvSpPr/>
+          <p:nvPr/>
+        </p:nvSpPr>
+        <p:spPr bwMode="auto">
+          <a:xfrm flipH="1">
+            <a:off x="6248400" y="2133600"/>
+            <a:ext cx="533400" cy="304800"/>
+          </a:xfrm>
+          <a:prstGeom prst="rightArrow">
+            <a:avLst/>
+          </a:prstGeom>
+          <a:solidFill>
+            <a:srgbClr val="FF0000"/>
+          </a:solidFill>
+          <a:ln w="9525" cap="flat" cmpd="sng" algn="ctr">
+            <a:solidFill>
+              <a:schemeClr val="tx1"/>
+            </a:solidFill>
+            <a:prstDash val="solid"/>
+            <a:round/>
+            <a:headEnd type="none" w="med" len="med"/>
+            <a:tailEnd type="none" w="med" len="med"/>
+          </a:ln>
+          <a:effectLst/>
+          <a:extLst>
+            <a:ext uri="{AF507438-7753-43e0-B8FC-AC1667EBCBE1}">
+              <a14:hiddenEffects xmlns="" xmlns:a14="http://schemas.microsoft.com/office/drawing/2010/main">
+                <a:effectLst>
+                  <a:outerShdw blurRad="63500" dist="38099" dir="2700000" algn="ctr" rotWithShape="0">
+                    <a:schemeClr val="bg2">
+                      <a:alpha val="74998"/>
+                    </a:schemeClr>
+                  </a:outerShdw>
+                </a:effectLst>
+              </a14:hiddenEffects>
+            </a:ext>
+          </a:extLst>
+        </p:spPr>
+        <p:txBody>
+          <a:bodyPr vert="horz" wrap="square" lIns="91440" tIns="45720" rIns="91440" bIns="45720" numCol="1" rtlCol="0" anchor="t" anchorCtr="0" compatLnSpc="1">
+            <a:prstTxWarp prst="textNoShape">
+              <a:avLst/>
+            </a:prstTxWarp>
+          </a:bodyPr>
+          <a:lstStyle/>
+          <a:p>
+            <a:pPr marL="0" marR="0" indent="0" algn="l" defTabSz="914400" rtl="0" eaLnBrk="0" fontAlgn="base" latinLnBrk="0" hangingPunct="0">
+              <a:lnSpc>
+                <a:spcPct val="100000"/>
+              </a:lnSpc>
+              <a:spcBef>
+                <a:spcPct val="0"/>
+              </a:spcBef>
+              <a:spcAft>
+                <a:spcPct val="0"/>
+              </a:spcAft>
+              <a:buClrTx/>
+              <a:buSzTx/>
+              <a:buFontTx/>
+              <a:buNone/>
+              <a:tabLst/>
+            </a:pPr>
+            <a:endParaRPr kumimoji="0" lang="en-US" sz="200" b="0" i="0" u="none" strike="noStrike" cap="none" normalizeH="0" baseline="0">
+              <a:ln>
+                <a:noFill/>
+              </a:ln>
+              <a:solidFill>
+                <a:srgbClr val="808080"/>
+              </a:solidFill>
+              <a:effectLst/>
+              <a:latin typeface="Arial" charset="0"/>
+              <a:ea typeface="ＭＳ Ｐゴシック" charset="0"/>
+              <a:cs typeface="ＭＳ Ｐゴシック" charset="0"/>
+            </a:endParaRPr>
+          </a:p>
+        </p:txBody>
+      </p:sp>
     </p:spTree>
     <p:extLst>
       <p:ext uri="{BB962C8B-B14F-4D97-AF65-F5344CB8AC3E}">
@@ -13813,7 +14252,7 @@
 </p:sld>
 </file>
 
-<file path=ppt/slides/slide22.xml><?xml version="1.0" encoding="utf-8"?>
+<file path=ppt/slides/slide24.xml><?xml version="1.0" encoding="utf-8"?>
 <p:sld xmlns:a="http://schemas.openxmlformats.org/drawingml/2006/main" xmlns:r="http://schemas.openxmlformats.org/officeDocument/2006/relationships" xmlns:p="http://schemas.openxmlformats.org/presentationml/2006/main">
   <p:cSld>
     <p:spTree>
@@ -13922,7 +14361,7 @@
           <a:effectLst/>
           <a:extLst>
             <a:ext uri="{AF507438-7753-43e0-B8FC-AC1667EBCBE1}">
-              <a14:hiddenEffects xmlns:a14="http://schemas.microsoft.com/office/drawing/2010/main" xmlns="">
+              <a14:hiddenEffects xmlns="" xmlns:a14="http://schemas.microsoft.com/office/drawing/2010/main">
                 <a:effectLst>
                   <a:outerShdw blurRad="63500" dist="38099" dir="2700000" algn="ctr" rotWithShape="0">
                     <a:schemeClr val="bg2">
@@ -14002,7 +14441,7 @@
           <a:effectLst/>
           <a:extLst>
             <a:ext uri="{AF507438-7753-43e0-B8FC-AC1667EBCBE1}">
-              <a14:hiddenEffects xmlns:a14="http://schemas.microsoft.com/office/drawing/2010/main" xmlns="">
+              <a14:hiddenEffects xmlns="" xmlns:a14="http://schemas.microsoft.com/office/drawing/2010/main">
                 <a:effectLst>
                   <a:outerShdw blurRad="63500" dist="38099" dir="2700000" algn="ctr" rotWithShape="0">
                     <a:schemeClr val="bg2">
@@ -14082,7 +14521,7 @@
           <a:effectLst/>
           <a:extLst>
             <a:ext uri="{AF507438-7753-43e0-B8FC-AC1667EBCBE1}">
-              <a14:hiddenEffects xmlns:a14="http://schemas.microsoft.com/office/drawing/2010/main" xmlns="">
+              <a14:hiddenEffects xmlns="" xmlns:a14="http://schemas.microsoft.com/office/drawing/2010/main">
                 <a:effectLst>
                   <a:outerShdw blurRad="63500" dist="38099" dir="2700000" algn="ctr" rotWithShape="0">
                     <a:schemeClr val="bg2">
@@ -14162,7 +14601,7 @@
           <a:effectLst/>
           <a:extLst>
             <a:ext uri="{AF507438-7753-43e0-B8FC-AC1667EBCBE1}">
-              <a14:hiddenEffects xmlns:a14="http://schemas.microsoft.com/office/drawing/2010/main" xmlns="">
+              <a14:hiddenEffects xmlns="" xmlns:a14="http://schemas.microsoft.com/office/drawing/2010/main">
                 <a:effectLst>
                   <a:outerShdw blurRad="63500" dist="38099" dir="2700000" algn="ctr" rotWithShape="0">
                     <a:schemeClr val="bg2">
@@ -14305,7 +14744,7 @@
 </p:sld>
 </file>
 
-<file path=ppt/slides/slide23.xml><?xml version="1.0" encoding="utf-8"?>
+<file path=ppt/slides/slide25.xml><?xml version="1.0" encoding="utf-8"?>
 <p:sld xmlns:a="http://schemas.openxmlformats.org/drawingml/2006/main" xmlns:r="http://schemas.openxmlformats.org/officeDocument/2006/relationships" xmlns:p="http://schemas.openxmlformats.org/presentationml/2006/main">
   <p:cSld>
     <p:spTree>
@@ -14425,7 +14864,7 @@
 </p:sld>
 </file>
 
-<file path=ppt/slides/slide24.xml><?xml version="1.0" encoding="utf-8"?>
+<file path=ppt/slides/slide26.xml><?xml version="1.0" encoding="utf-8"?>
 <p:sld xmlns:a="http://schemas.openxmlformats.org/drawingml/2006/main" xmlns:r="http://schemas.openxmlformats.org/officeDocument/2006/relationships" xmlns:p="http://schemas.openxmlformats.org/presentationml/2006/main">
   <p:cSld>
     <p:spTree>
@@ -14540,7 +14979,7 @@
           <a:effectLst/>
           <a:extLst>
             <a:ext uri="{AF507438-7753-43e0-B8FC-AC1667EBCBE1}">
-              <a14:hiddenEffects xmlns="" xmlns:a14="http://schemas.microsoft.com/office/drawing/2010/main">
+              <a14:hiddenEffects xmlns:a14="http://schemas.microsoft.com/office/drawing/2010/main" xmlns="">
                 <a:effectLst>
                   <a:outerShdw blurRad="63500" dist="38099" dir="2700000" algn="ctr" rotWithShape="0">
                     <a:schemeClr val="bg2">
@@ -14661,7 +15100,7 @@
           <a:effectLst/>
           <a:extLst>
             <a:ext uri="{AF507438-7753-43e0-B8FC-AC1667EBCBE1}">
-              <a14:hiddenEffects xmlns="" xmlns:a14="http://schemas.microsoft.com/office/drawing/2010/main">
+              <a14:hiddenEffects xmlns:a14="http://schemas.microsoft.com/office/drawing/2010/main" xmlns="">
                 <a:effectLst>
                   <a:outerShdw blurRad="63500" dist="38099" dir="2700000" algn="ctr" rotWithShape="0">
                     <a:schemeClr val="bg2">
@@ -14796,7 +15235,7 @@
           <a:effectLst/>
           <a:extLst>
             <a:ext uri="{AF507438-7753-43e0-B8FC-AC1667EBCBE1}">
-              <a14:hiddenEffects xmlns="" xmlns:a14="http://schemas.microsoft.com/office/drawing/2010/main">
+              <a14:hiddenEffects xmlns:a14="http://schemas.microsoft.com/office/drawing/2010/main" xmlns="">
                 <a:effectLst>
                   <a:outerShdw blurRad="63500" dist="38099" dir="2700000" algn="ctr" rotWithShape="0">
                     <a:schemeClr val="bg2">
@@ -14822,7 +15261,7 @@
 </p:sld>
 </file>
 
-<file path=ppt/slides/slide25.xml><?xml version="1.0" encoding="utf-8"?>
+<file path=ppt/slides/slide27.xml><?xml version="1.0" encoding="utf-8"?>
 <p:sld xmlns:a="http://schemas.openxmlformats.org/drawingml/2006/main" xmlns:r="http://schemas.openxmlformats.org/officeDocument/2006/relationships" xmlns:p="http://schemas.openxmlformats.org/presentationml/2006/main">
   <p:cSld>
     <p:spTree>
@@ -14978,7 +15417,7 @@
           <a:effectLst/>
           <a:extLst>
             <a:ext uri="{AF507438-7753-43e0-B8FC-AC1667EBCBE1}">
-              <a14:hiddenEffects xmlns="" xmlns:a14="http://schemas.microsoft.com/office/drawing/2010/main">
+              <a14:hiddenEffects xmlns:a14="http://schemas.microsoft.com/office/drawing/2010/main" xmlns="">
                 <a:effectLst>
                   <a:outerShdw blurRad="63500" dist="38099" dir="2700000" algn="ctr" rotWithShape="0">
                     <a:schemeClr val="bg2">
@@ -15042,7 +15481,7 @@
 </p:sld>
 </file>
 
-<file path=ppt/slides/slide26.xml><?xml version="1.0" encoding="utf-8"?>
+<file path=ppt/slides/slide28.xml><?xml version="1.0" encoding="utf-8"?>
 <p:sld xmlns:a="http://schemas.openxmlformats.org/drawingml/2006/main" xmlns:r="http://schemas.openxmlformats.org/officeDocument/2006/relationships" xmlns:p="http://schemas.openxmlformats.org/presentationml/2006/main">
   <p:cSld>
     <p:spTree>
@@ -15167,508 +15606,6 @@
     <p:extLst>
       <p:ext uri="{BB962C8B-B14F-4D97-AF65-F5344CB8AC3E}">
         <p14:creationId xmlns:p14="http://schemas.microsoft.com/office/powerpoint/2010/main" val="1047215301"/>
-      </p:ext>
-    </p:extLst>
-  </p:cSld>
-  <p:clrMapOvr>
-    <a:masterClrMapping/>
-  </p:clrMapOvr>
-</p:sld>
-</file>
-
-<file path=ppt/slides/slide27.xml><?xml version="1.0" encoding="utf-8"?>
-<p:sld xmlns:a="http://schemas.openxmlformats.org/drawingml/2006/main" xmlns:r="http://schemas.openxmlformats.org/officeDocument/2006/relationships" xmlns:p="http://schemas.openxmlformats.org/presentationml/2006/main">
-  <p:cSld>
-    <p:spTree>
-      <p:nvGrpSpPr>
-        <p:cNvPr id="1" name=""/>
-        <p:cNvGrpSpPr/>
-        <p:nvPr/>
-      </p:nvGrpSpPr>
-      <p:grpSpPr>
-        <a:xfrm>
-          <a:off x="0" y="0"/>
-          <a:ext cx="0" cy="0"/>
-          <a:chOff x="0" y="0"/>
-          <a:chExt cx="0" cy="0"/>
-        </a:xfrm>
-      </p:grpSpPr>
-      <p:sp>
-        <p:nvSpPr>
-          <p:cNvPr id="2" name="Title 1"/>
-          <p:cNvSpPr>
-            <a:spLocks noGrp="1"/>
-          </p:cNvSpPr>
-          <p:nvPr>
-            <p:ph type="title"/>
-          </p:nvPr>
-        </p:nvSpPr>
-        <p:spPr/>
-        <p:txBody>
-          <a:bodyPr/>
-          <a:lstStyle/>
-          <a:p>
-            <a:r>
-              <a:rPr lang="en-US" dirty="0"/>
-              <a:t>Interpreting Function Calls</a:t>
-            </a:r>
-          </a:p>
-        </p:txBody>
-      </p:sp>
-      <p:sp>
-        <p:nvSpPr>
-          <p:cNvPr id="5" name="Content Placeholder 4"/>
-          <p:cNvSpPr>
-            <a:spLocks noGrp="1"/>
-          </p:cNvSpPr>
-          <p:nvPr>
-            <p:ph idx="1"/>
-          </p:nvPr>
-        </p:nvSpPr>
-        <p:spPr>
-          <a:xfrm>
-            <a:off x="457200" y="1719263"/>
-            <a:ext cx="8229600" cy="1785937"/>
-          </a:xfrm>
-        </p:spPr>
-        <p:txBody>
-          <a:bodyPr>
-            <a:normAutofit fontScale="85000" lnSpcReduction="10000"/>
-          </a:bodyPr>
-          <a:lstStyle/>
-          <a:p>
-            <a:r>
-              <a:rPr lang="en-US" dirty="0"/>
-              <a:t>The difference between call statements and call expressions:</a:t>
-            </a:r>
-          </a:p>
-          <a:p>
-            <a:pPr lvl="1"/>
-            <a:r>
-              <a:rPr lang="en-US" dirty="0"/>
-              <a:t>Call statements </a:t>
-            </a:r>
-            <a:r>
-              <a:rPr lang="mr-IN" dirty="0"/>
-              <a:t>–</a:t>
-            </a:r>
-            <a:r>
-              <a:rPr lang="en-US" dirty="0"/>
-              <a:t> return value of a function is ignored</a:t>
-            </a:r>
-          </a:p>
-          <a:p>
-            <a:pPr lvl="1"/>
-            <a:r>
-              <a:rPr lang="en-US" dirty="0"/>
-              <a:t>Call expressions </a:t>
-            </a:r>
-            <a:r>
-              <a:rPr lang="mr-IN" dirty="0"/>
-              <a:t>–</a:t>
-            </a:r>
-            <a:r>
-              <a:rPr lang="en-US" dirty="0"/>
-              <a:t> function has to provide a return value</a:t>
-            </a:r>
-          </a:p>
-        </p:txBody>
-      </p:sp>
-      <p:sp>
-        <p:nvSpPr>
-          <p:cNvPr id="3" name="Text Box 4"/>
-          <p:cNvSpPr txBox="1">
-            <a:spLocks noChangeArrowheads="1"/>
-          </p:cNvSpPr>
-          <p:nvPr/>
-        </p:nvSpPr>
-        <p:spPr bwMode="auto">
-          <a:xfrm>
-            <a:off x="762000" y="4165600"/>
-            <a:ext cx="2100263" cy="1778000"/>
-          </a:xfrm>
-          <a:prstGeom prst="rect">
-            <a:avLst/>
-          </a:prstGeom>
-          <a:noFill/>
-          <a:ln w="9525">
-            <a:solidFill>
-              <a:schemeClr val="tx1"/>
-            </a:solidFill>
-            <a:miter lim="800000"/>
-            <a:headEnd/>
-            <a:tailEnd/>
-          </a:ln>
-          <a:extLst>
-            <a:ext uri="{909E8E84-426E-40dd-AFC4-6F175D3DCCD1}">
-              <a14:hiddenFill xmlns:a14="http://schemas.microsoft.com/office/drawing/2010/main" xmlns="">
-                <a:solidFill>
-                  <a:schemeClr val="accent1"/>
-                </a:solidFill>
-              </a14:hiddenFill>
-            </a:ext>
-          </a:extLst>
-        </p:spPr>
-        <p:txBody>
-          <a:bodyPr wrap="none">
-            <a:spAutoFit/>
-          </a:bodyPr>
-          <a:lstStyle/>
-          <a:p>
-            <a:r>
-              <a:rPr lang="en-US" dirty="0"/>
-              <a:t>Note: the return value of functions</a:t>
-            </a:r>
-          </a:p>
-          <a:p>
-            <a:r>
-              <a:rPr lang="en-US" dirty="0"/>
-              <a:t>called as statement is ignored.</a:t>
-            </a:r>
-          </a:p>
-          <a:p>
-            <a:r>
-              <a:rPr lang="en-US" dirty="0"/>
-              <a:t>Consider:</a:t>
-            </a:r>
-          </a:p>
-          <a:p>
-            <a:endParaRPr lang="en-US" dirty="0"/>
-          </a:p>
-          <a:p>
-            <a:r>
-              <a:rPr lang="en-US" dirty="0"/>
-              <a:t>declare f () {</a:t>
-            </a:r>
-          </a:p>
-          <a:p>
-            <a:r>
-              <a:rPr lang="en-US" dirty="0"/>
-              <a:t>     put(1001);</a:t>
-            </a:r>
-          </a:p>
-          <a:p>
-            <a:r>
-              <a:rPr lang="en-US" dirty="0"/>
-              <a:t>     return 1001;</a:t>
-            </a:r>
-          </a:p>
-          <a:p>
-            <a:r>
-              <a:rPr lang="en-US" dirty="0"/>
-              <a:t>}</a:t>
-            </a:r>
-          </a:p>
-          <a:p>
-            <a:endParaRPr lang="en-US" dirty="0"/>
-          </a:p>
-          <a:p>
-            <a:r>
-              <a:rPr lang="en-US" dirty="0">
-                <a:solidFill>
-                  <a:srgbClr val="FF0000"/>
-                </a:solidFill>
-              </a:rPr>
-              <a:t>f();</a:t>
-            </a:r>
-          </a:p>
-          <a:p>
-            <a:endParaRPr lang="en-US" dirty="0"/>
-          </a:p>
-        </p:txBody>
-      </p:sp>
-      <p:sp>
-        <p:nvSpPr>
-          <p:cNvPr id="4" name="Text Box 7"/>
-          <p:cNvSpPr txBox="1">
-            <a:spLocks noChangeArrowheads="1"/>
-          </p:cNvSpPr>
-          <p:nvPr/>
-        </p:nvSpPr>
-        <p:spPr bwMode="auto">
-          <a:xfrm>
-            <a:off x="4953000" y="4292600"/>
-            <a:ext cx="1362874" cy="2031325"/>
-          </a:xfrm>
-          <a:prstGeom prst="rect">
-            <a:avLst/>
-          </a:prstGeom>
-          <a:noFill/>
-          <a:ln w="9525">
-            <a:solidFill>
-              <a:schemeClr val="tx1"/>
-            </a:solidFill>
-            <a:miter lim="800000"/>
-            <a:headEnd/>
-            <a:tailEnd/>
-          </a:ln>
-          <a:extLst>
-            <a:ext uri="{909E8E84-426E-40dd-AFC4-6F175D3DCCD1}">
-              <a14:hiddenFill xmlns:a14="http://schemas.microsoft.com/office/drawing/2010/main" xmlns="">
-                <a:solidFill>
-                  <a:schemeClr val="accent1"/>
-                </a:solidFill>
-              </a14:hiddenFill>
-            </a:ext>
-          </a:extLst>
-        </p:spPr>
-        <p:txBody>
-          <a:bodyPr wrap="none">
-            <a:spAutoFit/>
-          </a:bodyPr>
-          <a:lstStyle/>
-          <a:p>
-            <a:r>
-              <a:rPr lang="en-US" sz="1400" dirty="0"/>
-              <a:t>declare </a:t>
-            </a:r>
-            <a:r>
-              <a:rPr lang="en-US" sz="1400" dirty="0" err="1"/>
-              <a:t>inc</a:t>
-            </a:r>
-            <a:r>
-              <a:rPr lang="en-US" sz="1400" dirty="0"/>
-              <a:t>(</a:t>
-            </a:r>
-            <a:r>
-              <a:rPr lang="en-US" sz="1400" dirty="0" err="1"/>
-              <a:t>i</a:t>
-            </a:r>
-            <a:r>
-              <a:rPr lang="en-US" sz="1400" dirty="0"/>
-              <a:t>) </a:t>
-            </a:r>
-          </a:p>
-          <a:p>
-            <a:r>
-              <a:rPr lang="en-US" sz="1400" dirty="0"/>
-              <a:t>{</a:t>
-            </a:r>
-          </a:p>
-          <a:p>
-            <a:r>
-              <a:rPr lang="en-US" sz="1400" dirty="0"/>
-              <a:t>     </a:t>
-            </a:r>
-            <a:r>
-              <a:rPr lang="en-US" sz="1400" dirty="0">
-                <a:solidFill>
-                  <a:srgbClr val="FF0000"/>
-                </a:solidFill>
-              </a:rPr>
-              <a:t>return</a:t>
-            </a:r>
-            <a:r>
-              <a:rPr lang="en-US" sz="1400" dirty="0"/>
-              <a:t> i+1;</a:t>
-            </a:r>
-          </a:p>
-          <a:p>
-            <a:r>
-              <a:rPr lang="en-US" sz="1400" dirty="0"/>
-              <a:t>}</a:t>
-            </a:r>
-          </a:p>
-          <a:p>
-            <a:endParaRPr lang="en-US" sz="1400" dirty="0"/>
-          </a:p>
-          <a:p>
-            <a:r>
-              <a:rPr lang="en-US" sz="1400" dirty="0"/>
-              <a:t>declare x = 10;</a:t>
-            </a:r>
-          </a:p>
-          <a:p>
-            <a:r>
-              <a:rPr lang="en-US" sz="1400" dirty="0"/>
-              <a:t>declare y; </a:t>
-            </a:r>
-          </a:p>
-          <a:p>
-            <a:r>
-              <a:rPr lang="en-US" sz="1400" dirty="0"/>
-              <a:t>y = </a:t>
-            </a:r>
-            <a:r>
-              <a:rPr lang="en-US" sz="1400" dirty="0" err="1">
-                <a:solidFill>
-                  <a:srgbClr val="FF0000"/>
-                </a:solidFill>
-              </a:rPr>
-              <a:t>inc</a:t>
-            </a:r>
-            <a:r>
-              <a:rPr lang="en-US" sz="1400" dirty="0"/>
-              <a:t>(x);</a:t>
-            </a:r>
-          </a:p>
-          <a:p>
-            <a:r>
-              <a:rPr lang="en-US" sz="1400" dirty="0"/>
-              <a:t>put y;</a:t>
-            </a:r>
-          </a:p>
-        </p:txBody>
-      </p:sp>
-    </p:spTree>
-    <p:extLst>
-      <p:ext uri="{BB962C8B-B14F-4D97-AF65-F5344CB8AC3E}">
-        <p14:creationId xmlns:p14="http://schemas.microsoft.com/office/powerpoint/2010/main" val="774153456"/>
-      </p:ext>
-    </p:extLst>
-  </p:cSld>
-  <p:clrMapOvr>
-    <a:masterClrMapping/>
-  </p:clrMapOvr>
-</p:sld>
-</file>
-
-<file path=ppt/slides/slide28.xml><?xml version="1.0" encoding="utf-8"?>
-<p:sld xmlns:a="http://schemas.openxmlformats.org/drawingml/2006/main" xmlns:r="http://schemas.openxmlformats.org/officeDocument/2006/relationships" xmlns:p="http://schemas.openxmlformats.org/presentationml/2006/main">
-  <p:cSld>
-    <p:spTree>
-      <p:nvGrpSpPr>
-        <p:cNvPr id="1" name=""/>
-        <p:cNvGrpSpPr/>
-        <p:nvPr/>
-      </p:nvGrpSpPr>
-      <p:grpSpPr>
-        <a:xfrm>
-          <a:off x="0" y="0"/>
-          <a:ext cx="0" cy="0"/>
-          <a:chOff x="0" y="0"/>
-          <a:chExt cx="0" cy="0"/>
-        </a:xfrm>
-      </p:grpSpPr>
-      <p:sp>
-        <p:nvSpPr>
-          <p:cNvPr id="2" name="Title 1"/>
-          <p:cNvSpPr>
-            <a:spLocks noGrp="1"/>
-          </p:cNvSpPr>
-          <p:nvPr>
-            <p:ph type="title"/>
-          </p:nvPr>
-        </p:nvSpPr>
-        <p:spPr/>
-        <p:txBody>
-          <a:bodyPr/>
-          <a:lstStyle/>
-          <a:p>
-            <a:r>
-              <a:rPr lang="en-US" dirty="0"/>
-              <a:t>Interpreting Function Calls</a:t>
-            </a:r>
-          </a:p>
-        </p:txBody>
-      </p:sp>
-      <p:sp>
-        <p:nvSpPr>
-          <p:cNvPr id="3" name="Content Placeholder 2"/>
-          <p:cNvSpPr>
-            <a:spLocks noGrp="1"/>
-          </p:cNvSpPr>
-          <p:nvPr>
-            <p:ph idx="1"/>
-          </p:nvPr>
-        </p:nvSpPr>
-        <p:spPr>
-          <a:xfrm>
-            <a:off x="457200" y="1719263"/>
-            <a:ext cx="8229600" cy="1023937"/>
-          </a:xfrm>
-        </p:spPr>
-        <p:txBody>
-          <a:bodyPr>
-            <a:normAutofit fontScale="77500" lnSpcReduction="20000"/>
-          </a:bodyPr>
-          <a:lstStyle/>
-          <a:p>
-            <a:r>
-              <a:rPr lang="en-US" dirty="0"/>
-              <a:t>How do we get function return values to the call site?</a:t>
-            </a:r>
-          </a:p>
-          <a:p>
-            <a:pPr lvl="1"/>
-            <a:r>
-              <a:rPr lang="en-US" dirty="0"/>
-              <a:t>We </a:t>
-            </a:r>
-            <a:r>
-              <a:rPr lang="en-US" i="1" dirty="0"/>
-              <a:t>throw</a:t>
-            </a:r>
-            <a:r>
-              <a:rPr lang="en-US" dirty="0"/>
-              <a:t> them!</a:t>
-            </a:r>
-          </a:p>
-        </p:txBody>
-      </p:sp>
-      <p:pic>
-        <p:nvPicPr>
-          <p:cNvPr id="4" name="Picture 3"/>
-          <p:cNvPicPr>
-            <a:picLocks noChangeAspect="1"/>
-          </p:cNvPicPr>
-          <p:nvPr/>
-        </p:nvPicPr>
-        <p:blipFill>
-          <a:blip r:embed="rId2"/>
-          <a:stretch>
-            <a:fillRect/>
-          </a:stretch>
-        </p:blipFill>
-        <p:spPr>
-          <a:xfrm>
-            <a:off x="450273" y="2743200"/>
-            <a:ext cx="1557959" cy="1257300"/>
-          </a:xfrm>
-          <a:prstGeom prst="rect">
-            <a:avLst/>
-          </a:prstGeom>
-          <a:ln>
-            <a:solidFill>
-              <a:schemeClr val="tx1"/>
-            </a:solidFill>
-          </a:ln>
-        </p:spPr>
-      </p:pic>
-      <p:pic>
-        <p:nvPicPr>
-          <p:cNvPr id="9" name="Picture 8">
-            <a:extLst>
-              <a:ext uri="{FF2B5EF4-FFF2-40B4-BE49-F238E27FC236}">
-                <a16:creationId xmlns:a16="http://schemas.microsoft.com/office/drawing/2014/main" id="{D3415EAD-4B8B-9349-A253-A9E48B58810F}"/>
-              </a:ext>
-            </a:extLst>
-          </p:cNvPr>
-          <p:cNvPicPr>
-            <a:picLocks noChangeAspect="1"/>
-          </p:cNvPicPr>
-          <p:nvPr/>
-        </p:nvPicPr>
-        <p:blipFill>
-          <a:blip r:embed="rId3"/>
-          <a:stretch>
-            <a:fillRect/>
-          </a:stretch>
-        </p:blipFill>
-        <p:spPr>
-          <a:xfrm>
-            <a:off x="3276600" y="2362200"/>
-            <a:ext cx="4101842" cy="4241800"/>
-          </a:xfrm>
-          <a:prstGeom prst="rect">
-            <a:avLst/>
-          </a:prstGeom>
-        </p:spPr>
-      </p:pic>
-    </p:spTree>
-    <p:extLst>
-      <p:ext uri="{BB962C8B-B14F-4D97-AF65-F5344CB8AC3E}">
-        <p14:creationId xmlns:p14="http://schemas.microsoft.com/office/powerpoint/2010/main" val="1803774188"/>
       </p:ext>
     </p:extLst>
   </p:cSld>
@@ -15717,185 +15654,305 @@
           </a:p>
         </p:txBody>
       </p:sp>
-      <p:pic>
-        <p:nvPicPr>
-          <p:cNvPr id="5" name="Picture 4">
-            <a:extLst>
-              <a:ext uri="{FF2B5EF4-FFF2-40B4-BE49-F238E27FC236}">
-                <a16:creationId xmlns:a16="http://schemas.microsoft.com/office/drawing/2014/main" id="{27362F68-87D8-744E-914C-58CE3F349994}"/>
-              </a:ext>
-            </a:extLst>
-          </p:cNvPr>
-          <p:cNvPicPr>
-            <a:picLocks noChangeAspect="1"/>
-          </p:cNvPicPr>
-          <p:nvPr/>
-        </p:nvPicPr>
-        <p:blipFill>
-          <a:blip r:embed="rId2"/>
-          <a:stretch>
-            <a:fillRect/>
-          </a:stretch>
-        </p:blipFill>
+      <p:sp>
+        <p:nvSpPr>
+          <p:cNvPr id="5" name="Content Placeholder 4"/>
+          <p:cNvSpPr>
+            <a:spLocks noGrp="1"/>
+          </p:cNvSpPr>
+          <p:nvPr>
+            <p:ph idx="1"/>
+          </p:nvPr>
+        </p:nvSpPr>
         <p:spPr>
           <a:xfrm>
-            <a:off x="285917" y="1638866"/>
-            <a:ext cx="3502236" cy="1371923"/>
+            <a:off x="457200" y="1719263"/>
+            <a:ext cx="8229600" cy="1785937"/>
+          </a:xfrm>
+        </p:spPr>
+        <p:txBody>
+          <a:bodyPr>
+            <a:normAutofit fontScale="85000" lnSpcReduction="10000"/>
+          </a:bodyPr>
+          <a:lstStyle/>
+          <a:p>
+            <a:r>
+              <a:rPr lang="en-US" dirty="0"/>
+              <a:t>The difference between call statements and call expressions:</a:t>
+            </a:r>
+          </a:p>
+          <a:p>
+            <a:pPr lvl="1"/>
+            <a:r>
+              <a:rPr lang="en-US" dirty="0"/>
+              <a:t>Call statements </a:t>
+            </a:r>
+            <a:r>
+              <a:rPr lang="mr-IN" dirty="0"/>
+              <a:t>–</a:t>
+            </a:r>
+            <a:r>
+              <a:rPr lang="en-US" dirty="0"/>
+              <a:t> return value of a function is ignored</a:t>
+            </a:r>
+          </a:p>
+          <a:p>
+            <a:pPr lvl="1"/>
+            <a:r>
+              <a:rPr lang="en-US" dirty="0"/>
+              <a:t>Call expressions </a:t>
+            </a:r>
+            <a:r>
+              <a:rPr lang="mr-IN" dirty="0"/>
+              <a:t>–</a:t>
+            </a:r>
+            <a:r>
+              <a:rPr lang="en-US" dirty="0"/>
+              <a:t> function has to provide a return value</a:t>
+            </a:r>
+          </a:p>
+        </p:txBody>
+      </p:sp>
+      <p:sp>
+        <p:nvSpPr>
+          <p:cNvPr id="3" name="Text Box 4"/>
+          <p:cNvSpPr txBox="1">
+            <a:spLocks noChangeArrowheads="1"/>
+          </p:cNvSpPr>
+          <p:nvPr/>
+        </p:nvSpPr>
+        <p:spPr bwMode="auto">
+          <a:xfrm>
+            <a:off x="762000" y="4165600"/>
+            <a:ext cx="2100263" cy="1778000"/>
           </a:xfrm>
           <a:prstGeom prst="rect">
             <a:avLst/>
           </a:prstGeom>
-          <a:ln>
+          <a:noFill/>
+          <a:ln w="9525">
             <a:solidFill>
               <a:schemeClr val="tx1"/>
             </a:solidFill>
+            <a:miter lim="800000"/>
+            <a:headEnd/>
+            <a:tailEnd/>
           </a:ln>
-        </p:spPr>
-      </p:pic>
-      <p:pic>
-        <p:nvPicPr>
-          <p:cNvPr id="7" name="Picture 6">
-            <a:extLst>
-              <a:ext uri="{FF2B5EF4-FFF2-40B4-BE49-F238E27FC236}">
-                <a16:creationId xmlns:a16="http://schemas.microsoft.com/office/drawing/2014/main" id="{F9DD7725-91EE-6244-8E47-BC0FB47A14A7}"/>
-              </a:ext>
-            </a:extLst>
-          </p:cNvPr>
-          <p:cNvPicPr>
-            <a:picLocks noChangeAspect="1"/>
-          </p:cNvPicPr>
+          <a:extLst>
+            <a:ext uri="{909E8E84-426E-40dd-AFC4-6F175D3DCCD1}">
+              <a14:hiddenFill xmlns="" xmlns:a14="http://schemas.microsoft.com/office/drawing/2010/main">
+                <a:solidFill>
+                  <a:schemeClr val="accent1"/>
+                </a:solidFill>
+              </a14:hiddenFill>
+            </a:ext>
+          </a:extLst>
+        </p:spPr>
+        <p:txBody>
+          <a:bodyPr wrap="none">
+            <a:spAutoFit/>
+          </a:bodyPr>
+          <a:lstStyle/>
+          <a:p>
+            <a:r>
+              <a:rPr lang="en-US" dirty="0"/>
+              <a:t>Note: the return value of functions</a:t>
+            </a:r>
+          </a:p>
+          <a:p>
+            <a:r>
+              <a:rPr lang="en-US" dirty="0"/>
+              <a:t>called as statement is ignored.</a:t>
+            </a:r>
+          </a:p>
+          <a:p>
+            <a:r>
+              <a:rPr lang="en-US" dirty="0"/>
+              <a:t>Consider:</a:t>
+            </a:r>
+          </a:p>
+          <a:p>
+            <a:endParaRPr lang="en-US" dirty="0"/>
+          </a:p>
+          <a:p>
+            <a:r>
+              <a:rPr lang="en-US" dirty="0"/>
+              <a:t>declare f () {</a:t>
+            </a:r>
+          </a:p>
+          <a:p>
+            <a:r>
+              <a:rPr lang="en-US" dirty="0"/>
+              <a:t>     put(1001);</a:t>
+            </a:r>
+          </a:p>
+          <a:p>
+            <a:r>
+              <a:rPr lang="en-US" dirty="0"/>
+              <a:t>     return 1001;</a:t>
+            </a:r>
+          </a:p>
+          <a:p>
+            <a:r>
+              <a:rPr lang="en-US" dirty="0"/>
+              <a:t>}</a:t>
+            </a:r>
+          </a:p>
+          <a:p>
+            <a:endParaRPr lang="en-US" dirty="0"/>
+          </a:p>
+          <a:p>
+            <a:r>
+              <a:rPr lang="en-US" dirty="0">
+                <a:solidFill>
+                  <a:srgbClr val="FF0000"/>
+                </a:solidFill>
+              </a:rPr>
+              <a:t>f();</a:t>
+            </a:r>
+          </a:p>
+          <a:p>
+            <a:endParaRPr lang="en-US" dirty="0"/>
+          </a:p>
+        </p:txBody>
+      </p:sp>
+      <p:sp>
+        <p:nvSpPr>
+          <p:cNvPr id="4" name="Text Box 7"/>
+          <p:cNvSpPr txBox="1">
+            <a:spLocks noChangeArrowheads="1"/>
+          </p:cNvSpPr>
           <p:nvPr/>
-        </p:nvPicPr>
-        <p:blipFill>
-          <a:blip r:embed="rId3"/>
-          <a:stretch>
-            <a:fillRect/>
-          </a:stretch>
-        </p:blipFill>
-        <p:spPr>
+        </p:nvSpPr>
+        <p:spPr bwMode="auto">
           <a:xfrm>
-            <a:off x="522268" y="3449632"/>
-            <a:ext cx="2438400" cy="1267581"/>
+            <a:off x="4953000" y="4292600"/>
+            <a:ext cx="1362874" cy="2031325"/>
           </a:xfrm>
           <a:prstGeom prst="rect">
             <a:avLst/>
           </a:prstGeom>
-          <a:ln>
+          <a:noFill/>
+          <a:ln w="9525">
             <a:solidFill>
               <a:schemeClr val="tx1"/>
             </a:solidFill>
+            <a:miter lim="800000"/>
+            <a:headEnd/>
+            <a:tailEnd/>
           </a:ln>
-        </p:spPr>
-      </p:pic>
-      <p:pic>
-        <p:nvPicPr>
-          <p:cNvPr id="11" name="Picture 10">
-            <a:extLst>
-              <a:ext uri="{FF2B5EF4-FFF2-40B4-BE49-F238E27FC236}">
-                <a16:creationId xmlns:a16="http://schemas.microsoft.com/office/drawing/2014/main" id="{5FB9A867-5E92-0049-8E4B-0BB39E0DA164}"/>
-              </a:ext>
-            </a:extLst>
-          </p:cNvPr>
-          <p:cNvPicPr>
-            <a:picLocks noChangeAspect="1"/>
-          </p:cNvPicPr>
-          <p:nvPr/>
-        </p:nvPicPr>
-        <p:blipFill>
-          <a:blip r:embed="rId4"/>
-          <a:stretch>
-            <a:fillRect/>
-          </a:stretch>
-        </p:blipFill>
-        <p:spPr>
-          <a:xfrm>
-            <a:off x="3197018" y="2824892"/>
-            <a:ext cx="5683250" cy="1936448"/>
-          </a:xfrm>
-          <a:prstGeom prst="rect">
-            <a:avLst/>
-          </a:prstGeom>
-          <a:ln>
-            <a:solidFill>
-              <a:schemeClr val="tx1"/>
-            </a:solidFill>
-          </a:ln>
-        </p:spPr>
-      </p:pic>
-      <p:pic>
-        <p:nvPicPr>
-          <p:cNvPr id="12" name="Picture 11">
-            <a:extLst>
-              <a:ext uri="{FF2B5EF4-FFF2-40B4-BE49-F238E27FC236}">
-                <a16:creationId xmlns:a16="http://schemas.microsoft.com/office/drawing/2014/main" id="{AADAEA7C-6B71-524B-BD3A-6FA3A3E90A87}"/>
-              </a:ext>
-            </a:extLst>
-          </p:cNvPr>
-          <p:cNvPicPr>
-            <a:picLocks noChangeAspect="1"/>
-          </p:cNvPicPr>
-          <p:nvPr/>
-        </p:nvPicPr>
-        <p:blipFill>
-          <a:blip r:embed="rId5"/>
-          <a:stretch>
-            <a:fillRect/>
-          </a:stretch>
-        </p:blipFill>
-        <p:spPr>
-          <a:xfrm>
-            <a:off x="6038643" y="5105400"/>
-            <a:ext cx="1568450" cy="1289401"/>
-          </a:xfrm>
-          <a:prstGeom prst="rect">
-            <a:avLst/>
-          </a:prstGeom>
-          <a:ln>
-            <a:solidFill>
-              <a:schemeClr val="tx1"/>
-            </a:solidFill>
-          </a:ln>
-        </p:spPr>
-      </p:pic>
-      <p:pic>
-        <p:nvPicPr>
-          <p:cNvPr id="13" name="Picture 12">
-            <a:extLst>
-              <a:ext uri="{FF2B5EF4-FFF2-40B4-BE49-F238E27FC236}">
-                <a16:creationId xmlns:a16="http://schemas.microsoft.com/office/drawing/2014/main" id="{DC47DE19-8EFD-AB4E-9378-2881B7E040FA}"/>
-              </a:ext>
-            </a:extLst>
-          </p:cNvPr>
-          <p:cNvPicPr>
-            <a:picLocks noChangeAspect="1"/>
-          </p:cNvPicPr>
-          <p:nvPr/>
-        </p:nvPicPr>
-        <p:blipFill>
-          <a:blip r:embed="rId6"/>
-          <a:stretch>
-            <a:fillRect/>
-          </a:stretch>
-        </p:blipFill>
-        <p:spPr>
-          <a:xfrm>
-            <a:off x="1664510" y="5239766"/>
-            <a:ext cx="2552700" cy="1432638"/>
-          </a:xfrm>
-          <a:prstGeom prst="rect">
-            <a:avLst/>
-          </a:prstGeom>
-          <a:ln>
-            <a:solidFill>
-              <a:schemeClr val="tx1"/>
-            </a:solidFill>
-          </a:ln>
-        </p:spPr>
-      </p:pic>
+          <a:extLst>
+            <a:ext uri="{909E8E84-426E-40dd-AFC4-6F175D3DCCD1}">
+              <a14:hiddenFill xmlns="" xmlns:a14="http://schemas.microsoft.com/office/drawing/2010/main">
+                <a:solidFill>
+                  <a:schemeClr val="accent1"/>
+                </a:solidFill>
+              </a14:hiddenFill>
+            </a:ext>
+          </a:extLst>
+        </p:spPr>
+        <p:txBody>
+          <a:bodyPr wrap="none">
+            <a:spAutoFit/>
+          </a:bodyPr>
+          <a:lstStyle/>
+          <a:p>
+            <a:r>
+              <a:rPr lang="en-US" sz="1400" dirty="0"/>
+              <a:t>declare </a:t>
+            </a:r>
+            <a:r>
+              <a:rPr lang="en-US" sz="1400" dirty="0" err="1"/>
+              <a:t>inc</a:t>
+            </a:r>
+            <a:r>
+              <a:rPr lang="en-US" sz="1400" dirty="0"/>
+              <a:t>(</a:t>
+            </a:r>
+            <a:r>
+              <a:rPr lang="en-US" sz="1400" dirty="0" err="1"/>
+              <a:t>i</a:t>
+            </a:r>
+            <a:r>
+              <a:rPr lang="en-US" sz="1400" dirty="0"/>
+              <a:t>) </a:t>
+            </a:r>
+          </a:p>
+          <a:p>
+            <a:r>
+              <a:rPr lang="en-US" sz="1400" dirty="0"/>
+              <a:t>{</a:t>
+            </a:r>
+          </a:p>
+          <a:p>
+            <a:r>
+              <a:rPr lang="en-US" sz="1400" dirty="0"/>
+              <a:t>     </a:t>
+            </a:r>
+            <a:r>
+              <a:rPr lang="en-US" sz="1400" dirty="0">
+                <a:solidFill>
+                  <a:srgbClr val="FF0000"/>
+                </a:solidFill>
+              </a:rPr>
+              <a:t>return</a:t>
+            </a:r>
+            <a:r>
+              <a:rPr lang="en-US" sz="1400" dirty="0"/>
+              <a:t> i+1;</a:t>
+            </a:r>
+          </a:p>
+          <a:p>
+            <a:r>
+              <a:rPr lang="en-US" sz="1400" dirty="0"/>
+              <a:t>}</a:t>
+            </a:r>
+          </a:p>
+          <a:p>
+            <a:endParaRPr lang="en-US" sz="1400" dirty="0"/>
+          </a:p>
+          <a:p>
+            <a:r>
+              <a:rPr lang="en-US" sz="1400" dirty="0"/>
+              <a:t>declare x = 10;</a:t>
+            </a:r>
+          </a:p>
+          <a:p>
+            <a:r>
+              <a:rPr lang="en-US" sz="1400" dirty="0"/>
+              <a:t>declare y; </a:t>
+            </a:r>
+          </a:p>
+          <a:p>
+            <a:r>
+              <a:rPr lang="en-US" sz="1400" dirty="0"/>
+              <a:t>y = </a:t>
+            </a:r>
+            <a:r>
+              <a:rPr lang="en-US" sz="1400" dirty="0" err="1">
+                <a:solidFill>
+                  <a:srgbClr val="FF0000"/>
+                </a:solidFill>
+              </a:rPr>
+              <a:t>inc</a:t>
+            </a:r>
+            <a:r>
+              <a:rPr lang="en-US" sz="1400" dirty="0"/>
+              <a:t>(x);</a:t>
+            </a:r>
+          </a:p>
+          <a:p>
+            <a:r>
+              <a:rPr lang="en-US" sz="1400" dirty="0"/>
+              <a:t>put y;</a:t>
+            </a:r>
+          </a:p>
+        </p:txBody>
+      </p:sp>
     </p:spTree>
     <p:extLst>
       <p:ext uri="{BB962C8B-B14F-4D97-AF65-F5344CB8AC3E}">
-        <p14:creationId xmlns:p14="http://schemas.microsoft.com/office/powerpoint/2010/main" val="1213515019"/>
+        <p14:creationId xmlns:p14="http://schemas.microsoft.com/office/powerpoint/2010/main" val="774153456"/>
       </p:ext>
     </p:extLst>
   </p:cSld>
@@ -15949,7 +16006,7 @@
           </a:ln>
           <a:extLst>
             <a:ext uri="{909E8E84-426E-40dd-AFC4-6F175D3DCCD1}">
-              <a14:hiddenFill xmlns:a14="http://schemas.microsoft.com/office/drawing/2010/main" xmlns="">
+              <a14:hiddenFill xmlns="" xmlns:a14="http://schemas.microsoft.com/office/drawing/2010/main">
                 <a:solidFill>
                   <a:schemeClr val="accent1"/>
                 </a:solidFill>
@@ -16014,7 +16071,7 @@
           </a:ln>
           <a:extLst>
             <a:ext uri="{909E8E84-426E-40dd-AFC4-6F175D3DCCD1}">
-              <a14:hiddenFill xmlns:a14="http://schemas.microsoft.com/office/drawing/2010/main" xmlns="">
+              <a14:hiddenFill xmlns="" xmlns:a14="http://schemas.microsoft.com/office/drawing/2010/main">
                 <a:solidFill>
                   <a:schemeClr val="accent1"/>
                 </a:solidFill>
@@ -16101,7 +16158,7 @@
           </a:ln>
           <a:extLst>
             <a:ext uri="{909E8E84-426E-40dd-AFC4-6F175D3DCCD1}">
-              <a14:hiddenFill xmlns:a14="http://schemas.microsoft.com/office/drawing/2010/main" xmlns="">
+              <a14:hiddenFill xmlns="" xmlns:a14="http://schemas.microsoft.com/office/drawing/2010/main">
                 <a:solidFill>
                   <a:schemeClr val="accent1"/>
                 </a:solidFill>
@@ -16144,7 +16201,7 @@
           </a:ln>
           <a:extLst>
             <a:ext uri="{909E8E84-426E-40dd-AFC4-6F175D3DCCD1}">
-              <a14:hiddenFill xmlns:a14="http://schemas.microsoft.com/office/drawing/2010/main" xmlns="">
+              <a14:hiddenFill xmlns="" xmlns:a14="http://schemas.microsoft.com/office/drawing/2010/main">
                 <a:solidFill>
                   <a:schemeClr val="accent1"/>
                 </a:solidFill>
@@ -16189,7 +16246,7 @@
           </a:ln>
           <a:extLst>
             <a:ext uri="{909E8E84-426E-40dd-AFC4-6F175D3DCCD1}">
-              <a14:hiddenFill xmlns:a14="http://schemas.microsoft.com/office/drawing/2010/main" xmlns="">
+              <a14:hiddenFill xmlns="" xmlns:a14="http://schemas.microsoft.com/office/drawing/2010/main">
                 <a:noFill/>
               </a14:hiddenFill>
             </a:ext>
@@ -16218,14 +16275,14 @@
           </a:ln>
           <a:extLst>
             <a:ext uri="{909E8E84-426E-40dd-AFC4-6F175D3DCCD1}">
-              <a14:hiddenFill xmlns:a14="http://schemas.microsoft.com/office/drawing/2010/main" xmlns="">
+              <a14:hiddenFill xmlns="" xmlns:a14="http://schemas.microsoft.com/office/drawing/2010/main">
                 <a:solidFill>
                   <a:schemeClr val="accent1"/>
                 </a:solidFill>
               </a14:hiddenFill>
             </a:ext>
             <a:ext uri="{91240B29-F687-4f45-9708-019B960494DF}">
-              <a14:hiddenLine xmlns:a14="http://schemas.microsoft.com/office/drawing/2010/main" xmlns="" w="9525">
+              <a14:hiddenLine xmlns="" xmlns:a14="http://schemas.microsoft.com/office/drawing/2010/main" w="9525">
                 <a:solidFill>
                   <a:schemeClr val="tx1"/>
                 </a:solidFill>
@@ -16271,14 +16328,14 @@
           </a:ln>
           <a:extLst>
             <a:ext uri="{909E8E84-426E-40dd-AFC4-6F175D3DCCD1}">
-              <a14:hiddenFill xmlns:a14="http://schemas.microsoft.com/office/drawing/2010/main" xmlns="">
+              <a14:hiddenFill xmlns="" xmlns:a14="http://schemas.microsoft.com/office/drawing/2010/main">
                 <a:solidFill>
                   <a:schemeClr val="accent1"/>
                 </a:solidFill>
               </a14:hiddenFill>
             </a:ext>
             <a:ext uri="{91240B29-F687-4f45-9708-019B960494DF}">
-              <a14:hiddenLine xmlns:a14="http://schemas.microsoft.com/office/drawing/2010/main" xmlns="" w="9525">
+              <a14:hiddenLine xmlns="" xmlns:a14="http://schemas.microsoft.com/office/drawing/2010/main" w="9525">
                 <a:solidFill>
                   <a:schemeClr val="tx1"/>
                 </a:solidFill>
@@ -16333,7 +16390,7 @@
           </a:ln>
           <a:extLst>
             <a:ext uri="{909E8E84-426E-40dd-AFC4-6F175D3DCCD1}">
-              <a14:hiddenFill xmlns:a14="http://schemas.microsoft.com/office/drawing/2010/main" xmlns="">
+              <a14:hiddenFill xmlns="" xmlns:a14="http://schemas.microsoft.com/office/drawing/2010/main">
                 <a:solidFill>
                   <a:schemeClr val="accent1"/>
                 </a:solidFill>
@@ -16376,14 +16433,14 @@
           </a:ln>
           <a:extLst>
             <a:ext uri="{909E8E84-426E-40dd-AFC4-6F175D3DCCD1}">
-              <a14:hiddenFill xmlns:a14="http://schemas.microsoft.com/office/drawing/2010/main" xmlns="">
+              <a14:hiddenFill xmlns="" xmlns:a14="http://schemas.microsoft.com/office/drawing/2010/main">
                 <a:solidFill>
                   <a:schemeClr val="accent1"/>
                 </a:solidFill>
               </a14:hiddenFill>
             </a:ext>
             <a:ext uri="{91240B29-F687-4f45-9708-019B960494DF}">
-              <a14:hiddenLine xmlns:a14="http://schemas.microsoft.com/office/drawing/2010/main" xmlns="" w="9525">
+              <a14:hiddenLine xmlns="" xmlns:a14="http://schemas.microsoft.com/office/drawing/2010/main" w="9525">
                 <a:solidFill>
                   <a:schemeClr val="tx1"/>
                 </a:solidFill>
@@ -16438,7 +16495,7 @@
           </a:ln>
           <a:extLst>
             <a:ext uri="{909E8E84-426E-40dd-AFC4-6F175D3DCCD1}">
-              <a14:hiddenFill xmlns:a14="http://schemas.microsoft.com/office/drawing/2010/main" xmlns="">
+              <a14:hiddenFill xmlns="" xmlns:a14="http://schemas.microsoft.com/office/drawing/2010/main">
                 <a:noFill/>
               </a14:hiddenFill>
             </a:ext>
@@ -16506,14 +16563,14 @@
           </a:ln>
           <a:extLst>
             <a:ext uri="{909E8E84-426E-40dd-AFC4-6F175D3DCCD1}">
-              <a14:hiddenFill xmlns:a14="http://schemas.microsoft.com/office/drawing/2010/main" xmlns="">
+              <a14:hiddenFill xmlns="" xmlns:a14="http://schemas.microsoft.com/office/drawing/2010/main">
                 <a:solidFill>
                   <a:schemeClr val="accent1"/>
                 </a:solidFill>
               </a14:hiddenFill>
             </a:ext>
             <a:ext uri="{91240B29-F687-4f45-9708-019B960494DF}">
-              <a14:hiddenLine xmlns:a14="http://schemas.microsoft.com/office/drawing/2010/main" xmlns="" w="9525">
+              <a14:hiddenLine xmlns="" xmlns:a14="http://schemas.microsoft.com/office/drawing/2010/main" w="9525">
                 <a:solidFill>
                   <a:schemeClr val="tx1"/>
                 </a:solidFill>
@@ -16587,13 +16644,7 @@
       </p:grpSpPr>
       <p:sp>
         <p:nvSpPr>
-          <p:cNvPr id="2" name="Title 1">
-            <a:extLst>
-              <a:ext uri="{FF2B5EF4-FFF2-40B4-BE49-F238E27FC236}">
-                <a16:creationId xmlns:a16="http://schemas.microsoft.com/office/drawing/2014/main" id="{F909652F-6DEF-3D4D-ABBA-826D3B034CF6}"/>
-              </a:ext>
-            </a:extLst>
-          </p:cNvPr>
+          <p:cNvPr id="2" name="Title 1"/>
           <p:cNvSpPr>
             <a:spLocks noGrp="1"/>
           </p:cNvSpPr>
@@ -16613,15 +16664,53 @@
           </a:p>
         </p:txBody>
       </p:sp>
+      <p:sp>
+        <p:nvSpPr>
+          <p:cNvPr id="3" name="Content Placeholder 2"/>
+          <p:cNvSpPr>
+            <a:spLocks noGrp="1"/>
+          </p:cNvSpPr>
+          <p:nvPr>
+            <p:ph idx="1"/>
+          </p:nvPr>
+        </p:nvSpPr>
+        <p:spPr>
+          <a:xfrm>
+            <a:off x="457200" y="1719263"/>
+            <a:ext cx="8229600" cy="1023937"/>
+          </a:xfrm>
+        </p:spPr>
+        <p:txBody>
+          <a:bodyPr>
+            <a:normAutofit fontScale="77500" lnSpcReduction="20000"/>
+          </a:bodyPr>
+          <a:lstStyle/>
+          <a:p>
+            <a:r>
+              <a:rPr lang="en-US" dirty="0"/>
+              <a:t>How do we get function return values to the call site?</a:t>
+            </a:r>
+          </a:p>
+          <a:p>
+            <a:pPr lvl="1"/>
+            <a:r>
+              <a:rPr lang="en-US" dirty="0"/>
+              <a:t>We </a:t>
+            </a:r>
+            <a:r>
+              <a:rPr lang="en-US" i="1" dirty="0"/>
+              <a:t>throw</a:t>
+            </a:r>
+            <a:r>
+              <a:rPr lang="en-US" dirty="0"/>
+              <a:t> them!</a:t>
+            </a:r>
+          </a:p>
+        </p:txBody>
+      </p:sp>
       <p:pic>
         <p:nvPicPr>
-          <p:cNvPr id="3" name="Picture 2">
-            <a:extLst>
-              <a:ext uri="{FF2B5EF4-FFF2-40B4-BE49-F238E27FC236}">
-                <a16:creationId xmlns:a16="http://schemas.microsoft.com/office/drawing/2014/main" id="{CFE7F3B8-5612-9A4B-A607-8DB538922942}"/>
-              </a:ext>
-            </a:extLst>
-          </p:cNvPr>
+          <p:cNvPr id="4" name="Picture 3"/>
           <p:cNvPicPr>
             <a:picLocks noChangeAspect="1"/>
           </p:cNvPicPr>
@@ -16635,8 +16724,8 @@
         </p:blipFill>
         <p:spPr>
           <a:xfrm>
-            <a:off x="2845063" y="685800"/>
-            <a:ext cx="5765537" cy="5791200"/>
+            <a:off x="450273" y="2743200"/>
+            <a:ext cx="1557959" cy="1257300"/>
           </a:xfrm>
           <a:prstGeom prst="rect">
             <a:avLst/>
@@ -16648,60 +16737,40 @@
           </a:ln>
         </p:spPr>
       </p:pic>
-      <p:sp>
-        <p:nvSpPr>
-          <p:cNvPr id="4" name="TextBox 3">
+      <p:pic>
+        <p:nvPicPr>
+          <p:cNvPr id="9" name="Picture 8">
             <a:extLst>
               <a:ext uri="{FF2B5EF4-FFF2-40B4-BE49-F238E27FC236}">
-                <a16:creationId xmlns:a16="http://schemas.microsoft.com/office/drawing/2014/main" id="{8006D3C9-3229-0846-BF32-292677F1010E}"/>
+                <a16:creationId xmlns:a16="http://schemas.microsoft.com/office/drawing/2014/main" id="{D3415EAD-4B8B-9349-A253-A9E48B58810F}"/>
               </a:ext>
             </a:extLst>
           </p:cNvPr>
-          <p:cNvSpPr txBox="1"/>
+          <p:cNvPicPr>
+            <a:picLocks noChangeAspect="1"/>
+          </p:cNvPicPr>
           <p:nvPr/>
-        </p:nvSpPr>
+        </p:nvPicPr>
+        <p:blipFill>
+          <a:blip r:embed="rId3"/>
+          <a:stretch>
+            <a:fillRect/>
+          </a:stretch>
+        </p:blipFill>
         <p:spPr>
           <a:xfrm>
-            <a:off x="474562" y="2696901"/>
-            <a:ext cx="2148089" cy="523220"/>
+            <a:off x="3276600" y="2362200"/>
+            <a:ext cx="4101842" cy="4241800"/>
           </a:xfrm>
           <a:prstGeom prst="rect">
             <a:avLst/>
           </a:prstGeom>
-          <a:noFill/>
-        </p:spPr>
-        <p:txBody>
-          <a:bodyPr wrap="none" rtlCol="0">
-            <a:spAutoFit/>
-          </a:bodyPr>
-          <a:lstStyle/>
-          <a:p>
-            <a:r>
-              <a:rPr lang="en-US" sz="1400" dirty="0"/>
-              <a:t>‘</a:t>
-            </a:r>
-            <a:r>
-              <a:rPr lang="en-US" sz="1400" dirty="0" err="1"/>
-              <a:t>handle_call</a:t>
-            </a:r>
-            <a:r>
-              <a:rPr lang="en-US" sz="1400" dirty="0"/>
-              <a:t>’ our function</a:t>
-            </a:r>
-            <a:br>
-              <a:rPr lang="en-US" sz="1400" dirty="0"/>
-            </a:br>
-            <a:r>
-              <a:rPr lang="en-US" sz="1400" dirty="0"/>
-              <a:t>call work horse</a:t>
-            </a:r>
-          </a:p>
-        </p:txBody>
-      </p:sp>
+        </p:spPr>
+      </p:pic>
     </p:spTree>
     <p:extLst>
       <p:ext uri="{BB962C8B-B14F-4D97-AF65-F5344CB8AC3E}">
-        <p14:creationId xmlns:p14="http://schemas.microsoft.com/office/powerpoint/2010/main" val="3333993798"/>
+        <p14:creationId xmlns:p14="http://schemas.microsoft.com/office/powerpoint/2010/main" val="1803774188"/>
       </p:ext>
     </p:extLst>
   </p:cSld>
@@ -16730,13 +16799,7 @@
       </p:grpSpPr>
       <p:sp>
         <p:nvSpPr>
-          <p:cNvPr id="2" name="Title 1">
-            <a:extLst>
-              <a:ext uri="{FF2B5EF4-FFF2-40B4-BE49-F238E27FC236}">
-                <a16:creationId xmlns:a16="http://schemas.microsoft.com/office/drawing/2014/main" id="{5673390C-1E44-1940-B55D-C8D640BA1DA6}"/>
-              </a:ext>
-            </a:extLst>
-          </p:cNvPr>
+          <p:cNvPr id="2" name="Title 1"/>
           <p:cNvSpPr>
             <a:spLocks noGrp="1"/>
           </p:cNvSpPr>
@@ -16758,10 +16821,10 @@
       </p:sp>
       <p:pic>
         <p:nvPicPr>
-          <p:cNvPr id="3" name="Picture 2">
+          <p:cNvPr id="5" name="Picture 4">
             <a:extLst>
               <a:ext uri="{FF2B5EF4-FFF2-40B4-BE49-F238E27FC236}">
-                <a16:creationId xmlns:a16="http://schemas.microsoft.com/office/drawing/2014/main" id="{FD6E52BB-5A9B-C342-8C21-CFAF1BCFD15C}"/>
+                <a16:creationId xmlns:a16="http://schemas.microsoft.com/office/drawing/2014/main" id="{27362F68-87D8-744E-914C-58CE3F349994}"/>
               </a:ext>
             </a:extLst>
           </p:cNvPr>
@@ -16778,8 +16841,8 @@
         </p:blipFill>
         <p:spPr>
           <a:xfrm>
-            <a:off x="304800" y="1494889"/>
-            <a:ext cx="4076700" cy="2316679"/>
+            <a:off x="285917" y="1638866"/>
+            <a:ext cx="3502236" cy="1371923"/>
           </a:xfrm>
           <a:prstGeom prst="rect">
             <a:avLst/>
@@ -16793,10 +16856,10 @@
       </p:pic>
       <p:pic>
         <p:nvPicPr>
-          <p:cNvPr id="4" name="Picture 3">
+          <p:cNvPr id="7" name="Picture 6">
             <a:extLst>
               <a:ext uri="{FF2B5EF4-FFF2-40B4-BE49-F238E27FC236}">
-                <a16:creationId xmlns:a16="http://schemas.microsoft.com/office/drawing/2014/main" id="{7D4C9950-989D-EB48-BB05-C2DD2A96A651}"/>
+                <a16:creationId xmlns:a16="http://schemas.microsoft.com/office/drawing/2014/main" id="{F9DD7725-91EE-6244-8E47-BC0FB47A14A7}"/>
               </a:ext>
             </a:extLst>
           </p:cNvPr>
@@ -16813,8 +16876,8 @@
         </p:blipFill>
         <p:spPr>
           <a:xfrm>
-            <a:off x="2738538" y="3429000"/>
-            <a:ext cx="6083300" cy="2897723"/>
+            <a:off x="522268" y="3449632"/>
+            <a:ext cx="2438400" cy="1267581"/>
           </a:xfrm>
           <a:prstGeom prst="rect">
             <a:avLst/>
@@ -16826,10 +16889,115 @@
           </a:ln>
         </p:spPr>
       </p:pic>
+      <p:pic>
+        <p:nvPicPr>
+          <p:cNvPr id="11" name="Picture 10">
+            <a:extLst>
+              <a:ext uri="{FF2B5EF4-FFF2-40B4-BE49-F238E27FC236}">
+                <a16:creationId xmlns:a16="http://schemas.microsoft.com/office/drawing/2014/main" id="{5FB9A867-5E92-0049-8E4B-0BB39E0DA164}"/>
+              </a:ext>
+            </a:extLst>
+          </p:cNvPr>
+          <p:cNvPicPr>
+            <a:picLocks noChangeAspect="1"/>
+          </p:cNvPicPr>
+          <p:nvPr/>
+        </p:nvPicPr>
+        <p:blipFill>
+          <a:blip r:embed="rId4"/>
+          <a:stretch>
+            <a:fillRect/>
+          </a:stretch>
+        </p:blipFill>
+        <p:spPr>
+          <a:xfrm>
+            <a:off x="3197018" y="2824892"/>
+            <a:ext cx="5683250" cy="1936448"/>
+          </a:xfrm>
+          <a:prstGeom prst="rect">
+            <a:avLst/>
+          </a:prstGeom>
+          <a:ln>
+            <a:solidFill>
+              <a:schemeClr val="tx1"/>
+            </a:solidFill>
+          </a:ln>
+        </p:spPr>
+      </p:pic>
+      <p:pic>
+        <p:nvPicPr>
+          <p:cNvPr id="12" name="Picture 11">
+            <a:extLst>
+              <a:ext uri="{FF2B5EF4-FFF2-40B4-BE49-F238E27FC236}">
+                <a16:creationId xmlns:a16="http://schemas.microsoft.com/office/drawing/2014/main" id="{AADAEA7C-6B71-524B-BD3A-6FA3A3E90A87}"/>
+              </a:ext>
+            </a:extLst>
+          </p:cNvPr>
+          <p:cNvPicPr>
+            <a:picLocks noChangeAspect="1"/>
+          </p:cNvPicPr>
+          <p:nvPr/>
+        </p:nvPicPr>
+        <p:blipFill>
+          <a:blip r:embed="rId5"/>
+          <a:stretch>
+            <a:fillRect/>
+          </a:stretch>
+        </p:blipFill>
+        <p:spPr>
+          <a:xfrm>
+            <a:off x="6038643" y="5105400"/>
+            <a:ext cx="1568450" cy="1289401"/>
+          </a:xfrm>
+          <a:prstGeom prst="rect">
+            <a:avLst/>
+          </a:prstGeom>
+          <a:ln>
+            <a:solidFill>
+              <a:schemeClr val="tx1"/>
+            </a:solidFill>
+          </a:ln>
+        </p:spPr>
+      </p:pic>
+      <p:pic>
+        <p:nvPicPr>
+          <p:cNvPr id="13" name="Picture 12">
+            <a:extLst>
+              <a:ext uri="{FF2B5EF4-FFF2-40B4-BE49-F238E27FC236}">
+                <a16:creationId xmlns:a16="http://schemas.microsoft.com/office/drawing/2014/main" id="{DC47DE19-8EFD-AB4E-9378-2881B7E040FA}"/>
+              </a:ext>
+            </a:extLst>
+          </p:cNvPr>
+          <p:cNvPicPr>
+            <a:picLocks noChangeAspect="1"/>
+          </p:cNvPicPr>
+          <p:nvPr/>
+        </p:nvPicPr>
+        <p:blipFill>
+          <a:blip r:embed="rId6"/>
+          <a:stretch>
+            <a:fillRect/>
+          </a:stretch>
+        </p:blipFill>
+        <p:spPr>
+          <a:xfrm>
+            <a:off x="1664510" y="5239766"/>
+            <a:ext cx="2552700" cy="1432638"/>
+          </a:xfrm>
+          <a:prstGeom prst="rect">
+            <a:avLst/>
+          </a:prstGeom>
+          <a:ln>
+            <a:solidFill>
+              <a:schemeClr val="tx1"/>
+            </a:solidFill>
+          </a:ln>
+        </p:spPr>
+      </p:pic>
     </p:spTree>
     <p:extLst>
       <p:ext uri="{BB962C8B-B14F-4D97-AF65-F5344CB8AC3E}">
-        <p14:creationId xmlns:p14="http://schemas.microsoft.com/office/powerpoint/2010/main" val="68200013"/>
+        <p14:creationId xmlns:p14="http://schemas.microsoft.com/office/powerpoint/2010/main" val="1213515019"/>
       </p:ext>
     </p:extLst>
   </p:cSld>
@@ -16858,7 +17026,13 @@
       </p:grpSpPr>
       <p:sp>
         <p:nvSpPr>
-          <p:cNvPr id="2" name="Title 1"/>
+          <p:cNvPr id="2" name="Title 1">
+            <a:extLst>
+              <a:ext uri="{FF2B5EF4-FFF2-40B4-BE49-F238E27FC236}">
+                <a16:creationId xmlns:a16="http://schemas.microsoft.com/office/drawing/2014/main" id="{F909652F-6DEF-3D4D-ABBA-826D3B034CF6}"/>
+              </a:ext>
+            </a:extLst>
+          </p:cNvPr>
           <p:cNvSpPr>
             <a:spLocks noGrp="1"/>
           </p:cNvSpPr>
@@ -16873,17 +17047,17 @@
           <a:p>
             <a:r>
               <a:rPr lang="en-US" dirty="0"/>
-              <a:t>Driver Function</a:t>
+              <a:t>Interpreting Function Calls</a:t>
             </a:r>
           </a:p>
         </p:txBody>
       </p:sp>
       <p:pic>
         <p:nvPicPr>
-          <p:cNvPr id="4" name="Picture 3">
+          <p:cNvPr id="3" name="Picture 2">
             <a:extLst>
               <a:ext uri="{FF2B5EF4-FFF2-40B4-BE49-F238E27FC236}">
-                <a16:creationId xmlns:a16="http://schemas.microsoft.com/office/drawing/2014/main" id="{A0BD67B7-9E04-334D-AEF2-A28D2BAE1EC6}"/>
+                <a16:creationId xmlns:a16="http://schemas.microsoft.com/office/drawing/2014/main" id="{CFE7F3B8-5612-9A4B-A607-8DB538922942}"/>
               </a:ext>
             </a:extLst>
           </p:cNvPr>
@@ -16900,8 +17074,8 @@
         </p:blipFill>
         <p:spPr>
           <a:xfrm>
-            <a:off x="1371600" y="2133600"/>
-            <a:ext cx="4724400" cy="2978641"/>
+            <a:off x="2845063" y="685800"/>
+            <a:ext cx="5765537" cy="5791200"/>
           </a:xfrm>
           <a:prstGeom prst="rect">
             <a:avLst/>
@@ -16913,10 +17087,60 @@
           </a:ln>
         </p:spPr>
       </p:pic>
+      <p:sp>
+        <p:nvSpPr>
+          <p:cNvPr id="4" name="TextBox 3">
+            <a:extLst>
+              <a:ext uri="{FF2B5EF4-FFF2-40B4-BE49-F238E27FC236}">
+                <a16:creationId xmlns:a16="http://schemas.microsoft.com/office/drawing/2014/main" id="{8006D3C9-3229-0846-BF32-292677F1010E}"/>
+              </a:ext>
+            </a:extLst>
+          </p:cNvPr>
+          <p:cNvSpPr txBox="1"/>
+          <p:nvPr/>
+        </p:nvSpPr>
+        <p:spPr>
+          <a:xfrm>
+            <a:off x="474562" y="2696901"/>
+            <a:ext cx="2148089" cy="523220"/>
+          </a:xfrm>
+          <a:prstGeom prst="rect">
+            <a:avLst/>
+          </a:prstGeom>
+          <a:noFill/>
+        </p:spPr>
+        <p:txBody>
+          <a:bodyPr wrap="none" rtlCol="0">
+            <a:spAutoFit/>
+          </a:bodyPr>
+          <a:lstStyle/>
+          <a:p>
+            <a:r>
+              <a:rPr lang="en-US" sz="1400" dirty="0"/>
+              <a:t>‘</a:t>
+            </a:r>
+            <a:r>
+              <a:rPr lang="en-US" sz="1400" dirty="0" err="1"/>
+              <a:t>handle_call</a:t>
+            </a:r>
+            <a:r>
+              <a:rPr lang="en-US" sz="1400" dirty="0"/>
+              <a:t>’ our function</a:t>
+            </a:r>
+            <a:br>
+              <a:rPr lang="en-US" sz="1400" dirty="0"/>
+            </a:br>
+            <a:r>
+              <a:rPr lang="en-US" sz="1400" dirty="0"/>
+              <a:t>call work horse</a:t>
+            </a:r>
+          </a:p>
+        </p:txBody>
+      </p:sp>
     </p:spTree>
     <p:extLst>
       <p:ext uri="{BB962C8B-B14F-4D97-AF65-F5344CB8AC3E}">
-        <p14:creationId xmlns:p14="http://schemas.microsoft.com/office/powerpoint/2010/main" val="293633463"/>
+        <p14:creationId xmlns:p14="http://schemas.microsoft.com/office/powerpoint/2010/main" val="3333993798"/>
       </p:ext>
     </p:extLst>
   </p:cSld>
@@ -16945,6 +17169,221 @@
       </p:grpSpPr>
       <p:sp>
         <p:nvSpPr>
+          <p:cNvPr id="2" name="Title 1">
+            <a:extLst>
+              <a:ext uri="{FF2B5EF4-FFF2-40B4-BE49-F238E27FC236}">
+                <a16:creationId xmlns:a16="http://schemas.microsoft.com/office/drawing/2014/main" id="{5673390C-1E44-1940-B55D-C8D640BA1DA6}"/>
+              </a:ext>
+            </a:extLst>
+          </p:cNvPr>
+          <p:cNvSpPr>
+            <a:spLocks noGrp="1"/>
+          </p:cNvSpPr>
+          <p:nvPr>
+            <p:ph type="title"/>
+          </p:nvPr>
+        </p:nvSpPr>
+        <p:spPr/>
+        <p:txBody>
+          <a:bodyPr/>
+          <a:lstStyle/>
+          <a:p>
+            <a:r>
+              <a:rPr lang="en-US" dirty="0"/>
+              <a:t>Interpreting Function Calls</a:t>
+            </a:r>
+          </a:p>
+        </p:txBody>
+      </p:sp>
+      <p:pic>
+        <p:nvPicPr>
+          <p:cNvPr id="3" name="Picture 2">
+            <a:extLst>
+              <a:ext uri="{FF2B5EF4-FFF2-40B4-BE49-F238E27FC236}">
+                <a16:creationId xmlns:a16="http://schemas.microsoft.com/office/drawing/2014/main" id="{FD6E52BB-5A9B-C342-8C21-CFAF1BCFD15C}"/>
+              </a:ext>
+            </a:extLst>
+          </p:cNvPr>
+          <p:cNvPicPr>
+            <a:picLocks noChangeAspect="1"/>
+          </p:cNvPicPr>
+          <p:nvPr/>
+        </p:nvPicPr>
+        <p:blipFill>
+          <a:blip r:embed="rId2"/>
+          <a:stretch>
+            <a:fillRect/>
+          </a:stretch>
+        </p:blipFill>
+        <p:spPr>
+          <a:xfrm>
+            <a:off x="304800" y="1494889"/>
+            <a:ext cx="4076700" cy="2316679"/>
+          </a:xfrm>
+          <a:prstGeom prst="rect">
+            <a:avLst/>
+          </a:prstGeom>
+          <a:ln>
+            <a:solidFill>
+              <a:schemeClr val="tx1"/>
+            </a:solidFill>
+          </a:ln>
+        </p:spPr>
+      </p:pic>
+      <p:pic>
+        <p:nvPicPr>
+          <p:cNvPr id="4" name="Picture 3">
+            <a:extLst>
+              <a:ext uri="{FF2B5EF4-FFF2-40B4-BE49-F238E27FC236}">
+                <a16:creationId xmlns:a16="http://schemas.microsoft.com/office/drawing/2014/main" id="{7D4C9950-989D-EB48-BB05-C2DD2A96A651}"/>
+              </a:ext>
+            </a:extLst>
+          </p:cNvPr>
+          <p:cNvPicPr>
+            <a:picLocks noChangeAspect="1"/>
+          </p:cNvPicPr>
+          <p:nvPr/>
+        </p:nvPicPr>
+        <p:blipFill>
+          <a:blip r:embed="rId3"/>
+          <a:stretch>
+            <a:fillRect/>
+          </a:stretch>
+        </p:blipFill>
+        <p:spPr>
+          <a:xfrm>
+            <a:off x="2738538" y="3429000"/>
+            <a:ext cx="6083300" cy="2897723"/>
+          </a:xfrm>
+          <a:prstGeom prst="rect">
+            <a:avLst/>
+          </a:prstGeom>
+          <a:ln>
+            <a:solidFill>
+              <a:schemeClr val="tx1"/>
+            </a:solidFill>
+          </a:ln>
+        </p:spPr>
+      </p:pic>
+    </p:spTree>
+    <p:extLst>
+      <p:ext uri="{BB962C8B-B14F-4D97-AF65-F5344CB8AC3E}">
+        <p14:creationId xmlns:p14="http://schemas.microsoft.com/office/powerpoint/2010/main" val="68200013"/>
+      </p:ext>
+    </p:extLst>
+  </p:cSld>
+  <p:clrMapOvr>
+    <a:masterClrMapping/>
+  </p:clrMapOvr>
+</p:sld>
+</file>
+
+<file path=ppt/slides/slide34.xml><?xml version="1.0" encoding="utf-8"?>
+<p:sld xmlns:a="http://schemas.openxmlformats.org/drawingml/2006/main" xmlns:r="http://schemas.openxmlformats.org/officeDocument/2006/relationships" xmlns:p="http://schemas.openxmlformats.org/presentationml/2006/main">
+  <p:cSld>
+    <p:spTree>
+      <p:nvGrpSpPr>
+        <p:cNvPr id="1" name=""/>
+        <p:cNvGrpSpPr/>
+        <p:nvPr/>
+      </p:nvGrpSpPr>
+      <p:grpSpPr>
+        <a:xfrm>
+          <a:off x="0" y="0"/>
+          <a:ext cx="0" cy="0"/>
+          <a:chOff x="0" y="0"/>
+          <a:chExt cx="0" cy="0"/>
+        </a:xfrm>
+      </p:grpSpPr>
+      <p:sp>
+        <p:nvSpPr>
+          <p:cNvPr id="2" name="Title 1"/>
+          <p:cNvSpPr>
+            <a:spLocks noGrp="1"/>
+          </p:cNvSpPr>
+          <p:nvPr>
+            <p:ph type="title"/>
+          </p:nvPr>
+        </p:nvSpPr>
+        <p:spPr/>
+        <p:txBody>
+          <a:bodyPr/>
+          <a:lstStyle/>
+          <a:p>
+            <a:r>
+              <a:rPr lang="en-US" dirty="0"/>
+              <a:t>Driver Function</a:t>
+            </a:r>
+          </a:p>
+        </p:txBody>
+      </p:sp>
+      <p:pic>
+        <p:nvPicPr>
+          <p:cNvPr id="4" name="Picture 3">
+            <a:extLst>
+              <a:ext uri="{FF2B5EF4-FFF2-40B4-BE49-F238E27FC236}">
+                <a16:creationId xmlns:a16="http://schemas.microsoft.com/office/drawing/2014/main" id="{A0BD67B7-9E04-334D-AEF2-A28D2BAE1EC6}"/>
+              </a:ext>
+            </a:extLst>
+          </p:cNvPr>
+          <p:cNvPicPr>
+            <a:picLocks noChangeAspect="1"/>
+          </p:cNvPicPr>
+          <p:nvPr/>
+        </p:nvPicPr>
+        <p:blipFill>
+          <a:blip r:embed="rId2"/>
+          <a:stretch>
+            <a:fillRect/>
+          </a:stretch>
+        </p:blipFill>
+        <p:spPr>
+          <a:xfrm>
+            <a:off x="1371600" y="2133600"/>
+            <a:ext cx="4724400" cy="2978641"/>
+          </a:xfrm>
+          <a:prstGeom prst="rect">
+            <a:avLst/>
+          </a:prstGeom>
+          <a:ln>
+            <a:solidFill>
+              <a:schemeClr val="tx1"/>
+            </a:solidFill>
+          </a:ln>
+        </p:spPr>
+      </p:pic>
+    </p:spTree>
+    <p:extLst>
+      <p:ext uri="{BB962C8B-B14F-4D97-AF65-F5344CB8AC3E}">
+        <p14:creationId xmlns:p14="http://schemas.microsoft.com/office/powerpoint/2010/main" val="293633463"/>
+      </p:ext>
+    </p:extLst>
+  </p:cSld>
+  <p:clrMapOvr>
+    <a:masterClrMapping/>
+  </p:clrMapOvr>
+</p:sld>
+</file>
+
+<file path=ppt/slides/slide35.xml><?xml version="1.0" encoding="utf-8"?>
+<p:sld xmlns:a="http://schemas.openxmlformats.org/drawingml/2006/main" xmlns:r="http://schemas.openxmlformats.org/officeDocument/2006/relationships" xmlns:p="http://schemas.openxmlformats.org/presentationml/2006/main">
+  <p:cSld>
+    <p:spTree>
+      <p:nvGrpSpPr>
+        <p:cNvPr id="1" name=""/>
+        <p:cNvGrpSpPr/>
+        <p:nvPr/>
+      </p:nvGrpSpPr>
+      <p:grpSpPr>
+        <a:xfrm>
+          <a:off x="0" y="0"/>
+          <a:ext cx="0" cy="0"/>
+          <a:chOff x="0" y="0"/>
+          <a:chExt cx="0" cy="0"/>
+        </a:xfrm>
+      </p:grpSpPr>
+      <p:sp>
+        <p:nvSpPr>
           <p:cNvPr id="2" name="Title 1"/>
           <p:cNvSpPr>
             <a:spLocks noGrp="1"/>
@@ -17048,7 +17487,7 @@
 </p:sld>
 </file>
 
-<file path=ppt/slides/slide34.xml><?xml version="1.0" encoding="utf-8"?>
+<file path=ppt/slides/slide36.xml><?xml version="1.0" encoding="utf-8"?>
 <p:sld xmlns:a="http://schemas.openxmlformats.org/drawingml/2006/main" xmlns:r="http://schemas.openxmlformats.org/officeDocument/2006/relationships" xmlns:p="http://schemas.openxmlformats.org/presentationml/2006/main">
   <p:cSld>
     <p:spTree>
@@ -17171,7 +17610,7 @@
           </a:ln>
           <a:extLst>
             <a:ext uri="{909E8E84-426E-40dd-AFC4-6F175D3DCCD1}">
-              <a14:hiddenFill xmlns:a14="http://schemas.microsoft.com/office/drawing/2010/main" xmlns="">
+              <a14:hiddenFill xmlns="" xmlns:a14="http://schemas.microsoft.com/office/drawing/2010/main">
                 <a:solidFill>
                   <a:schemeClr val="accent1"/>
                 </a:solidFill>
@@ -17236,7 +17675,7 @@
           </a:ln>
           <a:extLst>
             <a:ext uri="{909E8E84-426E-40dd-AFC4-6F175D3DCCD1}">
-              <a14:hiddenFill xmlns:a14="http://schemas.microsoft.com/office/drawing/2010/main" xmlns="">
+              <a14:hiddenFill xmlns="" xmlns:a14="http://schemas.microsoft.com/office/drawing/2010/main">
                 <a:solidFill>
                   <a:schemeClr val="accent1"/>
                 </a:solidFill>
@@ -17323,7 +17762,7 @@
           </a:ln>
           <a:extLst>
             <a:ext uri="{909E8E84-426E-40dd-AFC4-6F175D3DCCD1}">
-              <a14:hiddenFill xmlns:a14="http://schemas.microsoft.com/office/drawing/2010/main" xmlns="">
+              <a14:hiddenFill xmlns="" xmlns:a14="http://schemas.microsoft.com/office/drawing/2010/main">
                 <a:solidFill>
                   <a:schemeClr val="accent1"/>
                 </a:solidFill>
@@ -17366,7 +17805,7 @@
           </a:ln>
           <a:extLst>
             <a:ext uri="{909E8E84-426E-40dd-AFC4-6F175D3DCCD1}">
-              <a14:hiddenFill xmlns:a14="http://schemas.microsoft.com/office/drawing/2010/main" xmlns="">
+              <a14:hiddenFill xmlns="" xmlns:a14="http://schemas.microsoft.com/office/drawing/2010/main">
                 <a:solidFill>
                   <a:schemeClr val="accent1"/>
                 </a:solidFill>
@@ -17411,7 +17850,7 @@
           </a:ln>
           <a:extLst>
             <a:ext uri="{909E8E84-426E-40dd-AFC4-6F175D3DCCD1}">
-              <a14:hiddenFill xmlns:a14="http://schemas.microsoft.com/office/drawing/2010/main" xmlns="">
+              <a14:hiddenFill xmlns="" xmlns:a14="http://schemas.microsoft.com/office/drawing/2010/main">
                 <a:noFill/>
               </a14:hiddenFill>
             </a:ext>
@@ -17440,14 +17879,14 @@
           </a:ln>
           <a:extLst>
             <a:ext uri="{909E8E84-426E-40dd-AFC4-6F175D3DCCD1}">
-              <a14:hiddenFill xmlns:a14="http://schemas.microsoft.com/office/drawing/2010/main" xmlns="">
+              <a14:hiddenFill xmlns="" xmlns:a14="http://schemas.microsoft.com/office/drawing/2010/main">
                 <a:solidFill>
                   <a:schemeClr val="accent1"/>
                 </a:solidFill>
               </a14:hiddenFill>
             </a:ext>
             <a:ext uri="{91240B29-F687-4f45-9708-019B960494DF}">
-              <a14:hiddenLine xmlns:a14="http://schemas.microsoft.com/office/drawing/2010/main" xmlns="" w="9525">
+              <a14:hiddenLine xmlns="" xmlns:a14="http://schemas.microsoft.com/office/drawing/2010/main" w="9525">
                 <a:solidFill>
                   <a:schemeClr val="tx1"/>
                 </a:solidFill>
@@ -17493,14 +17932,14 @@
           </a:ln>
           <a:extLst>
             <a:ext uri="{909E8E84-426E-40dd-AFC4-6F175D3DCCD1}">
-              <a14:hiddenFill xmlns:a14="http://schemas.microsoft.com/office/drawing/2010/main" xmlns="">
+              <a14:hiddenFill xmlns="" xmlns:a14="http://schemas.microsoft.com/office/drawing/2010/main">
                 <a:solidFill>
                   <a:schemeClr val="accent1"/>
                 </a:solidFill>
               </a14:hiddenFill>
             </a:ext>
             <a:ext uri="{91240B29-F687-4f45-9708-019B960494DF}">
-              <a14:hiddenLine xmlns:a14="http://schemas.microsoft.com/office/drawing/2010/main" xmlns="" w="9525">
+              <a14:hiddenLine xmlns="" xmlns:a14="http://schemas.microsoft.com/office/drawing/2010/main" w="9525">
                 <a:solidFill>
                   <a:schemeClr val="tx1"/>
                 </a:solidFill>
@@ -17555,7 +17994,7 @@
           </a:ln>
           <a:extLst>
             <a:ext uri="{909E8E84-426E-40dd-AFC4-6F175D3DCCD1}">
-              <a14:hiddenFill xmlns:a14="http://schemas.microsoft.com/office/drawing/2010/main" xmlns="">
+              <a14:hiddenFill xmlns="" xmlns:a14="http://schemas.microsoft.com/office/drawing/2010/main">
                 <a:solidFill>
                   <a:schemeClr val="accent1"/>
                 </a:solidFill>
@@ -17598,14 +18037,14 @@
           </a:ln>
           <a:extLst>
             <a:ext uri="{909E8E84-426E-40dd-AFC4-6F175D3DCCD1}">
-              <a14:hiddenFill xmlns:a14="http://schemas.microsoft.com/office/drawing/2010/main" xmlns="">
+              <a14:hiddenFill xmlns="" xmlns:a14="http://schemas.microsoft.com/office/drawing/2010/main">
                 <a:solidFill>
                   <a:schemeClr val="accent1"/>
                 </a:solidFill>
               </a14:hiddenFill>
             </a:ext>
             <a:ext uri="{91240B29-F687-4f45-9708-019B960494DF}">
-              <a14:hiddenLine xmlns:a14="http://schemas.microsoft.com/office/drawing/2010/main" xmlns="" w="9525">
+              <a14:hiddenLine xmlns="" xmlns:a14="http://schemas.microsoft.com/office/drawing/2010/main" w="9525">
                 <a:solidFill>
                   <a:schemeClr val="tx1"/>
                 </a:solidFill>
@@ -17660,7 +18099,7 @@
           </a:ln>
           <a:extLst>
             <a:ext uri="{909E8E84-426E-40dd-AFC4-6F175D3DCCD1}">
-              <a14:hiddenFill xmlns:a14="http://schemas.microsoft.com/office/drawing/2010/main" xmlns="">
+              <a14:hiddenFill xmlns="" xmlns:a14="http://schemas.microsoft.com/office/drawing/2010/main">
                 <a:noFill/>
               </a14:hiddenFill>
             </a:ext>
@@ -17728,14 +18167,14 @@
           </a:ln>
           <a:extLst>
             <a:ext uri="{909E8E84-426E-40dd-AFC4-6F175D3DCCD1}">
-              <a14:hiddenFill xmlns:a14="http://schemas.microsoft.com/office/drawing/2010/main" xmlns="">
+              <a14:hiddenFill xmlns="" xmlns:a14="http://schemas.microsoft.com/office/drawing/2010/main">
                 <a:solidFill>
                   <a:schemeClr val="accent1"/>
                 </a:solidFill>
               </a14:hiddenFill>
             </a:ext>
             <a:ext uri="{91240B29-F687-4f45-9708-019B960494DF}">
-              <a14:hiddenLine xmlns:a14="http://schemas.microsoft.com/office/drawing/2010/main" xmlns="" w="9525">
+              <a14:hiddenLine xmlns="" xmlns:a14="http://schemas.microsoft.com/office/drawing/2010/main" w="9525">
                 <a:solidFill>
                   <a:schemeClr val="tx1"/>
                 </a:solidFill>
@@ -17804,14 +18243,14 @@
           </a:ln>
           <a:extLst>
             <a:ext uri="{909E8E84-426E-40dd-AFC4-6F175D3DCCD1}">
-              <a14:hiddenFill xmlns:a14="http://schemas.microsoft.com/office/drawing/2010/main" xmlns="">
+              <a14:hiddenFill xmlns="" xmlns:a14="http://schemas.microsoft.com/office/drawing/2010/main">
                 <a:solidFill>
                   <a:schemeClr val="accent1"/>
                 </a:solidFill>
               </a14:hiddenFill>
             </a:ext>
             <a:ext uri="{91240B29-F687-4f45-9708-019B960494DF}">
-              <a14:hiddenLine xmlns:a14="http://schemas.microsoft.com/office/drawing/2010/main" xmlns="" w="9525">
+              <a14:hiddenLine xmlns="" xmlns:a14="http://schemas.microsoft.com/office/drawing/2010/main" w="9525">
                 <a:solidFill>
                   <a:schemeClr val="tx1"/>
                 </a:solidFill>
@@ -17894,7 +18333,7 @@
           </a:ln>
           <a:extLst>
             <a:ext uri="{909E8E84-426E-40dd-AFC4-6F175D3DCCD1}">
-              <a14:hiddenFill xmlns:a14="http://schemas.microsoft.com/office/drawing/2010/main" xmlns="">
+              <a14:hiddenFill xmlns="" xmlns:a14="http://schemas.microsoft.com/office/drawing/2010/main">
                 <a:solidFill>
                   <a:schemeClr val="accent1"/>
                 </a:solidFill>
@@ -17959,7 +18398,7 @@
           </a:ln>
           <a:extLst>
             <a:ext uri="{909E8E84-426E-40dd-AFC4-6F175D3DCCD1}">
-              <a14:hiddenFill xmlns:a14="http://schemas.microsoft.com/office/drawing/2010/main" xmlns="">
+              <a14:hiddenFill xmlns="" xmlns:a14="http://schemas.microsoft.com/office/drawing/2010/main">
                 <a:solidFill>
                   <a:schemeClr val="accent1"/>
                 </a:solidFill>
@@ -18046,7 +18485,7 @@
           </a:ln>
           <a:extLst>
             <a:ext uri="{909E8E84-426E-40dd-AFC4-6F175D3DCCD1}">
-              <a14:hiddenFill xmlns:a14="http://schemas.microsoft.com/office/drawing/2010/main" xmlns="">
+              <a14:hiddenFill xmlns="" xmlns:a14="http://schemas.microsoft.com/office/drawing/2010/main">
                 <a:solidFill>
                   <a:schemeClr val="accent1"/>
                 </a:solidFill>
@@ -18089,7 +18528,7 @@
           </a:ln>
           <a:extLst>
             <a:ext uri="{909E8E84-426E-40dd-AFC4-6F175D3DCCD1}">
-              <a14:hiddenFill xmlns:a14="http://schemas.microsoft.com/office/drawing/2010/main" xmlns="">
+              <a14:hiddenFill xmlns="" xmlns:a14="http://schemas.microsoft.com/office/drawing/2010/main">
                 <a:solidFill>
                   <a:schemeClr val="accent1"/>
                 </a:solidFill>
@@ -18134,7 +18573,7 @@
           </a:ln>
           <a:extLst>
             <a:ext uri="{909E8E84-426E-40dd-AFC4-6F175D3DCCD1}">
-              <a14:hiddenFill xmlns:a14="http://schemas.microsoft.com/office/drawing/2010/main" xmlns="">
+              <a14:hiddenFill xmlns="" xmlns:a14="http://schemas.microsoft.com/office/drawing/2010/main">
                 <a:noFill/>
               </a14:hiddenFill>
             </a:ext>
@@ -18163,14 +18602,14 @@
           </a:ln>
           <a:extLst>
             <a:ext uri="{909E8E84-426E-40dd-AFC4-6F175D3DCCD1}">
-              <a14:hiddenFill xmlns:a14="http://schemas.microsoft.com/office/drawing/2010/main" xmlns="">
+              <a14:hiddenFill xmlns="" xmlns:a14="http://schemas.microsoft.com/office/drawing/2010/main">
                 <a:solidFill>
                   <a:schemeClr val="accent1"/>
                 </a:solidFill>
               </a14:hiddenFill>
             </a:ext>
             <a:ext uri="{91240B29-F687-4f45-9708-019B960494DF}">
-              <a14:hiddenLine xmlns:a14="http://schemas.microsoft.com/office/drawing/2010/main" xmlns="" w="9525">
+              <a14:hiddenLine xmlns="" xmlns:a14="http://schemas.microsoft.com/office/drawing/2010/main" w="9525">
                 <a:solidFill>
                   <a:schemeClr val="tx1"/>
                 </a:solidFill>
@@ -18216,14 +18655,14 @@
           </a:ln>
           <a:extLst>
             <a:ext uri="{909E8E84-426E-40dd-AFC4-6F175D3DCCD1}">
-              <a14:hiddenFill xmlns:a14="http://schemas.microsoft.com/office/drawing/2010/main" xmlns="">
+              <a14:hiddenFill xmlns="" xmlns:a14="http://schemas.microsoft.com/office/drawing/2010/main">
                 <a:solidFill>
                   <a:schemeClr val="accent1"/>
                 </a:solidFill>
               </a14:hiddenFill>
             </a:ext>
             <a:ext uri="{91240B29-F687-4f45-9708-019B960494DF}">
-              <a14:hiddenLine xmlns:a14="http://schemas.microsoft.com/office/drawing/2010/main" xmlns="" w="9525">
+              <a14:hiddenLine xmlns="" xmlns:a14="http://schemas.microsoft.com/office/drawing/2010/main" w="9525">
                 <a:solidFill>
                   <a:schemeClr val="tx1"/>
                 </a:solidFill>
@@ -18278,7 +18717,7 @@
           </a:ln>
           <a:extLst>
             <a:ext uri="{909E8E84-426E-40dd-AFC4-6F175D3DCCD1}">
-              <a14:hiddenFill xmlns:a14="http://schemas.microsoft.com/office/drawing/2010/main" xmlns="">
+              <a14:hiddenFill xmlns="" xmlns:a14="http://schemas.microsoft.com/office/drawing/2010/main">
                 <a:solidFill>
                   <a:schemeClr val="accent1"/>
                 </a:solidFill>
@@ -18321,14 +18760,14 @@
           </a:ln>
           <a:extLst>
             <a:ext uri="{909E8E84-426E-40dd-AFC4-6F175D3DCCD1}">
-              <a14:hiddenFill xmlns:a14="http://schemas.microsoft.com/office/drawing/2010/main" xmlns="">
+              <a14:hiddenFill xmlns="" xmlns:a14="http://schemas.microsoft.com/office/drawing/2010/main">
                 <a:solidFill>
                   <a:schemeClr val="accent1"/>
                 </a:solidFill>
               </a14:hiddenFill>
             </a:ext>
             <a:ext uri="{91240B29-F687-4f45-9708-019B960494DF}">
-              <a14:hiddenLine xmlns:a14="http://schemas.microsoft.com/office/drawing/2010/main" xmlns="" w="9525">
+              <a14:hiddenLine xmlns="" xmlns:a14="http://schemas.microsoft.com/office/drawing/2010/main" w="9525">
                 <a:solidFill>
                   <a:schemeClr val="tx1"/>
                 </a:solidFill>
@@ -18383,7 +18822,7 @@
           </a:ln>
           <a:extLst>
             <a:ext uri="{909E8E84-426E-40dd-AFC4-6F175D3DCCD1}">
-              <a14:hiddenFill xmlns:a14="http://schemas.microsoft.com/office/drawing/2010/main" xmlns="">
+              <a14:hiddenFill xmlns="" xmlns:a14="http://schemas.microsoft.com/office/drawing/2010/main">
                 <a:noFill/>
               </a14:hiddenFill>
             </a:ext>
@@ -18451,14 +18890,14 @@
           </a:ln>
           <a:extLst>
             <a:ext uri="{909E8E84-426E-40dd-AFC4-6F175D3DCCD1}">
-              <a14:hiddenFill xmlns:a14="http://schemas.microsoft.com/office/drawing/2010/main" xmlns="">
+              <a14:hiddenFill xmlns="" xmlns:a14="http://schemas.microsoft.com/office/drawing/2010/main">
                 <a:solidFill>
                   <a:schemeClr val="accent1"/>
                 </a:solidFill>
               </a14:hiddenFill>
             </a:ext>
             <a:ext uri="{91240B29-F687-4f45-9708-019B960494DF}">
-              <a14:hiddenLine xmlns:a14="http://schemas.microsoft.com/office/drawing/2010/main" xmlns="" w="9525">
+              <a14:hiddenLine xmlns="" xmlns:a14="http://schemas.microsoft.com/office/drawing/2010/main" w="9525">
                 <a:solidFill>
                   <a:schemeClr val="tx1"/>
                 </a:solidFill>
@@ -18527,14 +18966,14 @@
           </a:ln>
           <a:extLst>
             <a:ext uri="{909E8E84-426E-40dd-AFC4-6F175D3DCCD1}">
-              <a14:hiddenFill xmlns:a14="http://schemas.microsoft.com/office/drawing/2010/main" xmlns="">
+              <a14:hiddenFill xmlns="" xmlns:a14="http://schemas.microsoft.com/office/drawing/2010/main">
                 <a:solidFill>
                   <a:schemeClr val="accent1"/>
                 </a:solidFill>
               </a14:hiddenFill>
             </a:ext>
             <a:ext uri="{91240B29-F687-4f45-9708-019B960494DF}">
-              <a14:hiddenLine xmlns:a14="http://schemas.microsoft.com/office/drawing/2010/main" xmlns="" w="9525">
+              <a14:hiddenLine xmlns="" xmlns:a14="http://schemas.microsoft.com/office/drawing/2010/main" w="9525">
                 <a:solidFill>
                   <a:schemeClr val="tx1"/>
                 </a:solidFill>
@@ -18587,14 +19026,14 @@
           </a:ln>
           <a:extLst>
             <a:ext uri="{909E8E84-426E-40dd-AFC4-6F175D3DCCD1}">
-              <a14:hiddenFill xmlns:a14="http://schemas.microsoft.com/office/drawing/2010/main" xmlns="">
+              <a14:hiddenFill xmlns="" xmlns:a14="http://schemas.microsoft.com/office/drawing/2010/main">
                 <a:solidFill>
                   <a:schemeClr val="accent1"/>
                 </a:solidFill>
               </a14:hiddenFill>
             </a:ext>
             <a:ext uri="{91240B29-F687-4f45-9708-019B960494DF}">
-              <a14:hiddenLine xmlns:a14="http://schemas.microsoft.com/office/drawing/2010/main" xmlns="" w="9525">
+              <a14:hiddenLine xmlns="" xmlns:a14="http://schemas.microsoft.com/office/drawing/2010/main" w="9525">
                 <a:solidFill>
                   <a:schemeClr val="tx1"/>
                 </a:solidFill>
@@ -18677,7 +19116,7 @@
           </a:ln>
           <a:extLst>
             <a:ext uri="{909E8E84-426E-40dd-AFC4-6F175D3DCCD1}">
-              <a14:hiddenFill xmlns:a14="http://schemas.microsoft.com/office/drawing/2010/main" xmlns="">
+              <a14:hiddenFill xmlns="" xmlns:a14="http://schemas.microsoft.com/office/drawing/2010/main">
                 <a:solidFill>
                   <a:schemeClr val="accent1"/>
                 </a:solidFill>
@@ -18742,7 +19181,7 @@
           </a:ln>
           <a:extLst>
             <a:ext uri="{909E8E84-426E-40dd-AFC4-6F175D3DCCD1}">
-              <a14:hiddenFill xmlns:a14="http://schemas.microsoft.com/office/drawing/2010/main" xmlns="">
+              <a14:hiddenFill xmlns="" xmlns:a14="http://schemas.microsoft.com/office/drawing/2010/main">
                 <a:solidFill>
                   <a:schemeClr val="accent1"/>
                 </a:solidFill>
@@ -18829,7 +19268,7 @@
           </a:ln>
           <a:extLst>
             <a:ext uri="{909E8E84-426E-40dd-AFC4-6F175D3DCCD1}">
-              <a14:hiddenFill xmlns:a14="http://schemas.microsoft.com/office/drawing/2010/main" xmlns="">
+              <a14:hiddenFill xmlns="" xmlns:a14="http://schemas.microsoft.com/office/drawing/2010/main">
                 <a:solidFill>
                   <a:schemeClr val="accent1"/>
                 </a:solidFill>
@@ -18872,7 +19311,7 @@
           </a:ln>
           <a:extLst>
             <a:ext uri="{909E8E84-426E-40dd-AFC4-6F175D3DCCD1}">
-              <a14:hiddenFill xmlns:a14="http://schemas.microsoft.com/office/drawing/2010/main" xmlns="">
+              <a14:hiddenFill xmlns="" xmlns:a14="http://schemas.microsoft.com/office/drawing/2010/main">
                 <a:solidFill>
                   <a:schemeClr val="accent1"/>
                 </a:solidFill>
@@ -18917,7 +19356,7 @@
           </a:ln>
           <a:extLst>
             <a:ext uri="{909E8E84-426E-40dd-AFC4-6F175D3DCCD1}">
-              <a14:hiddenFill xmlns:a14="http://schemas.microsoft.com/office/drawing/2010/main" xmlns="">
+              <a14:hiddenFill xmlns="" xmlns:a14="http://schemas.microsoft.com/office/drawing/2010/main">
                 <a:noFill/>
               </a14:hiddenFill>
             </a:ext>
@@ -18946,14 +19385,14 @@
           </a:ln>
           <a:extLst>
             <a:ext uri="{909E8E84-426E-40dd-AFC4-6F175D3DCCD1}">
-              <a14:hiddenFill xmlns:a14="http://schemas.microsoft.com/office/drawing/2010/main" xmlns="">
+              <a14:hiddenFill xmlns="" xmlns:a14="http://schemas.microsoft.com/office/drawing/2010/main">
                 <a:solidFill>
                   <a:schemeClr val="accent1"/>
                 </a:solidFill>
               </a14:hiddenFill>
             </a:ext>
             <a:ext uri="{91240B29-F687-4f45-9708-019B960494DF}">
-              <a14:hiddenLine xmlns:a14="http://schemas.microsoft.com/office/drawing/2010/main" xmlns="" w="9525">
+              <a14:hiddenLine xmlns="" xmlns:a14="http://schemas.microsoft.com/office/drawing/2010/main" w="9525">
                 <a:solidFill>
                   <a:schemeClr val="tx1"/>
                 </a:solidFill>
@@ -18999,14 +19438,14 @@
           </a:ln>
           <a:extLst>
             <a:ext uri="{909E8E84-426E-40dd-AFC4-6F175D3DCCD1}">
-              <a14:hiddenFill xmlns:a14="http://schemas.microsoft.com/office/drawing/2010/main" xmlns="">
+              <a14:hiddenFill xmlns="" xmlns:a14="http://schemas.microsoft.com/office/drawing/2010/main">
                 <a:solidFill>
                   <a:schemeClr val="accent1"/>
                 </a:solidFill>
               </a14:hiddenFill>
             </a:ext>
             <a:ext uri="{91240B29-F687-4f45-9708-019B960494DF}">
-              <a14:hiddenLine xmlns:a14="http://schemas.microsoft.com/office/drawing/2010/main" xmlns="" w="9525">
+              <a14:hiddenLine xmlns="" xmlns:a14="http://schemas.microsoft.com/office/drawing/2010/main" w="9525">
                 <a:solidFill>
                   <a:schemeClr val="tx1"/>
                 </a:solidFill>
@@ -19057,7 +19496,7 @@
           </a:ln>
           <a:extLst>
             <a:ext uri="{909E8E84-426E-40dd-AFC4-6F175D3DCCD1}">
-              <a14:hiddenFill xmlns:a14="http://schemas.microsoft.com/office/drawing/2010/main" xmlns="">
+              <a14:hiddenFill xmlns="" xmlns:a14="http://schemas.microsoft.com/office/drawing/2010/main">
                 <a:solidFill>
                   <a:schemeClr val="accent1"/>
                 </a:solidFill>
@@ -19100,14 +19539,14 @@
           </a:ln>
           <a:extLst>
             <a:ext uri="{909E8E84-426E-40dd-AFC4-6F175D3DCCD1}">
-              <a14:hiddenFill xmlns:a14="http://schemas.microsoft.com/office/drawing/2010/main" xmlns="">
+              <a14:hiddenFill xmlns="" xmlns:a14="http://schemas.microsoft.com/office/drawing/2010/main">
                 <a:solidFill>
                   <a:schemeClr val="accent1"/>
                 </a:solidFill>
               </a14:hiddenFill>
             </a:ext>
             <a:ext uri="{91240B29-F687-4f45-9708-019B960494DF}">
-              <a14:hiddenLine xmlns:a14="http://schemas.microsoft.com/office/drawing/2010/main" xmlns="" w="9525">
+              <a14:hiddenLine xmlns="" xmlns:a14="http://schemas.microsoft.com/office/drawing/2010/main" w="9525">
                 <a:solidFill>
                   <a:schemeClr val="tx1"/>
                 </a:solidFill>
@@ -19162,7 +19601,7 @@
           </a:ln>
           <a:extLst>
             <a:ext uri="{909E8E84-426E-40dd-AFC4-6F175D3DCCD1}">
-              <a14:hiddenFill xmlns:a14="http://schemas.microsoft.com/office/drawing/2010/main" xmlns="">
+              <a14:hiddenFill xmlns="" xmlns:a14="http://schemas.microsoft.com/office/drawing/2010/main">
                 <a:noFill/>
               </a14:hiddenFill>
             </a:ext>
@@ -19230,14 +19669,14 @@
           </a:ln>
           <a:extLst>
             <a:ext uri="{909E8E84-426E-40dd-AFC4-6F175D3DCCD1}">
-              <a14:hiddenFill xmlns:a14="http://schemas.microsoft.com/office/drawing/2010/main" xmlns="">
+              <a14:hiddenFill xmlns="" xmlns:a14="http://schemas.microsoft.com/office/drawing/2010/main">
                 <a:solidFill>
                   <a:schemeClr val="accent1"/>
                 </a:solidFill>
               </a14:hiddenFill>
             </a:ext>
             <a:ext uri="{91240B29-F687-4f45-9708-019B960494DF}">
-              <a14:hiddenLine xmlns:a14="http://schemas.microsoft.com/office/drawing/2010/main" xmlns="" w="9525">
+              <a14:hiddenLine xmlns="" xmlns:a14="http://schemas.microsoft.com/office/drawing/2010/main" w="9525">
                 <a:solidFill>
                   <a:schemeClr val="tx1"/>
                 </a:solidFill>
@@ -19306,14 +19745,14 @@
           </a:ln>
           <a:extLst>
             <a:ext uri="{909E8E84-426E-40dd-AFC4-6F175D3DCCD1}">
-              <a14:hiddenFill xmlns:a14="http://schemas.microsoft.com/office/drawing/2010/main" xmlns="">
+              <a14:hiddenFill xmlns="" xmlns:a14="http://schemas.microsoft.com/office/drawing/2010/main">
                 <a:solidFill>
                   <a:schemeClr val="accent1"/>
                 </a:solidFill>
               </a14:hiddenFill>
             </a:ext>
             <a:ext uri="{91240B29-F687-4f45-9708-019B960494DF}">
-              <a14:hiddenLine xmlns:a14="http://schemas.microsoft.com/office/drawing/2010/main" xmlns="" w="9525">
+              <a14:hiddenLine xmlns="" xmlns:a14="http://schemas.microsoft.com/office/drawing/2010/main" w="9525">
                 <a:solidFill>
                   <a:schemeClr val="tx1"/>
                 </a:solidFill>
@@ -19366,14 +19805,14 @@
           </a:ln>
           <a:extLst>
             <a:ext uri="{909E8E84-426E-40dd-AFC4-6F175D3DCCD1}">
-              <a14:hiddenFill xmlns:a14="http://schemas.microsoft.com/office/drawing/2010/main" xmlns="">
+              <a14:hiddenFill xmlns="" xmlns:a14="http://schemas.microsoft.com/office/drawing/2010/main">
                 <a:solidFill>
                   <a:schemeClr val="accent1"/>
                 </a:solidFill>
               </a14:hiddenFill>
             </a:ext>
             <a:ext uri="{91240B29-F687-4f45-9708-019B960494DF}">
-              <a14:hiddenLine xmlns:a14="http://schemas.microsoft.com/office/drawing/2010/main" xmlns="" w="9525">
+              <a14:hiddenLine xmlns="" xmlns:a14="http://schemas.microsoft.com/office/drawing/2010/main" w="9525">
                 <a:solidFill>
                   <a:schemeClr val="tx1"/>
                 </a:solidFill>
@@ -19431,7 +19870,7 @@
           </a:ln>
           <a:extLst>
             <a:ext uri="{909E8E84-426E-40dd-AFC4-6F175D3DCCD1}">
-              <a14:hiddenFill xmlns:a14="http://schemas.microsoft.com/office/drawing/2010/main" xmlns="">
+              <a14:hiddenFill xmlns="" xmlns:a14="http://schemas.microsoft.com/office/drawing/2010/main">
                 <a:solidFill>
                   <a:schemeClr val="accent1"/>
                 </a:solidFill>
@@ -19493,14 +19932,14 @@
           </a:ln>
           <a:extLst>
             <a:ext uri="{909E8E84-426E-40dd-AFC4-6F175D3DCCD1}">
-              <a14:hiddenFill xmlns:a14="http://schemas.microsoft.com/office/drawing/2010/main" xmlns="">
+              <a14:hiddenFill xmlns="" xmlns:a14="http://schemas.microsoft.com/office/drawing/2010/main">
                 <a:solidFill>
                   <a:schemeClr val="accent1"/>
                 </a:solidFill>
               </a14:hiddenFill>
             </a:ext>
             <a:ext uri="{91240B29-F687-4f45-9708-019B960494DF}">
-              <a14:hiddenLine xmlns:a14="http://schemas.microsoft.com/office/drawing/2010/main" xmlns="" w="9525">
+              <a14:hiddenLine xmlns="" xmlns:a14="http://schemas.microsoft.com/office/drawing/2010/main" w="9525">
                 <a:solidFill>
                   <a:schemeClr val="tx1"/>
                 </a:solidFill>
@@ -19553,14 +19992,14 @@
           </a:ln>
           <a:extLst>
             <a:ext uri="{909E8E84-426E-40dd-AFC4-6F175D3DCCD1}">
-              <a14:hiddenFill xmlns:a14="http://schemas.microsoft.com/office/drawing/2010/main" xmlns="">
+              <a14:hiddenFill xmlns="" xmlns:a14="http://schemas.microsoft.com/office/drawing/2010/main">
                 <a:solidFill>
                   <a:schemeClr val="accent1"/>
                 </a:solidFill>
               </a14:hiddenFill>
             </a:ext>
             <a:ext uri="{91240B29-F687-4f45-9708-019B960494DF}">
-              <a14:hiddenLine xmlns:a14="http://schemas.microsoft.com/office/drawing/2010/main" xmlns="" w="9525">
+              <a14:hiddenLine xmlns="" xmlns:a14="http://schemas.microsoft.com/office/drawing/2010/main" w="9525">
                 <a:solidFill>
                   <a:schemeClr val="tx1"/>
                 </a:solidFill>
@@ -19676,7 +20115,7 @@
           </a:ln>
           <a:extLst>
             <a:ext uri="{909E8E84-426E-40dd-AFC4-6F175D3DCCD1}">
-              <a14:hiddenFill xmlns:a14="http://schemas.microsoft.com/office/drawing/2010/main" xmlns="">
+              <a14:hiddenFill xmlns="" xmlns:a14="http://schemas.microsoft.com/office/drawing/2010/main">
                 <a:solidFill>
                   <a:schemeClr val="accent1"/>
                 </a:solidFill>
@@ -19741,7 +20180,7 @@
           </a:ln>
           <a:extLst>
             <a:ext uri="{909E8E84-426E-40dd-AFC4-6F175D3DCCD1}">
-              <a14:hiddenFill xmlns:a14="http://schemas.microsoft.com/office/drawing/2010/main" xmlns="">
+              <a14:hiddenFill xmlns="" xmlns:a14="http://schemas.microsoft.com/office/drawing/2010/main">
                 <a:solidFill>
                   <a:schemeClr val="accent1"/>
                 </a:solidFill>
@@ -19828,7 +20267,7 @@
           </a:ln>
           <a:extLst>
             <a:ext uri="{909E8E84-426E-40dd-AFC4-6F175D3DCCD1}">
-              <a14:hiddenFill xmlns:a14="http://schemas.microsoft.com/office/drawing/2010/main" xmlns="">
+              <a14:hiddenFill xmlns="" xmlns:a14="http://schemas.microsoft.com/office/drawing/2010/main">
                 <a:solidFill>
                   <a:schemeClr val="accent1"/>
                 </a:solidFill>
@@ -19871,7 +20310,7 @@
           </a:ln>
           <a:extLst>
             <a:ext uri="{909E8E84-426E-40dd-AFC4-6F175D3DCCD1}">
-              <a14:hiddenFill xmlns:a14="http://schemas.microsoft.com/office/drawing/2010/main" xmlns="">
+              <a14:hiddenFill xmlns="" xmlns:a14="http://schemas.microsoft.com/office/drawing/2010/main">
                 <a:solidFill>
                   <a:schemeClr val="accent1"/>
                 </a:solidFill>
@@ -19916,7 +20355,7 @@
           </a:ln>
           <a:extLst>
             <a:ext uri="{909E8E84-426E-40dd-AFC4-6F175D3DCCD1}">
-              <a14:hiddenFill xmlns:a14="http://schemas.microsoft.com/office/drawing/2010/main" xmlns="">
+              <a14:hiddenFill xmlns="" xmlns:a14="http://schemas.microsoft.com/office/drawing/2010/main">
                 <a:noFill/>
               </a14:hiddenFill>
             </a:ext>
@@ -19945,14 +20384,14 @@
           </a:ln>
           <a:extLst>
             <a:ext uri="{909E8E84-426E-40dd-AFC4-6F175D3DCCD1}">
-              <a14:hiddenFill xmlns:a14="http://schemas.microsoft.com/office/drawing/2010/main" xmlns="">
+              <a14:hiddenFill xmlns="" xmlns:a14="http://schemas.microsoft.com/office/drawing/2010/main">
                 <a:solidFill>
                   <a:schemeClr val="accent1"/>
                 </a:solidFill>
               </a14:hiddenFill>
             </a:ext>
             <a:ext uri="{91240B29-F687-4f45-9708-019B960494DF}">
-              <a14:hiddenLine xmlns:a14="http://schemas.microsoft.com/office/drawing/2010/main" xmlns="" w="9525">
+              <a14:hiddenLine xmlns="" xmlns:a14="http://schemas.microsoft.com/office/drawing/2010/main" w="9525">
                 <a:solidFill>
                   <a:schemeClr val="tx1"/>
                 </a:solidFill>
@@ -19998,14 +20437,14 @@
           </a:ln>
           <a:extLst>
             <a:ext uri="{909E8E84-426E-40dd-AFC4-6F175D3DCCD1}">
-              <a14:hiddenFill xmlns:a14="http://schemas.microsoft.com/office/drawing/2010/main" xmlns="">
+              <a14:hiddenFill xmlns="" xmlns:a14="http://schemas.microsoft.com/office/drawing/2010/main">
                 <a:solidFill>
                   <a:schemeClr val="accent1"/>
                 </a:solidFill>
               </a14:hiddenFill>
             </a:ext>
             <a:ext uri="{91240B29-F687-4f45-9708-019B960494DF}">
-              <a14:hiddenLine xmlns:a14="http://schemas.microsoft.com/office/drawing/2010/main" xmlns="" w="9525">
+              <a14:hiddenLine xmlns="" xmlns:a14="http://schemas.microsoft.com/office/drawing/2010/main" w="9525">
                 <a:solidFill>
                   <a:schemeClr val="tx1"/>
                 </a:solidFill>
@@ -20056,7 +20495,7 @@
           </a:ln>
           <a:extLst>
             <a:ext uri="{909E8E84-426E-40dd-AFC4-6F175D3DCCD1}">
-              <a14:hiddenFill xmlns:a14="http://schemas.microsoft.com/office/drawing/2010/main" xmlns="">
+              <a14:hiddenFill xmlns="" xmlns:a14="http://schemas.microsoft.com/office/drawing/2010/main">
                 <a:solidFill>
                   <a:schemeClr val="accent1"/>
                 </a:solidFill>
@@ -20099,14 +20538,14 @@
           </a:ln>
           <a:extLst>
             <a:ext uri="{909E8E84-426E-40dd-AFC4-6F175D3DCCD1}">
-              <a14:hiddenFill xmlns:a14="http://schemas.microsoft.com/office/drawing/2010/main" xmlns="">
+              <a14:hiddenFill xmlns="" xmlns:a14="http://schemas.microsoft.com/office/drawing/2010/main">
                 <a:solidFill>
                   <a:schemeClr val="accent1"/>
                 </a:solidFill>
               </a14:hiddenFill>
             </a:ext>
             <a:ext uri="{91240B29-F687-4f45-9708-019B960494DF}">
-              <a14:hiddenLine xmlns:a14="http://schemas.microsoft.com/office/drawing/2010/main" xmlns="" w="9525">
+              <a14:hiddenLine xmlns="" xmlns:a14="http://schemas.microsoft.com/office/drawing/2010/main" w="9525">
                 <a:solidFill>
                   <a:schemeClr val="tx1"/>
                 </a:solidFill>
@@ -20161,7 +20600,7 @@
           </a:ln>
           <a:extLst>
             <a:ext uri="{909E8E84-426E-40dd-AFC4-6F175D3DCCD1}">
-              <a14:hiddenFill xmlns:a14="http://schemas.microsoft.com/office/drawing/2010/main" xmlns="">
+              <a14:hiddenFill xmlns="" xmlns:a14="http://schemas.microsoft.com/office/drawing/2010/main">
                 <a:noFill/>
               </a14:hiddenFill>
             </a:ext>
@@ -20229,14 +20668,14 @@
           </a:ln>
           <a:extLst>
             <a:ext uri="{909E8E84-426E-40dd-AFC4-6F175D3DCCD1}">
-              <a14:hiddenFill xmlns:a14="http://schemas.microsoft.com/office/drawing/2010/main" xmlns="">
+              <a14:hiddenFill xmlns="" xmlns:a14="http://schemas.microsoft.com/office/drawing/2010/main">
                 <a:solidFill>
                   <a:schemeClr val="accent1"/>
                 </a:solidFill>
               </a14:hiddenFill>
             </a:ext>
             <a:ext uri="{91240B29-F687-4f45-9708-019B960494DF}">
-              <a14:hiddenLine xmlns:a14="http://schemas.microsoft.com/office/drawing/2010/main" xmlns="" w="9525">
+              <a14:hiddenLine xmlns="" xmlns:a14="http://schemas.microsoft.com/office/drawing/2010/main" w="9525">
                 <a:solidFill>
                   <a:schemeClr val="tx1"/>
                 </a:solidFill>
@@ -20305,14 +20744,14 @@
           </a:ln>
           <a:extLst>
             <a:ext uri="{909E8E84-426E-40dd-AFC4-6F175D3DCCD1}">
-              <a14:hiddenFill xmlns:a14="http://schemas.microsoft.com/office/drawing/2010/main" xmlns="">
+              <a14:hiddenFill xmlns="" xmlns:a14="http://schemas.microsoft.com/office/drawing/2010/main">
                 <a:solidFill>
                   <a:schemeClr val="accent1"/>
                 </a:solidFill>
               </a14:hiddenFill>
             </a:ext>
             <a:ext uri="{91240B29-F687-4f45-9708-019B960494DF}">
-              <a14:hiddenLine xmlns:a14="http://schemas.microsoft.com/office/drawing/2010/main" xmlns="" w="9525">
+              <a14:hiddenLine xmlns="" xmlns:a14="http://schemas.microsoft.com/office/drawing/2010/main" w="9525">
                 <a:solidFill>
                   <a:schemeClr val="tx1"/>
                 </a:solidFill>
@@ -20365,14 +20804,14 @@
           </a:ln>
           <a:extLst>
             <a:ext uri="{909E8E84-426E-40dd-AFC4-6F175D3DCCD1}">
-              <a14:hiddenFill xmlns:a14="http://schemas.microsoft.com/office/drawing/2010/main" xmlns="">
+              <a14:hiddenFill xmlns="" xmlns:a14="http://schemas.microsoft.com/office/drawing/2010/main">
                 <a:solidFill>
                   <a:schemeClr val="accent1"/>
                 </a:solidFill>
               </a14:hiddenFill>
             </a:ext>
             <a:ext uri="{91240B29-F687-4f45-9708-019B960494DF}">
-              <a14:hiddenLine xmlns:a14="http://schemas.microsoft.com/office/drawing/2010/main" xmlns="" w="9525">
+              <a14:hiddenLine xmlns="" xmlns:a14="http://schemas.microsoft.com/office/drawing/2010/main" w="9525">
                 <a:solidFill>
                   <a:schemeClr val="tx1"/>
                 </a:solidFill>
@@ -20430,7 +20869,7 @@
           </a:ln>
           <a:extLst>
             <a:ext uri="{909E8E84-426E-40dd-AFC4-6F175D3DCCD1}">
-              <a14:hiddenFill xmlns:a14="http://schemas.microsoft.com/office/drawing/2010/main" xmlns="">
+              <a14:hiddenFill xmlns="" xmlns:a14="http://schemas.microsoft.com/office/drawing/2010/main">
                 <a:solidFill>
                   <a:schemeClr val="accent1"/>
                 </a:solidFill>
@@ -20492,14 +20931,14 @@
           </a:ln>
           <a:extLst>
             <a:ext uri="{909E8E84-426E-40dd-AFC4-6F175D3DCCD1}">
-              <a14:hiddenFill xmlns:a14="http://schemas.microsoft.com/office/drawing/2010/main" xmlns="">
+              <a14:hiddenFill xmlns="" xmlns:a14="http://schemas.microsoft.com/office/drawing/2010/main">
                 <a:solidFill>
                   <a:schemeClr val="accent1"/>
                 </a:solidFill>
               </a14:hiddenFill>
             </a:ext>
             <a:ext uri="{91240B29-F687-4f45-9708-019B960494DF}">
-              <a14:hiddenLine xmlns:a14="http://schemas.microsoft.com/office/drawing/2010/main" xmlns="" w="9525">
+              <a14:hiddenLine xmlns="" xmlns:a14="http://schemas.microsoft.com/office/drawing/2010/main" w="9525">
                 <a:solidFill>
                   <a:schemeClr val="tx1"/>
                 </a:solidFill>
@@ -20552,14 +20991,14 @@
           </a:ln>
           <a:extLst>
             <a:ext uri="{909E8E84-426E-40dd-AFC4-6F175D3DCCD1}">
-              <a14:hiddenFill xmlns:a14="http://schemas.microsoft.com/office/drawing/2010/main" xmlns="">
+              <a14:hiddenFill xmlns="" xmlns:a14="http://schemas.microsoft.com/office/drawing/2010/main">
                 <a:solidFill>
                   <a:schemeClr val="accent1"/>
                 </a:solidFill>
               </a14:hiddenFill>
             </a:ext>
             <a:ext uri="{91240B29-F687-4f45-9708-019B960494DF}">
-              <a14:hiddenLine xmlns:a14="http://schemas.microsoft.com/office/drawing/2010/main" xmlns="" w="9525">
+              <a14:hiddenLine xmlns="" xmlns:a14="http://schemas.microsoft.com/office/drawing/2010/main" w="9525">
                 <a:solidFill>
                   <a:schemeClr val="tx1"/>
                 </a:solidFill>
@@ -20635,7 +21074,7 @@
           </a:ln>
           <a:extLst>
             <a:ext uri="{909E8E84-426E-40dd-AFC4-6F175D3DCCD1}">
-              <a14:hiddenFill xmlns:a14="http://schemas.microsoft.com/office/drawing/2010/main" xmlns="">
+              <a14:hiddenFill xmlns="" xmlns:a14="http://schemas.microsoft.com/office/drawing/2010/main">
                 <a:solidFill>
                   <a:schemeClr val="accent1"/>
                 </a:solidFill>
@@ -20700,7 +21139,7 @@
           </a:ln>
           <a:extLst>
             <a:ext uri="{909E8E84-426E-40dd-AFC4-6F175D3DCCD1}">
-              <a14:hiddenFill xmlns:a14="http://schemas.microsoft.com/office/drawing/2010/main" xmlns="">
+              <a14:hiddenFill xmlns="" xmlns:a14="http://schemas.microsoft.com/office/drawing/2010/main">
                 <a:solidFill>
                   <a:schemeClr val="accent1"/>
                 </a:solidFill>
@@ -20787,7 +21226,7 @@
           </a:ln>
           <a:extLst>
             <a:ext uri="{909E8E84-426E-40dd-AFC4-6F175D3DCCD1}">
-              <a14:hiddenFill xmlns:a14="http://schemas.microsoft.com/office/drawing/2010/main" xmlns="">
+              <a14:hiddenFill xmlns="" xmlns:a14="http://schemas.microsoft.com/office/drawing/2010/main">
                 <a:solidFill>
                   <a:schemeClr val="accent1"/>
                 </a:solidFill>
@@ -20830,7 +21269,7 @@
           </a:ln>
           <a:extLst>
             <a:ext uri="{909E8E84-426E-40dd-AFC4-6F175D3DCCD1}">
-              <a14:hiddenFill xmlns:a14="http://schemas.microsoft.com/office/drawing/2010/main" xmlns="">
+              <a14:hiddenFill xmlns="" xmlns:a14="http://schemas.microsoft.com/office/drawing/2010/main">
                 <a:solidFill>
                   <a:schemeClr val="accent1"/>
                 </a:solidFill>
@@ -20875,7 +21314,7 @@
           </a:ln>
           <a:extLst>
             <a:ext uri="{909E8E84-426E-40dd-AFC4-6F175D3DCCD1}">
-              <a14:hiddenFill xmlns:a14="http://schemas.microsoft.com/office/drawing/2010/main" xmlns="">
+              <a14:hiddenFill xmlns="" xmlns:a14="http://schemas.microsoft.com/office/drawing/2010/main">
                 <a:noFill/>
               </a14:hiddenFill>
             </a:ext>
@@ -20904,14 +21343,14 @@
           </a:ln>
           <a:extLst>
             <a:ext uri="{909E8E84-426E-40dd-AFC4-6F175D3DCCD1}">
-              <a14:hiddenFill xmlns:a14="http://schemas.microsoft.com/office/drawing/2010/main" xmlns="">
+              <a14:hiddenFill xmlns="" xmlns:a14="http://schemas.microsoft.com/office/drawing/2010/main">
                 <a:solidFill>
                   <a:schemeClr val="accent1"/>
                 </a:solidFill>
               </a14:hiddenFill>
             </a:ext>
             <a:ext uri="{91240B29-F687-4f45-9708-019B960494DF}">
-              <a14:hiddenLine xmlns:a14="http://schemas.microsoft.com/office/drawing/2010/main" xmlns="" w="9525">
+              <a14:hiddenLine xmlns="" xmlns:a14="http://schemas.microsoft.com/office/drawing/2010/main" w="9525">
                 <a:solidFill>
                   <a:schemeClr val="tx1"/>
                 </a:solidFill>
@@ -20957,14 +21396,14 @@
           </a:ln>
           <a:extLst>
             <a:ext uri="{909E8E84-426E-40dd-AFC4-6F175D3DCCD1}">
-              <a14:hiddenFill xmlns:a14="http://schemas.microsoft.com/office/drawing/2010/main" xmlns="">
+              <a14:hiddenFill xmlns="" xmlns:a14="http://schemas.microsoft.com/office/drawing/2010/main">
                 <a:solidFill>
                   <a:schemeClr val="accent1"/>
                 </a:solidFill>
               </a14:hiddenFill>
             </a:ext>
             <a:ext uri="{91240B29-F687-4f45-9708-019B960494DF}">
-              <a14:hiddenLine xmlns:a14="http://schemas.microsoft.com/office/drawing/2010/main" xmlns="" w="9525">
+              <a14:hiddenLine xmlns="" xmlns:a14="http://schemas.microsoft.com/office/drawing/2010/main" w="9525">
                 <a:solidFill>
                   <a:schemeClr val="tx1"/>
                 </a:solidFill>
@@ -21019,7 +21458,7 @@
           </a:ln>
           <a:extLst>
             <a:ext uri="{909E8E84-426E-40dd-AFC4-6F175D3DCCD1}">
-              <a14:hiddenFill xmlns:a14="http://schemas.microsoft.com/office/drawing/2010/main" xmlns="">
+              <a14:hiddenFill xmlns="" xmlns:a14="http://schemas.microsoft.com/office/drawing/2010/main">
                 <a:solidFill>
                   <a:schemeClr val="accent1"/>
                 </a:solidFill>
@@ -21062,14 +21501,14 @@
           </a:ln>
           <a:extLst>
             <a:ext uri="{909E8E84-426E-40dd-AFC4-6F175D3DCCD1}">
-              <a14:hiddenFill xmlns:a14="http://schemas.microsoft.com/office/drawing/2010/main" xmlns="">
+              <a14:hiddenFill xmlns="" xmlns:a14="http://schemas.microsoft.com/office/drawing/2010/main">
                 <a:solidFill>
                   <a:schemeClr val="accent1"/>
                 </a:solidFill>
               </a14:hiddenFill>
             </a:ext>
             <a:ext uri="{91240B29-F687-4f45-9708-019B960494DF}">
-              <a14:hiddenLine xmlns:a14="http://schemas.microsoft.com/office/drawing/2010/main" xmlns="" w="9525">
+              <a14:hiddenLine xmlns="" xmlns:a14="http://schemas.microsoft.com/office/drawing/2010/main" w="9525">
                 <a:solidFill>
                   <a:schemeClr val="tx1"/>
                 </a:solidFill>
@@ -21124,7 +21563,7 @@
           </a:ln>
           <a:extLst>
             <a:ext uri="{909E8E84-426E-40dd-AFC4-6F175D3DCCD1}">
-              <a14:hiddenFill xmlns:a14="http://schemas.microsoft.com/office/drawing/2010/main" xmlns="">
+              <a14:hiddenFill xmlns="" xmlns:a14="http://schemas.microsoft.com/office/drawing/2010/main">
                 <a:noFill/>
               </a14:hiddenFill>
             </a:ext>
@@ -21192,14 +21631,14 @@
           </a:ln>
           <a:extLst>
             <a:ext uri="{909E8E84-426E-40dd-AFC4-6F175D3DCCD1}">
-              <a14:hiddenFill xmlns:a14="http://schemas.microsoft.com/office/drawing/2010/main" xmlns="">
+              <a14:hiddenFill xmlns="" xmlns:a14="http://schemas.microsoft.com/office/drawing/2010/main">
                 <a:solidFill>
                   <a:schemeClr val="accent1"/>
                 </a:solidFill>
               </a14:hiddenFill>
             </a:ext>
             <a:ext uri="{91240B29-F687-4f45-9708-019B960494DF}">
-              <a14:hiddenLine xmlns:a14="http://schemas.microsoft.com/office/drawing/2010/main" xmlns="" w="9525">
+              <a14:hiddenLine xmlns="" xmlns:a14="http://schemas.microsoft.com/office/drawing/2010/main" w="9525">
                 <a:solidFill>
                   <a:schemeClr val="tx1"/>
                 </a:solidFill>
@@ -21268,14 +21707,14 @@
           </a:ln>
           <a:extLst>
             <a:ext uri="{909E8E84-426E-40dd-AFC4-6F175D3DCCD1}">
-              <a14:hiddenFill xmlns:a14="http://schemas.microsoft.com/office/drawing/2010/main" xmlns="">
+              <a14:hiddenFill xmlns="" xmlns:a14="http://schemas.microsoft.com/office/drawing/2010/main">
                 <a:solidFill>
                   <a:schemeClr val="accent1"/>
                 </a:solidFill>
               </a14:hiddenFill>
             </a:ext>
             <a:ext uri="{91240B29-F687-4f45-9708-019B960494DF}">
-              <a14:hiddenLine xmlns:a14="http://schemas.microsoft.com/office/drawing/2010/main" xmlns="" w="9525">
+              <a14:hiddenLine xmlns="" xmlns:a14="http://schemas.microsoft.com/office/drawing/2010/main" w="9525">
                 <a:solidFill>
                   <a:schemeClr val="tx1"/>
                 </a:solidFill>
@@ -21328,14 +21767,14 @@
           </a:ln>
           <a:extLst>
             <a:ext uri="{909E8E84-426E-40dd-AFC4-6F175D3DCCD1}">
-              <a14:hiddenFill xmlns:a14="http://schemas.microsoft.com/office/drawing/2010/main" xmlns="">
+              <a14:hiddenFill xmlns="" xmlns:a14="http://schemas.microsoft.com/office/drawing/2010/main">
                 <a:solidFill>
                   <a:schemeClr val="accent1"/>
                 </a:solidFill>
               </a14:hiddenFill>
             </a:ext>
             <a:ext uri="{91240B29-F687-4f45-9708-019B960494DF}">
-              <a14:hiddenLine xmlns:a14="http://schemas.microsoft.com/office/drawing/2010/main" xmlns="" w="9525">
+              <a14:hiddenLine xmlns="" xmlns:a14="http://schemas.microsoft.com/office/drawing/2010/main" w="9525">
                 <a:solidFill>
                   <a:schemeClr val="tx1"/>
                 </a:solidFill>
@@ -21397,14 +21836,14 @@
           </a:ln>
           <a:extLst>
             <a:ext uri="{909E8E84-426E-40dd-AFC4-6F175D3DCCD1}">
-              <a14:hiddenFill xmlns:a14="http://schemas.microsoft.com/office/drawing/2010/main" xmlns="">
+              <a14:hiddenFill xmlns="" xmlns:a14="http://schemas.microsoft.com/office/drawing/2010/main">
                 <a:solidFill>
                   <a:schemeClr val="accent1"/>
                 </a:solidFill>
               </a14:hiddenFill>
             </a:ext>
             <a:ext uri="{91240B29-F687-4f45-9708-019B960494DF}">
-              <a14:hiddenLine xmlns:a14="http://schemas.microsoft.com/office/drawing/2010/main" xmlns="" w="9525">
+              <a14:hiddenLine xmlns="" xmlns:a14="http://schemas.microsoft.com/office/drawing/2010/main" w="9525">
                 <a:solidFill>
                   <a:schemeClr val="tx1"/>
                 </a:solidFill>
@@ -21468,14 +21907,14 @@
           </a:ln>
           <a:extLst>
             <a:ext uri="{909E8E84-426E-40dd-AFC4-6F175D3DCCD1}">
-              <a14:hiddenFill xmlns:a14="http://schemas.microsoft.com/office/drawing/2010/main" xmlns="">
+              <a14:hiddenFill xmlns="" xmlns:a14="http://schemas.microsoft.com/office/drawing/2010/main">
                 <a:solidFill>
                   <a:schemeClr val="accent1"/>
                 </a:solidFill>
               </a14:hiddenFill>
             </a:ext>
             <a:ext uri="{91240B29-F687-4f45-9708-019B960494DF}">
-              <a14:hiddenLine xmlns:a14="http://schemas.microsoft.com/office/drawing/2010/main" xmlns="" w="9525">
+              <a14:hiddenLine xmlns="" xmlns:a14="http://schemas.microsoft.com/office/drawing/2010/main" w="9525">
                 <a:solidFill>
                   <a:schemeClr val="tx1"/>
                 </a:solidFill>
@@ -21571,7 +22010,7 @@
           </a:ln>
           <a:extLst>
             <a:ext uri="{909E8E84-426E-40dd-AFC4-6F175D3DCCD1}">
-              <a14:hiddenFill xmlns:a14="http://schemas.microsoft.com/office/drawing/2010/main" xmlns="">
+              <a14:hiddenFill xmlns="" xmlns:a14="http://schemas.microsoft.com/office/drawing/2010/main">
                 <a:solidFill>
                   <a:schemeClr val="accent1"/>
                 </a:solidFill>
@@ -21636,7 +22075,7 @@
           </a:ln>
           <a:extLst>
             <a:ext uri="{909E8E84-426E-40dd-AFC4-6F175D3DCCD1}">
-              <a14:hiddenFill xmlns:a14="http://schemas.microsoft.com/office/drawing/2010/main" xmlns="">
+              <a14:hiddenFill xmlns="" xmlns:a14="http://schemas.microsoft.com/office/drawing/2010/main">
                 <a:solidFill>
                   <a:schemeClr val="accent1"/>
                 </a:solidFill>
@@ -21723,7 +22162,7 @@
           </a:ln>
           <a:extLst>
             <a:ext uri="{909E8E84-426E-40dd-AFC4-6F175D3DCCD1}">
-              <a14:hiddenFill xmlns:a14="http://schemas.microsoft.com/office/drawing/2010/main" xmlns="">
+              <a14:hiddenFill xmlns="" xmlns:a14="http://schemas.microsoft.com/office/drawing/2010/main">
                 <a:solidFill>
                   <a:schemeClr val="accent1"/>
                 </a:solidFill>
@@ -21766,7 +22205,7 @@
           </a:ln>
           <a:extLst>
             <a:ext uri="{909E8E84-426E-40dd-AFC4-6F175D3DCCD1}">
-              <a14:hiddenFill xmlns:a14="http://schemas.microsoft.com/office/drawing/2010/main" xmlns="">
+              <a14:hiddenFill xmlns="" xmlns:a14="http://schemas.microsoft.com/office/drawing/2010/main">
                 <a:solidFill>
                   <a:schemeClr val="accent1"/>
                 </a:solidFill>
@@ -21811,7 +22250,7 @@
           </a:ln>
           <a:extLst>
             <a:ext uri="{909E8E84-426E-40dd-AFC4-6F175D3DCCD1}">
-              <a14:hiddenFill xmlns:a14="http://schemas.microsoft.com/office/drawing/2010/main" xmlns="">
+              <a14:hiddenFill xmlns="" xmlns:a14="http://schemas.microsoft.com/office/drawing/2010/main">
                 <a:noFill/>
               </a14:hiddenFill>
             </a:ext>
@@ -21840,14 +22279,14 @@
           </a:ln>
           <a:extLst>
             <a:ext uri="{909E8E84-426E-40dd-AFC4-6F175D3DCCD1}">
-              <a14:hiddenFill xmlns:a14="http://schemas.microsoft.com/office/drawing/2010/main" xmlns="">
+              <a14:hiddenFill xmlns="" xmlns:a14="http://schemas.microsoft.com/office/drawing/2010/main">
                 <a:solidFill>
                   <a:schemeClr val="accent1"/>
                 </a:solidFill>
               </a14:hiddenFill>
             </a:ext>
             <a:ext uri="{91240B29-F687-4f45-9708-019B960494DF}">
-              <a14:hiddenLine xmlns:a14="http://schemas.microsoft.com/office/drawing/2010/main" xmlns="" w="9525">
+              <a14:hiddenLine xmlns="" xmlns:a14="http://schemas.microsoft.com/office/drawing/2010/main" w="9525">
                 <a:solidFill>
                   <a:schemeClr val="tx1"/>
                 </a:solidFill>
@@ -21893,14 +22332,14 @@
           </a:ln>
           <a:extLst>
             <a:ext uri="{909E8E84-426E-40dd-AFC4-6F175D3DCCD1}">
-              <a14:hiddenFill xmlns:a14="http://schemas.microsoft.com/office/drawing/2010/main" xmlns="">
+              <a14:hiddenFill xmlns="" xmlns:a14="http://schemas.microsoft.com/office/drawing/2010/main">
                 <a:solidFill>
                   <a:schemeClr val="accent1"/>
                 </a:solidFill>
               </a14:hiddenFill>
             </a:ext>
             <a:ext uri="{91240B29-F687-4f45-9708-019B960494DF}">
-              <a14:hiddenLine xmlns:a14="http://schemas.microsoft.com/office/drawing/2010/main" xmlns="" w="9525">
+              <a14:hiddenLine xmlns="" xmlns:a14="http://schemas.microsoft.com/office/drawing/2010/main" w="9525">
                 <a:solidFill>
                   <a:schemeClr val="tx1"/>
                 </a:solidFill>
@@ -21955,7 +22394,7 @@
           </a:ln>
           <a:extLst>
             <a:ext uri="{909E8E84-426E-40dd-AFC4-6F175D3DCCD1}">
-              <a14:hiddenFill xmlns:a14="http://schemas.microsoft.com/office/drawing/2010/main" xmlns="">
+              <a14:hiddenFill xmlns="" xmlns:a14="http://schemas.microsoft.com/office/drawing/2010/main">
                 <a:solidFill>
                   <a:schemeClr val="accent1"/>
                 </a:solidFill>
@@ -21998,14 +22437,14 @@
           </a:ln>
           <a:extLst>
             <a:ext uri="{909E8E84-426E-40dd-AFC4-6F175D3DCCD1}">
-              <a14:hiddenFill xmlns:a14="http://schemas.microsoft.com/office/drawing/2010/main" xmlns="">
+              <a14:hiddenFill xmlns="" xmlns:a14="http://schemas.microsoft.com/office/drawing/2010/main">
                 <a:solidFill>
                   <a:schemeClr val="accent1"/>
                 </a:solidFill>
               </a14:hiddenFill>
             </a:ext>
             <a:ext uri="{91240B29-F687-4f45-9708-019B960494DF}">
-              <a14:hiddenLine xmlns:a14="http://schemas.microsoft.com/office/drawing/2010/main" xmlns="" w="9525">
+              <a14:hiddenLine xmlns="" xmlns:a14="http://schemas.microsoft.com/office/drawing/2010/main" w="9525">
                 <a:solidFill>
                   <a:schemeClr val="tx1"/>
                 </a:solidFill>
@@ -22060,7 +22499,7 @@
           </a:ln>
           <a:extLst>
             <a:ext uri="{909E8E84-426E-40dd-AFC4-6F175D3DCCD1}">
-              <a14:hiddenFill xmlns:a14="http://schemas.microsoft.com/office/drawing/2010/main" xmlns="">
+              <a14:hiddenFill xmlns="" xmlns:a14="http://schemas.microsoft.com/office/drawing/2010/main">
                 <a:noFill/>
               </a14:hiddenFill>
             </a:ext>
@@ -22128,14 +22567,14 @@
           </a:ln>
           <a:extLst>
             <a:ext uri="{909E8E84-426E-40dd-AFC4-6F175D3DCCD1}">
-              <a14:hiddenFill xmlns:a14="http://schemas.microsoft.com/office/drawing/2010/main" xmlns="">
+              <a14:hiddenFill xmlns="" xmlns:a14="http://schemas.microsoft.com/office/drawing/2010/main">
                 <a:solidFill>
                   <a:schemeClr val="accent1"/>
                 </a:solidFill>
               </a14:hiddenFill>
             </a:ext>
             <a:ext uri="{91240B29-F687-4f45-9708-019B960494DF}">
-              <a14:hiddenLine xmlns:a14="http://schemas.microsoft.com/office/drawing/2010/main" xmlns="" w="9525">
+              <a14:hiddenLine xmlns="" xmlns:a14="http://schemas.microsoft.com/office/drawing/2010/main" w="9525">
                 <a:solidFill>
                   <a:schemeClr val="tx1"/>
                 </a:solidFill>
@@ -22204,14 +22643,14 @@
           </a:ln>
           <a:extLst>
             <a:ext uri="{909E8E84-426E-40dd-AFC4-6F175D3DCCD1}">
-              <a14:hiddenFill xmlns:a14="http://schemas.microsoft.com/office/drawing/2010/main" xmlns="">
+              <a14:hiddenFill xmlns="" xmlns:a14="http://schemas.microsoft.com/office/drawing/2010/main">
                 <a:solidFill>
                   <a:schemeClr val="accent1"/>
                 </a:solidFill>
               </a14:hiddenFill>
             </a:ext>
             <a:ext uri="{91240B29-F687-4f45-9708-019B960494DF}">
-              <a14:hiddenLine xmlns:a14="http://schemas.microsoft.com/office/drawing/2010/main" xmlns="" w="9525">
+              <a14:hiddenLine xmlns="" xmlns:a14="http://schemas.microsoft.com/office/drawing/2010/main" w="9525">
                 <a:solidFill>
                   <a:schemeClr val="tx1"/>
                 </a:solidFill>
@@ -22264,14 +22703,14 @@
           </a:ln>
           <a:extLst>
             <a:ext uri="{909E8E84-426E-40dd-AFC4-6F175D3DCCD1}">
-              <a14:hiddenFill xmlns:a14="http://schemas.microsoft.com/office/drawing/2010/main" xmlns="">
+              <a14:hiddenFill xmlns="" xmlns:a14="http://schemas.microsoft.com/office/drawing/2010/main">
                 <a:solidFill>
                   <a:schemeClr val="accent1"/>
                 </a:solidFill>
               </a14:hiddenFill>
             </a:ext>
             <a:ext uri="{91240B29-F687-4f45-9708-019B960494DF}">
-              <a14:hiddenLine xmlns:a14="http://schemas.microsoft.com/office/drawing/2010/main" xmlns="" w="9525">
+              <a14:hiddenLine xmlns="" xmlns:a14="http://schemas.microsoft.com/office/drawing/2010/main" w="9525">
                 <a:solidFill>
                   <a:schemeClr val="tx1"/>
                 </a:solidFill>
@@ -22333,14 +22772,14 @@
           </a:ln>
           <a:extLst>
             <a:ext uri="{909E8E84-426E-40dd-AFC4-6F175D3DCCD1}">
-              <a14:hiddenFill xmlns:a14="http://schemas.microsoft.com/office/drawing/2010/main" xmlns="">
+              <a14:hiddenFill xmlns="" xmlns:a14="http://schemas.microsoft.com/office/drawing/2010/main">
                 <a:solidFill>
                   <a:schemeClr val="accent1"/>
                 </a:solidFill>
               </a14:hiddenFill>
             </a:ext>
             <a:ext uri="{91240B29-F687-4f45-9708-019B960494DF}">
-              <a14:hiddenLine xmlns:a14="http://schemas.microsoft.com/office/drawing/2010/main" xmlns="" w="9525">
+              <a14:hiddenLine xmlns="" xmlns:a14="http://schemas.microsoft.com/office/drawing/2010/main" w="9525">
                 <a:solidFill>
                   <a:schemeClr val="tx1"/>
                 </a:solidFill>
@@ -22404,14 +22843,14 @@
           </a:ln>
           <a:extLst>
             <a:ext uri="{909E8E84-426E-40dd-AFC4-6F175D3DCCD1}">
-              <a14:hiddenFill xmlns:a14="http://schemas.microsoft.com/office/drawing/2010/main" xmlns="">
+              <a14:hiddenFill xmlns="" xmlns:a14="http://schemas.microsoft.com/office/drawing/2010/main">
                 <a:solidFill>
                   <a:schemeClr val="accent1"/>
                 </a:solidFill>
               </a14:hiddenFill>
             </a:ext>
             <a:ext uri="{91240B29-F687-4f45-9708-019B960494DF}">
-              <a14:hiddenLine xmlns:a14="http://schemas.microsoft.com/office/drawing/2010/main" xmlns="" w="9525">
+              <a14:hiddenLine xmlns="" xmlns:a14="http://schemas.microsoft.com/office/drawing/2010/main" w="9525">
                 <a:solidFill>
                   <a:schemeClr val="tx1"/>
                 </a:solidFill>
@@ -22696,7 +23135,7 @@
         <a:effectLst/>
         <a:extLst>
           <a:ext uri="{AF507438-7753-43e0-B8FC-AC1667EBCBE1}">
-            <a14:hiddenEffects xmlns:a14="http://schemas.microsoft.com/office/drawing/2010/main" xmlns="">
+            <a14:hiddenEffects xmlns="" xmlns:a14="http://schemas.microsoft.com/office/drawing/2010/main">
               <a:effectLst>
                 <a:outerShdw blurRad="63500" dist="38099" dir="2700000" algn="ctr" rotWithShape="0">
                   <a:schemeClr val="bg2">
@@ -22773,7 +23212,7 @@
         <a:effectLst/>
         <a:extLst>
           <a:ext uri="{AF507438-7753-43e0-B8FC-AC1667EBCBE1}">
-            <a14:hiddenEffects xmlns:a14="http://schemas.microsoft.com/office/drawing/2010/main" xmlns="">
+            <a14:hiddenEffects xmlns="" xmlns:a14="http://schemas.microsoft.com/office/drawing/2010/main">
               <a:effectLst>
                 <a:outerShdw blurRad="63500" dist="38099" dir="2700000" algn="ctr" rotWithShape="0">
                   <a:schemeClr val="bg2">

--- a/notes/csc402-ln013.pptx
+++ b/notes/csc402-ln013.pptx
@@ -17197,10 +17197,10 @@
       </p:sp>
       <p:pic>
         <p:nvPicPr>
-          <p:cNvPr id="3" name="Picture 2">
+          <p:cNvPr id="5" name="Picture 4">
             <a:extLst>
               <a:ext uri="{FF2B5EF4-FFF2-40B4-BE49-F238E27FC236}">
-                <a16:creationId xmlns:a16="http://schemas.microsoft.com/office/drawing/2014/main" id="{FD6E52BB-5A9B-C342-8C21-CFAF1BCFD15C}"/>
+                <a16:creationId xmlns:a16="http://schemas.microsoft.com/office/drawing/2014/main" id="{C21CCECD-FF83-4C44-BC17-C6D9824F9640}"/>
               </a:ext>
             </a:extLst>
           </p:cNvPr>
@@ -17217,8 +17217,8 @@
         </p:blipFill>
         <p:spPr>
           <a:xfrm>
-            <a:off x="304800" y="1494889"/>
-            <a:ext cx="4076700" cy="2316679"/>
+            <a:off x="304800" y="1517412"/>
+            <a:ext cx="4573772" cy="2558058"/>
           </a:xfrm>
           <a:prstGeom prst="rect">
             <a:avLst/>
@@ -17232,10 +17232,10 @@
       </p:pic>
       <p:pic>
         <p:nvPicPr>
-          <p:cNvPr id="4" name="Picture 3">
+          <p:cNvPr id="7" name="Picture 6">
             <a:extLst>
               <a:ext uri="{FF2B5EF4-FFF2-40B4-BE49-F238E27FC236}">
-                <a16:creationId xmlns:a16="http://schemas.microsoft.com/office/drawing/2014/main" id="{7D4C9950-989D-EB48-BB05-C2DD2A96A651}"/>
+                <a16:creationId xmlns:a16="http://schemas.microsoft.com/office/drawing/2014/main" id="{F1A26CA9-2344-C346-A782-0C4F1EFACE70}"/>
               </a:ext>
             </a:extLst>
           </p:cNvPr>
@@ -17252,8 +17252,8 @@
         </p:blipFill>
         <p:spPr>
           <a:xfrm>
-            <a:off x="2738538" y="3429000"/>
-            <a:ext cx="6083300" cy="2897723"/>
+            <a:off x="2787650" y="3200400"/>
+            <a:ext cx="6051550" cy="2964410"/>
           </a:xfrm>
           <a:prstGeom prst="rect">
             <a:avLst/>
